--- a/psea/en/lessons/definition.pptx
+++ b/psea/en/lessons/definition.pptx
@@ -5,34 +5,29 @@
     <p:sldMasterId id="2147483648" r:id="rId1"/>
   </p:sldMasterIdLst>
   <p:notesMasterIdLst>
-    <p:notesMasterId r:id="rId22"/>
+    <p:notesMasterId r:id="rId17"/>
   </p:notesMasterIdLst>
   <p:sldIdLst>
     <p:sldId id="343" r:id="rId2"/>
-    <p:sldId id="352" r:id="rId3"/>
-    <p:sldId id="353" r:id="rId4"/>
+    <p:sldId id="353" r:id="rId3"/>
+    <p:sldId id="352" r:id="rId4"/>
     <p:sldId id="354" r:id="rId5"/>
     <p:sldId id="359" r:id="rId6"/>
     <p:sldId id="355" r:id="rId7"/>
     <p:sldId id="360" r:id="rId8"/>
     <p:sldId id="361" r:id="rId9"/>
-    <p:sldId id="349" r:id="rId10"/>
-    <p:sldId id="350" r:id="rId11"/>
-    <p:sldId id="356" r:id="rId12"/>
-    <p:sldId id="362" r:id="rId13"/>
-    <p:sldId id="363" r:id="rId14"/>
-    <p:sldId id="357" r:id="rId15"/>
-    <p:sldId id="364" r:id="rId16"/>
-    <p:sldId id="365" r:id="rId17"/>
-    <p:sldId id="358" r:id="rId18"/>
-    <p:sldId id="367" r:id="rId19"/>
-    <p:sldId id="366" r:id="rId20"/>
-    <p:sldId id="351" r:id="rId21"/>
+    <p:sldId id="357" r:id="rId10"/>
+    <p:sldId id="364" r:id="rId11"/>
+    <p:sldId id="365" r:id="rId12"/>
+    <p:sldId id="366" r:id="rId13"/>
+    <p:sldId id="368" r:id="rId14"/>
+    <p:sldId id="367" r:id="rId15"/>
+    <p:sldId id="351" r:id="rId16"/>
   </p:sldIdLst>
   <p:sldSz cx="12192000" cy="6858000"/>
   <p:notesSz cx="6858000" cy="9144000"/>
   <p:custDataLst>
-    <p:tags r:id="rId23"/>
+    <p:tags r:id="rId18"/>
   </p:custDataLst>
   <p:defaultTextStyle>
     <a:defPPr>
@@ -275,7 +270,7 @@
           <a:p>
             <a:fld id="{CD4A716A-96FF-444E-85A3-889DB32D1FBA}" type="datetimeFigureOut">
               <a:rPr lang="ru-RU" smtClean="0"/>
-              <a:t>15.09.2024</a:t>
+              <a:t>19.09.2024</a:t>
             </a:fld>
             <a:endParaRPr lang="ru-RU"/>
           </a:p>
@@ -670,7 +665,7 @@
           <a:bodyPr/>
           <a:lstStyle/>
           <a:p>
-            <a:endParaRPr lang="en-US"/>
+            <a:endParaRPr lang="en-US" dirty="0"/>
           </a:p>
         </p:txBody>
       </p:sp>
@@ -700,7 +695,7 @@
     </p:spTree>
     <p:extLst>
       <p:ext uri="{BB962C8B-B14F-4D97-AF65-F5344CB8AC3E}">
-        <p14:creationId xmlns:p14="http://schemas.microsoft.com/office/powerpoint/2010/main" val="3400519621"/>
+        <p14:creationId xmlns:p14="http://schemas.microsoft.com/office/powerpoint/2010/main" val="2896561241"/>
       </p:ext>
     </p:extLst>
   </p:cSld>
@@ -784,7 +779,7 @@
     </p:spTree>
     <p:extLst>
       <p:ext uri="{BB962C8B-B14F-4D97-AF65-F5344CB8AC3E}">
-        <p14:creationId xmlns:p14="http://schemas.microsoft.com/office/powerpoint/2010/main" val="3484774782"/>
+        <p14:creationId xmlns:p14="http://schemas.microsoft.com/office/powerpoint/2010/main" val="2966485098"/>
       </p:ext>
     </p:extLst>
   </p:cSld>
@@ -868,7 +863,7 @@
     </p:spTree>
     <p:extLst>
       <p:ext uri="{BB962C8B-B14F-4D97-AF65-F5344CB8AC3E}">
-        <p14:creationId xmlns:p14="http://schemas.microsoft.com/office/powerpoint/2010/main" val="1910161270"/>
+        <p14:creationId xmlns:p14="http://schemas.microsoft.com/office/powerpoint/2010/main" val="2858712562"/>
       </p:ext>
     </p:extLst>
   </p:cSld>
@@ -952,7 +947,7 @@
     </p:spTree>
     <p:extLst>
       <p:ext uri="{BB962C8B-B14F-4D97-AF65-F5344CB8AC3E}">
-        <p14:creationId xmlns:p14="http://schemas.microsoft.com/office/powerpoint/2010/main" val="2090729810"/>
+        <p14:creationId xmlns:p14="http://schemas.microsoft.com/office/powerpoint/2010/main" val="126486858"/>
       </p:ext>
     </p:extLst>
   </p:cSld>
@@ -1036,7 +1031,7 @@
     </p:spTree>
     <p:extLst>
       <p:ext uri="{BB962C8B-B14F-4D97-AF65-F5344CB8AC3E}">
-        <p14:creationId xmlns:p14="http://schemas.microsoft.com/office/powerpoint/2010/main" val="3780858889"/>
+        <p14:creationId xmlns:p14="http://schemas.microsoft.com/office/powerpoint/2010/main" val="1850977973"/>
       </p:ext>
     </p:extLst>
   </p:cSld>
@@ -1120,343 +1115,7 @@
     </p:spTree>
     <p:extLst>
       <p:ext uri="{BB962C8B-B14F-4D97-AF65-F5344CB8AC3E}">
-        <p14:creationId xmlns:p14="http://schemas.microsoft.com/office/powerpoint/2010/main" val="2896561241"/>
-      </p:ext>
-    </p:extLst>
-  </p:cSld>
-  <p:clrMapOvr>
-    <a:masterClrMapping/>
-  </p:clrMapOvr>
-</p:notes>
-</file>
-
-<file path=ppt/notesSlides/notesSlide16.xml><?xml version="1.0" encoding="utf-8"?>
-<p:notes xmlns:a="http://schemas.openxmlformats.org/drawingml/2006/main" xmlns:r="http://schemas.openxmlformats.org/officeDocument/2006/relationships" xmlns:p="http://schemas.openxmlformats.org/presentationml/2006/main">
-  <p:cSld>
-    <p:spTree>
-      <p:nvGrpSpPr>
-        <p:cNvPr id="1" name=""/>
-        <p:cNvGrpSpPr/>
-        <p:nvPr/>
-      </p:nvGrpSpPr>
-      <p:grpSpPr>
-        <a:xfrm>
-          <a:off x="0" y="0"/>
-          <a:ext cx="0" cy="0"/>
-          <a:chOff x="0" y="0"/>
-          <a:chExt cx="0" cy="0"/>
-        </a:xfrm>
-      </p:grpSpPr>
-      <p:sp>
-        <p:nvSpPr>
-          <p:cNvPr id="2" name="Slide Image Placeholder 1"/>
-          <p:cNvSpPr>
-            <a:spLocks noGrp="1" noRot="1" noChangeAspect="1"/>
-          </p:cNvSpPr>
-          <p:nvPr>
-            <p:ph type="sldImg"/>
-          </p:nvPr>
-        </p:nvSpPr>
-        <p:spPr/>
-      </p:sp>
-      <p:sp>
-        <p:nvSpPr>
-          <p:cNvPr id="3" name="Notes Placeholder 2"/>
-          <p:cNvSpPr>
-            <a:spLocks noGrp="1"/>
-          </p:cNvSpPr>
-          <p:nvPr>
-            <p:ph type="body" idx="1"/>
-          </p:nvPr>
-        </p:nvSpPr>
-        <p:spPr/>
-        <p:txBody>
-          <a:bodyPr/>
-          <a:lstStyle/>
-          <a:p>
-            <a:endParaRPr lang="en-US" dirty="0"/>
-          </a:p>
-        </p:txBody>
-      </p:sp>
-      <p:sp>
-        <p:nvSpPr>
-          <p:cNvPr id="4" name="Slide Number Placeholder 3"/>
-          <p:cNvSpPr>
-            <a:spLocks noGrp="1"/>
-          </p:cNvSpPr>
-          <p:nvPr>
-            <p:ph type="sldNum" sz="quarter" idx="5"/>
-          </p:nvPr>
-        </p:nvSpPr>
-        <p:spPr/>
-        <p:txBody>
-          <a:bodyPr/>
-          <a:lstStyle/>
-          <a:p>
-            <a:fld id="{95E4AF92-FB35-FC4B-A1DD-7C909C20A5EE}" type="slidenum">
-              <a:rPr lang="ru-RU" smtClean="0"/>
-              <a:t>16</a:t>
-            </a:fld>
-            <a:endParaRPr lang="ru-RU"/>
-          </a:p>
-        </p:txBody>
-      </p:sp>
-    </p:spTree>
-    <p:extLst>
-      <p:ext uri="{BB962C8B-B14F-4D97-AF65-F5344CB8AC3E}">
-        <p14:creationId xmlns:p14="http://schemas.microsoft.com/office/powerpoint/2010/main" val="2966485098"/>
-      </p:ext>
-    </p:extLst>
-  </p:cSld>
-  <p:clrMapOvr>
-    <a:masterClrMapping/>
-  </p:clrMapOvr>
-</p:notes>
-</file>
-
-<file path=ppt/notesSlides/notesSlide17.xml><?xml version="1.0" encoding="utf-8"?>
-<p:notes xmlns:a="http://schemas.openxmlformats.org/drawingml/2006/main" xmlns:r="http://schemas.openxmlformats.org/officeDocument/2006/relationships" xmlns:p="http://schemas.openxmlformats.org/presentationml/2006/main">
-  <p:cSld>
-    <p:spTree>
-      <p:nvGrpSpPr>
-        <p:cNvPr id="1" name=""/>
-        <p:cNvGrpSpPr/>
-        <p:nvPr/>
-      </p:nvGrpSpPr>
-      <p:grpSpPr>
-        <a:xfrm>
-          <a:off x="0" y="0"/>
-          <a:ext cx="0" cy="0"/>
-          <a:chOff x="0" y="0"/>
-          <a:chExt cx="0" cy="0"/>
-        </a:xfrm>
-      </p:grpSpPr>
-      <p:sp>
-        <p:nvSpPr>
-          <p:cNvPr id="2" name="Slide Image Placeholder 1"/>
-          <p:cNvSpPr>
-            <a:spLocks noGrp="1" noRot="1" noChangeAspect="1"/>
-          </p:cNvSpPr>
-          <p:nvPr>
-            <p:ph type="sldImg"/>
-          </p:nvPr>
-        </p:nvSpPr>
-        <p:spPr/>
-      </p:sp>
-      <p:sp>
-        <p:nvSpPr>
-          <p:cNvPr id="3" name="Notes Placeholder 2"/>
-          <p:cNvSpPr>
-            <a:spLocks noGrp="1"/>
-          </p:cNvSpPr>
-          <p:nvPr>
-            <p:ph type="body" idx="1"/>
-          </p:nvPr>
-        </p:nvSpPr>
-        <p:spPr/>
-        <p:txBody>
-          <a:bodyPr/>
-          <a:lstStyle/>
-          <a:p>
-            <a:endParaRPr lang="en-US" dirty="0"/>
-          </a:p>
-        </p:txBody>
-      </p:sp>
-      <p:sp>
-        <p:nvSpPr>
-          <p:cNvPr id="4" name="Slide Number Placeholder 3"/>
-          <p:cNvSpPr>
-            <a:spLocks noGrp="1"/>
-          </p:cNvSpPr>
-          <p:nvPr>
-            <p:ph type="sldNum" sz="quarter" idx="5"/>
-          </p:nvPr>
-        </p:nvSpPr>
-        <p:spPr/>
-        <p:txBody>
-          <a:bodyPr/>
-          <a:lstStyle/>
-          <a:p>
-            <a:fld id="{95E4AF92-FB35-FC4B-A1DD-7C909C20A5EE}" type="slidenum">
-              <a:rPr lang="ru-RU" smtClean="0"/>
-              <a:t>17</a:t>
-            </a:fld>
-            <a:endParaRPr lang="ru-RU"/>
-          </a:p>
-        </p:txBody>
-      </p:sp>
-    </p:spTree>
-    <p:extLst>
-      <p:ext uri="{BB962C8B-B14F-4D97-AF65-F5344CB8AC3E}">
-        <p14:creationId xmlns:p14="http://schemas.microsoft.com/office/powerpoint/2010/main" val="3229935951"/>
-      </p:ext>
-    </p:extLst>
-  </p:cSld>
-  <p:clrMapOvr>
-    <a:masterClrMapping/>
-  </p:clrMapOvr>
-</p:notes>
-</file>
-
-<file path=ppt/notesSlides/notesSlide18.xml><?xml version="1.0" encoding="utf-8"?>
-<p:notes xmlns:a="http://schemas.openxmlformats.org/drawingml/2006/main" xmlns:r="http://schemas.openxmlformats.org/officeDocument/2006/relationships" xmlns:p="http://schemas.openxmlformats.org/presentationml/2006/main">
-  <p:cSld>
-    <p:spTree>
-      <p:nvGrpSpPr>
-        <p:cNvPr id="1" name=""/>
-        <p:cNvGrpSpPr/>
-        <p:nvPr/>
-      </p:nvGrpSpPr>
-      <p:grpSpPr>
-        <a:xfrm>
-          <a:off x="0" y="0"/>
-          <a:ext cx="0" cy="0"/>
-          <a:chOff x="0" y="0"/>
-          <a:chExt cx="0" cy="0"/>
-        </a:xfrm>
-      </p:grpSpPr>
-      <p:sp>
-        <p:nvSpPr>
-          <p:cNvPr id="2" name="Slide Image Placeholder 1"/>
-          <p:cNvSpPr>
-            <a:spLocks noGrp="1" noRot="1" noChangeAspect="1"/>
-          </p:cNvSpPr>
-          <p:nvPr>
-            <p:ph type="sldImg"/>
-          </p:nvPr>
-        </p:nvSpPr>
-        <p:spPr/>
-      </p:sp>
-      <p:sp>
-        <p:nvSpPr>
-          <p:cNvPr id="3" name="Notes Placeholder 2"/>
-          <p:cNvSpPr>
-            <a:spLocks noGrp="1"/>
-          </p:cNvSpPr>
-          <p:nvPr>
-            <p:ph type="body" idx="1"/>
-          </p:nvPr>
-        </p:nvSpPr>
-        <p:spPr/>
-        <p:txBody>
-          <a:bodyPr/>
-          <a:lstStyle/>
-          <a:p>
-            <a:endParaRPr lang="en-US" dirty="0"/>
-          </a:p>
-        </p:txBody>
-      </p:sp>
-      <p:sp>
-        <p:nvSpPr>
-          <p:cNvPr id="4" name="Slide Number Placeholder 3"/>
-          <p:cNvSpPr>
-            <a:spLocks noGrp="1"/>
-          </p:cNvSpPr>
-          <p:nvPr>
-            <p:ph type="sldNum" sz="quarter" idx="5"/>
-          </p:nvPr>
-        </p:nvSpPr>
-        <p:spPr/>
-        <p:txBody>
-          <a:bodyPr/>
-          <a:lstStyle/>
-          <a:p>
-            <a:fld id="{95E4AF92-FB35-FC4B-A1DD-7C909C20A5EE}" type="slidenum">
-              <a:rPr lang="ru-RU" smtClean="0"/>
-              <a:t>18</a:t>
-            </a:fld>
-            <a:endParaRPr lang="ru-RU"/>
-          </a:p>
-        </p:txBody>
-      </p:sp>
-    </p:spTree>
-    <p:extLst>
-      <p:ext uri="{BB962C8B-B14F-4D97-AF65-F5344CB8AC3E}">
-        <p14:creationId xmlns:p14="http://schemas.microsoft.com/office/powerpoint/2010/main" val="1672646460"/>
-      </p:ext>
-    </p:extLst>
-  </p:cSld>
-  <p:clrMapOvr>
-    <a:masterClrMapping/>
-  </p:clrMapOvr>
-</p:notes>
-</file>
-
-<file path=ppt/notesSlides/notesSlide19.xml><?xml version="1.0" encoding="utf-8"?>
-<p:notes xmlns:a="http://schemas.openxmlformats.org/drawingml/2006/main" xmlns:r="http://schemas.openxmlformats.org/officeDocument/2006/relationships" xmlns:p="http://schemas.openxmlformats.org/presentationml/2006/main">
-  <p:cSld>
-    <p:spTree>
-      <p:nvGrpSpPr>
-        <p:cNvPr id="1" name=""/>
-        <p:cNvGrpSpPr/>
-        <p:nvPr/>
-      </p:nvGrpSpPr>
-      <p:grpSpPr>
-        <a:xfrm>
-          <a:off x="0" y="0"/>
-          <a:ext cx="0" cy="0"/>
-          <a:chOff x="0" y="0"/>
-          <a:chExt cx="0" cy="0"/>
-        </a:xfrm>
-      </p:grpSpPr>
-      <p:sp>
-        <p:nvSpPr>
-          <p:cNvPr id="2" name="Slide Image Placeholder 1"/>
-          <p:cNvSpPr>
-            <a:spLocks noGrp="1" noRot="1" noChangeAspect="1"/>
-          </p:cNvSpPr>
-          <p:nvPr>
-            <p:ph type="sldImg"/>
-          </p:nvPr>
-        </p:nvSpPr>
-        <p:spPr/>
-      </p:sp>
-      <p:sp>
-        <p:nvSpPr>
-          <p:cNvPr id="3" name="Notes Placeholder 2"/>
-          <p:cNvSpPr>
-            <a:spLocks noGrp="1"/>
-          </p:cNvSpPr>
-          <p:nvPr>
-            <p:ph type="body" idx="1"/>
-          </p:nvPr>
-        </p:nvSpPr>
-        <p:spPr/>
-        <p:txBody>
-          <a:bodyPr/>
-          <a:lstStyle/>
-          <a:p>
-            <a:endParaRPr lang="en-US" dirty="0"/>
-          </a:p>
-        </p:txBody>
-      </p:sp>
-      <p:sp>
-        <p:nvSpPr>
-          <p:cNvPr id="4" name="Slide Number Placeholder 3"/>
-          <p:cNvSpPr>
-            <a:spLocks noGrp="1"/>
-          </p:cNvSpPr>
-          <p:nvPr>
-            <p:ph type="sldNum" sz="quarter" idx="5"/>
-          </p:nvPr>
-        </p:nvSpPr>
-        <p:spPr/>
-        <p:txBody>
-          <a:bodyPr/>
-          <a:lstStyle/>
-          <a:p>
-            <a:fld id="{95E4AF92-FB35-FC4B-A1DD-7C909C20A5EE}" type="slidenum">
-              <a:rPr lang="ru-RU" smtClean="0"/>
-              <a:t>19</a:t>
-            </a:fld>
-            <a:endParaRPr lang="ru-RU"/>
-          </a:p>
-        </p:txBody>
-      </p:sp>
-    </p:spTree>
-    <p:extLst>
-      <p:ext uri="{BB962C8B-B14F-4D97-AF65-F5344CB8AC3E}">
-        <p14:creationId xmlns:p14="http://schemas.microsoft.com/office/powerpoint/2010/main" val="2858712562"/>
+        <p14:creationId xmlns:p14="http://schemas.microsoft.com/office/powerpoint/2010/main" val="3074721134"/>
       </p:ext>
     </p:extLst>
   </p:cSld>
@@ -1540,91 +1199,7 @@
     </p:spTree>
     <p:extLst>
       <p:ext uri="{BB962C8B-B14F-4D97-AF65-F5344CB8AC3E}">
-        <p14:creationId xmlns:p14="http://schemas.microsoft.com/office/powerpoint/2010/main" val="2921106324"/>
-      </p:ext>
-    </p:extLst>
-  </p:cSld>
-  <p:clrMapOvr>
-    <a:masterClrMapping/>
-  </p:clrMapOvr>
-</p:notes>
-</file>
-
-<file path=ppt/notesSlides/notesSlide20.xml><?xml version="1.0" encoding="utf-8"?>
-<p:notes xmlns:a="http://schemas.openxmlformats.org/drawingml/2006/main" xmlns:r="http://schemas.openxmlformats.org/officeDocument/2006/relationships" xmlns:p="http://schemas.openxmlformats.org/presentationml/2006/main">
-  <p:cSld>
-    <p:spTree>
-      <p:nvGrpSpPr>
-        <p:cNvPr id="1" name=""/>
-        <p:cNvGrpSpPr/>
-        <p:nvPr/>
-      </p:nvGrpSpPr>
-      <p:grpSpPr>
-        <a:xfrm>
-          <a:off x="0" y="0"/>
-          <a:ext cx="0" cy="0"/>
-          <a:chOff x="0" y="0"/>
-          <a:chExt cx="0" cy="0"/>
-        </a:xfrm>
-      </p:grpSpPr>
-      <p:sp>
-        <p:nvSpPr>
-          <p:cNvPr id="2" name="Slide Image Placeholder 1"/>
-          <p:cNvSpPr>
-            <a:spLocks noGrp="1" noRot="1" noChangeAspect="1"/>
-          </p:cNvSpPr>
-          <p:nvPr>
-            <p:ph type="sldImg"/>
-          </p:nvPr>
-        </p:nvSpPr>
-        <p:spPr/>
-      </p:sp>
-      <p:sp>
-        <p:nvSpPr>
-          <p:cNvPr id="3" name="Notes Placeholder 2"/>
-          <p:cNvSpPr>
-            <a:spLocks noGrp="1"/>
-          </p:cNvSpPr>
-          <p:nvPr>
-            <p:ph type="body" idx="1"/>
-          </p:nvPr>
-        </p:nvSpPr>
-        <p:spPr/>
-        <p:txBody>
-          <a:bodyPr/>
-          <a:lstStyle/>
-          <a:p>
-            <a:endParaRPr lang="en-US" dirty="0"/>
-          </a:p>
-        </p:txBody>
-      </p:sp>
-      <p:sp>
-        <p:nvSpPr>
-          <p:cNvPr id="4" name="Slide Number Placeholder 3"/>
-          <p:cNvSpPr>
-            <a:spLocks noGrp="1"/>
-          </p:cNvSpPr>
-          <p:nvPr>
-            <p:ph type="sldNum" sz="quarter" idx="5"/>
-          </p:nvPr>
-        </p:nvSpPr>
-        <p:spPr/>
-        <p:txBody>
-          <a:bodyPr/>
-          <a:lstStyle/>
-          <a:p>
-            <a:fld id="{95E4AF92-FB35-FC4B-A1DD-7C909C20A5EE}" type="slidenum">
-              <a:rPr lang="ru-RU" smtClean="0"/>
-              <a:t>20</a:t>
-            </a:fld>
-            <a:endParaRPr lang="ru-RU"/>
-          </a:p>
-        </p:txBody>
-      </p:sp>
-    </p:spTree>
-    <p:extLst>
-      <p:ext uri="{BB962C8B-B14F-4D97-AF65-F5344CB8AC3E}">
-        <p14:creationId xmlns:p14="http://schemas.microsoft.com/office/powerpoint/2010/main" val="3074721134"/>
+        <p14:creationId xmlns:p14="http://schemas.microsoft.com/office/powerpoint/2010/main" val="2854341096"/>
       </p:ext>
     </p:extLst>
   </p:cSld>
@@ -1708,7 +1283,7 @@
     </p:spTree>
     <p:extLst>
       <p:ext uri="{BB962C8B-B14F-4D97-AF65-F5344CB8AC3E}">
-        <p14:creationId xmlns:p14="http://schemas.microsoft.com/office/powerpoint/2010/main" val="2854341096"/>
+        <p14:creationId xmlns:p14="http://schemas.microsoft.com/office/powerpoint/2010/main" val="2921106324"/>
       </p:ext>
     </p:extLst>
   </p:cSld>
@@ -2212,7 +1787,7 @@
     </p:spTree>
     <p:extLst>
       <p:ext uri="{BB962C8B-B14F-4D97-AF65-F5344CB8AC3E}">
-        <p14:creationId xmlns:p14="http://schemas.microsoft.com/office/powerpoint/2010/main" val="2184252454"/>
+        <p14:creationId xmlns:p14="http://schemas.microsoft.com/office/powerpoint/2010/main" val="3780858889"/>
       </p:ext>
     </p:extLst>
   </p:cSld>
@@ -2369,7 +1944,7 @@
           <a:p>
             <a:fld id="{4507D0C9-DCEA-F448-A25E-CBBFA477327C}" type="datetimeFigureOut">
               <a:rPr lang="ru-RU" smtClean="0"/>
-              <a:t>15.09.2024</a:t>
+              <a:t>19.09.2024</a:t>
             </a:fld>
             <a:endParaRPr lang="ru-RU"/>
           </a:p>
@@ -2482,7 +2057,7 @@
           <a:p>
             <a:fld id="{4507D0C9-DCEA-F448-A25E-CBBFA477327C}" type="datetimeFigureOut">
               <a:rPr lang="ru-RU" smtClean="0"/>
-              <a:t>15.09.2024</a:t>
+              <a:t>19.09.2024</a:t>
             </a:fld>
             <a:endParaRPr lang="ru-RU"/>
           </a:p>
@@ -2730,7 +2305,7 @@
           <a:p>
             <a:fld id="{4507D0C9-DCEA-F448-A25E-CBBFA477327C}" type="datetimeFigureOut">
               <a:rPr lang="ru-RU" smtClean="0"/>
-              <a:t>15.09.2024</a:t>
+              <a:t>19.09.2024</a:t>
             </a:fld>
             <a:endParaRPr lang="ru-RU"/>
           </a:p>
@@ -3273,7 +2848,7 @@
         <p:spPr>
           <a:xfrm>
             <a:off x="443051" y="3085640"/>
-            <a:ext cx="6979357" cy="852515"/>
+            <a:ext cx="7141972" cy="852515"/>
           </a:xfrm>
           <a:prstGeom prst="rect">
             <a:avLst/>
@@ -3304,15 +2879,14 @@
           </a:lstStyle>
           <a:p>
             <a:r>
-              <a:rPr lang="en-US" sz="2400" b="0" i="0" u="none" strike="noStrike" dirty="0">
-                <a:solidFill>
-                  <a:srgbClr val="000000"/>
-                </a:solidFill>
-                <a:effectLst/>
-              </a:rPr>
-              <a:t>Safeguarding from  types of abuse for children and adults</a:t>
-            </a:r>
-            <a:endParaRPr lang="ru-RU" sz="6000" dirty="0">
+              <a:rPr lang="en-US" sz="2400" dirty="0"/>
+              <a:t>Discuss the different forms of sexual </a:t>
+            </a:r>
+            <a:r>
+              <a:rPr lang="en-US" sz="2400" dirty="0" smtClean="0"/>
+              <a:t>misconduct</a:t>
+            </a:r>
+            <a:endParaRPr lang="ru-RU" sz="2400" dirty="0">
               <a:solidFill>
                 <a:srgbClr val="151824"/>
               </a:solidFill>
@@ -3406,10 +2980,10 @@
       </p:grpSpPr>
       <p:pic>
         <p:nvPicPr>
-          <p:cNvPr id="2" name="Picture Background">
+          <p:cNvPr id="5" name="Picture Background">
             <a:extLst>
               <a:ext uri="{FF2B5EF4-FFF2-40B4-BE49-F238E27FC236}">
-                <a16:creationId xmlns:a16="http://schemas.microsoft.com/office/drawing/2014/main" id="{F0AE7FE6-9C80-7DA4-C3D2-BE3B9D03D0C3}"/>
+                <a16:creationId xmlns:a16="http://schemas.microsoft.com/office/drawing/2014/main" id="{8F32C49C-CA82-44AD-87B5-61623BBFED22}"/>
               </a:ext>
             </a:extLst>
           </p:cNvPr>
@@ -3419,27 +2993,11 @@
           <p:nvPr/>
         </p:nvPicPr>
         <p:blipFill>
-          <a:blip r:embed="rId4"/>
+          <a:blip r:embed="rId5"/>
           <a:stretch>
             <a:fillRect/>
           </a:stretch>
         </p:blipFill>
-        <p:spPr>
-          <a:xfrm>
-            <a:off x="1" y="0"/>
-            <a:ext cx="12192000" cy="6858000"/>
-          </a:xfrm>
-          <a:prstGeom prst="rect">
-            <a:avLst/>
-          </a:prstGeom>
-        </p:spPr>
-      </p:pic>
-      <p:sp>
-        <p:nvSpPr>
-          <p:cNvPr id="3" name="ISPRING_QUIZ_SHAPE0"/>
-          <p:cNvSpPr/>
-          <p:nvPr/>
-        </p:nvSpPr>
         <p:spPr>
           <a:xfrm>
             <a:off x="0" y="0"/>
@@ -3448,39 +3006,351 @@
           <a:prstGeom prst="rect">
             <a:avLst/>
           </a:prstGeom>
+        </p:spPr>
+      </p:pic>
+      <p:sp>
+        <p:nvSpPr>
+          <p:cNvPr id="2" name="Title">
+            <a:extLst>
+              <a:ext uri="{FF2B5EF4-FFF2-40B4-BE49-F238E27FC236}">
+                <a16:creationId xmlns:a16="http://schemas.microsoft.com/office/drawing/2014/main" id="{780F3996-F45A-4577-B2DB-342301B618F0}"/>
+              </a:ext>
+            </a:extLst>
+          </p:cNvPr>
+          <p:cNvSpPr txBox="1">
+            <a:spLocks/>
+          </p:cNvSpPr>
+          <p:nvPr/>
+        </p:nvSpPr>
+        <p:spPr>
+          <a:xfrm>
+            <a:off x="443052" y="1911926"/>
+            <a:ext cx="6979357" cy="576441"/>
+          </a:xfrm>
+          <a:prstGeom prst="rect">
+            <a:avLst/>
+          </a:prstGeom>
+        </p:spPr>
+        <p:txBody>
+          <a:bodyPr anchor="b">
+            <a:normAutofit fontScale="77500" lnSpcReduction="20000"/>
+          </a:bodyPr>
+          <a:lstStyle>
+            <a:lvl1pPr algn="l" defTabSz="914400" rtl="0" eaLnBrk="1" latinLnBrk="0" hangingPunct="1">
+              <a:lnSpc>
+                <a:spcPct val="90000"/>
+              </a:lnSpc>
+              <a:spcBef>
+                <a:spcPct val="0"/>
+              </a:spcBef>
+              <a:buNone/>
+              <a:defRPr sz="4400" kern="1200">
+                <a:solidFill>
+                  <a:schemeClr val="tx1"/>
+                </a:solidFill>
+                <a:latin typeface="+mj-lt"/>
+                <a:ea typeface="+mj-ea"/>
+                <a:cs typeface="+mj-cs"/>
+              </a:defRPr>
+            </a:lvl1pPr>
+          </a:lstStyle>
+          <a:p>
+            <a:endParaRPr lang="ru-RU" sz="5400" dirty="0">
+              <a:solidFill>
+                <a:srgbClr val="151824"/>
+              </a:solidFill>
+              <a:ea typeface="Open Sans" panose="020B0606030504020204" pitchFamily="34" charset="0"/>
+              <a:cs typeface="Open Sans" panose="020B0606030504020204" pitchFamily="34" charset="0"/>
+            </a:endParaRPr>
+          </a:p>
+        </p:txBody>
+      </p:sp>
+      <p:sp>
+        <p:nvSpPr>
+          <p:cNvPr id="3" name="Title">
+            <a:extLst>
+              <a:ext uri="{FF2B5EF4-FFF2-40B4-BE49-F238E27FC236}">
+                <a16:creationId xmlns:a16="http://schemas.microsoft.com/office/drawing/2014/main" id="{DB976287-88DA-E1BC-93BA-814DA2A4F3B0}"/>
+              </a:ext>
+            </a:extLst>
+          </p:cNvPr>
+          <p:cNvSpPr txBox="1">
+            <a:spLocks/>
+          </p:cNvSpPr>
+          <p:nvPr/>
+        </p:nvSpPr>
+        <p:spPr>
+          <a:xfrm>
+            <a:off x="114215" y="494934"/>
+            <a:ext cx="7308194" cy="5771213"/>
+          </a:xfrm>
+          <a:prstGeom prst="rect">
+            <a:avLst/>
+          </a:prstGeom>
+        </p:spPr>
+        <p:txBody>
+          <a:bodyPr anchor="b">
+            <a:normAutofit/>
+          </a:bodyPr>
+          <a:lstStyle>
+            <a:lvl1pPr algn="l" defTabSz="914400" rtl="0" eaLnBrk="1" latinLnBrk="0" hangingPunct="1">
+              <a:lnSpc>
+                <a:spcPct val="90000"/>
+              </a:lnSpc>
+              <a:spcBef>
+                <a:spcPct val="0"/>
+              </a:spcBef>
+              <a:buNone/>
+              <a:defRPr sz="4400" kern="1200">
+                <a:solidFill>
+                  <a:schemeClr val="tx1"/>
+                </a:solidFill>
+                <a:latin typeface="+mj-lt"/>
+                <a:ea typeface="+mj-ea"/>
+                <a:cs typeface="+mj-cs"/>
+              </a:defRPr>
+            </a:lvl1pPr>
+          </a:lstStyle>
+          <a:p>
+            <a:pPr fontAlgn="base"/>
+            <a:endParaRPr lang="ru-RU" sz="2400" dirty="0">
+              <a:ea typeface="Open Sans" panose="020B0606030504020204" pitchFamily="34" charset="0"/>
+              <a:cs typeface="Open Sans" panose="020B0606030504020204" pitchFamily="34" charset="0"/>
+            </a:endParaRPr>
+          </a:p>
+        </p:txBody>
+      </p:sp>
+      <p:pic>
+        <p:nvPicPr>
+          <p:cNvPr id="4" name="Picture 3"/>
+          <p:cNvPicPr>
+            <a:picLocks noChangeAspect="1"/>
+          </p:cNvPicPr>
+          <p:nvPr>
+            <p:custDataLst>
+              <p:tags r:id="rId2"/>
+            </p:custDataLst>
+          </p:nvPr>
+        </p:nvPicPr>
+        <p:blipFill>
+          <a:blip r:embed="rId6">
+            <a:extLst>
+              <a:ext uri="{28A0092B-C50C-407E-A947-70E740481C1C}">
+                <a14:useLocalDpi xmlns:a14="http://schemas.microsoft.com/office/drawing/2010/main" val="0"/>
+              </a:ext>
+            </a:extLst>
+          </a:blip>
+          <a:stretch>
+            <a:fillRect/>
+          </a:stretch>
+        </p:blipFill>
+        <p:spPr>
+          <a:xfrm>
+            <a:off x="8184696" y="494934"/>
+            <a:ext cx="3687514" cy="10475782"/>
+          </a:xfrm>
+          <a:prstGeom prst="rect">
+            <a:avLst/>
+          </a:prstGeom>
+        </p:spPr>
+      </p:pic>
+      <p:sp>
+        <p:nvSpPr>
+          <p:cNvPr id="7" name="TextBox">
+            <a:extLst>
+              <a:ext uri="{FF2B5EF4-FFF2-40B4-BE49-F238E27FC236}">
+                <a16:creationId xmlns:a16="http://schemas.microsoft.com/office/drawing/2014/main" id="{53EA61F1-8A28-3B58-A024-19E8B86CA28E}"/>
+              </a:ext>
+            </a:extLst>
+          </p:cNvPr>
+          <p:cNvSpPr txBox="1">
+            <a:spLocks/>
+          </p:cNvSpPr>
+          <p:nvPr/>
+        </p:nvSpPr>
+        <p:spPr>
+          <a:xfrm flipH="1">
+            <a:off x="5706256" y="230337"/>
+            <a:ext cx="2594421" cy="704554"/>
+          </a:xfrm>
+          <a:prstGeom prst="wedgeRoundRectCallout">
+            <a:avLst>
+              <a:gd name="adj1" fmla="val -76998"/>
+              <a:gd name="adj2" fmla="val 124593"/>
+              <a:gd name="adj3" fmla="val 16667"/>
+            </a:avLst>
+          </a:prstGeom>
           <a:solidFill>
-            <a:srgbClr val="FFFFFF"/>
+            <a:schemeClr val="bg1"/>
           </a:solidFill>
-          <a:ln w="12700" cap="flat" cmpd="sng" algn="ctr">
-            <a:noFill/>
-            <a:prstDash val="solid"/>
-            <a:miter lim="800000"/>
+          <a:ln w="19050">
+            <a:solidFill>
+              <a:schemeClr val="bg1"/>
+            </a:solidFill>
           </a:ln>
           <a:effectLst>
-            <a:innerShdw>
-              <a:scrgbClr r="0" g="0" b="0">
-                <a:alpha val="0"/>
-              </a:scrgbClr>
-            </a:innerShdw>
+            <a:outerShdw blurRad="254000" dist="127000" dir="5400000" algn="ctr" rotWithShape="0">
+              <a:srgbClr val="C0B8A3">
+                <a:alpha val="26000"/>
+              </a:srgbClr>
+            </a:outerShdw>
           </a:effectLst>
-          <a:extLst>
-            <a:ext uri="{91240B29-F687-4F45-9708-019B960494DF}">
-              <a14:hiddenLine xmlns:a14="http://schemas.microsoft.com/office/drawing/2010/main" w="12700" cap="flat" cmpd="sng" algn="ctr">
-                <a:solidFill>
-                  <a:schemeClr val="accent1">
-                    <a:shade val="50000"/>
+        </p:spPr>
+        <p:txBody>
+          <a:bodyPr lIns="216000" tIns="144000" rIns="216000" bIns="144000" anchor="ctr">
+            <a:noAutofit/>
+          </a:bodyPr>
+          <a:lstStyle>
+            <a:defPPr>
+              <a:defRPr lang="ru-RU"/>
+            </a:defPPr>
+            <a:lvl1pPr indent="0">
+              <a:lnSpc>
+                <a:spcPct val="120000"/>
+              </a:lnSpc>
+              <a:spcBef>
+                <a:spcPts val="1000"/>
+              </a:spcBef>
+              <a:buFont typeface="Arial" panose="020B0604020202020204" pitchFamily="34" charset="0"/>
+              <a:buNone/>
+              <a:defRPr sz="1200">
+                <a:solidFill>
+                  <a:schemeClr val="tx2">
+                    <a:lumMod val="75000"/>
                   </a:schemeClr>
                 </a:solidFill>
-                <a:prstDash val="solid"/>
-                <a:miter lim="800000"/>
-              </a14:hiddenLine>
-            </a:ext>
-          </a:extLst>
+              </a:defRPr>
+            </a:lvl1pPr>
+            <a:lvl2pPr marL="685800" indent="-228600">
+              <a:lnSpc>
+                <a:spcPct val="90000"/>
+              </a:lnSpc>
+              <a:spcBef>
+                <a:spcPts val="500"/>
+              </a:spcBef>
+              <a:buFont typeface="Arial" panose="020B0604020202020204" pitchFamily="34" charset="0"/>
+              <a:buChar char="•"/>
+              <a:defRPr sz="2400"/>
+            </a:lvl2pPr>
+            <a:lvl3pPr marL="1143000" indent="-228600">
+              <a:lnSpc>
+                <a:spcPct val="90000"/>
+              </a:lnSpc>
+              <a:spcBef>
+                <a:spcPts val="500"/>
+              </a:spcBef>
+              <a:buFont typeface="Arial" panose="020B0604020202020204" pitchFamily="34" charset="0"/>
+              <a:buChar char="•"/>
+              <a:defRPr sz="2000"/>
+            </a:lvl3pPr>
+            <a:lvl4pPr marL="1600200" indent="-228600">
+              <a:lnSpc>
+                <a:spcPct val="90000"/>
+              </a:lnSpc>
+              <a:spcBef>
+                <a:spcPts val="500"/>
+              </a:spcBef>
+              <a:buFont typeface="Arial" panose="020B0604020202020204" pitchFamily="34" charset="0"/>
+              <a:buChar char="•"/>
+            </a:lvl4pPr>
+            <a:lvl5pPr marL="2057400" indent="-228600">
+              <a:lnSpc>
+                <a:spcPct val="90000"/>
+              </a:lnSpc>
+              <a:spcBef>
+                <a:spcPts val="500"/>
+              </a:spcBef>
+              <a:buFont typeface="Arial" panose="020B0604020202020204" pitchFamily="34" charset="0"/>
+              <a:buChar char="•"/>
+            </a:lvl5pPr>
+            <a:lvl6pPr marL="2514600" indent="-228600">
+              <a:lnSpc>
+                <a:spcPct val="90000"/>
+              </a:lnSpc>
+              <a:spcBef>
+                <a:spcPts val="500"/>
+              </a:spcBef>
+              <a:buFont typeface="Arial" panose="020B0604020202020204" pitchFamily="34" charset="0"/>
+              <a:buChar char="•"/>
+            </a:lvl6pPr>
+            <a:lvl7pPr marL="2971800" indent="-228600">
+              <a:lnSpc>
+                <a:spcPct val="90000"/>
+              </a:lnSpc>
+              <a:spcBef>
+                <a:spcPts val="500"/>
+              </a:spcBef>
+              <a:buFont typeface="Arial" panose="020B0604020202020204" pitchFamily="34" charset="0"/>
+              <a:buChar char="•"/>
+            </a:lvl7pPr>
+            <a:lvl8pPr marL="3429000" indent="-228600">
+              <a:lnSpc>
+                <a:spcPct val="90000"/>
+              </a:lnSpc>
+              <a:spcBef>
+                <a:spcPts val="500"/>
+              </a:spcBef>
+              <a:buFont typeface="Arial" panose="020B0604020202020204" pitchFamily="34" charset="0"/>
+              <a:buChar char="•"/>
+            </a:lvl8pPr>
+            <a:lvl9pPr marL="3886200" indent="-228600">
+              <a:lnSpc>
+                <a:spcPct val="90000"/>
+              </a:lnSpc>
+              <a:spcBef>
+                <a:spcPts val="500"/>
+              </a:spcBef>
+              <a:buFont typeface="Arial" panose="020B0604020202020204" pitchFamily="34" charset="0"/>
+              <a:buChar char="•"/>
+            </a:lvl9pPr>
+          </a:lstStyle>
+          <a:p>
+            <a:pPr algn="ctr"/>
+            <a:r>
+              <a:rPr lang="en-US" sz="1400" dirty="0"/>
+              <a:t> Who are the two parties?</a:t>
+            </a:r>
+            <a:endParaRPr lang="en-US" sz="1400" b="1" dirty="0">
+              <a:solidFill>
+                <a:srgbClr val="CB1259"/>
+              </a:solidFill>
+              <a:latin typeface="+mj-lt"/>
+              <a:ea typeface="Open Sans" panose="020B0606030504020204" pitchFamily="34" charset="0"/>
+              <a:cs typeface="Open Sans" panose="020B0606030504020204" pitchFamily="34" charset="0"/>
+            </a:endParaRPr>
+          </a:p>
+        </p:txBody>
+      </p:sp>
+      <p:sp>
+        <p:nvSpPr>
+          <p:cNvPr id="8" name="Rounded Rectangle 7"/>
+          <p:cNvSpPr/>
+          <p:nvPr/>
+        </p:nvSpPr>
+        <p:spPr>
+          <a:xfrm>
+            <a:off x="443052" y="1860141"/>
+            <a:ext cx="6213800" cy="2776202"/>
+          </a:xfrm>
+          <a:prstGeom prst="roundRect">
+            <a:avLst/>
+          </a:prstGeom>
+          <a:solidFill>
+            <a:schemeClr val="bg1"/>
+          </a:solidFill>
+          <a:ln w="38100">
+            <a:solidFill>
+              <a:schemeClr val="accent2">
+                <a:lumMod val="60000"/>
+                <a:lumOff val="40000"/>
+              </a:schemeClr>
+            </a:solidFill>
+          </a:ln>
         </p:spPr>
         <p:style>
           <a:lnRef idx="2">
             <a:schemeClr val="accent1">
-              <a:shade val="50000"/>
+              <a:shade val="15000"/>
             </a:schemeClr>
           </a:lnRef>
           <a:fillRef idx="1">
@@ -3497,204 +3367,47 @@
           <a:bodyPr rtlCol="0" anchor="ctr"/>
           <a:lstStyle/>
           <a:p>
-            <a:pPr algn="ctr"/>
-            <a:endParaRPr lang="en-US"/>
-          </a:p>
-        </p:txBody>
-      </p:sp>
-      <p:pic>
-        <p:nvPicPr>
-          <p:cNvPr id="4" name="ISPRING_QUIZ_SHAPE1"/>
-          <p:cNvPicPr>
-            <a:picLocks/>
-          </p:cNvPicPr>
-          <p:nvPr/>
-        </p:nvPicPr>
-        <p:blipFill>
-          <a:blip r:embed="rId5">
-            <a:extLst>
-              <a:ext uri="{28A0092B-C50C-407E-A947-70E740481C1C}">
-                <a14:useLocalDpi xmlns:a14="http://schemas.microsoft.com/office/drawing/2010/main" val="0"/>
-              </a:ext>
-            </a:extLst>
-          </a:blip>
-          <a:srcRect/>
-          <a:stretch>
-            <a:fillRect/>
-          </a:stretch>
-        </p:blipFill>
-        <p:spPr>
-          <a:xfrm>
-            <a:off x="2147570" y="1851660"/>
-            <a:ext cx="7899400" cy="4445000"/>
-          </a:xfrm>
-          <a:prstGeom prst="rect">
-            <a:avLst/>
-          </a:prstGeom>
-          <a:effectLst>
-            <a:outerShdw blurRad="114300" dist="38100" dir="5400000" rotWithShape="0">
-              <a:scrgbClr r="0" g="0" b="0">
-                <a:alpha val="20000"/>
-              </a:scrgbClr>
-            </a:outerShdw>
-          </a:effectLst>
-        </p:spPr>
-      </p:pic>
-      <p:sp>
-        <p:nvSpPr>
-          <p:cNvPr id="5" name="ISPRING_QUIZ_SHAPE2"/>
-          <p:cNvSpPr txBox="1"/>
-          <p:nvPr/>
-        </p:nvSpPr>
-        <p:spPr>
-          <a:xfrm>
-            <a:off x="731520" y="411480"/>
-            <a:ext cx="10728960" cy="553998"/>
-          </a:xfrm>
-          <a:prstGeom prst="rect">
-            <a:avLst/>
-          </a:prstGeom>
-          <a:noFill/>
-          <a:effectLst>
-            <a:innerShdw>
-              <a:scrgbClr r="0" g="0" b="0">
-                <a:alpha val="0"/>
-              </a:scrgbClr>
-            </a:innerShdw>
-          </a:effectLst>
-        </p:spPr>
-        <p:txBody>
-          <a:bodyPr vert="horz" rtlCol="0">
-            <a:spAutoFit/>
-          </a:bodyPr>
-          <a:lstStyle/>
-          <a:p>
-            <a:pPr algn="ctr"/>
-            <a:r>
-              <a:rPr lang="en-US" sz="3000" smtClean="0">
-                <a:solidFill>
-                  <a:srgbClr val="343944"/>
-                </a:solidFill>
-                <a:effectLst/>
-                <a:latin typeface="Segoe UI" panose="020B0502040204020203" pitchFamily="34" charset="0"/>
-              </a:rPr>
-              <a:t>   Quiz</a:t>
-            </a:r>
-            <a:endParaRPr lang="en-US" sz="3000">
-              <a:solidFill>
-                <a:srgbClr val="343944"/>
-              </a:solidFill>
-              <a:effectLst/>
-              <a:latin typeface="Segoe UI" panose="020B0502040204020203" pitchFamily="34" charset="0"/>
-            </a:endParaRPr>
-          </a:p>
-        </p:txBody>
-      </p:sp>
-      <p:pic>
-        <p:nvPicPr>
-          <p:cNvPr id="6" name="ISPRING_QUIZ_SHAPE3"/>
-          <p:cNvPicPr>
-            <a:picLocks/>
-          </p:cNvPicPr>
-          <p:nvPr/>
-        </p:nvPicPr>
-        <p:blipFill>
-          <a:blip r:embed="rId6">
-            <a:extLst>
-              <a:ext uri="{28A0092B-C50C-407E-A947-70E740481C1C}">
-                <a14:useLocalDpi xmlns:a14="http://schemas.microsoft.com/office/drawing/2010/main" val="0"/>
-              </a:ext>
-            </a:extLst>
-          </a:blip>
-          <a:srcRect/>
-          <a:stretch>
-            <a:fillRect/>
-          </a:stretch>
-        </p:blipFill>
-        <p:spPr>
-          <a:xfrm>
-            <a:off x="5357855" y="482600"/>
-            <a:ext cx="406400" cy="406400"/>
-          </a:xfrm>
-          <a:prstGeom prst="rect">
-            <a:avLst/>
-          </a:prstGeom>
-          <a:effectLst>
-            <a:innerShdw>
-              <a:scrgbClr r="0" g="0" b="0">
-                <a:alpha val="0"/>
-              </a:scrgbClr>
-            </a:innerShdw>
-          </a:effectLst>
-        </p:spPr>
-      </p:pic>
-      <p:sp>
-        <p:nvSpPr>
-          <p:cNvPr id="7" name="ISPRING_QUIZ_SHAPE4"/>
-          <p:cNvSpPr txBox="1"/>
-          <p:nvPr/>
-        </p:nvSpPr>
-        <p:spPr>
-          <a:xfrm>
-            <a:off x="731520" y="1097280"/>
-            <a:ext cx="10728960" cy="430887"/>
-          </a:xfrm>
-          <a:prstGeom prst="rect">
-            <a:avLst/>
-          </a:prstGeom>
-          <a:noFill/>
-          <a:effectLst>
-            <a:innerShdw>
-              <a:scrgbClr r="0" g="0" b="0">
-                <a:alpha val="0"/>
-              </a:scrgbClr>
-            </a:innerShdw>
-          </a:effectLst>
-        </p:spPr>
-        <p:txBody>
-          <a:bodyPr vert="horz" rtlCol="0">
-            <a:spAutoFit/>
-          </a:bodyPr>
-          <a:lstStyle/>
-          <a:p>
-            <a:pPr algn="ctr"/>
-            <a:r>
-              <a:rPr lang="en-US" sz="2200" smtClean="0">
-                <a:solidFill>
-                  <a:srgbClr val="343944"/>
-                </a:solidFill>
-                <a:effectLst/>
-                <a:latin typeface="Segoe UI" panose="020B0502040204020203" pitchFamily="34" charset="0"/>
-              </a:rPr>
-              <a:t>Click the </a:t>
-            </a:r>
-            <a:r>
-              <a:rPr lang="en-US" sz="2200" b="1" smtClean="0">
-                <a:solidFill>
-                  <a:srgbClr val="343944"/>
-                </a:solidFill>
-                <a:effectLst/>
-                <a:latin typeface="Segoe UI Semibold" panose="020B0702040204020203" pitchFamily="34" charset="0"/>
-              </a:rPr>
-              <a:t>Quiz</a:t>
-            </a:r>
-            <a:r>
-              <a:rPr lang="en-US" sz="2200" smtClean="0">
-                <a:solidFill>
-                  <a:srgbClr val="343944"/>
-                </a:solidFill>
-                <a:effectLst/>
-                <a:latin typeface="Segoe UI" panose="020B0502040204020203" pitchFamily="34" charset="0"/>
-              </a:rPr>
-              <a:t> button to edit this object</a:t>
-            </a:r>
-            <a:endParaRPr lang="en-US" sz="2200">
-              <a:solidFill>
-                <a:srgbClr val="343944"/>
-              </a:solidFill>
-              <a:effectLst/>
-              <a:latin typeface="Segoe UI" panose="020B0502040204020203" pitchFamily="34" charset="0"/>
-            </a:endParaRPr>
+            <a:pPr fontAlgn="base"/>
+            <a:r>
+              <a:rPr lang="en-US" sz="2400" dirty="0">
+                <a:solidFill>
+                  <a:schemeClr val="tx1"/>
+                </a:solidFill>
+              </a:rPr>
+              <a:t>If the perpetrator is an aid worker and the victim is an </a:t>
+            </a:r>
+            <a:r>
+              <a:rPr lang="en-US" sz="2400" dirty="0" smtClean="0">
+                <a:solidFill>
+                  <a:schemeClr val="tx1"/>
+                </a:solidFill>
+              </a:rPr>
+              <a:t>aid </a:t>
+            </a:r>
+            <a:r>
+              <a:rPr lang="en-US" sz="2400" dirty="0">
+                <a:solidFill>
+                  <a:schemeClr val="tx1"/>
+                </a:solidFill>
+              </a:rPr>
+              <a:t>worker. This is sexual harassment (SH). Although it </a:t>
+            </a:r>
+            <a:r>
+              <a:rPr lang="en-US" sz="2400" dirty="0" smtClean="0">
+                <a:solidFill>
+                  <a:schemeClr val="tx1"/>
+                </a:solidFill>
+              </a:rPr>
+              <a:t>might </a:t>
+            </a:r>
+            <a:r>
+              <a:rPr lang="en-US" sz="2400" dirty="0">
+                <a:solidFill>
+                  <a:schemeClr val="tx1"/>
+                </a:solidFill>
+              </a:rPr>
+              <a:t>sound that there is exploitation of power here, it is</a:t>
+            </a:r>
           </a:p>
         </p:txBody>
       </p:sp>
@@ -3704,7 +3417,7 @@
     </p:custDataLst>
     <p:extLst>
       <p:ext uri="{BB962C8B-B14F-4D97-AF65-F5344CB8AC3E}">
-        <p14:creationId xmlns:p14="http://schemas.microsoft.com/office/powerpoint/2010/main" val="2809301580"/>
+        <p14:creationId xmlns:p14="http://schemas.microsoft.com/office/powerpoint/2010/main" val="180906480"/>
       </p:ext>
     </p:extLst>
   </p:cSld>
@@ -3722,9 +3435,93 @@
   <p:timing>
     <p:tnLst>
       <p:par>
-        <p:cTn id="1" dur="indefinite" restart="never" nodeType="tmRoot"/>
+        <p:cTn id="1" dur="indefinite" restart="never" nodeType="tmRoot">
+          <p:childTnLst>
+            <p:seq concurrent="1" nextAc="seek">
+              <p:cTn id="2" dur="indefinite" nodeType="mainSeq">
+                <p:childTnLst>
+                  <p:par>
+                    <p:cTn id="3" fill="hold">
+                      <p:stCondLst>
+                        <p:cond delay="indefinite"/>
+                      </p:stCondLst>
+                      <p:childTnLst>
+                        <p:par>
+                          <p:cTn id="4" fill="hold">
+                            <p:stCondLst>
+                              <p:cond delay="0"/>
+                            </p:stCondLst>
+                            <p:childTnLst>
+                              <p:par>
+                                <p:cTn id="5" presetID="6" presetClass="entr" presetSubtype="16" fill="hold" grpId="0" nodeType="clickEffect" nodePh="1">
+                                  <p:stCondLst>
+                                    <p:cond delay="0"/>
+                                  </p:stCondLst>
+                                  <p:endCondLst>
+                                    <p:cond evt="begin" delay="0">
+                                      <p:tn val="5"/>
+                                    </p:cond>
+                                  </p:endCondLst>
+                                  <p:childTnLst>
+                                    <p:set>
+                                      <p:cBhvr>
+                                        <p:cTn id="6" dur="1" fill="hold">
+                                          <p:stCondLst>
+                                            <p:cond delay="0"/>
+                                          </p:stCondLst>
+                                        </p:cTn>
+                                        <p:tgtEl>
+                                          <p:spTgt spid="3"/>
+                                        </p:tgtEl>
+                                        <p:attrNameLst>
+                                          <p:attrName>style.visibility</p:attrName>
+                                        </p:attrNameLst>
+                                      </p:cBhvr>
+                                      <p:to>
+                                        <p:strVal val="visible"/>
+                                      </p:to>
+                                    </p:set>
+                                    <p:animEffect transition="in" filter="circle(in)">
+                                      <p:cBhvr>
+                                        <p:cTn id="7" dur="2000"/>
+                                        <p:tgtEl>
+                                          <p:spTgt spid="3"/>
+                                        </p:tgtEl>
+                                      </p:cBhvr>
+                                    </p:animEffect>
+                                  </p:childTnLst>
+                                </p:cTn>
+                              </p:par>
+                            </p:childTnLst>
+                          </p:cTn>
+                        </p:par>
+                      </p:childTnLst>
+                    </p:cTn>
+                  </p:par>
+                </p:childTnLst>
+              </p:cTn>
+              <p:prevCondLst>
+                <p:cond evt="onPrev" delay="0">
+                  <p:tgtEl>
+                    <p:sldTgt/>
+                  </p:tgtEl>
+                </p:cond>
+              </p:prevCondLst>
+              <p:nextCondLst>
+                <p:cond evt="onNext" delay="0">
+                  <p:tgtEl>
+                    <p:sldTgt/>
+                  </p:tgtEl>
+                </p:cond>
+              </p:nextCondLst>
+            </p:seq>
+          </p:childTnLst>
+        </p:cTn>
       </p:par>
     </p:tnLst>
+    <p:bldLst>
+      <p:bldP spid="3" grpId="0"/>
+    </p:bldLst>
   </p:timing>
 </p:sld>
 </file>
@@ -3768,7 +3565,7 @@
         </p:blipFill>
         <p:spPr>
           <a:xfrm>
-            <a:off x="0" y="-160464"/>
+            <a:off x="0" y="0"/>
             <a:ext cx="12192000" cy="6858000"/>
           </a:xfrm>
           <a:prstGeom prst="rect">
@@ -3849,7 +3646,7 @@
         </p:nvSpPr>
         <p:spPr>
           <a:xfrm>
-            <a:off x="443052" y="382930"/>
+            <a:off x="114215" y="494934"/>
             <a:ext cx="7308194" cy="5771213"/>
           </a:xfrm>
           <a:prstGeom prst="rect">
@@ -3880,7 +3677,8 @@
             </a:lvl1pPr>
           </a:lstStyle>
           <a:p>
-            <a:endParaRPr lang="ru-RU" sz="2000" dirty="0">
+            <a:pPr fontAlgn="base"/>
+            <a:endParaRPr lang="ru-RU" sz="2400" dirty="0">
               <a:ea typeface="Open Sans" panose="020B0606030504020204" pitchFamily="34" charset="0"/>
               <a:cs typeface="Open Sans" panose="020B0606030504020204" pitchFamily="34" charset="0"/>
             </a:endParaRPr>
@@ -3913,8 +3711,8 @@
         </p:blipFill>
         <p:spPr>
           <a:xfrm>
-            <a:off x="8544185" y="787664"/>
-            <a:ext cx="3221121" cy="9150814"/>
+            <a:off x="8457512" y="494934"/>
+            <a:ext cx="3556631" cy="10103959"/>
           </a:xfrm>
           <a:prstGeom prst="rect">
             <a:avLst/>
@@ -3923,14 +3721,181 @@
       </p:pic>
       <p:sp>
         <p:nvSpPr>
-          <p:cNvPr id="6" name="Rounded Rectangle 5"/>
+          <p:cNvPr id="7" name="TextBox">
+            <a:extLst>
+              <a:ext uri="{FF2B5EF4-FFF2-40B4-BE49-F238E27FC236}">
+                <a16:creationId xmlns:a16="http://schemas.microsoft.com/office/drawing/2014/main" id="{53EA61F1-8A28-3B58-A024-19E8B86CA28E}"/>
+              </a:ext>
+            </a:extLst>
+          </p:cNvPr>
+          <p:cNvSpPr txBox="1">
+            <a:spLocks/>
+          </p:cNvSpPr>
+          <p:nvPr/>
+        </p:nvSpPr>
+        <p:spPr>
+          <a:xfrm flipH="1">
+            <a:off x="6096000" y="142657"/>
+            <a:ext cx="2594421" cy="704554"/>
+          </a:xfrm>
+          <a:prstGeom prst="wedgeRoundRectCallout">
+            <a:avLst>
+              <a:gd name="adj1" fmla="val -76998"/>
+              <a:gd name="adj2" fmla="val 124593"/>
+              <a:gd name="adj3" fmla="val 16667"/>
+            </a:avLst>
+          </a:prstGeom>
+          <a:solidFill>
+            <a:schemeClr val="bg1"/>
+          </a:solidFill>
+          <a:ln w="19050">
+            <a:solidFill>
+              <a:schemeClr val="bg1"/>
+            </a:solidFill>
+          </a:ln>
+          <a:effectLst>
+            <a:outerShdw blurRad="254000" dist="127000" dir="5400000" algn="ctr" rotWithShape="0">
+              <a:srgbClr val="C0B8A3">
+                <a:alpha val="26000"/>
+              </a:srgbClr>
+            </a:outerShdw>
+          </a:effectLst>
+        </p:spPr>
+        <p:txBody>
+          <a:bodyPr lIns="216000" tIns="144000" rIns="216000" bIns="144000" anchor="ctr">
+            <a:noAutofit/>
+          </a:bodyPr>
+          <a:lstStyle>
+            <a:defPPr>
+              <a:defRPr lang="ru-RU"/>
+            </a:defPPr>
+            <a:lvl1pPr indent="0">
+              <a:lnSpc>
+                <a:spcPct val="120000"/>
+              </a:lnSpc>
+              <a:spcBef>
+                <a:spcPts val="1000"/>
+              </a:spcBef>
+              <a:buFont typeface="Arial" panose="020B0604020202020204" pitchFamily="34" charset="0"/>
+              <a:buNone/>
+              <a:defRPr sz="1200">
+                <a:solidFill>
+                  <a:schemeClr val="tx2">
+                    <a:lumMod val="75000"/>
+                  </a:schemeClr>
+                </a:solidFill>
+              </a:defRPr>
+            </a:lvl1pPr>
+            <a:lvl2pPr marL="685800" indent="-228600">
+              <a:lnSpc>
+                <a:spcPct val="90000"/>
+              </a:lnSpc>
+              <a:spcBef>
+                <a:spcPts val="500"/>
+              </a:spcBef>
+              <a:buFont typeface="Arial" panose="020B0604020202020204" pitchFamily="34" charset="0"/>
+              <a:buChar char="•"/>
+              <a:defRPr sz="2400"/>
+            </a:lvl2pPr>
+            <a:lvl3pPr marL="1143000" indent="-228600">
+              <a:lnSpc>
+                <a:spcPct val="90000"/>
+              </a:lnSpc>
+              <a:spcBef>
+                <a:spcPts val="500"/>
+              </a:spcBef>
+              <a:buFont typeface="Arial" panose="020B0604020202020204" pitchFamily="34" charset="0"/>
+              <a:buChar char="•"/>
+              <a:defRPr sz="2000"/>
+            </a:lvl3pPr>
+            <a:lvl4pPr marL="1600200" indent="-228600">
+              <a:lnSpc>
+                <a:spcPct val="90000"/>
+              </a:lnSpc>
+              <a:spcBef>
+                <a:spcPts val="500"/>
+              </a:spcBef>
+              <a:buFont typeface="Arial" panose="020B0604020202020204" pitchFamily="34" charset="0"/>
+              <a:buChar char="•"/>
+            </a:lvl4pPr>
+            <a:lvl5pPr marL="2057400" indent="-228600">
+              <a:lnSpc>
+                <a:spcPct val="90000"/>
+              </a:lnSpc>
+              <a:spcBef>
+                <a:spcPts val="500"/>
+              </a:spcBef>
+              <a:buFont typeface="Arial" panose="020B0604020202020204" pitchFamily="34" charset="0"/>
+              <a:buChar char="•"/>
+            </a:lvl5pPr>
+            <a:lvl6pPr marL="2514600" indent="-228600">
+              <a:lnSpc>
+                <a:spcPct val="90000"/>
+              </a:lnSpc>
+              <a:spcBef>
+                <a:spcPts val="500"/>
+              </a:spcBef>
+              <a:buFont typeface="Arial" panose="020B0604020202020204" pitchFamily="34" charset="0"/>
+              <a:buChar char="•"/>
+            </a:lvl6pPr>
+            <a:lvl7pPr marL="2971800" indent="-228600">
+              <a:lnSpc>
+                <a:spcPct val="90000"/>
+              </a:lnSpc>
+              <a:spcBef>
+                <a:spcPts val="500"/>
+              </a:spcBef>
+              <a:buFont typeface="Arial" panose="020B0604020202020204" pitchFamily="34" charset="0"/>
+              <a:buChar char="•"/>
+            </a:lvl7pPr>
+            <a:lvl8pPr marL="3429000" indent="-228600">
+              <a:lnSpc>
+                <a:spcPct val="90000"/>
+              </a:lnSpc>
+              <a:spcBef>
+                <a:spcPts val="500"/>
+              </a:spcBef>
+              <a:buFont typeface="Arial" panose="020B0604020202020204" pitchFamily="34" charset="0"/>
+              <a:buChar char="•"/>
+            </a:lvl8pPr>
+            <a:lvl9pPr marL="3886200" indent="-228600">
+              <a:lnSpc>
+                <a:spcPct val="90000"/>
+              </a:lnSpc>
+              <a:spcBef>
+                <a:spcPts val="500"/>
+              </a:spcBef>
+              <a:buFont typeface="Arial" panose="020B0604020202020204" pitchFamily="34" charset="0"/>
+              <a:buChar char="•"/>
+            </a:lvl9pPr>
+          </a:lstStyle>
+          <a:p>
+            <a:pPr algn="ctr"/>
+            <a:r>
+              <a:rPr lang="en-US" sz="1400" dirty="0"/>
+              <a:t> Who are the two parties?</a:t>
+            </a:r>
+            <a:endParaRPr lang="en-US" sz="1400" b="1" dirty="0">
+              <a:solidFill>
+                <a:srgbClr val="CB1259"/>
+              </a:solidFill>
+              <a:latin typeface="+mj-lt"/>
+              <a:ea typeface="Open Sans" panose="020B0606030504020204" pitchFamily="34" charset="0"/>
+              <a:cs typeface="Open Sans" panose="020B0606030504020204" pitchFamily="34" charset="0"/>
+            </a:endParaRPr>
+          </a:p>
+        </p:txBody>
+      </p:sp>
+      <p:sp>
+        <p:nvSpPr>
+          <p:cNvPr id="8" name="Rounded Rectangle 7"/>
           <p:cNvSpPr/>
           <p:nvPr/>
         </p:nvSpPr>
         <p:spPr>
           <a:xfrm>
-            <a:off x="537279" y="1199213"/>
-            <a:ext cx="7032754" cy="3377577"/>
+            <a:off x="319314" y="1911926"/>
+            <a:ext cx="6497783" cy="3104474"/>
           </a:xfrm>
           <a:prstGeom prst="roundRect">
             <a:avLst/>
@@ -3967,95 +3932,106 @@
           <a:bodyPr rtlCol="0" anchor="ctr"/>
           <a:lstStyle/>
           <a:p>
-            <a:r>
-              <a:rPr lang="en-US" sz="2000" b="1" dirty="0">
-                <a:solidFill>
-                  <a:schemeClr val="tx1"/>
-                </a:solidFill>
-              </a:rPr>
-              <a:t>Sexual Harassment happens from aid worker </a:t>
-            </a:r>
-            <a:r>
-              <a:rPr lang="en-US" sz="2000" b="1" dirty="0" smtClean="0">
-                <a:solidFill>
-                  <a:schemeClr val="tx1"/>
-                </a:solidFill>
-              </a:rPr>
-              <a:t>to aid </a:t>
-            </a:r>
-            <a:r>
-              <a:rPr lang="en-US" sz="2000" b="1" dirty="0">
-                <a:solidFill>
-                  <a:schemeClr val="tx1"/>
-                </a:solidFill>
-              </a:rPr>
-              <a:t>worker. </a:t>
-            </a:r>
-            <a:r>
-              <a:rPr lang="en-US" sz="2000" dirty="0">
-                <a:solidFill>
-                  <a:schemeClr val="tx1"/>
-                </a:solidFill>
-              </a:rPr>
-              <a:t>Any sexual misconduct happening between</a:t>
-            </a:r>
-          </a:p>
-          <a:p>
-            <a:r>
-              <a:rPr lang="en-US" sz="2000" dirty="0" smtClean="0">
-                <a:solidFill>
-                  <a:schemeClr val="tx1"/>
-                </a:solidFill>
-              </a:rPr>
-              <a:t>two </a:t>
-            </a:r>
-            <a:r>
-              <a:rPr lang="en-US" sz="2000" dirty="0">
-                <a:solidFill>
-                  <a:schemeClr val="tx1"/>
-                </a:solidFill>
-              </a:rPr>
-              <a:t>members from the organization, is called sexual</a:t>
-            </a:r>
-          </a:p>
-          <a:p>
-            <a:r>
-              <a:rPr lang="en-US" sz="2000" dirty="0" smtClean="0">
-                <a:solidFill>
-                  <a:schemeClr val="tx1"/>
-                </a:solidFill>
-              </a:rPr>
-              <a:t>harassment</a:t>
-            </a:r>
-            <a:r>
-              <a:rPr lang="en-US" sz="2000" dirty="0">
-                <a:solidFill>
-                  <a:schemeClr val="tx1"/>
-                </a:solidFill>
-              </a:rPr>
-              <a:t>. It can take the form of a look, a </a:t>
-            </a:r>
-            <a:r>
-              <a:rPr lang="en-US" sz="2000" dirty="0" smtClean="0">
-                <a:solidFill>
-                  <a:schemeClr val="tx1"/>
-                </a:solidFill>
-              </a:rPr>
-              <a:t>text message</a:t>
-            </a:r>
-            <a:r>
-              <a:rPr lang="en-US" sz="2000" dirty="0">
-                <a:solidFill>
-                  <a:schemeClr val="tx1"/>
-                </a:solidFill>
-              </a:rPr>
-              <a:t>, a touch, a kiss, or sexual intercourse.</a:t>
-            </a:r>
-            <a:endParaRPr lang="en-US" sz="2000" dirty="0">
-              <a:solidFill>
-                <a:schemeClr val="tx1"/>
-              </a:solidFill>
-            </a:endParaRPr>
+            <a:pPr fontAlgn="base"/>
+            <a:r>
+              <a:rPr lang="en-US" sz="2400" dirty="0" smtClean="0">
+                <a:solidFill>
+                  <a:schemeClr val="tx1"/>
+                </a:solidFill>
+              </a:rPr>
+              <a:t>true</a:t>
+            </a:r>
+            <a:r>
+              <a:rPr lang="en-US" sz="2400" dirty="0">
+                <a:solidFill>
+                  <a:schemeClr val="tx1"/>
+                </a:solidFill>
+              </a:rPr>
+              <a:t>, we still call it SH to distinguish the </a:t>
+            </a:r>
+            <a:r>
+              <a:rPr lang="en-US" sz="2400" dirty="0" smtClean="0">
+                <a:solidFill>
+                  <a:schemeClr val="tx1"/>
+                </a:solidFill>
+              </a:rPr>
+              <a:t>various types</a:t>
+            </a:r>
+            <a:r>
+              <a:rPr lang="en-US" sz="2400" dirty="0">
+                <a:solidFill>
+                  <a:schemeClr val="tx1"/>
+                </a:solidFill>
+              </a:rPr>
+              <a:t>. If the perpetrator is a beneficiary and</a:t>
+            </a:r>
+          </a:p>
+          <a:p>
+            <a:pPr fontAlgn="base"/>
+            <a:r>
+              <a:rPr lang="en-US" sz="2400" dirty="0" smtClean="0">
+                <a:solidFill>
+                  <a:schemeClr val="tx1"/>
+                </a:solidFill>
+              </a:rPr>
+              <a:t>the </a:t>
+            </a:r>
+            <a:r>
+              <a:rPr lang="en-US" sz="2400" dirty="0">
+                <a:solidFill>
+                  <a:schemeClr val="tx1"/>
+                </a:solidFill>
+              </a:rPr>
+              <a:t>victim is a beneficiary. This is </a:t>
+            </a:r>
+            <a:r>
+              <a:rPr lang="en-US" sz="2400" dirty="0" smtClean="0">
+                <a:solidFill>
+                  <a:schemeClr val="tx1"/>
+                </a:solidFill>
+              </a:rPr>
+              <a:t>SGBV. This </a:t>
+            </a:r>
+            <a:r>
+              <a:rPr lang="en-US" sz="2400" dirty="0">
+                <a:solidFill>
+                  <a:schemeClr val="tx1"/>
+                </a:solidFill>
+              </a:rPr>
+              <a:t>will not be our area of </a:t>
+            </a:r>
+            <a:r>
+              <a:rPr lang="en-US" sz="2400" dirty="0" smtClean="0">
+                <a:solidFill>
+                  <a:schemeClr val="tx1"/>
+                </a:solidFill>
+              </a:rPr>
+              <a:t>intervention in </a:t>
+            </a:r>
+            <a:r>
+              <a:rPr lang="en-US" sz="2400" dirty="0">
+                <a:solidFill>
+                  <a:schemeClr val="tx1"/>
+                </a:solidFill>
+              </a:rPr>
+              <a:t>this course but we put it here for you </a:t>
+            </a:r>
+            <a:r>
+              <a:rPr lang="en-US" sz="2400" dirty="0" smtClean="0">
+                <a:solidFill>
+                  <a:schemeClr val="tx1"/>
+                </a:solidFill>
+              </a:rPr>
+              <a:t>to know </a:t>
+            </a:r>
+            <a:r>
+              <a:rPr lang="en-US" sz="2400" dirty="0">
+                <a:solidFill>
+                  <a:schemeClr val="tx1"/>
+                </a:solidFill>
+              </a:rPr>
+              <a:t>all the differences. </a:t>
+            </a:r>
           </a:p>
         </p:txBody>
       </p:sp>
@@ -4065,7 +4041,7 @@
     </p:custDataLst>
     <p:extLst>
       <p:ext uri="{BB962C8B-B14F-4D97-AF65-F5344CB8AC3E}">
-        <p14:creationId xmlns:p14="http://schemas.microsoft.com/office/powerpoint/2010/main" val="3745482467"/>
+        <p14:creationId xmlns:p14="http://schemas.microsoft.com/office/powerpoint/2010/main" val="2998312454"/>
       </p:ext>
     </p:extLst>
   </p:cSld>
@@ -4213,7 +4189,7 @@
         </p:blipFill>
         <p:spPr>
           <a:xfrm>
-            <a:off x="0" y="-160464"/>
+            <a:off x="0" y="0"/>
             <a:ext cx="12192000" cy="6858000"/>
           </a:xfrm>
           <a:prstGeom prst="rect">
@@ -4294,7 +4270,7 @@
         </p:nvSpPr>
         <p:spPr>
           <a:xfrm>
-            <a:off x="443052" y="382930"/>
+            <a:off x="114215" y="494934"/>
             <a:ext cx="7308194" cy="5771213"/>
           </a:xfrm>
           <a:prstGeom prst="rect">
@@ -4325,7 +4301,8 @@
             </a:lvl1pPr>
           </a:lstStyle>
           <a:p>
-            <a:endParaRPr lang="ru-RU" sz="2000" dirty="0">
+            <a:pPr fontAlgn="base"/>
+            <a:endParaRPr lang="ru-RU" sz="2400" dirty="0">
               <a:ea typeface="Open Sans" panose="020B0606030504020204" pitchFamily="34" charset="0"/>
               <a:cs typeface="Open Sans" panose="020B0606030504020204" pitchFamily="34" charset="0"/>
             </a:endParaRPr>
@@ -4334,7 +4311,7 @@
       </p:sp>
       <p:pic>
         <p:nvPicPr>
-          <p:cNvPr id="4" name="Picture 3"/>
+          <p:cNvPr id="9" name="Picture 8"/>
           <p:cNvPicPr>
             <a:picLocks noChangeAspect="1"/>
           </p:cNvPicPr>
@@ -4358,8 +4335,8 @@
         </p:blipFill>
         <p:spPr>
           <a:xfrm>
-            <a:off x="8559177" y="907586"/>
-            <a:ext cx="3094482" cy="8791050"/>
+            <a:off x="8208338" y="494934"/>
+            <a:ext cx="3630263" cy="10313137"/>
           </a:xfrm>
           <a:prstGeom prst="rect">
             <a:avLst/>
@@ -4368,14 +4345,181 @@
       </p:pic>
       <p:sp>
         <p:nvSpPr>
-          <p:cNvPr id="6" name="Rounded Rectangle 5"/>
+          <p:cNvPr id="10" name="TextBox">
+            <a:extLst>
+              <a:ext uri="{FF2B5EF4-FFF2-40B4-BE49-F238E27FC236}">
+                <a16:creationId xmlns:a16="http://schemas.microsoft.com/office/drawing/2014/main" id="{53EA61F1-8A28-3B58-A024-19E8B86CA28E}"/>
+              </a:ext>
+            </a:extLst>
+          </p:cNvPr>
+          <p:cNvSpPr txBox="1">
+            <a:spLocks/>
+          </p:cNvSpPr>
+          <p:nvPr/>
+        </p:nvSpPr>
+        <p:spPr>
+          <a:xfrm flipH="1">
+            <a:off x="5613917" y="142657"/>
+            <a:ext cx="2594421" cy="704554"/>
+          </a:xfrm>
+          <a:prstGeom prst="wedgeRoundRectCallout">
+            <a:avLst>
+              <a:gd name="adj1" fmla="val -76998"/>
+              <a:gd name="adj2" fmla="val 124593"/>
+              <a:gd name="adj3" fmla="val 16667"/>
+            </a:avLst>
+          </a:prstGeom>
+          <a:solidFill>
+            <a:schemeClr val="bg1"/>
+          </a:solidFill>
+          <a:ln w="19050">
+            <a:solidFill>
+              <a:schemeClr val="bg1"/>
+            </a:solidFill>
+          </a:ln>
+          <a:effectLst>
+            <a:outerShdw blurRad="254000" dist="127000" dir="5400000" algn="ctr" rotWithShape="0">
+              <a:srgbClr val="C0B8A3">
+                <a:alpha val="26000"/>
+              </a:srgbClr>
+            </a:outerShdw>
+          </a:effectLst>
+        </p:spPr>
+        <p:txBody>
+          <a:bodyPr lIns="216000" tIns="144000" rIns="216000" bIns="144000" anchor="ctr">
+            <a:noAutofit/>
+          </a:bodyPr>
+          <a:lstStyle>
+            <a:defPPr>
+              <a:defRPr lang="ru-RU"/>
+            </a:defPPr>
+            <a:lvl1pPr indent="0">
+              <a:lnSpc>
+                <a:spcPct val="120000"/>
+              </a:lnSpc>
+              <a:spcBef>
+                <a:spcPts val="1000"/>
+              </a:spcBef>
+              <a:buFont typeface="Arial" panose="020B0604020202020204" pitchFamily="34" charset="0"/>
+              <a:buNone/>
+              <a:defRPr sz="1200">
+                <a:solidFill>
+                  <a:schemeClr val="tx2">
+                    <a:lumMod val="75000"/>
+                  </a:schemeClr>
+                </a:solidFill>
+              </a:defRPr>
+            </a:lvl1pPr>
+            <a:lvl2pPr marL="685800" indent="-228600">
+              <a:lnSpc>
+                <a:spcPct val="90000"/>
+              </a:lnSpc>
+              <a:spcBef>
+                <a:spcPts val="500"/>
+              </a:spcBef>
+              <a:buFont typeface="Arial" panose="020B0604020202020204" pitchFamily="34" charset="0"/>
+              <a:buChar char="•"/>
+              <a:defRPr sz="2400"/>
+            </a:lvl2pPr>
+            <a:lvl3pPr marL="1143000" indent="-228600">
+              <a:lnSpc>
+                <a:spcPct val="90000"/>
+              </a:lnSpc>
+              <a:spcBef>
+                <a:spcPts val="500"/>
+              </a:spcBef>
+              <a:buFont typeface="Arial" panose="020B0604020202020204" pitchFamily="34" charset="0"/>
+              <a:buChar char="•"/>
+              <a:defRPr sz="2000"/>
+            </a:lvl3pPr>
+            <a:lvl4pPr marL="1600200" indent="-228600">
+              <a:lnSpc>
+                <a:spcPct val="90000"/>
+              </a:lnSpc>
+              <a:spcBef>
+                <a:spcPts val="500"/>
+              </a:spcBef>
+              <a:buFont typeface="Arial" panose="020B0604020202020204" pitchFamily="34" charset="0"/>
+              <a:buChar char="•"/>
+            </a:lvl4pPr>
+            <a:lvl5pPr marL="2057400" indent="-228600">
+              <a:lnSpc>
+                <a:spcPct val="90000"/>
+              </a:lnSpc>
+              <a:spcBef>
+                <a:spcPts val="500"/>
+              </a:spcBef>
+              <a:buFont typeface="Arial" panose="020B0604020202020204" pitchFamily="34" charset="0"/>
+              <a:buChar char="•"/>
+            </a:lvl5pPr>
+            <a:lvl6pPr marL="2514600" indent="-228600">
+              <a:lnSpc>
+                <a:spcPct val="90000"/>
+              </a:lnSpc>
+              <a:spcBef>
+                <a:spcPts val="500"/>
+              </a:spcBef>
+              <a:buFont typeface="Arial" panose="020B0604020202020204" pitchFamily="34" charset="0"/>
+              <a:buChar char="•"/>
+            </a:lvl6pPr>
+            <a:lvl7pPr marL="2971800" indent="-228600">
+              <a:lnSpc>
+                <a:spcPct val="90000"/>
+              </a:lnSpc>
+              <a:spcBef>
+                <a:spcPts val="500"/>
+              </a:spcBef>
+              <a:buFont typeface="Arial" panose="020B0604020202020204" pitchFamily="34" charset="0"/>
+              <a:buChar char="•"/>
+            </a:lvl7pPr>
+            <a:lvl8pPr marL="3429000" indent="-228600">
+              <a:lnSpc>
+                <a:spcPct val="90000"/>
+              </a:lnSpc>
+              <a:spcBef>
+                <a:spcPts val="500"/>
+              </a:spcBef>
+              <a:buFont typeface="Arial" panose="020B0604020202020204" pitchFamily="34" charset="0"/>
+              <a:buChar char="•"/>
+            </a:lvl8pPr>
+            <a:lvl9pPr marL="3886200" indent="-228600">
+              <a:lnSpc>
+                <a:spcPct val="90000"/>
+              </a:lnSpc>
+              <a:spcBef>
+                <a:spcPts val="500"/>
+              </a:spcBef>
+              <a:buFont typeface="Arial" panose="020B0604020202020204" pitchFamily="34" charset="0"/>
+              <a:buChar char="•"/>
+            </a:lvl9pPr>
+          </a:lstStyle>
+          <a:p>
+            <a:pPr algn="ctr"/>
+            <a:r>
+              <a:rPr lang="en-US" sz="1400" dirty="0"/>
+              <a:t> Who are the two parties?</a:t>
+            </a:r>
+            <a:endParaRPr lang="en-US" sz="1400" b="1" dirty="0">
+              <a:solidFill>
+                <a:srgbClr val="CB1259"/>
+              </a:solidFill>
+              <a:latin typeface="+mj-lt"/>
+              <a:ea typeface="Open Sans" panose="020B0606030504020204" pitchFamily="34" charset="0"/>
+              <a:cs typeface="Open Sans" panose="020B0606030504020204" pitchFamily="34" charset="0"/>
+            </a:endParaRPr>
+          </a:p>
+        </p:txBody>
+      </p:sp>
+      <p:sp>
+        <p:nvSpPr>
+          <p:cNvPr id="13" name="Rounded Rectangle 12"/>
           <p:cNvSpPr/>
           <p:nvPr/>
         </p:nvSpPr>
         <p:spPr>
           <a:xfrm>
-            <a:off x="810781" y="1911926"/>
-            <a:ext cx="6243897" cy="2776202"/>
+            <a:off x="624823" y="1883558"/>
+            <a:ext cx="5910888" cy="3104474"/>
           </a:xfrm>
           <a:prstGeom prst="roundRect">
             <a:avLst/>
@@ -4412,91 +4556,103 @@
           <a:bodyPr rtlCol="0" anchor="ctr"/>
           <a:lstStyle/>
           <a:p>
-            <a:r>
-              <a:rPr lang="en-US" sz="2000" b="1" dirty="0">
-                <a:solidFill>
-                  <a:schemeClr val="tx1"/>
-                </a:solidFill>
-              </a:rPr>
-              <a:t>Sexual Gender Based Violence happens from member </a:t>
-            </a:r>
-            <a:r>
-              <a:rPr lang="en-US" sz="2000" b="1" dirty="0" smtClean="0">
-                <a:solidFill>
-                  <a:schemeClr val="tx1"/>
-                </a:solidFill>
-              </a:rPr>
-              <a:t>of the </a:t>
-            </a:r>
-            <a:r>
-              <a:rPr lang="en-US" sz="2000" b="1" dirty="0">
-                <a:solidFill>
-                  <a:schemeClr val="tx1"/>
-                </a:solidFill>
-              </a:rPr>
-              <a:t>community to member of the community </a:t>
-            </a:r>
-            <a:r>
-              <a:rPr lang="en-US" sz="2000" b="1" dirty="0" smtClean="0">
-                <a:solidFill>
-                  <a:schemeClr val="tx1"/>
-                </a:solidFill>
-              </a:rPr>
-              <a:t>(</a:t>
-            </a:r>
-            <a:r>
-              <a:rPr lang="en-US" sz="2000" b="1" dirty="0">
-                <a:solidFill>
-                  <a:schemeClr val="tx1"/>
-                </a:solidFill>
-              </a:rPr>
-              <a:t>beneficiaries).</a:t>
-            </a:r>
-            <a:r>
-              <a:rPr lang="en-US" sz="2000" dirty="0">
-                <a:solidFill>
-                  <a:schemeClr val="tx1"/>
-                </a:solidFill>
-              </a:rPr>
-              <a:t> Also here it can take the </a:t>
-            </a:r>
-            <a:r>
-              <a:rPr lang="en-US" sz="2000" dirty="0" smtClean="0">
-                <a:solidFill>
-                  <a:schemeClr val="tx1"/>
-                </a:solidFill>
-              </a:rPr>
-              <a:t>form of </a:t>
-            </a:r>
-            <a:r>
-              <a:rPr lang="en-US" sz="2000" dirty="0">
-                <a:solidFill>
-                  <a:schemeClr val="tx1"/>
-                </a:solidFill>
-              </a:rPr>
-              <a:t>a look, a text message, a touch, a kiss, or a </a:t>
-            </a:r>
-            <a:r>
-              <a:rPr lang="en-US" sz="2000" dirty="0" smtClean="0">
-                <a:solidFill>
-                  <a:schemeClr val="tx1"/>
-                </a:solidFill>
-              </a:rPr>
-              <a:t>sexual </a:t>
-            </a:r>
-            <a:r>
-              <a:rPr lang="en-US" sz="2000" dirty="0">
-                <a:solidFill>
-                  <a:schemeClr val="tx1"/>
-                </a:solidFill>
-              </a:rPr>
-              <a:t>intercourse.</a:t>
-            </a:r>
-            <a:endParaRPr lang="en-US" sz="2000" dirty="0">
-              <a:solidFill>
-                <a:schemeClr val="tx1"/>
-              </a:solidFill>
-            </a:endParaRPr>
+            <a:pPr fontAlgn="base"/>
+            <a:r>
+              <a:rPr lang="en-US" sz="2400" dirty="0" smtClean="0">
+                <a:solidFill>
+                  <a:schemeClr val="tx1"/>
+                </a:solidFill>
+              </a:rPr>
+              <a:t>true</a:t>
+            </a:r>
+            <a:r>
+              <a:rPr lang="en-US" sz="2400" dirty="0">
+                <a:solidFill>
+                  <a:schemeClr val="tx1"/>
+                </a:solidFill>
+              </a:rPr>
+              <a:t>, we still call it SH to distinguish the </a:t>
+            </a:r>
+            <a:r>
+              <a:rPr lang="en-US" sz="2400" dirty="0" smtClean="0">
+                <a:solidFill>
+                  <a:schemeClr val="tx1"/>
+                </a:solidFill>
+              </a:rPr>
+              <a:t>various types</a:t>
+            </a:r>
+            <a:r>
+              <a:rPr lang="en-US" sz="2400" dirty="0">
+                <a:solidFill>
+                  <a:schemeClr val="tx1"/>
+                </a:solidFill>
+              </a:rPr>
+              <a:t>. If the perpetrator is a beneficiary </a:t>
+            </a:r>
+            <a:r>
+              <a:rPr lang="en-US" sz="2400" dirty="0" smtClean="0">
+                <a:solidFill>
+                  <a:schemeClr val="tx1"/>
+                </a:solidFill>
+              </a:rPr>
+              <a:t>and the </a:t>
+            </a:r>
+            <a:r>
+              <a:rPr lang="en-US" sz="2400" dirty="0">
+                <a:solidFill>
+                  <a:schemeClr val="tx1"/>
+                </a:solidFill>
+              </a:rPr>
+              <a:t>victim is a beneficiary. This is </a:t>
+            </a:r>
+            <a:r>
+              <a:rPr lang="en-US" sz="2400" dirty="0" smtClean="0">
+                <a:solidFill>
+                  <a:schemeClr val="tx1"/>
+                </a:solidFill>
+              </a:rPr>
+              <a:t>SGBV. This </a:t>
+            </a:r>
+            <a:r>
+              <a:rPr lang="en-US" sz="2400" dirty="0">
+                <a:solidFill>
+                  <a:schemeClr val="tx1"/>
+                </a:solidFill>
+              </a:rPr>
+              <a:t>will not be our area of </a:t>
+            </a:r>
+            <a:r>
+              <a:rPr lang="en-US" sz="2400" dirty="0" smtClean="0">
+                <a:solidFill>
+                  <a:schemeClr val="tx1"/>
+                </a:solidFill>
+              </a:rPr>
+              <a:t>intervention in </a:t>
+            </a:r>
+            <a:r>
+              <a:rPr lang="en-US" sz="2400" dirty="0">
+                <a:solidFill>
+                  <a:schemeClr val="tx1"/>
+                </a:solidFill>
+              </a:rPr>
+              <a:t>this course but we put it here for you </a:t>
+            </a:r>
+            <a:r>
+              <a:rPr lang="en-US" sz="2400" dirty="0" smtClean="0">
+                <a:solidFill>
+                  <a:schemeClr val="tx1"/>
+                </a:solidFill>
+              </a:rPr>
+              <a:t>to know </a:t>
+            </a:r>
+            <a:r>
+              <a:rPr lang="en-US" sz="2400" dirty="0">
+                <a:solidFill>
+                  <a:schemeClr val="tx1"/>
+                </a:solidFill>
+              </a:rPr>
+              <a:t>all the differences. </a:t>
+            </a:r>
           </a:p>
         </p:txBody>
       </p:sp>
@@ -4506,7 +4662,7 @@
     </p:custDataLst>
     <p:extLst>
       <p:ext uri="{BB962C8B-B14F-4D97-AF65-F5344CB8AC3E}">
-        <p14:creationId xmlns:p14="http://schemas.microsoft.com/office/powerpoint/2010/main" val="3871868356"/>
+        <p14:creationId xmlns:p14="http://schemas.microsoft.com/office/powerpoint/2010/main" val="2916075162"/>
       </p:ext>
     </p:extLst>
   </p:cSld>
@@ -4654,7 +4810,7 @@
         </p:blipFill>
         <p:spPr>
           <a:xfrm>
-            <a:off x="0" y="-160464"/>
+            <a:off x="1" y="0"/>
             <a:ext cx="12192000" cy="6858000"/>
           </a:xfrm>
           <a:prstGeom prst="rect">
@@ -4664,55 +4820,55 @@
       </p:pic>
       <p:sp>
         <p:nvSpPr>
-          <p:cNvPr id="2" name="Title">
+          <p:cNvPr id="10" name="Rectangle: Rounded Corners">
             <a:extLst>
               <a:ext uri="{FF2B5EF4-FFF2-40B4-BE49-F238E27FC236}">
-                <a16:creationId xmlns:a16="http://schemas.microsoft.com/office/drawing/2014/main" id="{780F3996-F45A-4577-B2DB-342301B618F0}"/>
+                <a16:creationId xmlns:a16="http://schemas.microsoft.com/office/drawing/2014/main" id="{0CE785C0-C64D-363D-2DED-2311380DB461}"/>
               </a:ext>
             </a:extLst>
           </p:cNvPr>
-          <p:cNvSpPr txBox="1">
-            <a:spLocks/>
-          </p:cNvSpPr>
+          <p:cNvSpPr/>
           <p:nvPr/>
         </p:nvSpPr>
         <p:spPr>
           <a:xfrm>
-            <a:off x="443052" y="1911926"/>
-            <a:ext cx="6979357" cy="576441"/>
+            <a:off x="545298" y="1762557"/>
+            <a:ext cx="5720420" cy="2227551"/>
           </a:xfrm>
-          <a:prstGeom prst="rect">
-            <a:avLst/>
+          <a:prstGeom prst="roundRect">
+            <a:avLst>
+              <a:gd name="adj" fmla="val 5602"/>
+            </a:avLst>
           </a:prstGeom>
+          <a:ln/>
         </p:spPr>
+        <p:style>
+          <a:lnRef idx="2">
+            <a:schemeClr val="accent2"/>
+          </a:lnRef>
+          <a:fillRef idx="1">
+            <a:schemeClr val="lt1"/>
+          </a:fillRef>
+          <a:effectRef idx="0">
+            <a:schemeClr val="accent2"/>
+          </a:effectRef>
+          <a:fontRef idx="minor">
+            <a:schemeClr val="dk1"/>
+          </a:fontRef>
+        </p:style>
         <p:txBody>
-          <a:bodyPr anchor="b">
-            <a:normAutofit fontScale="77500" lnSpcReduction="20000"/>
-          </a:bodyPr>
-          <a:lstStyle>
-            <a:lvl1pPr algn="l" defTabSz="914400" rtl="0" eaLnBrk="1" latinLnBrk="0" hangingPunct="1">
-              <a:lnSpc>
-                <a:spcPct val="90000"/>
-              </a:lnSpc>
-              <a:spcBef>
-                <a:spcPct val="0"/>
-              </a:spcBef>
-              <a:buNone/>
-              <a:defRPr sz="4400" kern="1200">
-                <a:solidFill>
-                  <a:schemeClr val="tx1"/>
-                </a:solidFill>
-                <a:latin typeface="+mj-lt"/>
-                <a:ea typeface="+mj-ea"/>
-                <a:cs typeface="+mj-cs"/>
-              </a:defRPr>
-            </a:lvl1pPr>
-          </a:lstStyle>
-          <a:p>
-            <a:endParaRPr lang="ru-RU" sz="5400" dirty="0">
+          <a:bodyPr rtlCol="0" anchor="ctr"/>
+          <a:lstStyle/>
+          <a:p>
+            <a:r>
+              <a:rPr lang="en-US" sz="2400" dirty="0"/>
+              <a:t>Are you ready to do the scenarios we started with again?</a:t>
+            </a:r>
+            <a:endParaRPr lang="en-US" sz="2400" dirty="0">
               <a:solidFill>
-                <a:srgbClr val="151824"/>
+                <a:srgbClr val="000000"/>
               </a:solidFill>
+              <a:latin typeface="Open Sans" panose="020B0606030504020204" pitchFamily="34" charset="0"/>
               <a:ea typeface="Open Sans" panose="020B0606030504020204" pitchFamily="34" charset="0"/>
               <a:cs typeface="Open Sans" panose="020B0606030504020204" pitchFamily="34" charset="0"/>
             </a:endParaRPr>
@@ -4721,110 +4877,34 @@
       </p:sp>
       <p:sp>
         <p:nvSpPr>
-          <p:cNvPr id="3" name="Title">
+          <p:cNvPr id="6" name="Arrow: Pentagon 5">
+            <a:hlinkClick r:id="" action="ppaction://hlinkshowjump?jump=nextslide"/>
             <a:extLst>
               <a:ext uri="{FF2B5EF4-FFF2-40B4-BE49-F238E27FC236}">
-                <a16:creationId xmlns:a16="http://schemas.microsoft.com/office/drawing/2014/main" id="{DB976287-88DA-E1BC-93BA-814DA2A4F3B0}"/>
+                <a16:creationId xmlns:a16="http://schemas.microsoft.com/office/drawing/2014/main" id="{EF1768CC-083B-D5AB-763E-7725D9A5D905}"/>
               </a:ext>
             </a:extLst>
           </p:cNvPr>
-          <p:cNvSpPr txBox="1">
-            <a:spLocks/>
-          </p:cNvSpPr>
+          <p:cNvSpPr/>
           <p:nvPr/>
         </p:nvSpPr>
         <p:spPr>
           <a:xfrm>
-            <a:off x="443052" y="382930"/>
-            <a:ext cx="7308194" cy="5771213"/>
+            <a:off x="590406" y="4752541"/>
+            <a:ext cx="4667394" cy="1000124"/>
           </a:xfrm>
-          <a:prstGeom prst="rect">
-            <a:avLst/>
-          </a:prstGeom>
-        </p:spPr>
-        <p:txBody>
-          <a:bodyPr anchor="b">
-            <a:normAutofit/>
-          </a:bodyPr>
-          <a:lstStyle>
-            <a:lvl1pPr algn="l" defTabSz="914400" rtl="0" eaLnBrk="1" latinLnBrk="0" hangingPunct="1">
-              <a:lnSpc>
-                <a:spcPct val="90000"/>
-              </a:lnSpc>
-              <a:spcBef>
-                <a:spcPct val="0"/>
-              </a:spcBef>
-              <a:buNone/>
-              <a:defRPr sz="4400" kern="1200">
-                <a:solidFill>
-                  <a:schemeClr val="tx1"/>
-                </a:solidFill>
-                <a:latin typeface="+mj-lt"/>
-                <a:ea typeface="+mj-ea"/>
-                <a:cs typeface="+mj-cs"/>
-              </a:defRPr>
-            </a:lvl1pPr>
-          </a:lstStyle>
-          <a:p>
-            <a:endParaRPr lang="ru-RU" sz="2000" dirty="0">
-              <a:ea typeface="Open Sans" panose="020B0606030504020204" pitchFamily="34" charset="0"/>
-              <a:cs typeface="Open Sans" panose="020B0606030504020204" pitchFamily="34" charset="0"/>
-            </a:endParaRPr>
-          </a:p>
-        </p:txBody>
-      </p:sp>
-      <p:pic>
-        <p:nvPicPr>
-          <p:cNvPr id="4" name="Picture 3"/>
-          <p:cNvPicPr>
-            <a:picLocks noChangeAspect="1"/>
-          </p:cNvPicPr>
-          <p:nvPr>
-            <p:custDataLst>
-              <p:tags r:id="rId2"/>
-            </p:custDataLst>
-          </p:nvPr>
-        </p:nvPicPr>
-        <p:blipFill>
-          <a:blip r:embed="rId6">
-            <a:extLst>
-              <a:ext uri="{28A0092B-C50C-407E-A947-70E740481C1C}">
-                <a14:useLocalDpi xmlns:a14="http://schemas.microsoft.com/office/drawing/2010/main" val="0"/>
-              </a:ext>
-            </a:extLst>
-          </a:blip>
-          <a:stretch>
-            <a:fillRect/>
-          </a:stretch>
-        </p:blipFill>
-        <p:spPr>
-          <a:xfrm>
-            <a:off x="8194298" y="630596"/>
-            <a:ext cx="3405018" cy="9673244"/>
-          </a:xfrm>
-          <a:prstGeom prst="rect">
-            <a:avLst/>
-          </a:prstGeom>
-        </p:spPr>
-      </p:pic>
-      <p:sp>
-        <p:nvSpPr>
-          <p:cNvPr id="6" name="Rounded Rectangle 5"/>
-          <p:cNvSpPr/>
-          <p:nvPr/>
-        </p:nvSpPr>
-        <p:spPr>
-          <a:xfrm>
-            <a:off x="650923" y="1630519"/>
-            <a:ext cx="6213800" cy="2776202"/>
-          </a:xfrm>
-          <a:prstGeom prst="roundRect">
-            <a:avLst/>
+          <a:prstGeom prst="homePlate">
+            <a:avLst>
+              <a:gd name="adj" fmla="val 76866"/>
+            </a:avLst>
           </a:prstGeom>
           <a:solidFill>
-            <a:schemeClr val="bg1"/>
+            <a:schemeClr val="accent2">
+              <a:lumMod val="40000"/>
+              <a:lumOff val="60000"/>
+            </a:schemeClr>
           </a:solidFill>
-          <a:ln w="38100">
+          <a:ln>
             <a:solidFill>
               <a:schemeClr val="accent2">
                 <a:lumMod val="60000"/>
@@ -4853,77 +4933,72 @@
           <a:bodyPr rtlCol="0" anchor="ctr"/>
           <a:lstStyle/>
           <a:p>
-            <a:r>
-              <a:rPr lang="en-US" sz="2000" dirty="0">
-                <a:solidFill>
-                  <a:schemeClr val="tx1"/>
-                </a:solidFill>
-              </a:rPr>
-              <a:t>So to decide what type of sexual </a:t>
-            </a:r>
-            <a:r>
-              <a:rPr lang="en-US" sz="2000" dirty="0" smtClean="0">
-                <a:solidFill>
-                  <a:schemeClr val="tx1"/>
-                </a:solidFill>
-              </a:rPr>
-              <a:t>misconduct </a:t>
-            </a:r>
-            <a:r>
-              <a:rPr lang="en-US" sz="2000" dirty="0">
-                <a:solidFill>
-                  <a:schemeClr val="tx1"/>
-                </a:solidFill>
-              </a:rPr>
-              <a:t>it is, we do not </a:t>
-            </a:r>
-            <a:r>
-              <a:rPr lang="en-US" sz="2000" dirty="0" smtClean="0">
-                <a:solidFill>
-                  <a:schemeClr val="tx1"/>
-                </a:solidFill>
-              </a:rPr>
-              <a:t>focus on </a:t>
-            </a:r>
-            <a:r>
-              <a:rPr lang="en-US" sz="2000" dirty="0">
-                <a:solidFill>
-                  <a:schemeClr val="tx1"/>
-                </a:solidFill>
-              </a:rPr>
-              <a:t>the action but rather on </a:t>
-            </a:r>
-            <a:r>
-              <a:rPr lang="en-US" sz="2000" dirty="0" smtClean="0">
-                <a:solidFill>
-                  <a:schemeClr val="tx1"/>
-                </a:solidFill>
-              </a:rPr>
-              <a:t>who the </a:t>
-            </a:r>
-            <a:r>
-              <a:rPr lang="en-US" sz="2000" dirty="0">
-                <a:solidFill>
-                  <a:schemeClr val="tx1"/>
-                </a:solidFill>
-              </a:rPr>
-              <a:t>perpetrator and victim are.</a:t>
-            </a:r>
-            <a:endParaRPr lang="en-US" sz="2000" dirty="0">
-              <a:solidFill>
-                <a:schemeClr val="tx1"/>
-              </a:solidFill>
-            </a:endParaRPr>
+            <a:pPr algn="ctr"/>
+            <a:r>
+              <a:rPr lang="en-US" sz="4000" b="1" dirty="0">
+                <a:ln w="6600">
+                  <a:solidFill>
+                    <a:schemeClr val="accent2"/>
+                  </a:solidFill>
+                  <a:prstDash val="solid"/>
+                </a:ln>
+                <a:solidFill>
+                  <a:schemeClr val="tx1"/>
+                </a:solidFill>
+                <a:effectLst>
+                  <a:outerShdw blurRad="38100" dist="38100" dir="2700000" algn="tl">
+                    <a:srgbClr val="000000">
+                      <a:alpha val="43137"/>
+                    </a:srgbClr>
+                  </a:outerShdw>
+                </a:effectLst>
+              </a:rPr>
+              <a:t>Play</a:t>
+            </a:r>
           </a:p>
         </p:txBody>
       </p:sp>
+      <p:pic>
+        <p:nvPicPr>
+          <p:cNvPr id="8" name="Picture 7"/>
+          <p:cNvPicPr>
+            <a:picLocks noChangeAspect="1"/>
+          </p:cNvPicPr>
+          <p:nvPr>
+            <p:custDataLst>
+              <p:tags r:id="rId2"/>
+            </p:custDataLst>
+          </p:nvPr>
+        </p:nvPicPr>
+        <p:blipFill>
+          <a:blip r:embed="rId6">
+            <a:extLst>
+              <a:ext uri="{28A0092B-C50C-407E-A947-70E740481C1C}">
+                <a14:useLocalDpi xmlns:a14="http://schemas.microsoft.com/office/drawing/2010/main" val="0"/>
+              </a:ext>
+            </a:extLst>
+          </a:blip>
+          <a:stretch>
+            <a:fillRect/>
+          </a:stretch>
+        </p:blipFill>
+        <p:spPr>
+          <a:xfrm>
+            <a:off x="8208338" y="494934"/>
+            <a:ext cx="3630263" cy="10313137"/>
+          </a:xfrm>
+          <a:prstGeom prst="rect">
+            <a:avLst/>
+          </a:prstGeom>
+        </p:spPr>
+      </p:pic>
     </p:spTree>
     <p:custDataLst>
       <p:tags r:id="rId1"/>
     </p:custDataLst>
     <p:extLst>
       <p:ext uri="{BB962C8B-B14F-4D97-AF65-F5344CB8AC3E}">
-        <p14:creationId xmlns:p14="http://schemas.microsoft.com/office/powerpoint/2010/main" val="664443004"/>
+        <p14:creationId xmlns:p14="http://schemas.microsoft.com/office/powerpoint/2010/main" val="1510103975"/>
       </p:ext>
     </p:extLst>
   </p:cSld>
@@ -4941,93 +5016,9 @@
   <p:timing>
     <p:tnLst>
       <p:par>
-        <p:cTn id="1" dur="indefinite" restart="never" nodeType="tmRoot">
-          <p:childTnLst>
-            <p:seq concurrent="1" nextAc="seek">
-              <p:cTn id="2" dur="indefinite" nodeType="mainSeq">
-                <p:childTnLst>
-                  <p:par>
-                    <p:cTn id="3" fill="hold">
-                      <p:stCondLst>
-                        <p:cond delay="indefinite"/>
-                      </p:stCondLst>
-                      <p:childTnLst>
-                        <p:par>
-                          <p:cTn id="4" fill="hold">
-                            <p:stCondLst>
-                              <p:cond delay="0"/>
-                            </p:stCondLst>
-                            <p:childTnLst>
-                              <p:par>
-                                <p:cTn id="5" presetID="6" presetClass="entr" presetSubtype="16" fill="hold" grpId="0" nodeType="clickEffect" nodePh="1">
-                                  <p:stCondLst>
-                                    <p:cond delay="0"/>
-                                  </p:stCondLst>
-                                  <p:endCondLst>
-                                    <p:cond evt="begin" delay="0">
-                                      <p:tn val="5"/>
-                                    </p:cond>
-                                  </p:endCondLst>
-                                  <p:childTnLst>
-                                    <p:set>
-                                      <p:cBhvr>
-                                        <p:cTn id="6" dur="1" fill="hold">
-                                          <p:stCondLst>
-                                            <p:cond delay="0"/>
-                                          </p:stCondLst>
-                                        </p:cTn>
-                                        <p:tgtEl>
-                                          <p:spTgt spid="3"/>
-                                        </p:tgtEl>
-                                        <p:attrNameLst>
-                                          <p:attrName>style.visibility</p:attrName>
-                                        </p:attrNameLst>
-                                      </p:cBhvr>
-                                      <p:to>
-                                        <p:strVal val="visible"/>
-                                      </p:to>
-                                    </p:set>
-                                    <p:animEffect transition="in" filter="circle(in)">
-                                      <p:cBhvr>
-                                        <p:cTn id="7" dur="2000"/>
-                                        <p:tgtEl>
-                                          <p:spTgt spid="3"/>
-                                        </p:tgtEl>
-                                      </p:cBhvr>
-                                    </p:animEffect>
-                                  </p:childTnLst>
-                                </p:cTn>
-                              </p:par>
-                            </p:childTnLst>
-                          </p:cTn>
-                        </p:par>
-                      </p:childTnLst>
-                    </p:cTn>
-                  </p:par>
-                </p:childTnLst>
-              </p:cTn>
-              <p:prevCondLst>
-                <p:cond evt="onPrev" delay="0">
-                  <p:tgtEl>
-                    <p:sldTgt/>
-                  </p:tgtEl>
-                </p:cond>
-              </p:prevCondLst>
-              <p:nextCondLst>
-                <p:cond evt="onNext" delay="0">
-                  <p:tgtEl>
-                    <p:sldTgt/>
-                  </p:tgtEl>
-                </p:cond>
-              </p:nextCondLst>
-            </p:seq>
-          </p:childTnLst>
-        </p:cTn>
+        <p:cTn id="1" dur="indefinite" restart="never" nodeType="tmRoot"/>
       </p:par>
     </p:tnLst>
-    <p:bldLst>
-      <p:bldP spid="3" grpId="0"/>
-    </p:bldLst>
   </p:timing>
 </p:sld>
 </file>
@@ -5071,7 +5062,7 @@
         </p:blipFill>
         <p:spPr>
           <a:xfrm>
-            <a:off x="0" y="0"/>
+            <a:off x="1" y="0"/>
             <a:ext cx="12192000" cy="6858000"/>
           </a:xfrm>
           <a:prstGeom prst="rect">
@@ -5081,119 +5072,262 @@
       </p:pic>
       <p:sp>
         <p:nvSpPr>
-          <p:cNvPr id="2" name="Title">
+          <p:cNvPr id="2" name="ISPRING_QUIZ_SHAPE0">
             <a:extLst>
               <a:ext uri="{FF2B5EF4-FFF2-40B4-BE49-F238E27FC236}">
-                <a16:creationId xmlns:a16="http://schemas.microsoft.com/office/drawing/2014/main" id="{780F3996-F45A-4577-B2DB-342301B618F0}"/>
+                <a16:creationId xmlns:a16="http://schemas.microsoft.com/office/drawing/2014/main" id="{9A2B7DD1-E0CF-3420-89D3-133C9260A0EE}"/>
               </a:ext>
             </a:extLst>
           </p:cNvPr>
-          <p:cNvSpPr txBox="1">
-            <a:spLocks/>
-          </p:cNvSpPr>
+          <p:cNvSpPr/>
           <p:nvPr/>
         </p:nvSpPr>
         <p:spPr>
           <a:xfrm>
-            <a:off x="443052" y="1911926"/>
-            <a:ext cx="6979357" cy="576441"/>
+            <a:off x="0" y="0"/>
+            <a:ext cx="12192000" cy="6858000"/>
           </a:xfrm>
           <a:prstGeom prst="rect">
             <a:avLst/>
           </a:prstGeom>
+          <a:solidFill>
+            <a:srgbClr val="FFFFFF"/>
+          </a:solidFill>
+          <a:ln w="12700" cap="flat" cmpd="sng" algn="ctr">
+            <a:noFill/>
+            <a:prstDash val="solid"/>
+            <a:miter lim="800000"/>
+          </a:ln>
+          <a:effectLst>
+            <a:innerShdw>
+              <a:scrgbClr r="0" g="0" b="0">
+                <a:alpha val="0"/>
+              </a:scrgbClr>
+            </a:innerShdw>
+          </a:effectLst>
         </p:spPr>
+        <p:style>
+          <a:lnRef idx="2">
+            <a:schemeClr val="accent1">
+              <a:shade val="15000"/>
+            </a:schemeClr>
+          </a:lnRef>
+          <a:fillRef idx="1">
+            <a:schemeClr val="accent1"/>
+          </a:fillRef>
+          <a:effectRef idx="0">
+            <a:schemeClr val="accent1"/>
+          </a:effectRef>
+          <a:fontRef idx="minor">
+            <a:schemeClr val="lt1"/>
+          </a:fontRef>
+        </p:style>
         <p:txBody>
-          <a:bodyPr anchor="b">
-            <a:normAutofit fontScale="77500" lnSpcReduction="20000"/>
-          </a:bodyPr>
-          <a:lstStyle>
-            <a:lvl1pPr algn="l" defTabSz="914400" rtl="0" eaLnBrk="1" latinLnBrk="0" hangingPunct="1">
-              <a:lnSpc>
-                <a:spcPct val="90000"/>
-              </a:lnSpc>
-              <a:spcBef>
-                <a:spcPct val="0"/>
-              </a:spcBef>
-              <a:buNone/>
-              <a:defRPr sz="4400" kern="1200">
-                <a:solidFill>
-                  <a:schemeClr val="tx1"/>
-                </a:solidFill>
-                <a:latin typeface="+mj-lt"/>
-                <a:ea typeface="+mj-ea"/>
-                <a:cs typeface="+mj-cs"/>
-              </a:defRPr>
-            </a:lvl1pPr>
-          </a:lstStyle>
-          <a:p>
-            <a:endParaRPr lang="ru-RU" sz="5400" dirty="0">
-              <a:solidFill>
-                <a:srgbClr val="151824"/>
-              </a:solidFill>
-              <a:ea typeface="Open Sans" panose="020B0606030504020204" pitchFamily="34" charset="0"/>
-              <a:cs typeface="Open Sans" panose="020B0606030504020204" pitchFamily="34" charset="0"/>
-            </a:endParaRPr>
+          <a:bodyPr rtlCol="0" anchor="ctr"/>
+          <a:lstStyle/>
+          <a:p>
+            <a:pPr algn="ctr"/>
+            <a:endParaRPr lang="en-US"/>
           </a:p>
         </p:txBody>
       </p:sp>
-      <p:sp>
-        <p:nvSpPr>
-          <p:cNvPr id="3" name="Title">
+      <p:pic>
+        <p:nvPicPr>
+          <p:cNvPr id="4" name="ISPRING_QUIZ_SHAPE1">
             <a:extLst>
               <a:ext uri="{FF2B5EF4-FFF2-40B4-BE49-F238E27FC236}">
-                <a16:creationId xmlns:a16="http://schemas.microsoft.com/office/drawing/2014/main" id="{DB976287-88DA-E1BC-93BA-814DA2A4F3B0}"/>
+                <a16:creationId xmlns:a16="http://schemas.microsoft.com/office/drawing/2014/main" id="{7CB649D4-B269-87B6-12C2-089EA49F16E8}"/>
               </a:ext>
             </a:extLst>
           </p:cNvPr>
-          <p:cNvSpPr txBox="1">
-            <a:spLocks/>
-          </p:cNvSpPr>
+          <p:cNvPicPr>
+            <a:picLocks/>
+          </p:cNvPicPr>
           <p:nvPr/>
-        </p:nvSpPr>
+        </p:nvPicPr>
+        <p:blipFill>
+          <a:blip r:embed="rId6"/>
+          <a:srcRect/>
+          <a:stretch>
+            <a:fillRect/>
+          </a:stretch>
+        </p:blipFill>
         <p:spPr>
           <a:xfrm>
-            <a:off x="114215" y="494934"/>
-            <a:ext cx="7308194" cy="5771213"/>
+            <a:off x="2147570" y="1851660"/>
+            <a:ext cx="7899400" cy="4445000"/>
           </a:xfrm>
           <a:prstGeom prst="rect">
             <a:avLst/>
           </a:prstGeom>
+          <a:effectLst>
+            <a:outerShdw blurRad="114300" dist="38100" dir="5400000" rotWithShape="0">
+              <a:scrgbClr r="0" g="0" b="0">
+                <a:alpha val="20000"/>
+              </a:scrgbClr>
+            </a:outerShdw>
+          </a:effectLst>
+        </p:spPr>
+      </p:pic>
+      <p:sp>
+        <p:nvSpPr>
+          <p:cNvPr id="8" name="ISPRING_QUIZ_SHAPE2">
+            <a:extLst>
+              <a:ext uri="{FF2B5EF4-FFF2-40B4-BE49-F238E27FC236}">
+                <a16:creationId xmlns:a16="http://schemas.microsoft.com/office/drawing/2014/main" id="{414B7750-54F7-CE95-B8F1-E4D70320DEB8}"/>
+              </a:ext>
+            </a:extLst>
+          </p:cNvPr>
+          <p:cNvSpPr txBox="1"/>
+          <p:nvPr/>
+        </p:nvSpPr>
+        <p:spPr>
+          <a:xfrm>
+            <a:off x="731520" y="411480"/>
+            <a:ext cx="10728960" cy="553998"/>
+          </a:xfrm>
+          <a:prstGeom prst="rect">
+            <a:avLst/>
+          </a:prstGeom>
+          <a:noFill/>
+          <a:effectLst>
+            <a:innerShdw>
+              <a:scrgbClr r="0" g="0" b="0">
+                <a:alpha val="0"/>
+              </a:scrgbClr>
+            </a:innerShdw>
+          </a:effectLst>
         </p:spPr>
         <p:txBody>
-          <a:bodyPr anchor="b">
-            <a:normAutofit/>
+          <a:bodyPr vert="horz" rtlCol="0">
+            <a:spAutoFit/>
           </a:bodyPr>
-          <a:lstStyle>
-            <a:lvl1pPr algn="l" defTabSz="914400" rtl="0" eaLnBrk="1" latinLnBrk="0" hangingPunct="1">
-              <a:lnSpc>
-                <a:spcPct val="90000"/>
-              </a:lnSpc>
-              <a:spcBef>
-                <a:spcPct val="0"/>
-              </a:spcBef>
-              <a:buNone/>
-              <a:defRPr sz="4400" kern="1200">
-                <a:solidFill>
-                  <a:schemeClr val="tx1"/>
-                </a:solidFill>
-                <a:latin typeface="+mj-lt"/>
-                <a:ea typeface="+mj-ea"/>
-                <a:cs typeface="+mj-cs"/>
-              </a:defRPr>
-            </a:lvl1pPr>
-          </a:lstStyle>
-          <a:p>
-            <a:pPr fontAlgn="base"/>
-            <a:endParaRPr lang="ru-RU" sz="2400" dirty="0">
-              <a:ea typeface="Open Sans" panose="020B0606030504020204" pitchFamily="34" charset="0"/>
-              <a:cs typeface="Open Sans" panose="020B0606030504020204" pitchFamily="34" charset="0"/>
-            </a:endParaRPr>
+          <a:lstStyle/>
+          <a:p>
+            <a:pPr algn="ctr"/>
+            <a:r>
+              <a:rPr lang="en-US" sz="3000">
+                <a:solidFill>
+                  <a:srgbClr val="343944"/>
+                </a:solidFill>
+                <a:effectLst/>
+                <a:latin typeface="Segoe UI" panose="020B0502040204020203" pitchFamily="34" charset="0"/>
+              </a:rPr>
+              <a:t>   Quiz</a:t>
+            </a:r>
           </a:p>
         </p:txBody>
       </p:sp>
       <p:pic>
         <p:nvPicPr>
-          <p:cNvPr id="4" name="Picture 3"/>
+          <p:cNvPr id="11" name="ISPRING_QUIZ_SHAPE3">
+            <a:extLst>
+              <a:ext uri="{FF2B5EF4-FFF2-40B4-BE49-F238E27FC236}">
+                <a16:creationId xmlns:a16="http://schemas.microsoft.com/office/drawing/2014/main" id="{DC22565D-D487-AD2E-BC0B-2FF1AA82F3BD}"/>
+              </a:ext>
+            </a:extLst>
+          </p:cNvPr>
+          <p:cNvPicPr>
+            <a:picLocks/>
+          </p:cNvPicPr>
+          <p:nvPr/>
+        </p:nvPicPr>
+        <p:blipFill>
+          <a:blip r:embed="rId7"/>
+          <a:srcRect/>
+          <a:stretch>
+            <a:fillRect/>
+          </a:stretch>
+        </p:blipFill>
+        <p:spPr>
+          <a:xfrm>
+            <a:off x="5357855" y="482600"/>
+            <a:ext cx="406400" cy="406400"/>
+          </a:xfrm>
+          <a:prstGeom prst="rect">
+            <a:avLst/>
+          </a:prstGeom>
+          <a:effectLst>
+            <a:innerShdw>
+              <a:scrgbClr r="0" g="0" b="0">
+                <a:alpha val="0"/>
+              </a:scrgbClr>
+            </a:innerShdw>
+          </a:effectLst>
+        </p:spPr>
+      </p:pic>
+      <p:sp>
+        <p:nvSpPr>
+          <p:cNvPr id="12" name="ISPRING_QUIZ_SHAPE4">
+            <a:extLst>
+              <a:ext uri="{FF2B5EF4-FFF2-40B4-BE49-F238E27FC236}">
+                <a16:creationId xmlns:a16="http://schemas.microsoft.com/office/drawing/2014/main" id="{3E6B1E62-2ECA-3368-C67A-856BC923E7B2}"/>
+              </a:ext>
+            </a:extLst>
+          </p:cNvPr>
+          <p:cNvSpPr txBox="1"/>
+          <p:nvPr/>
+        </p:nvSpPr>
+        <p:spPr>
+          <a:xfrm>
+            <a:off x="731520" y="1097280"/>
+            <a:ext cx="10728960" cy="430887"/>
+          </a:xfrm>
+          <a:prstGeom prst="rect">
+            <a:avLst/>
+          </a:prstGeom>
+          <a:noFill/>
+          <a:effectLst>
+            <a:innerShdw>
+              <a:scrgbClr r="0" g="0" b="0">
+                <a:alpha val="0"/>
+              </a:scrgbClr>
+            </a:innerShdw>
+          </a:effectLst>
+        </p:spPr>
+        <p:txBody>
+          <a:bodyPr vert="horz" rtlCol="0">
+            <a:spAutoFit/>
+          </a:bodyPr>
+          <a:lstStyle/>
+          <a:p>
+            <a:pPr algn="ctr"/>
+            <a:r>
+              <a:rPr lang="en-US" sz="2200">
+                <a:solidFill>
+                  <a:srgbClr val="343944"/>
+                </a:solidFill>
+                <a:effectLst/>
+                <a:latin typeface="Segoe UI" panose="020B0502040204020203" pitchFamily="34" charset="0"/>
+              </a:rPr>
+              <a:t>Click the </a:t>
+            </a:r>
+            <a:r>
+              <a:rPr lang="en-US" sz="2200" b="1">
+                <a:solidFill>
+                  <a:srgbClr val="343944"/>
+                </a:solidFill>
+                <a:effectLst/>
+                <a:latin typeface="Segoe UI Semibold" panose="020B0702040204020203" pitchFamily="34" charset="0"/>
+              </a:rPr>
+              <a:t>Quiz</a:t>
+            </a:r>
+            <a:r>
+              <a:rPr lang="en-US" sz="2200">
+                <a:solidFill>
+                  <a:srgbClr val="343944"/>
+                </a:solidFill>
+                <a:effectLst/>
+                <a:latin typeface="Segoe UI" panose="020B0502040204020203" pitchFamily="34" charset="0"/>
+              </a:rPr>
+              <a:t> button to edit this object</a:t>
+            </a:r>
+          </a:p>
+        </p:txBody>
+      </p:sp>
+      <p:pic>
+        <p:nvPicPr>
+          <p:cNvPr id="9" name="Picture 8"/>
           <p:cNvPicPr>
             <a:picLocks noChangeAspect="1"/>
           </p:cNvPicPr>
@@ -5204,7 +5338,7 @@
           </p:nvPr>
         </p:nvPicPr>
         <p:blipFill>
-          <a:blip r:embed="rId6">
+          <a:blip r:embed="rId8">
             <a:extLst>
               <a:ext uri="{28A0092B-C50C-407E-A947-70E740481C1C}">
                 <a14:useLocalDpi xmlns:a14="http://schemas.microsoft.com/office/drawing/2010/main" val="0"/>
@@ -5217,199 +5351,122 @@
         </p:blipFill>
         <p:spPr>
           <a:xfrm>
-            <a:off x="8391799" y="494934"/>
-            <a:ext cx="3610267" cy="10256332"/>
+            <a:off x="6746606" y="1528167"/>
+            <a:ext cx="3630263" cy="10313137"/>
           </a:xfrm>
           <a:prstGeom prst="rect">
             <a:avLst/>
           </a:prstGeom>
         </p:spPr>
       </p:pic>
-      <p:sp>
-        <p:nvSpPr>
-          <p:cNvPr id="7" name="TextBox">
+    </p:spTree>
+    <p:custDataLst>
+      <p:tags r:id="rId1"/>
+    </p:custDataLst>
+    <p:extLst>
+      <p:ext uri="{BB962C8B-B14F-4D97-AF65-F5344CB8AC3E}">
+        <p14:creationId xmlns:p14="http://schemas.microsoft.com/office/powerpoint/2010/main" val="1811677126"/>
+      </p:ext>
+    </p:extLst>
+  </p:cSld>
+  <p:clrMapOvr>
+    <a:masterClrMapping/>
+  </p:clrMapOvr>
+  <mc:AlternateContent xmlns:mc="http://schemas.openxmlformats.org/markup-compatibility/2006" xmlns:p14="http://schemas.microsoft.com/office/powerpoint/2010/main">
+    <mc:Choice Requires="p14">
+      <p:transition spd="slow" p14:dur="2000" advClick="0"/>
+    </mc:Choice>
+    <mc:Fallback xmlns="">
+      <p:transition spd="slow" advClick="0"/>
+    </mc:Fallback>
+  </mc:AlternateContent>
+  <p:timing>
+    <p:tnLst>
+      <p:par>
+        <p:cTn id="1" dur="indefinite" restart="never" nodeType="tmRoot"/>
+      </p:par>
+    </p:tnLst>
+  </p:timing>
+</p:sld>
+</file>
+
+<file path=ppt/slides/slide15.xml><?xml version="1.0" encoding="utf-8"?>
+<p:sld xmlns:a="http://schemas.openxmlformats.org/drawingml/2006/main" xmlns:r="http://schemas.openxmlformats.org/officeDocument/2006/relationships" xmlns:p="http://schemas.openxmlformats.org/presentationml/2006/main">
+  <p:cSld>
+    <p:spTree>
+      <p:nvGrpSpPr>
+        <p:cNvPr id="1" name=""/>
+        <p:cNvGrpSpPr/>
+        <p:nvPr/>
+      </p:nvGrpSpPr>
+      <p:grpSpPr>
+        <a:xfrm>
+          <a:off x="0" y="0"/>
+          <a:ext cx="0" cy="0"/>
+          <a:chOff x="0" y="0"/>
+          <a:chExt cx="0" cy="0"/>
+        </a:xfrm>
+      </p:grpSpPr>
+      <p:pic>
+        <p:nvPicPr>
+          <p:cNvPr id="2" name="Picture Background">
             <a:extLst>
               <a:ext uri="{FF2B5EF4-FFF2-40B4-BE49-F238E27FC236}">
-                <a16:creationId xmlns:a16="http://schemas.microsoft.com/office/drawing/2014/main" id="{53EA61F1-8A28-3B58-A024-19E8B86CA28E}"/>
+                <a16:creationId xmlns:a16="http://schemas.microsoft.com/office/drawing/2014/main" id="{F0AE7FE6-9C80-7DA4-C3D2-BE3B9D03D0C3}"/>
               </a:ext>
             </a:extLst>
           </p:cNvPr>
-          <p:cNvSpPr txBox="1">
-            <a:spLocks/>
-          </p:cNvSpPr>
+          <p:cNvPicPr>
+            <a:picLocks noChangeAspect="1"/>
+          </p:cNvPicPr>
           <p:nvPr/>
-        </p:nvSpPr>
+        </p:nvPicPr>
+        <p:blipFill>
+          <a:blip r:embed="rId5"/>
+          <a:stretch>
+            <a:fillRect/>
+          </a:stretch>
+        </p:blipFill>
         <p:spPr>
-          <a:xfrm flipH="1">
-            <a:off x="6096000" y="197746"/>
-            <a:ext cx="2594421" cy="704554"/>
+          <a:xfrm>
+            <a:off x="-29599" y="0"/>
+            <a:ext cx="12192000" cy="6858000"/>
           </a:xfrm>
-          <a:prstGeom prst="wedgeRoundRectCallout">
+          <a:prstGeom prst="rect">
+            <a:avLst/>
+          </a:prstGeom>
+        </p:spPr>
+      </p:pic>
+      <p:sp>
+        <p:nvSpPr>
+          <p:cNvPr id="10" name="Arrow: Pentagon 9">
+            <a:hlinkClick r:id="rId6" action="ppaction://program"/>
+            <a:extLst>
+              <a:ext uri="{FF2B5EF4-FFF2-40B4-BE49-F238E27FC236}">
+                <a16:creationId xmlns:a16="http://schemas.microsoft.com/office/drawing/2014/main" id="{A4E6FAF3-1F76-385A-19D9-ED972E17C510}"/>
+              </a:ext>
+            </a:extLst>
+          </p:cNvPr>
+          <p:cNvSpPr/>
+          <p:nvPr/>
+        </p:nvSpPr>
+        <p:spPr>
+          <a:xfrm>
+            <a:off x="980210" y="3096039"/>
+            <a:ext cx="5345046" cy="1185466"/>
+          </a:xfrm>
+          <a:prstGeom prst="homePlate">
             <a:avLst>
-              <a:gd name="adj1" fmla="val -76998"/>
-              <a:gd name="adj2" fmla="val 124593"/>
-              <a:gd name="adj3" fmla="val 16667"/>
+              <a:gd name="adj" fmla="val 76866"/>
             </a:avLst>
           </a:prstGeom>
           <a:solidFill>
-            <a:schemeClr val="bg1"/>
+            <a:schemeClr val="accent2">
+              <a:lumMod val="40000"/>
+              <a:lumOff val="60000"/>
+            </a:schemeClr>
           </a:solidFill>
-          <a:ln w="19050">
-            <a:solidFill>
-              <a:schemeClr val="bg1"/>
-            </a:solidFill>
-          </a:ln>
-          <a:effectLst>
-            <a:outerShdw blurRad="254000" dist="127000" dir="5400000" algn="ctr" rotWithShape="0">
-              <a:srgbClr val="C0B8A3">
-                <a:alpha val="26000"/>
-              </a:srgbClr>
-            </a:outerShdw>
-          </a:effectLst>
-        </p:spPr>
-        <p:txBody>
-          <a:bodyPr lIns="216000" tIns="144000" rIns="216000" bIns="144000" anchor="ctr">
-            <a:noAutofit/>
-          </a:bodyPr>
-          <a:lstStyle>
-            <a:defPPr>
-              <a:defRPr lang="ru-RU"/>
-            </a:defPPr>
-            <a:lvl1pPr indent="0">
-              <a:lnSpc>
-                <a:spcPct val="120000"/>
-              </a:lnSpc>
-              <a:spcBef>
-                <a:spcPts val="1000"/>
-              </a:spcBef>
-              <a:buFont typeface="Arial" panose="020B0604020202020204" pitchFamily="34" charset="0"/>
-              <a:buNone/>
-              <a:defRPr sz="1200">
-                <a:solidFill>
-                  <a:schemeClr val="tx2">
-                    <a:lumMod val="75000"/>
-                  </a:schemeClr>
-                </a:solidFill>
-              </a:defRPr>
-            </a:lvl1pPr>
-            <a:lvl2pPr marL="685800" indent="-228600">
-              <a:lnSpc>
-                <a:spcPct val="90000"/>
-              </a:lnSpc>
-              <a:spcBef>
-                <a:spcPts val="500"/>
-              </a:spcBef>
-              <a:buFont typeface="Arial" panose="020B0604020202020204" pitchFamily="34" charset="0"/>
-              <a:buChar char="•"/>
-              <a:defRPr sz="2400"/>
-            </a:lvl2pPr>
-            <a:lvl3pPr marL="1143000" indent="-228600">
-              <a:lnSpc>
-                <a:spcPct val="90000"/>
-              </a:lnSpc>
-              <a:spcBef>
-                <a:spcPts val="500"/>
-              </a:spcBef>
-              <a:buFont typeface="Arial" panose="020B0604020202020204" pitchFamily="34" charset="0"/>
-              <a:buChar char="•"/>
-              <a:defRPr sz="2000"/>
-            </a:lvl3pPr>
-            <a:lvl4pPr marL="1600200" indent="-228600">
-              <a:lnSpc>
-                <a:spcPct val="90000"/>
-              </a:lnSpc>
-              <a:spcBef>
-                <a:spcPts val="500"/>
-              </a:spcBef>
-              <a:buFont typeface="Arial" panose="020B0604020202020204" pitchFamily="34" charset="0"/>
-              <a:buChar char="•"/>
-            </a:lvl4pPr>
-            <a:lvl5pPr marL="2057400" indent="-228600">
-              <a:lnSpc>
-                <a:spcPct val="90000"/>
-              </a:lnSpc>
-              <a:spcBef>
-                <a:spcPts val="500"/>
-              </a:spcBef>
-              <a:buFont typeface="Arial" panose="020B0604020202020204" pitchFamily="34" charset="0"/>
-              <a:buChar char="•"/>
-            </a:lvl5pPr>
-            <a:lvl6pPr marL="2514600" indent="-228600">
-              <a:lnSpc>
-                <a:spcPct val="90000"/>
-              </a:lnSpc>
-              <a:spcBef>
-                <a:spcPts val="500"/>
-              </a:spcBef>
-              <a:buFont typeface="Arial" panose="020B0604020202020204" pitchFamily="34" charset="0"/>
-              <a:buChar char="•"/>
-            </a:lvl6pPr>
-            <a:lvl7pPr marL="2971800" indent="-228600">
-              <a:lnSpc>
-                <a:spcPct val="90000"/>
-              </a:lnSpc>
-              <a:spcBef>
-                <a:spcPts val="500"/>
-              </a:spcBef>
-              <a:buFont typeface="Arial" panose="020B0604020202020204" pitchFamily="34" charset="0"/>
-              <a:buChar char="•"/>
-            </a:lvl7pPr>
-            <a:lvl8pPr marL="3429000" indent="-228600">
-              <a:lnSpc>
-                <a:spcPct val="90000"/>
-              </a:lnSpc>
-              <a:spcBef>
-                <a:spcPts val="500"/>
-              </a:spcBef>
-              <a:buFont typeface="Arial" panose="020B0604020202020204" pitchFamily="34" charset="0"/>
-              <a:buChar char="•"/>
-            </a:lvl8pPr>
-            <a:lvl9pPr marL="3886200" indent="-228600">
-              <a:lnSpc>
-                <a:spcPct val="90000"/>
-              </a:lnSpc>
-              <a:spcBef>
-                <a:spcPts val="500"/>
-              </a:spcBef>
-              <a:buFont typeface="Arial" panose="020B0604020202020204" pitchFamily="34" charset="0"/>
-              <a:buChar char="•"/>
-            </a:lvl9pPr>
-          </a:lstStyle>
-          <a:p>
-            <a:pPr algn="ctr"/>
-            <a:r>
-              <a:rPr lang="en-US" sz="1400" dirty="0"/>
-              <a:t> Who are the two parties?</a:t>
-            </a:r>
-            <a:endParaRPr lang="en-US" sz="1400" b="1" dirty="0">
-              <a:solidFill>
-                <a:srgbClr val="CB1259"/>
-              </a:solidFill>
-              <a:latin typeface="+mj-lt"/>
-              <a:ea typeface="Open Sans" panose="020B0606030504020204" pitchFamily="34" charset="0"/>
-              <a:cs typeface="Open Sans" panose="020B0606030504020204" pitchFamily="34" charset="0"/>
-            </a:endParaRPr>
-          </a:p>
-        </p:txBody>
-      </p:sp>
-      <p:sp>
-        <p:nvSpPr>
-          <p:cNvPr id="8" name="Rounded Rectangle 7"/>
-          <p:cNvSpPr/>
-          <p:nvPr/>
-        </p:nvSpPr>
-        <p:spPr>
-          <a:xfrm>
-            <a:off x="380819" y="2162824"/>
-            <a:ext cx="7155805" cy="3055632"/>
-          </a:xfrm>
-          <a:prstGeom prst="roundRect">
-            <a:avLst/>
-          </a:prstGeom>
-          <a:solidFill>
-            <a:schemeClr val="bg1"/>
-          </a:solidFill>
-          <a:ln w="38100">
+          <a:ln>
             <a:solidFill>
               <a:schemeClr val="accent2">
                 <a:lumMod val="60000"/>
@@ -5438,79 +5495,72 @@
           <a:bodyPr rtlCol="0" anchor="ctr"/>
           <a:lstStyle/>
           <a:p>
-            <a:pPr fontAlgn="base"/>
-            <a:r>
-              <a:rPr lang="en-US" sz="2000" dirty="0">
-                <a:solidFill>
-                  <a:schemeClr val="tx1"/>
-                </a:solidFill>
-              </a:rPr>
-              <a:t>If the perpetrator is an aid worker and the victim is a </a:t>
-            </a:r>
-          </a:p>
-          <a:p>
-            <a:pPr fontAlgn="base"/>
-            <a:r>
-              <a:rPr lang="en-US" sz="2000" dirty="0" smtClean="0">
-                <a:solidFill>
-                  <a:schemeClr val="tx1"/>
-                </a:solidFill>
-              </a:rPr>
-              <a:t>beneficiary</a:t>
-            </a:r>
-            <a:r>
-              <a:rPr lang="en-US" sz="2000" dirty="0">
-                <a:solidFill>
-                  <a:schemeClr val="tx1"/>
-                </a:solidFill>
-              </a:rPr>
-              <a:t>. This is either SE or SA. To decide, you ask </a:t>
-            </a:r>
-          </a:p>
-          <a:p>
-            <a:pPr fontAlgn="base"/>
-            <a:r>
-              <a:rPr lang="en-US" sz="2000" dirty="0" smtClean="0">
-                <a:solidFill>
-                  <a:schemeClr val="tx1"/>
-                </a:solidFill>
-              </a:rPr>
-              <a:t>yourself </a:t>
-            </a:r>
-            <a:r>
-              <a:rPr lang="en-US" sz="2000" dirty="0">
-                <a:solidFill>
-                  <a:schemeClr val="tx1"/>
-                </a:solidFill>
-              </a:rPr>
-              <a:t>another question: is there anything in return? If </a:t>
-            </a:r>
-            <a:r>
-              <a:rPr lang="en-US" sz="2000" dirty="0" smtClean="0">
-                <a:solidFill>
-                  <a:schemeClr val="tx1"/>
-                </a:solidFill>
-              </a:rPr>
-              <a:t>yes</a:t>
-            </a:r>
-            <a:r>
-              <a:rPr lang="en-US" sz="2000" dirty="0">
-                <a:solidFill>
-                  <a:schemeClr val="tx1"/>
-                </a:solidFill>
-              </a:rPr>
-              <a:t>, it’s SE, if not it’s SA.</a:t>
+            <a:pPr algn="ctr"/>
+            <a:r>
+              <a:rPr lang="en-US" sz="4000" b="1" dirty="0">
+                <a:ln w="6600">
+                  <a:solidFill>
+                    <a:schemeClr val="accent2"/>
+                  </a:solidFill>
+                  <a:prstDash val="solid"/>
+                </a:ln>
+                <a:solidFill>
+                  <a:schemeClr val="tx1"/>
+                </a:solidFill>
+                <a:effectLst>
+                  <a:outerShdw blurRad="38100" dist="38100" dir="2700000" algn="tl">
+                    <a:srgbClr val="000000">
+                      <a:alpha val="43137"/>
+                    </a:srgbClr>
+                  </a:outerShdw>
+                </a:effectLst>
+              </a:rPr>
+              <a:t>Next Lesson</a:t>
             </a:r>
           </a:p>
         </p:txBody>
       </p:sp>
+      <p:pic>
+        <p:nvPicPr>
+          <p:cNvPr id="3" name="Picture 2"/>
+          <p:cNvPicPr>
+            <a:picLocks noChangeAspect="1"/>
+          </p:cNvPicPr>
+          <p:nvPr>
+            <p:custDataLst>
+              <p:tags r:id="rId2"/>
+            </p:custDataLst>
+          </p:nvPr>
+        </p:nvPicPr>
+        <p:blipFill>
+          <a:blip r:embed="rId7">
+            <a:extLst>
+              <a:ext uri="{28A0092B-C50C-407E-A947-70E740481C1C}">
+                <a14:useLocalDpi xmlns:a14="http://schemas.microsoft.com/office/drawing/2010/main" val="0"/>
+              </a:ext>
+            </a:extLst>
+          </a:blip>
+          <a:stretch>
+            <a:fillRect/>
+          </a:stretch>
+        </p:blipFill>
+        <p:spPr>
+          <a:xfrm>
+            <a:off x="8178002" y="655080"/>
+            <a:ext cx="3019650" cy="10208612"/>
+          </a:xfrm>
+          <a:prstGeom prst="rect">
+            <a:avLst/>
+          </a:prstGeom>
+        </p:spPr>
+      </p:pic>
     </p:spTree>
     <p:custDataLst>
       <p:tags r:id="rId1"/>
     </p:custDataLst>
     <p:extLst>
       <p:ext uri="{BB962C8B-B14F-4D97-AF65-F5344CB8AC3E}">
-        <p14:creationId xmlns:p14="http://schemas.microsoft.com/office/powerpoint/2010/main" val="2308862045"/>
+        <p14:creationId xmlns:p14="http://schemas.microsoft.com/office/powerpoint/2010/main" val="2430232709"/>
       </p:ext>
     </p:extLst>
   </p:cSld>
@@ -5528,3067 +5578,9 @@
   <p:timing>
     <p:tnLst>
       <p:par>
-        <p:cTn id="1" dur="indefinite" restart="never" nodeType="tmRoot">
-          <p:childTnLst>
-            <p:seq concurrent="1" nextAc="seek">
-              <p:cTn id="2" dur="indefinite" nodeType="mainSeq">
-                <p:childTnLst>
-                  <p:par>
-                    <p:cTn id="3" fill="hold">
-                      <p:stCondLst>
-                        <p:cond delay="indefinite"/>
-                      </p:stCondLst>
-                      <p:childTnLst>
-                        <p:par>
-                          <p:cTn id="4" fill="hold">
-                            <p:stCondLst>
-                              <p:cond delay="0"/>
-                            </p:stCondLst>
-                            <p:childTnLst>
-                              <p:par>
-                                <p:cTn id="5" presetID="6" presetClass="entr" presetSubtype="16" fill="hold" grpId="0" nodeType="clickEffect" nodePh="1">
-                                  <p:stCondLst>
-                                    <p:cond delay="0"/>
-                                  </p:stCondLst>
-                                  <p:endCondLst>
-                                    <p:cond evt="begin" delay="0">
-                                      <p:tn val="5"/>
-                                    </p:cond>
-                                  </p:endCondLst>
-                                  <p:childTnLst>
-                                    <p:set>
-                                      <p:cBhvr>
-                                        <p:cTn id="6" dur="1" fill="hold">
-                                          <p:stCondLst>
-                                            <p:cond delay="0"/>
-                                          </p:stCondLst>
-                                        </p:cTn>
-                                        <p:tgtEl>
-                                          <p:spTgt spid="3"/>
-                                        </p:tgtEl>
-                                        <p:attrNameLst>
-                                          <p:attrName>style.visibility</p:attrName>
-                                        </p:attrNameLst>
-                                      </p:cBhvr>
-                                      <p:to>
-                                        <p:strVal val="visible"/>
-                                      </p:to>
-                                    </p:set>
-                                    <p:animEffect transition="in" filter="circle(in)">
-                                      <p:cBhvr>
-                                        <p:cTn id="7" dur="2000"/>
-                                        <p:tgtEl>
-                                          <p:spTgt spid="3"/>
-                                        </p:tgtEl>
-                                      </p:cBhvr>
-                                    </p:animEffect>
-                                  </p:childTnLst>
-                                </p:cTn>
-                              </p:par>
-                            </p:childTnLst>
-                          </p:cTn>
-                        </p:par>
-                      </p:childTnLst>
-                    </p:cTn>
-                  </p:par>
-                </p:childTnLst>
-              </p:cTn>
-              <p:prevCondLst>
-                <p:cond evt="onPrev" delay="0">
-                  <p:tgtEl>
-                    <p:sldTgt/>
-                  </p:tgtEl>
-                </p:cond>
-              </p:prevCondLst>
-              <p:nextCondLst>
-                <p:cond evt="onNext" delay="0">
-                  <p:tgtEl>
-                    <p:sldTgt/>
-                  </p:tgtEl>
-                </p:cond>
-              </p:nextCondLst>
-            </p:seq>
-          </p:childTnLst>
-        </p:cTn>
+        <p:cTn id="1" dur="indefinite" restart="never" nodeType="tmRoot"/>
       </p:par>
     </p:tnLst>
-    <p:bldLst>
-      <p:bldP spid="3" grpId="0"/>
-    </p:bldLst>
-  </p:timing>
-</p:sld>
-</file>
-
-<file path=ppt/slides/slide15.xml><?xml version="1.0" encoding="utf-8"?>
-<p:sld xmlns:a="http://schemas.openxmlformats.org/drawingml/2006/main" xmlns:r="http://schemas.openxmlformats.org/officeDocument/2006/relationships" xmlns:p="http://schemas.openxmlformats.org/presentationml/2006/main">
-  <p:cSld>
-    <p:spTree>
-      <p:nvGrpSpPr>
-        <p:cNvPr id="1" name=""/>
-        <p:cNvGrpSpPr/>
-        <p:nvPr/>
-      </p:nvGrpSpPr>
-      <p:grpSpPr>
-        <a:xfrm>
-          <a:off x="0" y="0"/>
-          <a:ext cx="0" cy="0"/>
-          <a:chOff x="0" y="0"/>
-          <a:chExt cx="0" cy="0"/>
-        </a:xfrm>
-      </p:grpSpPr>
-      <p:pic>
-        <p:nvPicPr>
-          <p:cNvPr id="5" name="Picture Background">
-            <a:extLst>
-              <a:ext uri="{FF2B5EF4-FFF2-40B4-BE49-F238E27FC236}">
-                <a16:creationId xmlns:a16="http://schemas.microsoft.com/office/drawing/2014/main" id="{8F32C49C-CA82-44AD-87B5-61623BBFED22}"/>
-              </a:ext>
-            </a:extLst>
-          </p:cNvPr>
-          <p:cNvPicPr>
-            <a:picLocks noChangeAspect="1"/>
-          </p:cNvPicPr>
-          <p:nvPr/>
-        </p:nvPicPr>
-        <p:blipFill>
-          <a:blip r:embed="rId5"/>
-          <a:stretch>
-            <a:fillRect/>
-          </a:stretch>
-        </p:blipFill>
-        <p:spPr>
-          <a:xfrm>
-            <a:off x="0" y="0"/>
-            <a:ext cx="12192000" cy="6858000"/>
-          </a:xfrm>
-          <a:prstGeom prst="rect">
-            <a:avLst/>
-          </a:prstGeom>
-        </p:spPr>
-      </p:pic>
-      <p:sp>
-        <p:nvSpPr>
-          <p:cNvPr id="2" name="Title">
-            <a:extLst>
-              <a:ext uri="{FF2B5EF4-FFF2-40B4-BE49-F238E27FC236}">
-                <a16:creationId xmlns:a16="http://schemas.microsoft.com/office/drawing/2014/main" id="{780F3996-F45A-4577-B2DB-342301B618F0}"/>
-              </a:ext>
-            </a:extLst>
-          </p:cNvPr>
-          <p:cNvSpPr txBox="1">
-            <a:spLocks/>
-          </p:cNvSpPr>
-          <p:nvPr/>
-        </p:nvSpPr>
-        <p:spPr>
-          <a:xfrm>
-            <a:off x="443052" y="1911926"/>
-            <a:ext cx="6979357" cy="576441"/>
-          </a:xfrm>
-          <a:prstGeom prst="rect">
-            <a:avLst/>
-          </a:prstGeom>
-        </p:spPr>
-        <p:txBody>
-          <a:bodyPr anchor="b">
-            <a:normAutofit fontScale="77500" lnSpcReduction="20000"/>
-          </a:bodyPr>
-          <a:lstStyle>
-            <a:lvl1pPr algn="l" defTabSz="914400" rtl="0" eaLnBrk="1" latinLnBrk="0" hangingPunct="1">
-              <a:lnSpc>
-                <a:spcPct val="90000"/>
-              </a:lnSpc>
-              <a:spcBef>
-                <a:spcPct val="0"/>
-              </a:spcBef>
-              <a:buNone/>
-              <a:defRPr sz="4400" kern="1200">
-                <a:solidFill>
-                  <a:schemeClr val="tx1"/>
-                </a:solidFill>
-                <a:latin typeface="+mj-lt"/>
-                <a:ea typeface="+mj-ea"/>
-                <a:cs typeface="+mj-cs"/>
-              </a:defRPr>
-            </a:lvl1pPr>
-          </a:lstStyle>
-          <a:p>
-            <a:endParaRPr lang="ru-RU" sz="5400" dirty="0">
-              <a:solidFill>
-                <a:srgbClr val="151824"/>
-              </a:solidFill>
-              <a:ea typeface="Open Sans" panose="020B0606030504020204" pitchFamily="34" charset="0"/>
-              <a:cs typeface="Open Sans" panose="020B0606030504020204" pitchFamily="34" charset="0"/>
-            </a:endParaRPr>
-          </a:p>
-        </p:txBody>
-      </p:sp>
-      <p:sp>
-        <p:nvSpPr>
-          <p:cNvPr id="3" name="Title">
-            <a:extLst>
-              <a:ext uri="{FF2B5EF4-FFF2-40B4-BE49-F238E27FC236}">
-                <a16:creationId xmlns:a16="http://schemas.microsoft.com/office/drawing/2014/main" id="{DB976287-88DA-E1BC-93BA-814DA2A4F3B0}"/>
-              </a:ext>
-            </a:extLst>
-          </p:cNvPr>
-          <p:cNvSpPr txBox="1">
-            <a:spLocks/>
-          </p:cNvSpPr>
-          <p:nvPr/>
-        </p:nvSpPr>
-        <p:spPr>
-          <a:xfrm>
-            <a:off x="114215" y="494934"/>
-            <a:ext cx="7308194" cy="5771213"/>
-          </a:xfrm>
-          <a:prstGeom prst="rect">
-            <a:avLst/>
-          </a:prstGeom>
-        </p:spPr>
-        <p:txBody>
-          <a:bodyPr anchor="b">
-            <a:normAutofit/>
-          </a:bodyPr>
-          <a:lstStyle>
-            <a:lvl1pPr algn="l" defTabSz="914400" rtl="0" eaLnBrk="1" latinLnBrk="0" hangingPunct="1">
-              <a:lnSpc>
-                <a:spcPct val="90000"/>
-              </a:lnSpc>
-              <a:spcBef>
-                <a:spcPct val="0"/>
-              </a:spcBef>
-              <a:buNone/>
-              <a:defRPr sz="4400" kern="1200">
-                <a:solidFill>
-                  <a:schemeClr val="tx1"/>
-                </a:solidFill>
-                <a:latin typeface="+mj-lt"/>
-                <a:ea typeface="+mj-ea"/>
-                <a:cs typeface="+mj-cs"/>
-              </a:defRPr>
-            </a:lvl1pPr>
-          </a:lstStyle>
-          <a:p>
-            <a:pPr fontAlgn="base"/>
-            <a:endParaRPr lang="ru-RU" sz="2400" dirty="0">
-              <a:ea typeface="Open Sans" panose="020B0606030504020204" pitchFamily="34" charset="0"/>
-              <a:cs typeface="Open Sans" panose="020B0606030504020204" pitchFamily="34" charset="0"/>
-            </a:endParaRPr>
-          </a:p>
-        </p:txBody>
-      </p:sp>
-      <p:pic>
-        <p:nvPicPr>
-          <p:cNvPr id="4" name="Picture 3"/>
-          <p:cNvPicPr>
-            <a:picLocks noChangeAspect="1"/>
-          </p:cNvPicPr>
-          <p:nvPr>
-            <p:custDataLst>
-              <p:tags r:id="rId2"/>
-            </p:custDataLst>
-          </p:nvPr>
-        </p:nvPicPr>
-        <p:blipFill>
-          <a:blip r:embed="rId6">
-            <a:extLst>
-              <a:ext uri="{28A0092B-C50C-407E-A947-70E740481C1C}">
-                <a14:useLocalDpi xmlns:a14="http://schemas.microsoft.com/office/drawing/2010/main" val="0"/>
-              </a:ext>
-            </a:extLst>
-          </a:blip>
-          <a:stretch>
-            <a:fillRect/>
-          </a:stretch>
-        </p:blipFill>
-        <p:spPr>
-          <a:xfrm>
-            <a:off x="8184696" y="494934"/>
-            <a:ext cx="3687514" cy="10475782"/>
-          </a:xfrm>
-          <a:prstGeom prst="rect">
-            <a:avLst/>
-          </a:prstGeom>
-        </p:spPr>
-      </p:pic>
-      <p:sp>
-        <p:nvSpPr>
-          <p:cNvPr id="7" name="TextBox">
-            <a:extLst>
-              <a:ext uri="{FF2B5EF4-FFF2-40B4-BE49-F238E27FC236}">
-                <a16:creationId xmlns:a16="http://schemas.microsoft.com/office/drawing/2014/main" id="{53EA61F1-8A28-3B58-A024-19E8B86CA28E}"/>
-              </a:ext>
-            </a:extLst>
-          </p:cNvPr>
-          <p:cNvSpPr txBox="1">
-            <a:spLocks/>
-          </p:cNvSpPr>
-          <p:nvPr/>
-        </p:nvSpPr>
-        <p:spPr>
-          <a:xfrm flipH="1">
-            <a:off x="5706256" y="230337"/>
-            <a:ext cx="2594421" cy="704554"/>
-          </a:xfrm>
-          <a:prstGeom prst="wedgeRoundRectCallout">
-            <a:avLst>
-              <a:gd name="adj1" fmla="val -76998"/>
-              <a:gd name="adj2" fmla="val 124593"/>
-              <a:gd name="adj3" fmla="val 16667"/>
-            </a:avLst>
-          </a:prstGeom>
-          <a:solidFill>
-            <a:schemeClr val="bg1"/>
-          </a:solidFill>
-          <a:ln w="19050">
-            <a:solidFill>
-              <a:schemeClr val="bg1"/>
-            </a:solidFill>
-          </a:ln>
-          <a:effectLst>
-            <a:outerShdw blurRad="254000" dist="127000" dir="5400000" algn="ctr" rotWithShape="0">
-              <a:srgbClr val="C0B8A3">
-                <a:alpha val="26000"/>
-              </a:srgbClr>
-            </a:outerShdw>
-          </a:effectLst>
-        </p:spPr>
-        <p:txBody>
-          <a:bodyPr lIns="216000" tIns="144000" rIns="216000" bIns="144000" anchor="ctr">
-            <a:noAutofit/>
-          </a:bodyPr>
-          <a:lstStyle>
-            <a:defPPr>
-              <a:defRPr lang="ru-RU"/>
-            </a:defPPr>
-            <a:lvl1pPr indent="0">
-              <a:lnSpc>
-                <a:spcPct val="120000"/>
-              </a:lnSpc>
-              <a:spcBef>
-                <a:spcPts val="1000"/>
-              </a:spcBef>
-              <a:buFont typeface="Arial" panose="020B0604020202020204" pitchFamily="34" charset="0"/>
-              <a:buNone/>
-              <a:defRPr sz="1200">
-                <a:solidFill>
-                  <a:schemeClr val="tx2">
-                    <a:lumMod val="75000"/>
-                  </a:schemeClr>
-                </a:solidFill>
-              </a:defRPr>
-            </a:lvl1pPr>
-            <a:lvl2pPr marL="685800" indent="-228600">
-              <a:lnSpc>
-                <a:spcPct val="90000"/>
-              </a:lnSpc>
-              <a:spcBef>
-                <a:spcPts val="500"/>
-              </a:spcBef>
-              <a:buFont typeface="Arial" panose="020B0604020202020204" pitchFamily="34" charset="0"/>
-              <a:buChar char="•"/>
-              <a:defRPr sz="2400"/>
-            </a:lvl2pPr>
-            <a:lvl3pPr marL="1143000" indent="-228600">
-              <a:lnSpc>
-                <a:spcPct val="90000"/>
-              </a:lnSpc>
-              <a:spcBef>
-                <a:spcPts val="500"/>
-              </a:spcBef>
-              <a:buFont typeface="Arial" panose="020B0604020202020204" pitchFamily="34" charset="0"/>
-              <a:buChar char="•"/>
-              <a:defRPr sz="2000"/>
-            </a:lvl3pPr>
-            <a:lvl4pPr marL="1600200" indent="-228600">
-              <a:lnSpc>
-                <a:spcPct val="90000"/>
-              </a:lnSpc>
-              <a:spcBef>
-                <a:spcPts val="500"/>
-              </a:spcBef>
-              <a:buFont typeface="Arial" panose="020B0604020202020204" pitchFamily="34" charset="0"/>
-              <a:buChar char="•"/>
-            </a:lvl4pPr>
-            <a:lvl5pPr marL="2057400" indent="-228600">
-              <a:lnSpc>
-                <a:spcPct val="90000"/>
-              </a:lnSpc>
-              <a:spcBef>
-                <a:spcPts val="500"/>
-              </a:spcBef>
-              <a:buFont typeface="Arial" panose="020B0604020202020204" pitchFamily="34" charset="0"/>
-              <a:buChar char="•"/>
-            </a:lvl5pPr>
-            <a:lvl6pPr marL="2514600" indent="-228600">
-              <a:lnSpc>
-                <a:spcPct val="90000"/>
-              </a:lnSpc>
-              <a:spcBef>
-                <a:spcPts val="500"/>
-              </a:spcBef>
-              <a:buFont typeface="Arial" panose="020B0604020202020204" pitchFamily="34" charset="0"/>
-              <a:buChar char="•"/>
-            </a:lvl6pPr>
-            <a:lvl7pPr marL="2971800" indent="-228600">
-              <a:lnSpc>
-                <a:spcPct val="90000"/>
-              </a:lnSpc>
-              <a:spcBef>
-                <a:spcPts val="500"/>
-              </a:spcBef>
-              <a:buFont typeface="Arial" panose="020B0604020202020204" pitchFamily="34" charset="0"/>
-              <a:buChar char="•"/>
-            </a:lvl7pPr>
-            <a:lvl8pPr marL="3429000" indent="-228600">
-              <a:lnSpc>
-                <a:spcPct val="90000"/>
-              </a:lnSpc>
-              <a:spcBef>
-                <a:spcPts val="500"/>
-              </a:spcBef>
-              <a:buFont typeface="Arial" panose="020B0604020202020204" pitchFamily="34" charset="0"/>
-              <a:buChar char="•"/>
-            </a:lvl8pPr>
-            <a:lvl9pPr marL="3886200" indent="-228600">
-              <a:lnSpc>
-                <a:spcPct val="90000"/>
-              </a:lnSpc>
-              <a:spcBef>
-                <a:spcPts val="500"/>
-              </a:spcBef>
-              <a:buFont typeface="Arial" panose="020B0604020202020204" pitchFamily="34" charset="0"/>
-              <a:buChar char="•"/>
-            </a:lvl9pPr>
-          </a:lstStyle>
-          <a:p>
-            <a:pPr algn="ctr"/>
-            <a:r>
-              <a:rPr lang="en-US" sz="1400" dirty="0"/>
-              <a:t> Who are the two parties?</a:t>
-            </a:r>
-            <a:endParaRPr lang="en-US" sz="1400" b="1" dirty="0">
-              <a:solidFill>
-                <a:srgbClr val="CB1259"/>
-              </a:solidFill>
-              <a:latin typeface="+mj-lt"/>
-              <a:ea typeface="Open Sans" panose="020B0606030504020204" pitchFamily="34" charset="0"/>
-              <a:cs typeface="Open Sans" panose="020B0606030504020204" pitchFamily="34" charset="0"/>
-            </a:endParaRPr>
-          </a:p>
-        </p:txBody>
-      </p:sp>
-      <p:sp>
-        <p:nvSpPr>
-          <p:cNvPr id="8" name="Rounded Rectangle 7"/>
-          <p:cNvSpPr/>
-          <p:nvPr/>
-        </p:nvSpPr>
-        <p:spPr>
-          <a:xfrm>
-            <a:off x="443052" y="1860141"/>
-            <a:ext cx="6213800" cy="2776202"/>
-          </a:xfrm>
-          <a:prstGeom prst="roundRect">
-            <a:avLst/>
-          </a:prstGeom>
-          <a:solidFill>
-            <a:schemeClr val="bg1"/>
-          </a:solidFill>
-          <a:ln w="38100">
-            <a:solidFill>
-              <a:schemeClr val="accent2">
-                <a:lumMod val="60000"/>
-                <a:lumOff val="40000"/>
-              </a:schemeClr>
-            </a:solidFill>
-          </a:ln>
-        </p:spPr>
-        <p:style>
-          <a:lnRef idx="2">
-            <a:schemeClr val="accent1">
-              <a:shade val="15000"/>
-            </a:schemeClr>
-          </a:lnRef>
-          <a:fillRef idx="1">
-            <a:schemeClr val="accent1"/>
-          </a:fillRef>
-          <a:effectRef idx="0">
-            <a:schemeClr val="accent1"/>
-          </a:effectRef>
-          <a:fontRef idx="minor">
-            <a:schemeClr val="lt1"/>
-          </a:fontRef>
-        </p:style>
-        <p:txBody>
-          <a:bodyPr rtlCol="0" anchor="ctr"/>
-          <a:lstStyle/>
-          <a:p>
-            <a:pPr fontAlgn="base"/>
-            <a:r>
-              <a:rPr lang="en-US" sz="2000" dirty="0">
-                <a:solidFill>
-                  <a:schemeClr val="tx1"/>
-                </a:solidFill>
-              </a:rPr>
-              <a:t>If the perpetrator is an aid worker and the victim is an </a:t>
-            </a:r>
-            <a:r>
-              <a:rPr lang="en-US" sz="2000" dirty="0" smtClean="0">
-                <a:solidFill>
-                  <a:schemeClr val="tx1"/>
-                </a:solidFill>
-              </a:rPr>
-              <a:t>aid </a:t>
-            </a:r>
-            <a:r>
-              <a:rPr lang="en-US" sz="2000" dirty="0">
-                <a:solidFill>
-                  <a:schemeClr val="tx1"/>
-                </a:solidFill>
-              </a:rPr>
-              <a:t>worker. This is sexual harassment (SH). Although it </a:t>
-            </a:r>
-            <a:r>
-              <a:rPr lang="en-US" sz="2000" dirty="0" smtClean="0">
-                <a:solidFill>
-                  <a:schemeClr val="tx1"/>
-                </a:solidFill>
-              </a:rPr>
-              <a:t>might </a:t>
-            </a:r>
-            <a:r>
-              <a:rPr lang="en-US" sz="2000" dirty="0">
-                <a:solidFill>
-                  <a:schemeClr val="tx1"/>
-                </a:solidFill>
-              </a:rPr>
-              <a:t>sound that there is exploitation of power here, it is</a:t>
-            </a:r>
-          </a:p>
-        </p:txBody>
-      </p:sp>
-    </p:spTree>
-    <p:custDataLst>
-      <p:tags r:id="rId1"/>
-    </p:custDataLst>
-    <p:extLst>
-      <p:ext uri="{BB962C8B-B14F-4D97-AF65-F5344CB8AC3E}">
-        <p14:creationId xmlns:p14="http://schemas.microsoft.com/office/powerpoint/2010/main" val="180906480"/>
-      </p:ext>
-    </p:extLst>
-  </p:cSld>
-  <p:clrMapOvr>
-    <a:masterClrMapping/>
-  </p:clrMapOvr>
-  <mc:AlternateContent xmlns:mc="http://schemas.openxmlformats.org/markup-compatibility/2006" xmlns:p14="http://schemas.microsoft.com/office/powerpoint/2010/main">
-    <mc:Choice Requires="p14">
-      <p:transition spd="slow" p14:dur="2000" advClick="0"/>
-    </mc:Choice>
-    <mc:Fallback xmlns="">
-      <p:transition spd="slow" advClick="0"/>
-    </mc:Fallback>
-  </mc:AlternateContent>
-  <p:timing>
-    <p:tnLst>
-      <p:par>
-        <p:cTn id="1" dur="indefinite" restart="never" nodeType="tmRoot">
-          <p:childTnLst>
-            <p:seq concurrent="1" nextAc="seek">
-              <p:cTn id="2" dur="indefinite" nodeType="mainSeq">
-                <p:childTnLst>
-                  <p:par>
-                    <p:cTn id="3" fill="hold">
-                      <p:stCondLst>
-                        <p:cond delay="indefinite"/>
-                      </p:stCondLst>
-                      <p:childTnLst>
-                        <p:par>
-                          <p:cTn id="4" fill="hold">
-                            <p:stCondLst>
-                              <p:cond delay="0"/>
-                            </p:stCondLst>
-                            <p:childTnLst>
-                              <p:par>
-                                <p:cTn id="5" presetID="6" presetClass="entr" presetSubtype="16" fill="hold" grpId="0" nodeType="clickEffect" nodePh="1">
-                                  <p:stCondLst>
-                                    <p:cond delay="0"/>
-                                  </p:stCondLst>
-                                  <p:endCondLst>
-                                    <p:cond evt="begin" delay="0">
-                                      <p:tn val="5"/>
-                                    </p:cond>
-                                  </p:endCondLst>
-                                  <p:childTnLst>
-                                    <p:set>
-                                      <p:cBhvr>
-                                        <p:cTn id="6" dur="1" fill="hold">
-                                          <p:stCondLst>
-                                            <p:cond delay="0"/>
-                                          </p:stCondLst>
-                                        </p:cTn>
-                                        <p:tgtEl>
-                                          <p:spTgt spid="3"/>
-                                        </p:tgtEl>
-                                        <p:attrNameLst>
-                                          <p:attrName>style.visibility</p:attrName>
-                                        </p:attrNameLst>
-                                      </p:cBhvr>
-                                      <p:to>
-                                        <p:strVal val="visible"/>
-                                      </p:to>
-                                    </p:set>
-                                    <p:animEffect transition="in" filter="circle(in)">
-                                      <p:cBhvr>
-                                        <p:cTn id="7" dur="2000"/>
-                                        <p:tgtEl>
-                                          <p:spTgt spid="3"/>
-                                        </p:tgtEl>
-                                      </p:cBhvr>
-                                    </p:animEffect>
-                                  </p:childTnLst>
-                                </p:cTn>
-                              </p:par>
-                            </p:childTnLst>
-                          </p:cTn>
-                        </p:par>
-                      </p:childTnLst>
-                    </p:cTn>
-                  </p:par>
-                </p:childTnLst>
-              </p:cTn>
-              <p:prevCondLst>
-                <p:cond evt="onPrev" delay="0">
-                  <p:tgtEl>
-                    <p:sldTgt/>
-                  </p:tgtEl>
-                </p:cond>
-              </p:prevCondLst>
-              <p:nextCondLst>
-                <p:cond evt="onNext" delay="0">
-                  <p:tgtEl>
-                    <p:sldTgt/>
-                  </p:tgtEl>
-                </p:cond>
-              </p:nextCondLst>
-            </p:seq>
-          </p:childTnLst>
-        </p:cTn>
-      </p:par>
-    </p:tnLst>
-    <p:bldLst>
-      <p:bldP spid="3" grpId="0"/>
-    </p:bldLst>
-  </p:timing>
-</p:sld>
-</file>
-
-<file path=ppt/slides/slide16.xml><?xml version="1.0" encoding="utf-8"?>
-<p:sld xmlns:a="http://schemas.openxmlformats.org/drawingml/2006/main" xmlns:r="http://schemas.openxmlformats.org/officeDocument/2006/relationships" xmlns:p="http://schemas.openxmlformats.org/presentationml/2006/main">
-  <p:cSld>
-    <p:spTree>
-      <p:nvGrpSpPr>
-        <p:cNvPr id="1" name=""/>
-        <p:cNvGrpSpPr/>
-        <p:nvPr/>
-      </p:nvGrpSpPr>
-      <p:grpSpPr>
-        <a:xfrm>
-          <a:off x="0" y="0"/>
-          <a:ext cx="0" cy="0"/>
-          <a:chOff x="0" y="0"/>
-          <a:chExt cx="0" cy="0"/>
-        </a:xfrm>
-      </p:grpSpPr>
-      <p:pic>
-        <p:nvPicPr>
-          <p:cNvPr id="5" name="Picture Background">
-            <a:extLst>
-              <a:ext uri="{FF2B5EF4-FFF2-40B4-BE49-F238E27FC236}">
-                <a16:creationId xmlns:a16="http://schemas.microsoft.com/office/drawing/2014/main" id="{8F32C49C-CA82-44AD-87B5-61623BBFED22}"/>
-              </a:ext>
-            </a:extLst>
-          </p:cNvPr>
-          <p:cNvPicPr>
-            <a:picLocks noChangeAspect="1"/>
-          </p:cNvPicPr>
-          <p:nvPr/>
-        </p:nvPicPr>
-        <p:blipFill>
-          <a:blip r:embed="rId5"/>
-          <a:stretch>
-            <a:fillRect/>
-          </a:stretch>
-        </p:blipFill>
-        <p:spPr>
-          <a:xfrm>
-            <a:off x="0" y="0"/>
-            <a:ext cx="12192000" cy="6858000"/>
-          </a:xfrm>
-          <a:prstGeom prst="rect">
-            <a:avLst/>
-          </a:prstGeom>
-        </p:spPr>
-      </p:pic>
-      <p:sp>
-        <p:nvSpPr>
-          <p:cNvPr id="2" name="Title">
-            <a:extLst>
-              <a:ext uri="{FF2B5EF4-FFF2-40B4-BE49-F238E27FC236}">
-                <a16:creationId xmlns:a16="http://schemas.microsoft.com/office/drawing/2014/main" id="{780F3996-F45A-4577-B2DB-342301B618F0}"/>
-              </a:ext>
-            </a:extLst>
-          </p:cNvPr>
-          <p:cNvSpPr txBox="1">
-            <a:spLocks/>
-          </p:cNvSpPr>
-          <p:nvPr/>
-        </p:nvSpPr>
-        <p:spPr>
-          <a:xfrm>
-            <a:off x="443052" y="1911926"/>
-            <a:ext cx="6979357" cy="576441"/>
-          </a:xfrm>
-          <a:prstGeom prst="rect">
-            <a:avLst/>
-          </a:prstGeom>
-        </p:spPr>
-        <p:txBody>
-          <a:bodyPr anchor="b">
-            <a:normAutofit fontScale="77500" lnSpcReduction="20000"/>
-          </a:bodyPr>
-          <a:lstStyle>
-            <a:lvl1pPr algn="l" defTabSz="914400" rtl="0" eaLnBrk="1" latinLnBrk="0" hangingPunct="1">
-              <a:lnSpc>
-                <a:spcPct val="90000"/>
-              </a:lnSpc>
-              <a:spcBef>
-                <a:spcPct val="0"/>
-              </a:spcBef>
-              <a:buNone/>
-              <a:defRPr sz="4400" kern="1200">
-                <a:solidFill>
-                  <a:schemeClr val="tx1"/>
-                </a:solidFill>
-                <a:latin typeface="+mj-lt"/>
-                <a:ea typeface="+mj-ea"/>
-                <a:cs typeface="+mj-cs"/>
-              </a:defRPr>
-            </a:lvl1pPr>
-          </a:lstStyle>
-          <a:p>
-            <a:endParaRPr lang="ru-RU" sz="5400" dirty="0">
-              <a:solidFill>
-                <a:srgbClr val="151824"/>
-              </a:solidFill>
-              <a:ea typeface="Open Sans" panose="020B0606030504020204" pitchFamily="34" charset="0"/>
-              <a:cs typeface="Open Sans" panose="020B0606030504020204" pitchFamily="34" charset="0"/>
-            </a:endParaRPr>
-          </a:p>
-        </p:txBody>
-      </p:sp>
-      <p:sp>
-        <p:nvSpPr>
-          <p:cNvPr id="3" name="Title">
-            <a:extLst>
-              <a:ext uri="{FF2B5EF4-FFF2-40B4-BE49-F238E27FC236}">
-                <a16:creationId xmlns:a16="http://schemas.microsoft.com/office/drawing/2014/main" id="{DB976287-88DA-E1BC-93BA-814DA2A4F3B0}"/>
-              </a:ext>
-            </a:extLst>
-          </p:cNvPr>
-          <p:cNvSpPr txBox="1">
-            <a:spLocks/>
-          </p:cNvSpPr>
-          <p:nvPr/>
-        </p:nvSpPr>
-        <p:spPr>
-          <a:xfrm>
-            <a:off x="114215" y="494934"/>
-            <a:ext cx="7308194" cy="5771213"/>
-          </a:xfrm>
-          <a:prstGeom prst="rect">
-            <a:avLst/>
-          </a:prstGeom>
-        </p:spPr>
-        <p:txBody>
-          <a:bodyPr anchor="b">
-            <a:normAutofit/>
-          </a:bodyPr>
-          <a:lstStyle>
-            <a:lvl1pPr algn="l" defTabSz="914400" rtl="0" eaLnBrk="1" latinLnBrk="0" hangingPunct="1">
-              <a:lnSpc>
-                <a:spcPct val="90000"/>
-              </a:lnSpc>
-              <a:spcBef>
-                <a:spcPct val="0"/>
-              </a:spcBef>
-              <a:buNone/>
-              <a:defRPr sz="4400" kern="1200">
-                <a:solidFill>
-                  <a:schemeClr val="tx1"/>
-                </a:solidFill>
-                <a:latin typeface="+mj-lt"/>
-                <a:ea typeface="+mj-ea"/>
-                <a:cs typeface="+mj-cs"/>
-              </a:defRPr>
-            </a:lvl1pPr>
-          </a:lstStyle>
-          <a:p>
-            <a:pPr fontAlgn="base"/>
-            <a:endParaRPr lang="ru-RU" sz="2400" dirty="0">
-              <a:ea typeface="Open Sans" panose="020B0606030504020204" pitchFamily="34" charset="0"/>
-              <a:cs typeface="Open Sans" panose="020B0606030504020204" pitchFamily="34" charset="0"/>
-            </a:endParaRPr>
-          </a:p>
-        </p:txBody>
-      </p:sp>
-      <p:pic>
-        <p:nvPicPr>
-          <p:cNvPr id="4" name="Picture 3"/>
-          <p:cNvPicPr>
-            <a:picLocks noChangeAspect="1"/>
-          </p:cNvPicPr>
-          <p:nvPr>
-            <p:custDataLst>
-              <p:tags r:id="rId2"/>
-            </p:custDataLst>
-          </p:nvPr>
-        </p:nvPicPr>
-        <p:blipFill>
-          <a:blip r:embed="rId6">
-            <a:extLst>
-              <a:ext uri="{28A0092B-C50C-407E-A947-70E740481C1C}">
-                <a14:useLocalDpi xmlns:a14="http://schemas.microsoft.com/office/drawing/2010/main" val="0"/>
-              </a:ext>
-            </a:extLst>
-          </a:blip>
-          <a:stretch>
-            <a:fillRect/>
-          </a:stretch>
-        </p:blipFill>
-        <p:spPr>
-          <a:xfrm>
-            <a:off x="8457512" y="494934"/>
-            <a:ext cx="3556631" cy="10103959"/>
-          </a:xfrm>
-          <a:prstGeom prst="rect">
-            <a:avLst/>
-          </a:prstGeom>
-        </p:spPr>
-      </p:pic>
-      <p:sp>
-        <p:nvSpPr>
-          <p:cNvPr id="7" name="TextBox">
-            <a:extLst>
-              <a:ext uri="{FF2B5EF4-FFF2-40B4-BE49-F238E27FC236}">
-                <a16:creationId xmlns:a16="http://schemas.microsoft.com/office/drawing/2014/main" id="{53EA61F1-8A28-3B58-A024-19E8B86CA28E}"/>
-              </a:ext>
-            </a:extLst>
-          </p:cNvPr>
-          <p:cNvSpPr txBox="1">
-            <a:spLocks/>
-          </p:cNvSpPr>
-          <p:nvPr/>
-        </p:nvSpPr>
-        <p:spPr>
-          <a:xfrm flipH="1">
-            <a:off x="6096000" y="142657"/>
-            <a:ext cx="2594421" cy="704554"/>
-          </a:xfrm>
-          <a:prstGeom prst="wedgeRoundRectCallout">
-            <a:avLst>
-              <a:gd name="adj1" fmla="val -76998"/>
-              <a:gd name="adj2" fmla="val 124593"/>
-              <a:gd name="adj3" fmla="val 16667"/>
-            </a:avLst>
-          </a:prstGeom>
-          <a:solidFill>
-            <a:schemeClr val="bg1"/>
-          </a:solidFill>
-          <a:ln w="19050">
-            <a:solidFill>
-              <a:schemeClr val="bg1"/>
-            </a:solidFill>
-          </a:ln>
-          <a:effectLst>
-            <a:outerShdw blurRad="254000" dist="127000" dir="5400000" algn="ctr" rotWithShape="0">
-              <a:srgbClr val="C0B8A3">
-                <a:alpha val="26000"/>
-              </a:srgbClr>
-            </a:outerShdw>
-          </a:effectLst>
-        </p:spPr>
-        <p:txBody>
-          <a:bodyPr lIns="216000" tIns="144000" rIns="216000" bIns="144000" anchor="ctr">
-            <a:noAutofit/>
-          </a:bodyPr>
-          <a:lstStyle>
-            <a:defPPr>
-              <a:defRPr lang="ru-RU"/>
-            </a:defPPr>
-            <a:lvl1pPr indent="0">
-              <a:lnSpc>
-                <a:spcPct val="120000"/>
-              </a:lnSpc>
-              <a:spcBef>
-                <a:spcPts val="1000"/>
-              </a:spcBef>
-              <a:buFont typeface="Arial" panose="020B0604020202020204" pitchFamily="34" charset="0"/>
-              <a:buNone/>
-              <a:defRPr sz="1200">
-                <a:solidFill>
-                  <a:schemeClr val="tx2">
-                    <a:lumMod val="75000"/>
-                  </a:schemeClr>
-                </a:solidFill>
-              </a:defRPr>
-            </a:lvl1pPr>
-            <a:lvl2pPr marL="685800" indent="-228600">
-              <a:lnSpc>
-                <a:spcPct val="90000"/>
-              </a:lnSpc>
-              <a:spcBef>
-                <a:spcPts val="500"/>
-              </a:spcBef>
-              <a:buFont typeface="Arial" panose="020B0604020202020204" pitchFamily="34" charset="0"/>
-              <a:buChar char="•"/>
-              <a:defRPr sz="2400"/>
-            </a:lvl2pPr>
-            <a:lvl3pPr marL="1143000" indent="-228600">
-              <a:lnSpc>
-                <a:spcPct val="90000"/>
-              </a:lnSpc>
-              <a:spcBef>
-                <a:spcPts val="500"/>
-              </a:spcBef>
-              <a:buFont typeface="Arial" panose="020B0604020202020204" pitchFamily="34" charset="0"/>
-              <a:buChar char="•"/>
-              <a:defRPr sz="2000"/>
-            </a:lvl3pPr>
-            <a:lvl4pPr marL="1600200" indent="-228600">
-              <a:lnSpc>
-                <a:spcPct val="90000"/>
-              </a:lnSpc>
-              <a:spcBef>
-                <a:spcPts val="500"/>
-              </a:spcBef>
-              <a:buFont typeface="Arial" panose="020B0604020202020204" pitchFamily="34" charset="0"/>
-              <a:buChar char="•"/>
-            </a:lvl4pPr>
-            <a:lvl5pPr marL="2057400" indent="-228600">
-              <a:lnSpc>
-                <a:spcPct val="90000"/>
-              </a:lnSpc>
-              <a:spcBef>
-                <a:spcPts val="500"/>
-              </a:spcBef>
-              <a:buFont typeface="Arial" panose="020B0604020202020204" pitchFamily="34" charset="0"/>
-              <a:buChar char="•"/>
-            </a:lvl5pPr>
-            <a:lvl6pPr marL="2514600" indent="-228600">
-              <a:lnSpc>
-                <a:spcPct val="90000"/>
-              </a:lnSpc>
-              <a:spcBef>
-                <a:spcPts val="500"/>
-              </a:spcBef>
-              <a:buFont typeface="Arial" panose="020B0604020202020204" pitchFamily="34" charset="0"/>
-              <a:buChar char="•"/>
-            </a:lvl6pPr>
-            <a:lvl7pPr marL="2971800" indent="-228600">
-              <a:lnSpc>
-                <a:spcPct val="90000"/>
-              </a:lnSpc>
-              <a:spcBef>
-                <a:spcPts val="500"/>
-              </a:spcBef>
-              <a:buFont typeface="Arial" panose="020B0604020202020204" pitchFamily="34" charset="0"/>
-              <a:buChar char="•"/>
-            </a:lvl7pPr>
-            <a:lvl8pPr marL="3429000" indent="-228600">
-              <a:lnSpc>
-                <a:spcPct val="90000"/>
-              </a:lnSpc>
-              <a:spcBef>
-                <a:spcPts val="500"/>
-              </a:spcBef>
-              <a:buFont typeface="Arial" panose="020B0604020202020204" pitchFamily="34" charset="0"/>
-              <a:buChar char="•"/>
-            </a:lvl8pPr>
-            <a:lvl9pPr marL="3886200" indent="-228600">
-              <a:lnSpc>
-                <a:spcPct val="90000"/>
-              </a:lnSpc>
-              <a:spcBef>
-                <a:spcPts val="500"/>
-              </a:spcBef>
-              <a:buFont typeface="Arial" panose="020B0604020202020204" pitchFamily="34" charset="0"/>
-              <a:buChar char="•"/>
-            </a:lvl9pPr>
-          </a:lstStyle>
-          <a:p>
-            <a:pPr algn="ctr"/>
-            <a:r>
-              <a:rPr lang="en-US" sz="1400" dirty="0"/>
-              <a:t> Who are the two parties?</a:t>
-            </a:r>
-            <a:endParaRPr lang="en-US" sz="1400" b="1" dirty="0">
-              <a:solidFill>
-                <a:srgbClr val="CB1259"/>
-              </a:solidFill>
-              <a:latin typeface="+mj-lt"/>
-              <a:ea typeface="Open Sans" panose="020B0606030504020204" pitchFamily="34" charset="0"/>
-              <a:cs typeface="Open Sans" panose="020B0606030504020204" pitchFamily="34" charset="0"/>
-            </a:endParaRPr>
-          </a:p>
-        </p:txBody>
-      </p:sp>
-      <p:sp>
-        <p:nvSpPr>
-          <p:cNvPr id="8" name="Rounded Rectangle 7"/>
-          <p:cNvSpPr/>
-          <p:nvPr/>
-        </p:nvSpPr>
-        <p:spPr>
-          <a:xfrm>
-            <a:off x="319314" y="1911926"/>
-            <a:ext cx="6497783" cy="3104474"/>
-          </a:xfrm>
-          <a:prstGeom prst="roundRect">
-            <a:avLst/>
-          </a:prstGeom>
-          <a:solidFill>
-            <a:schemeClr val="bg1"/>
-          </a:solidFill>
-          <a:ln w="38100">
-            <a:solidFill>
-              <a:schemeClr val="accent2">
-                <a:lumMod val="60000"/>
-                <a:lumOff val="40000"/>
-              </a:schemeClr>
-            </a:solidFill>
-          </a:ln>
-        </p:spPr>
-        <p:style>
-          <a:lnRef idx="2">
-            <a:schemeClr val="accent1">
-              <a:shade val="15000"/>
-            </a:schemeClr>
-          </a:lnRef>
-          <a:fillRef idx="1">
-            <a:schemeClr val="accent1"/>
-          </a:fillRef>
-          <a:effectRef idx="0">
-            <a:schemeClr val="accent1"/>
-          </a:effectRef>
-          <a:fontRef idx="minor">
-            <a:schemeClr val="lt1"/>
-          </a:fontRef>
-        </p:style>
-        <p:txBody>
-          <a:bodyPr rtlCol="0" anchor="ctr"/>
-          <a:lstStyle/>
-          <a:p>
-            <a:pPr fontAlgn="base"/>
-            <a:r>
-              <a:rPr lang="en-US" sz="2000" dirty="0" smtClean="0">
-                <a:solidFill>
-                  <a:schemeClr val="tx1"/>
-                </a:solidFill>
-              </a:rPr>
-              <a:t>true</a:t>
-            </a:r>
-            <a:r>
-              <a:rPr lang="en-US" sz="2000" dirty="0">
-                <a:solidFill>
-                  <a:schemeClr val="tx1"/>
-                </a:solidFill>
-              </a:rPr>
-              <a:t>, we still call it SH to distinguish the </a:t>
-            </a:r>
-            <a:r>
-              <a:rPr lang="en-US" sz="2000" dirty="0" smtClean="0">
-                <a:solidFill>
-                  <a:schemeClr val="tx1"/>
-                </a:solidFill>
-              </a:rPr>
-              <a:t>various types</a:t>
-            </a:r>
-            <a:r>
-              <a:rPr lang="en-US" sz="2000" dirty="0">
-                <a:solidFill>
-                  <a:schemeClr val="tx1"/>
-                </a:solidFill>
-              </a:rPr>
-              <a:t>. If the perpetrator is a beneficiary and</a:t>
-            </a:r>
-          </a:p>
-          <a:p>
-            <a:pPr fontAlgn="base"/>
-            <a:r>
-              <a:rPr lang="en-US" sz="2000" dirty="0" smtClean="0">
-                <a:solidFill>
-                  <a:schemeClr val="tx1"/>
-                </a:solidFill>
-              </a:rPr>
-              <a:t>the </a:t>
-            </a:r>
-            <a:r>
-              <a:rPr lang="en-US" sz="2000" dirty="0">
-                <a:solidFill>
-                  <a:schemeClr val="tx1"/>
-                </a:solidFill>
-              </a:rPr>
-              <a:t>victim is a beneficiary. This is </a:t>
-            </a:r>
-            <a:r>
-              <a:rPr lang="en-US" sz="2000" dirty="0" smtClean="0">
-                <a:solidFill>
-                  <a:schemeClr val="tx1"/>
-                </a:solidFill>
-              </a:rPr>
-              <a:t>SGBV. This </a:t>
-            </a:r>
-            <a:r>
-              <a:rPr lang="en-US" sz="2000" dirty="0">
-                <a:solidFill>
-                  <a:schemeClr val="tx1"/>
-                </a:solidFill>
-              </a:rPr>
-              <a:t>will not be our area of </a:t>
-            </a:r>
-            <a:r>
-              <a:rPr lang="en-US" sz="2000" dirty="0" smtClean="0">
-                <a:solidFill>
-                  <a:schemeClr val="tx1"/>
-                </a:solidFill>
-              </a:rPr>
-              <a:t>intervention in </a:t>
-            </a:r>
-            <a:r>
-              <a:rPr lang="en-US" sz="2000" dirty="0">
-                <a:solidFill>
-                  <a:schemeClr val="tx1"/>
-                </a:solidFill>
-              </a:rPr>
-              <a:t>this course but we put it here for you </a:t>
-            </a:r>
-            <a:r>
-              <a:rPr lang="en-US" sz="2000" dirty="0" smtClean="0">
-                <a:solidFill>
-                  <a:schemeClr val="tx1"/>
-                </a:solidFill>
-              </a:rPr>
-              <a:t>to know </a:t>
-            </a:r>
-            <a:r>
-              <a:rPr lang="en-US" sz="2000" dirty="0">
-                <a:solidFill>
-                  <a:schemeClr val="tx1"/>
-                </a:solidFill>
-              </a:rPr>
-              <a:t>all the differences. </a:t>
-            </a:r>
-            <a:endParaRPr lang="en-US" sz="2000" dirty="0">
-              <a:solidFill>
-                <a:schemeClr val="tx1"/>
-              </a:solidFill>
-            </a:endParaRPr>
-          </a:p>
-        </p:txBody>
-      </p:sp>
-    </p:spTree>
-    <p:custDataLst>
-      <p:tags r:id="rId1"/>
-    </p:custDataLst>
-    <p:extLst>
-      <p:ext uri="{BB962C8B-B14F-4D97-AF65-F5344CB8AC3E}">
-        <p14:creationId xmlns:p14="http://schemas.microsoft.com/office/powerpoint/2010/main" val="2998312454"/>
-      </p:ext>
-    </p:extLst>
-  </p:cSld>
-  <p:clrMapOvr>
-    <a:masterClrMapping/>
-  </p:clrMapOvr>
-  <mc:AlternateContent xmlns:mc="http://schemas.openxmlformats.org/markup-compatibility/2006" xmlns:p14="http://schemas.microsoft.com/office/powerpoint/2010/main">
-    <mc:Choice Requires="p14">
-      <p:transition spd="slow" p14:dur="2000" advClick="0"/>
-    </mc:Choice>
-    <mc:Fallback xmlns="">
-      <p:transition spd="slow" advClick="0"/>
-    </mc:Fallback>
-  </mc:AlternateContent>
-  <p:timing>
-    <p:tnLst>
-      <p:par>
-        <p:cTn id="1" dur="indefinite" restart="never" nodeType="tmRoot">
-          <p:childTnLst>
-            <p:seq concurrent="1" nextAc="seek">
-              <p:cTn id="2" dur="indefinite" nodeType="mainSeq">
-                <p:childTnLst>
-                  <p:par>
-                    <p:cTn id="3" fill="hold">
-                      <p:stCondLst>
-                        <p:cond delay="indefinite"/>
-                      </p:stCondLst>
-                      <p:childTnLst>
-                        <p:par>
-                          <p:cTn id="4" fill="hold">
-                            <p:stCondLst>
-                              <p:cond delay="0"/>
-                            </p:stCondLst>
-                            <p:childTnLst>
-                              <p:par>
-                                <p:cTn id="5" presetID="6" presetClass="entr" presetSubtype="16" fill="hold" grpId="0" nodeType="clickEffect" nodePh="1">
-                                  <p:stCondLst>
-                                    <p:cond delay="0"/>
-                                  </p:stCondLst>
-                                  <p:endCondLst>
-                                    <p:cond evt="begin" delay="0">
-                                      <p:tn val="5"/>
-                                    </p:cond>
-                                  </p:endCondLst>
-                                  <p:childTnLst>
-                                    <p:set>
-                                      <p:cBhvr>
-                                        <p:cTn id="6" dur="1" fill="hold">
-                                          <p:stCondLst>
-                                            <p:cond delay="0"/>
-                                          </p:stCondLst>
-                                        </p:cTn>
-                                        <p:tgtEl>
-                                          <p:spTgt spid="3"/>
-                                        </p:tgtEl>
-                                        <p:attrNameLst>
-                                          <p:attrName>style.visibility</p:attrName>
-                                        </p:attrNameLst>
-                                      </p:cBhvr>
-                                      <p:to>
-                                        <p:strVal val="visible"/>
-                                      </p:to>
-                                    </p:set>
-                                    <p:animEffect transition="in" filter="circle(in)">
-                                      <p:cBhvr>
-                                        <p:cTn id="7" dur="2000"/>
-                                        <p:tgtEl>
-                                          <p:spTgt spid="3"/>
-                                        </p:tgtEl>
-                                      </p:cBhvr>
-                                    </p:animEffect>
-                                  </p:childTnLst>
-                                </p:cTn>
-                              </p:par>
-                            </p:childTnLst>
-                          </p:cTn>
-                        </p:par>
-                      </p:childTnLst>
-                    </p:cTn>
-                  </p:par>
-                </p:childTnLst>
-              </p:cTn>
-              <p:prevCondLst>
-                <p:cond evt="onPrev" delay="0">
-                  <p:tgtEl>
-                    <p:sldTgt/>
-                  </p:tgtEl>
-                </p:cond>
-              </p:prevCondLst>
-              <p:nextCondLst>
-                <p:cond evt="onNext" delay="0">
-                  <p:tgtEl>
-                    <p:sldTgt/>
-                  </p:tgtEl>
-                </p:cond>
-              </p:nextCondLst>
-            </p:seq>
-          </p:childTnLst>
-        </p:cTn>
-      </p:par>
-    </p:tnLst>
-    <p:bldLst>
-      <p:bldP spid="3" grpId="0"/>
-    </p:bldLst>
-  </p:timing>
-</p:sld>
-</file>
-
-<file path=ppt/slides/slide17.xml><?xml version="1.0" encoding="utf-8"?>
-<p:sld xmlns:a="http://schemas.openxmlformats.org/drawingml/2006/main" xmlns:r="http://schemas.openxmlformats.org/officeDocument/2006/relationships" xmlns:p="http://schemas.openxmlformats.org/presentationml/2006/main">
-  <p:cSld>
-    <p:spTree>
-      <p:nvGrpSpPr>
-        <p:cNvPr id="1" name=""/>
-        <p:cNvGrpSpPr/>
-        <p:nvPr/>
-      </p:nvGrpSpPr>
-      <p:grpSpPr>
-        <a:xfrm>
-          <a:off x="0" y="0"/>
-          <a:ext cx="0" cy="0"/>
-          <a:chOff x="0" y="0"/>
-          <a:chExt cx="0" cy="0"/>
-        </a:xfrm>
-      </p:grpSpPr>
-      <p:pic>
-        <p:nvPicPr>
-          <p:cNvPr id="5" name="Picture Background">
-            <a:extLst>
-              <a:ext uri="{FF2B5EF4-FFF2-40B4-BE49-F238E27FC236}">
-                <a16:creationId xmlns:a16="http://schemas.microsoft.com/office/drawing/2014/main" id="{8F32C49C-CA82-44AD-87B5-61623BBFED22}"/>
-              </a:ext>
-            </a:extLst>
-          </p:cNvPr>
-          <p:cNvPicPr>
-            <a:picLocks noChangeAspect="1"/>
-          </p:cNvPicPr>
-          <p:nvPr/>
-        </p:nvPicPr>
-        <p:blipFill>
-          <a:blip r:embed="rId5"/>
-          <a:stretch>
-            <a:fillRect/>
-          </a:stretch>
-        </p:blipFill>
-        <p:spPr>
-          <a:xfrm>
-            <a:off x="11413" y="0"/>
-            <a:ext cx="12192000" cy="6858000"/>
-          </a:xfrm>
-          <a:prstGeom prst="rect">
-            <a:avLst/>
-          </a:prstGeom>
-        </p:spPr>
-      </p:pic>
-      <p:sp>
-        <p:nvSpPr>
-          <p:cNvPr id="2" name="Title">
-            <a:extLst>
-              <a:ext uri="{FF2B5EF4-FFF2-40B4-BE49-F238E27FC236}">
-                <a16:creationId xmlns:a16="http://schemas.microsoft.com/office/drawing/2014/main" id="{780F3996-F45A-4577-B2DB-342301B618F0}"/>
-              </a:ext>
-            </a:extLst>
-          </p:cNvPr>
-          <p:cNvSpPr txBox="1">
-            <a:spLocks/>
-          </p:cNvSpPr>
-          <p:nvPr/>
-        </p:nvSpPr>
-        <p:spPr>
-          <a:xfrm>
-            <a:off x="443052" y="1911926"/>
-            <a:ext cx="6979357" cy="576441"/>
-          </a:xfrm>
-          <a:prstGeom prst="rect">
-            <a:avLst/>
-          </a:prstGeom>
-        </p:spPr>
-        <p:txBody>
-          <a:bodyPr anchor="b">
-            <a:normAutofit fontScale="77500" lnSpcReduction="20000"/>
-          </a:bodyPr>
-          <a:lstStyle>
-            <a:lvl1pPr algn="l" defTabSz="914400" rtl="0" eaLnBrk="1" latinLnBrk="0" hangingPunct="1">
-              <a:lnSpc>
-                <a:spcPct val="90000"/>
-              </a:lnSpc>
-              <a:spcBef>
-                <a:spcPct val="0"/>
-              </a:spcBef>
-              <a:buNone/>
-              <a:defRPr sz="4400" kern="1200">
-                <a:solidFill>
-                  <a:schemeClr val="tx1"/>
-                </a:solidFill>
-                <a:latin typeface="+mj-lt"/>
-                <a:ea typeface="+mj-ea"/>
-                <a:cs typeface="+mj-cs"/>
-              </a:defRPr>
-            </a:lvl1pPr>
-          </a:lstStyle>
-          <a:p>
-            <a:endParaRPr lang="ru-RU" sz="5400" dirty="0">
-              <a:solidFill>
-                <a:srgbClr val="151824"/>
-              </a:solidFill>
-              <a:ea typeface="Open Sans" panose="020B0606030504020204" pitchFamily="34" charset="0"/>
-              <a:cs typeface="Open Sans" panose="020B0606030504020204" pitchFamily="34" charset="0"/>
-            </a:endParaRPr>
-          </a:p>
-        </p:txBody>
-      </p:sp>
-      <p:sp>
-        <p:nvSpPr>
-          <p:cNvPr id="3" name="Title">
-            <a:extLst>
-              <a:ext uri="{FF2B5EF4-FFF2-40B4-BE49-F238E27FC236}">
-                <a16:creationId xmlns:a16="http://schemas.microsoft.com/office/drawing/2014/main" id="{DB976287-88DA-E1BC-93BA-814DA2A4F3B0}"/>
-              </a:ext>
-            </a:extLst>
-          </p:cNvPr>
-          <p:cNvSpPr txBox="1">
-            <a:spLocks/>
-          </p:cNvSpPr>
-          <p:nvPr/>
-        </p:nvSpPr>
-        <p:spPr>
-          <a:xfrm>
-            <a:off x="114215" y="494934"/>
-            <a:ext cx="7308194" cy="5771213"/>
-          </a:xfrm>
-          <a:prstGeom prst="rect">
-            <a:avLst/>
-          </a:prstGeom>
-        </p:spPr>
-        <p:txBody>
-          <a:bodyPr anchor="b">
-            <a:normAutofit/>
-          </a:bodyPr>
-          <a:lstStyle>
-            <a:lvl1pPr algn="l" defTabSz="914400" rtl="0" eaLnBrk="1" latinLnBrk="0" hangingPunct="1">
-              <a:lnSpc>
-                <a:spcPct val="90000"/>
-              </a:lnSpc>
-              <a:spcBef>
-                <a:spcPct val="0"/>
-              </a:spcBef>
-              <a:buNone/>
-              <a:defRPr sz="4400" kern="1200">
-                <a:solidFill>
-                  <a:schemeClr val="tx1"/>
-                </a:solidFill>
-                <a:latin typeface="+mj-lt"/>
-                <a:ea typeface="+mj-ea"/>
-                <a:cs typeface="+mj-cs"/>
-              </a:defRPr>
-            </a:lvl1pPr>
-          </a:lstStyle>
-          <a:p>
-            <a:pPr fontAlgn="base"/>
-            <a:endParaRPr lang="ru-RU" sz="2400" dirty="0">
-              <a:ea typeface="Open Sans" panose="020B0606030504020204" pitchFamily="34" charset="0"/>
-              <a:cs typeface="Open Sans" panose="020B0606030504020204" pitchFamily="34" charset="0"/>
-            </a:endParaRPr>
-          </a:p>
-        </p:txBody>
-      </p:sp>
-      <p:pic>
-        <p:nvPicPr>
-          <p:cNvPr id="4" name="Picture 3"/>
-          <p:cNvPicPr>
-            <a:picLocks noChangeAspect="1"/>
-          </p:cNvPicPr>
-          <p:nvPr>
-            <p:custDataLst>
-              <p:tags r:id="rId2"/>
-            </p:custDataLst>
-          </p:nvPr>
-        </p:nvPicPr>
-        <p:blipFill>
-          <a:blip r:embed="rId6">
-            <a:extLst>
-              <a:ext uri="{28A0092B-C50C-407E-A947-70E740481C1C}">
-                <a14:useLocalDpi xmlns:a14="http://schemas.microsoft.com/office/drawing/2010/main" val="0"/>
-              </a:ext>
-            </a:extLst>
-          </a:blip>
-          <a:stretch>
-            <a:fillRect/>
-          </a:stretch>
-        </p:blipFill>
-        <p:spPr>
-          <a:xfrm>
-            <a:off x="8208338" y="494934"/>
-            <a:ext cx="3630263" cy="10313137"/>
-          </a:xfrm>
-          <a:prstGeom prst="rect">
-            <a:avLst/>
-          </a:prstGeom>
-        </p:spPr>
-      </p:pic>
-      <p:sp>
-        <p:nvSpPr>
-          <p:cNvPr id="7" name="TextBox">
-            <a:extLst>
-              <a:ext uri="{FF2B5EF4-FFF2-40B4-BE49-F238E27FC236}">
-                <a16:creationId xmlns:a16="http://schemas.microsoft.com/office/drawing/2014/main" id="{53EA61F1-8A28-3B58-A024-19E8B86CA28E}"/>
-              </a:ext>
-            </a:extLst>
-          </p:cNvPr>
-          <p:cNvSpPr txBox="1">
-            <a:spLocks/>
-          </p:cNvSpPr>
-          <p:nvPr/>
-        </p:nvSpPr>
-        <p:spPr>
-          <a:xfrm flipH="1">
-            <a:off x="5613917" y="142657"/>
-            <a:ext cx="2594421" cy="704554"/>
-          </a:xfrm>
-          <a:prstGeom prst="wedgeRoundRectCallout">
-            <a:avLst>
-              <a:gd name="adj1" fmla="val -76998"/>
-              <a:gd name="adj2" fmla="val 124593"/>
-              <a:gd name="adj3" fmla="val 16667"/>
-            </a:avLst>
-          </a:prstGeom>
-          <a:solidFill>
-            <a:schemeClr val="bg1"/>
-          </a:solidFill>
-          <a:ln w="19050">
-            <a:solidFill>
-              <a:schemeClr val="bg1"/>
-            </a:solidFill>
-          </a:ln>
-          <a:effectLst>
-            <a:outerShdw blurRad="254000" dist="127000" dir="5400000" algn="ctr" rotWithShape="0">
-              <a:srgbClr val="C0B8A3">
-                <a:alpha val="26000"/>
-              </a:srgbClr>
-            </a:outerShdw>
-          </a:effectLst>
-        </p:spPr>
-        <p:txBody>
-          <a:bodyPr lIns="216000" tIns="144000" rIns="216000" bIns="144000" anchor="ctr">
-            <a:noAutofit/>
-          </a:bodyPr>
-          <a:lstStyle>
-            <a:defPPr>
-              <a:defRPr lang="ru-RU"/>
-            </a:defPPr>
-            <a:lvl1pPr indent="0">
-              <a:lnSpc>
-                <a:spcPct val="120000"/>
-              </a:lnSpc>
-              <a:spcBef>
-                <a:spcPts val="1000"/>
-              </a:spcBef>
-              <a:buFont typeface="Arial" panose="020B0604020202020204" pitchFamily="34" charset="0"/>
-              <a:buNone/>
-              <a:defRPr sz="1200">
-                <a:solidFill>
-                  <a:schemeClr val="tx2">
-                    <a:lumMod val="75000"/>
-                  </a:schemeClr>
-                </a:solidFill>
-              </a:defRPr>
-            </a:lvl1pPr>
-            <a:lvl2pPr marL="685800" indent="-228600">
-              <a:lnSpc>
-                <a:spcPct val="90000"/>
-              </a:lnSpc>
-              <a:spcBef>
-                <a:spcPts val="500"/>
-              </a:spcBef>
-              <a:buFont typeface="Arial" panose="020B0604020202020204" pitchFamily="34" charset="0"/>
-              <a:buChar char="•"/>
-              <a:defRPr sz="2400"/>
-            </a:lvl2pPr>
-            <a:lvl3pPr marL="1143000" indent="-228600">
-              <a:lnSpc>
-                <a:spcPct val="90000"/>
-              </a:lnSpc>
-              <a:spcBef>
-                <a:spcPts val="500"/>
-              </a:spcBef>
-              <a:buFont typeface="Arial" panose="020B0604020202020204" pitchFamily="34" charset="0"/>
-              <a:buChar char="•"/>
-              <a:defRPr sz="2000"/>
-            </a:lvl3pPr>
-            <a:lvl4pPr marL="1600200" indent="-228600">
-              <a:lnSpc>
-                <a:spcPct val="90000"/>
-              </a:lnSpc>
-              <a:spcBef>
-                <a:spcPts val="500"/>
-              </a:spcBef>
-              <a:buFont typeface="Arial" panose="020B0604020202020204" pitchFamily="34" charset="0"/>
-              <a:buChar char="•"/>
-            </a:lvl4pPr>
-            <a:lvl5pPr marL="2057400" indent="-228600">
-              <a:lnSpc>
-                <a:spcPct val="90000"/>
-              </a:lnSpc>
-              <a:spcBef>
-                <a:spcPts val="500"/>
-              </a:spcBef>
-              <a:buFont typeface="Arial" panose="020B0604020202020204" pitchFamily="34" charset="0"/>
-              <a:buChar char="•"/>
-            </a:lvl5pPr>
-            <a:lvl6pPr marL="2514600" indent="-228600">
-              <a:lnSpc>
-                <a:spcPct val="90000"/>
-              </a:lnSpc>
-              <a:spcBef>
-                <a:spcPts val="500"/>
-              </a:spcBef>
-              <a:buFont typeface="Arial" panose="020B0604020202020204" pitchFamily="34" charset="0"/>
-              <a:buChar char="•"/>
-            </a:lvl6pPr>
-            <a:lvl7pPr marL="2971800" indent="-228600">
-              <a:lnSpc>
-                <a:spcPct val="90000"/>
-              </a:lnSpc>
-              <a:spcBef>
-                <a:spcPts val="500"/>
-              </a:spcBef>
-              <a:buFont typeface="Arial" panose="020B0604020202020204" pitchFamily="34" charset="0"/>
-              <a:buChar char="•"/>
-            </a:lvl7pPr>
-            <a:lvl8pPr marL="3429000" indent="-228600">
-              <a:lnSpc>
-                <a:spcPct val="90000"/>
-              </a:lnSpc>
-              <a:spcBef>
-                <a:spcPts val="500"/>
-              </a:spcBef>
-              <a:buFont typeface="Arial" panose="020B0604020202020204" pitchFamily="34" charset="0"/>
-              <a:buChar char="•"/>
-            </a:lvl8pPr>
-            <a:lvl9pPr marL="3886200" indent="-228600">
-              <a:lnSpc>
-                <a:spcPct val="90000"/>
-              </a:lnSpc>
-              <a:spcBef>
-                <a:spcPts val="500"/>
-              </a:spcBef>
-              <a:buFont typeface="Arial" panose="020B0604020202020204" pitchFamily="34" charset="0"/>
-              <a:buChar char="•"/>
-            </a:lvl9pPr>
-          </a:lstStyle>
-          <a:p>
-            <a:pPr algn="ctr"/>
-            <a:r>
-              <a:rPr lang="en-US" sz="1400" dirty="0"/>
-              <a:t> Who are the two parties?</a:t>
-            </a:r>
-            <a:endParaRPr lang="en-US" sz="1400" b="1" dirty="0">
-              <a:solidFill>
-                <a:srgbClr val="CB1259"/>
-              </a:solidFill>
-              <a:latin typeface="+mj-lt"/>
-              <a:ea typeface="Open Sans" panose="020B0606030504020204" pitchFamily="34" charset="0"/>
-              <a:cs typeface="Open Sans" panose="020B0606030504020204" pitchFamily="34" charset="0"/>
-            </a:endParaRPr>
-          </a:p>
-        </p:txBody>
-      </p:sp>
-      <p:sp>
-        <p:nvSpPr>
-          <p:cNvPr id="8" name="Rounded Rectangle 7"/>
-          <p:cNvSpPr/>
-          <p:nvPr/>
-        </p:nvSpPr>
-        <p:spPr>
-          <a:xfrm>
-            <a:off x="443052" y="1689453"/>
-            <a:ext cx="5912778" cy="3104474"/>
-          </a:xfrm>
-          <a:prstGeom prst="roundRect">
-            <a:avLst/>
-          </a:prstGeom>
-          <a:solidFill>
-            <a:schemeClr val="bg1"/>
-          </a:solidFill>
-          <a:ln w="38100">
-            <a:solidFill>
-              <a:schemeClr val="accent2">
-                <a:lumMod val="60000"/>
-                <a:lumOff val="40000"/>
-              </a:schemeClr>
-            </a:solidFill>
-          </a:ln>
-        </p:spPr>
-        <p:style>
-          <a:lnRef idx="2">
-            <a:schemeClr val="accent1">
-              <a:shade val="15000"/>
-            </a:schemeClr>
-          </a:lnRef>
-          <a:fillRef idx="1">
-            <a:schemeClr val="accent1"/>
-          </a:fillRef>
-          <a:effectRef idx="0">
-            <a:schemeClr val="accent1"/>
-          </a:effectRef>
-          <a:fontRef idx="minor">
-            <a:schemeClr val="lt1"/>
-          </a:fontRef>
-        </p:style>
-        <p:txBody>
-          <a:bodyPr rtlCol="0" anchor="ctr"/>
-          <a:lstStyle/>
-          <a:p>
-            <a:pPr fontAlgn="base"/>
-            <a:r>
-              <a:rPr lang="en-US" sz="2000" dirty="0">
-                <a:solidFill>
-                  <a:schemeClr val="tx1"/>
-                </a:solidFill>
-              </a:rPr>
-              <a:t>If the perpetrator is an aid worker and the victim is a </a:t>
-            </a:r>
-            <a:r>
-              <a:rPr lang="en-US" sz="2000" dirty="0" smtClean="0">
-                <a:solidFill>
-                  <a:schemeClr val="tx1"/>
-                </a:solidFill>
-              </a:rPr>
-              <a:t>beneficiary</a:t>
-            </a:r>
-            <a:r>
-              <a:rPr lang="en-US" sz="2000" dirty="0">
-                <a:solidFill>
-                  <a:schemeClr val="tx1"/>
-                </a:solidFill>
-              </a:rPr>
-              <a:t>. This is either SE or SA. To decide, you ask </a:t>
-            </a:r>
-            <a:r>
-              <a:rPr lang="en-US" sz="2000" dirty="0" smtClean="0">
-                <a:solidFill>
-                  <a:schemeClr val="tx1"/>
-                </a:solidFill>
-              </a:rPr>
-              <a:t>yourself </a:t>
-            </a:r>
-            <a:r>
-              <a:rPr lang="en-US" sz="2000" dirty="0">
-                <a:solidFill>
-                  <a:schemeClr val="tx1"/>
-                </a:solidFill>
-              </a:rPr>
-              <a:t>another question: is there anything in return? If </a:t>
-            </a:r>
-            <a:r>
-              <a:rPr lang="en-US" sz="2000" dirty="0" smtClean="0">
-                <a:solidFill>
-                  <a:schemeClr val="tx1"/>
-                </a:solidFill>
-              </a:rPr>
-              <a:t>yes</a:t>
-            </a:r>
-            <a:r>
-              <a:rPr lang="en-US" sz="2000" dirty="0">
-                <a:solidFill>
-                  <a:schemeClr val="tx1"/>
-                </a:solidFill>
-              </a:rPr>
-              <a:t>, it’s SE, if not it’s SA.</a:t>
-            </a:r>
-          </a:p>
-        </p:txBody>
-      </p:sp>
-    </p:spTree>
-    <p:custDataLst>
-      <p:tags r:id="rId1"/>
-    </p:custDataLst>
-    <p:extLst>
-      <p:ext uri="{BB962C8B-B14F-4D97-AF65-F5344CB8AC3E}">
-        <p14:creationId xmlns:p14="http://schemas.microsoft.com/office/powerpoint/2010/main" val="670311536"/>
-      </p:ext>
-    </p:extLst>
-  </p:cSld>
-  <p:clrMapOvr>
-    <a:masterClrMapping/>
-  </p:clrMapOvr>
-  <mc:AlternateContent xmlns:mc="http://schemas.openxmlformats.org/markup-compatibility/2006" xmlns:p14="http://schemas.microsoft.com/office/powerpoint/2010/main">
-    <mc:Choice Requires="p14">
-      <p:transition spd="slow" p14:dur="2000" advClick="0"/>
-    </mc:Choice>
-    <mc:Fallback xmlns="">
-      <p:transition spd="slow" advClick="0"/>
-    </mc:Fallback>
-  </mc:AlternateContent>
-  <p:timing>
-    <p:tnLst>
-      <p:par>
-        <p:cTn id="1" dur="indefinite" restart="never" nodeType="tmRoot">
-          <p:childTnLst>
-            <p:seq concurrent="1" nextAc="seek">
-              <p:cTn id="2" dur="indefinite" nodeType="mainSeq">
-                <p:childTnLst>
-                  <p:par>
-                    <p:cTn id="3" fill="hold">
-                      <p:stCondLst>
-                        <p:cond delay="indefinite"/>
-                      </p:stCondLst>
-                      <p:childTnLst>
-                        <p:par>
-                          <p:cTn id="4" fill="hold">
-                            <p:stCondLst>
-                              <p:cond delay="0"/>
-                            </p:stCondLst>
-                            <p:childTnLst>
-                              <p:par>
-                                <p:cTn id="5" presetID="6" presetClass="entr" presetSubtype="16" fill="hold" grpId="0" nodeType="clickEffect" nodePh="1">
-                                  <p:stCondLst>
-                                    <p:cond delay="0"/>
-                                  </p:stCondLst>
-                                  <p:endCondLst>
-                                    <p:cond evt="begin" delay="0">
-                                      <p:tn val="5"/>
-                                    </p:cond>
-                                  </p:endCondLst>
-                                  <p:childTnLst>
-                                    <p:set>
-                                      <p:cBhvr>
-                                        <p:cTn id="6" dur="1" fill="hold">
-                                          <p:stCondLst>
-                                            <p:cond delay="0"/>
-                                          </p:stCondLst>
-                                        </p:cTn>
-                                        <p:tgtEl>
-                                          <p:spTgt spid="3"/>
-                                        </p:tgtEl>
-                                        <p:attrNameLst>
-                                          <p:attrName>style.visibility</p:attrName>
-                                        </p:attrNameLst>
-                                      </p:cBhvr>
-                                      <p:to>
-                                        <p:strVal val="visible"/>
-                                      </p:to>
-                                    </p:set>
-                                    <p:animEffect transition="in" filter="circle(in)">
-                                      <p:cBhvr>
-                                        <p:cTn id="7" dur="2000"/>
-                                        <p:tgtEl>
-                                          <p:spTgt spid="3"/>
-                                        </p:tgtEl>
-                                      </p:cBhvr>
-                                    </p:animEffect>
-                                  </p:childTnLst>
-                                </p:cTn>
-                              </p:par>
-                            </p:childTnLst>
-                          </p:cTn>
-                        </p:par>
-                      </p:childTnLst>
-                    </p:cTn>
-                  </p:par>
-                </p:childTnLst>
-              </p:cTn>
-              <p:prevCondLst>
-                <p:cond evt="onPrev" delay="0">
-                  <p:tgtEl>
-                    <p:sldTgt/>
-                  </p:tgtEl>
-                </p:cond>
-              </p:prevCondLst>
-              <p:nextCondLst>
-                <p:cond evt="onNext" delay="0">
-                  <p:tgtEl>
-                    <p:sldTgt/>
-                  </p:tgtEl>
-                </p:cond>
-              </p:nextCondLst>
-            </p:seq>
-          </p:childTnLst>
-        </p:cTn>
-      </p:par>
-    </p:tnLst>
-    <p:bldLst>
-      <p:bldP spid="3" grpId="0"/>
-    </p:bldLst>
-  </p:timing>
-</p:sld>
-</file>
-
-<file path=ppt/slides/slide18.xml><?xml version="1.0" encoding="utf-8"?>
-<p:sld xmlns:a="http://schemas.openxmlformats.org/drawingml/2006/main" xmlns:r="http://schemas.openxmlformats.org/officeDocument/2006/relationships" xmlns:p="http://schemas.openxmlformats.org/presentationml/2006/main">
-  <p:cSld>
-    <p:spTree>
-      <p:nvGrpSpPr>
-        <p:cNvPr id="1" name=""/>
-        <p:cNvGrpSpPr/>
-        <p:nvPr/>
-      </p:nvGrpSpPr>
-      <p:grpSpPr>
-        <a:xfrm>
-          <a:off x="0" y="0"/>
-          <a:ext cx="0" cy="0"/>
-          <a:chOff x="0" y="0"/>
-          <a:chExt cx="0" cy="0"/>
-        </a:xfrm>
-      </p:grpSpPr>
-      <p:pic>
-        <p:nvPicPr>
-          <p:cNvPr id="5" name="Picture Background">
-            <a:extLst>
-              <a:ext uri="{FF2B5EF4-FFF2-40B4-BE49-F238E27FC236}">
-                <a16:creationId xmlns:a16="http://schemas.microsoft.com/office/drawing/2014/main" id="{8F32C49C-CA82-44AD-87B5-61623BBFED22}"/>
-              </a:ext>
-            </a:extLst>
-          </p:cNvPr>
-          <p:cNvPicPr>
-            <a:picLocks noChangeAspect="1"/>
-          </p:cNvPicPr>
-          <p:nvPr/>
-        </p:nvPicPr>
-        <p:blipFill>
-          <a:blip r:embed="rId5"/>
-          <a:stretch>
-            <a:fillRect/>
-          </a:stretch>
-        </p:blipFill>
-        <p:spPr>
-          <a:xfrm>
-            <a:off x="0" y="0"/>
-            <a:ext cx="12192000" cy="6858000"/>
-          </a:xfrm>
-          <a:prstGeom prst="rect">
-            <a:avLst/>
-          </a:prstGeom>
-        </p:spPr>
-      </p:pic>
-      <p:sp>
-        <p:nvSpPr>
-          <p:cNvPr id="2" name="Title">
-            <a:extLst>
-              <a:ext uri="{FF2B5EF4-FFF2-40B4-BE49-F238E27FC236}">
-                <a16:creationId xmlns:a16="http://schemas.microsoft.com/office/drawing/2014/main" id="{780F3996-F45A-4577-B2DB-342301B618F0}"/>
-              </a:ext>
-            </a:extLst>
-          </p:cNvPr>
-          <p:cNvSpPr txBox="1">
-            <a:spLocks/>
-          </p:cNvSpPr>
-          <p:nvPr/>
-        </p:nvSpPr>
-        <p:spPr>
-          <a:xfrm>
-            <a:off x="443052" y="1911926"/>
-            <a:ext cx="6979357" cy="576441"/>
-          </a:xfrm>
-          <a:prstGeom prst="rect">
-            <a:avLst/>
-          </a:prstGeom>
-        </p:spPr>
-        <p:txBody>
-          <a:bodyPr anchor="b">
-            <a:normAutofit fontScale="77500" lnSpcReduction="20000"/>
-          </a:bodyPr>
-          <a:lstStyle>
-            <a:lvl1pPr algn="l" defTabSz="914400" rtl="0" eaLnBrk="1" latinLnBrk="0" hangingPunct="1">
-              <a:lnSpc>
-                <a:spcPct val="90000"/>
-              </a:lnSpc>
-              <a:spcBef>
-                <a:spcPct val="0"/>
-              </a:spcBef>
-              <a:buNone/>
-              <a:defRPr sz="4400" kern="1200">
-                <a:solidFill>
-                  <a:schemeClr val="tx1"/>
-                </a:solidFill>
-                <a:latin typeface="+mj-lt"/>
-                <a:ea typeface="+mj-ea"/>
-                <a:cs typeface="+mj-cs"/>
-              </a:defRPr>
-            </a:lvl1pPr>
-          </a:lstStyle>
-          <a:p>
-            <a:endParaRPr lang="ru-RU" sz="5400" dirty="0">
-              <a:solidFill>
-                <a:srgbClr val="151824"/>
-              </a:solidFill>
-              <a:ea typeface="Open Sans" panose="020B0606030504020204" pitchFamily="34" charset="0"/>
-              <a:cs typeface="Open Sans" panose="020B0606030504020204" pitchFamily="34" charset="0"/>
-            </a:endParaRPr>
-          </a:p>
-        </p:txBody>
-      </p:sp>
-      <p:sp>
-        <p:nvSpPr>
-          <p:cNvPr id="3" name="Title">
-            <a:extLst>
-              <a:ext uri="{FF2B5EF4-FFF2-40B4-BE49-F238E27FC236}">
-                <a16:creationId xmlns:a16="http://schemas.microsoft.com/office/drawing/2014/main" id="{DB976287-88DA-E1BC-93BA-814DA2A4F3B0}"/>
-              </a:ext>
-            </a:extLst>
-          </p:cNvPr>
-          <p:cNvSpPr txBox="1">
-            <a:spLocks/>
-          </p:cNvSpPr>
-          <p:nvPr/>
-        </p:nvSpPr>
-        <p:spPr>
-          <a:xfrm>
-            <a:off x="114215" y="494934"/>
-            <a:ext cx="7308194" cy="5771213"/>
-          </a:xfrm>
-          <a:prstGeom prst="rect">
-            <a:avLst/>
-          </a:prstGeom>
-        </p:spPr>
-        <p:txBody>
-          <a:bodyPr anchor="b">
-            <a:normAutofit/>
-          </a:bodyPr>
-          <a:lstStyle>
-            <a:lvl1pPr algn="l" defTabSz="914400" rtl="0" eaLnBrk="1" latinLnBrk="0" hangingPunct="1">
-              <a:lnSpc>
-                <a:spcPct val="90000"/>
-              </a:lnSpc>
-              <a:spcBef>
-                <a:spcPct val="0"/>
-              </a:spcBef>
-              <a:buNone/>
-              <a:defRPr sz="4400" kern="1200">
-                <a:solidFill>
-                  <a:schemeClr val="tx1"/>
-                </a:solidFill>
-                <a:latin typeface="+mj-lt"/>
-                <a:ea typeface="+mj-ea"/>
-                <a:cs typeface="+mj-cs"/>
-              </a:defRPr>
-            </a:lvl1pPr>
-          </a:lstStyle>
-          <a:p>
-            <a:pPr fontAlgn="base"/>
-            <a:endParaRPr lang="ru-RU" sz="2400" dirty="0">
-              <a:ea typeface="Open Sans" panose="020B0606030504020204" pitchFamily="34" charset="0"/>
-              <a:cs typeface="Open Sans" panose="020B0606030504020204" pitchFamily="34" charset="0"/>
-            </a:endParaRPr>
-          </a:p>
-        </p:txBody>
-      </p:sp>
-      <p:sp>
-        <p:nvSpPr>
-          <p:cNvPr id="8" name="Rounded Rectangle 7"/>
-          <p:cNvSpPr/>
-          <p:nvPr/>
-        </p:nvSpPr>
-        <p:spPr>
-          <a:xfrm>
-            <a:off x="924627" y="1670782"/>
-            <a:ext cx="5626076" cy="3104474"/>
-          </a:xfrm>
-          <a:prstGeom prst="roundRect">
-            <a:avLst/>
-          </a:prstGeom>
-          <a:solidFill>
-            <a:schemeClr val="bg1"/>
-          </a:solidFill>
-          <a:ln w="38100">
-            <a:solidFill>
-              <a:schemeClr val="accent2">
-                <a:lumMod val="60000"/>
-                <a:lumOff val="40000"/>
-              </a:schemeClr>
-            </a:solidFill>
-          </a:ln>
-        </p:spPr>
-        <p:style>
-          <a:lnRef idx="2">
-            <a:schemeClr val="accent1">
-              <a:shade val="15000"/>
-            </a:schemeClr>
-          </a:lnRef>
-          <a:fillRef idx="1">
-            <a:schemeClr val="accent1"/>
-          </a:fillRef>
-          <a:effectRef idx="0">
-            <a:schemeClr val="accent1"/>
-          </a:effectRef>
-          <a:fontRef idx="minor">
-            <a:schemeClr val="lt1"/>
-          </a:fontRef>
-        </p:style>
-        <p:txBody>
-          <a:bodyPr rtlCol="0" anchor="ctr"/>
-          <a:lstStyle/>
-          <a:p>
-            <a:pPr fontAlgn="base"/>
-            <a:endParaRPr lang="en-US" sz="2000" dirty="0">
-              <a:solidFill>
-                <a:schemeClr val="tx1"/>
-              </a:solidFill>
-            </a:endParaRPr>
-          </a:p>
-          <a:p>
-            <a:pPr fontAlgn="base"/>
-            <a:r>
-              <a:rPr lang="en-US" sz="2000" dirty="0">
-                <a:solidFill>
-                  <a:schemeClr val="tx1"/>
-                </a:solidFill>
-              </a:rPr>
-              <a:t>If the perpetrator is an aid worker and the victim is an </a:t>
-            </a:r>
-            <a:r>
-              <a:rPr lang="en-US" sz="2000" dirty="0" smtClean="0">
-                <a:solidFill>
-                  <a:schemeClr val="tx1"/>
-                </a:solidFill>
-              </a:rPr>
-              <a:t>aid worker</a:t>
-            </a:r>
-            <a:r>
-              <a:rPr lang="en-US" sz="2000" dirty="0">
-                <a:solidFill>
-                  <a:schemeClr val="tx1"/>
-                </a:solidFill>
-              </a:rPr>
-              <a:t>. This is sexual harassment (SH). Although it </a:t>
-            </a:r>
-            <a:r>
-              <a:rPr lang="en-US" sz="2000" dirty="0" smtClean="0">
-                <a:solidFill>
-                  <a:schemeClr val="tx1"/>
-                </a:solidFill>
-              </a:rPr>
-              <a:t> might </a:t>
-            </a:r>
-            <a:r>
-              <a:rPr lang="en-US" sz="2000" dirty="0">
-                <a:solidFill>
-                  <a:schemeClr val="tx1"/>
-                </a:solidFill>
-              </a:rPr>
-              <a:t>sound that there is exploitation of power here, it is</a:t>
-            </a:r>
-          </a:p>
-        </p:txBody>
-      </p:sp>
-      <p:pic>
-        <p:nvPicPr>
-          <p:cNvPr id="9" name="Picture 8"/>
-          <p:cNvPicPr>
-            <a:picLocks noChangeAspect="1"/>
-          </p:cNvPicPr>
-          <p:nvPr>
-            <p:custDataLst>
-              <p:tags r:id="rId2"/>
-            </p:custDataLst>
-          </p:nvPr>
-        </p:nvPicPr>
-        <p:blipFill>
-          <a:blip r:embed="rId6">
-            <a:extLst>
-              <a:ext uri="{28A0092B-C50C-407E-A947-70E740481C1C}">
-                <a14:useLocalDpi xmlns:a14="http://schemas.microsoft.com/office/drawing/2010/main" val="0"/>
-              </a:ext>
-            </a:extLst>
-          </a:blip>
-          <a:stretch>
-            <a:fillRect/>
-          </a:stretch>
-        </p:blipFill>
-        <p:spPr>
-          <a:xfrm>
-            <a:off x="8208338" y="494934"/>
-            <a:ext cx="3630263" cy="10313137"/>
-          </a:xfrm>
-          <a:prstGeom prst="rect">
-            <a:avLst/>
-          </a:prstGeom>
-        </p:spPr>
-      </p:pic>
-      <p:sp>
-        <p:nvSpPr>
-          <p:cNvPr id="10" name="TextBox">
-            <a:extLst>
-              <a:ext uri="{FF2B5EF4-FFF2-40B4-BE49-F238E27FC236}">
-                <a16:creationId xmlns:a16="http://schemas.microsoft.com/office/drawing/2014/main" id="{53EA61F1-8A28-3B58-A024-19E8B86CA28E}"/>
-              </a:ext>
-            </a:extLst>
-          </p:cNvPr>
-          <p:cNvSpPr txBox="1">
-            <a:spLocks/>
-          </p:cNvSpPr>
-          <p:nvPr/>
-        </p:nvSpPr>
-        <p:spPr>
-          <a:xfrm flipH="1">
-            <a:off x="5613917" y="142657"/>
-            <a:ext cx="2594421" cy="704554"/>
-          </a:xfrm>
-          <a:prstGeom prst="wedgeRoundRectCallout">
-            <a:avLst>
-              <a:gd name="adj1" fmla="val -76998"/>
-              <a:gd name="adj2" fmla="val 124593"/>
-              <a:gd name="adj3" fmla="val 16667"/>
-            </a:avLst>
-          </a:prstGeom>
-          <a:solidFill>
-            <a:schemeClr val="bg1"/>
-          </a:solidFill>
-          <a:ln w="19050">
-            <a:solidFill>
-              <a:schemeClr val="bg1"/>
-            </a:solidFill>
-          </a:ln>
-          <a:effectLst>
-            <a:outerShdw blurRad="254000" dist="127000" dir="5400000" algn="ctr" rotWithShape="0">
-              <a:srgbClr val="C0B8A3">
-                <a:alpha val="26000"/>
-              </a:srgbClr>
-            </a:outerShdw>
-          </a:effectLst>
-        </p:spPr>
-        <p:txBody>
-          <a:bodyPr lIns="216000" tIns="144000" rIns="216000" bIns="144000" anchor="ctr">
-            <a:noAutofit/>
-          </a:bodyPr>
-          <a:lstStyle>
-            <a:defPPr>
-              <a:defRPr lang="ru-RU"/>
-            </a:defPPr>
-            <a:lvl1pPr indent="0">
-              <a:lnSpc>
-                <a:spcPct val="120000"/>
-              </a:lnSpc>
-              <a:spcBef>
-                <a:spcPts val="1000"/>
-              </a:spcBef>
-              <a:buFont typeface="Arial" panose="020B0604020202020204" pitchFamily="34" charset="0"/>
-              <a:buNone/>
-              <a:defRPr sz="1200">
-                <a:solidFill>
-                  <a:schemeClr val="tx2">
-                    <a:lumMod val="75000"/>
-                  </a:schemeClr>
-                </a:solidFill>
-              </a:defRPr>
-            </a:lvl1pPr>
-            <a:lvl2pPr marL="685800" indent="-228600">
-              <a:lnSpc>
-                <a:spcPct val="90000"/>
-              </a:lnSpc>
-              <a:spcBef>
-                <a:spcPts val="500"/>
-              </a:spcBef>
-              <a:buFont typeface="Arial" panose="020B0604020202020204" pitchFamily="34" charset="0"/>
-              <a:buChar char="•"/>
-              <a:defRPr sz="2400"/>
-            </a:lvl2pPr>
-            <a:lvl3pPr marL="1143000" indent="-228600">
-              <a:lnSpc>
-                <a:spcPct val="90000"/>
-              </a:lnSpc>
-              <a:spcBef>
-                <a:spcPts val="500"/>
-              </a:spcBef>
-              <a:buFont typeface="Arial" panose="020B0604020202020204" pitchFamily="34" charset="0"/>
-              <a:buChar char="•"/>
-              <a:defRPr sz="2000"/>
-            </a:lvl3pPr>
-            <a:lvl4pPr marL="1600200" indent="-228600">
-              <a:lnSpc>
-                <a:spcPct val="90000"/>
-              </a:lnSpc>
-              <a:spcBef>
-                <a:spcPts val="500"/>
-              </a:spcBef>
-              <a:buFont typeface="Arial" panose="020B0604020202020204" pitchFamily="34" charset="0"/>
-              <a:buChar char="•"/>
-            </a:lvl4pPr>
-            <a:lvl5pPr marL="2057400" indent="-228600">
-              <a:lnSpc>
-                <a:spcPct val="90000"/>
-              </a:lnSpc>
-              <a:spcBef>
-                <a:spcPts val="500"/>
-              </a:spcBef>
-              <a:buFont typeface="Arial" panose="020B0604020202020204" pitchFamily="34" charset="0"/>
-              <a:buChar char="•"/>
-            </a:lvl5pPr>
-            <a:lvl6pPr marL="2514600" indent="-228600">
-              <a:lnSpc>
-                <a:spcPct val="90000"/>
-              </a:lnSpc>
-              <a:spcBef>
-                <a:spcPts val="500"/>
-              </a:spcBef>
-              <a:buFont typeface="Arial" panose="020B0604020202020204" pitchFamily="34" charset="0"/>
-              <a:buChar char="•"/>
-            </a:lvl6pPr>
-            <a:lvl7pPr marL="2971800" indent="-228600">
-              <a:lnSpc>
-                <a:spcPct val="90000"/>
-              </a:lnSpc>
-              <a:spcBef>
-                <a:spcPts val="500"/>
-              </a:spcBef>
-              <a:buFont typeface="Arial" panose="020B0604020202020204" pitchFamily="34" charset="0"/>
-              <a:buChar char="•"/>
-            </a:lvl7pPr>
-            <a:lvl8pPr marL="3429000" indent="-228600">
-              <a:lnSpc>
-                <a:spcPct val="90000"/>
-              </a:lnSpc>
-              <a:spcBef>
-                <a:spcPts val="500"/>
-              </a:spcBef>
-              <a:buFont typeface="Arial" panose="020B0604020202020204" pitchFamily="34" charset="0"/>
-              <a:buChar char="•"/>
-            </a:lvl8pPr>
-            <a:lvl9pPr marL="3886200" indent="-228600">
-              <a:lnSpc>
-                <a:spcPct val="90000"/>
-              </a:lnSpc>
-              <a:spcBef>
-                <a:spcPts val="500"/>
-              </a:spcBef>
-              <a:buFont typeface="Arial" panose="020B0604020202020204" pitchFamily="34" charset="0"/>
-              <a:buChar char="•"/>
-            </a:lvl9pPr>
-          </a:lstStyle>
-          <a:p>
-            <a:pPr algn="ctr"/>
-            <a:r>
-              <a:rPr lang="en-US" sz="1400" dirty="0"/>
-              <a:t> Who are the two parties?</a:t>
-            </a:r>
-            <a:endParaRPr lang="en-US" sz="1400" b="1" dirty="0">
-              <a:solidFill>
-                <a:srgbClr val="CB1259"/>
-              </a:solidFill>
-              <a:latin typeface="+mj-lt"/>
-              <a:ea typeface="Open Sans" panose="020B0606030504020204" pitchFamily="34" charset="0"/>
-              <a:cs typeface="Open Sans" panose="020B0606030504020204" pitchFamily="34" charset="0"/>
-            </a:endParaRPr>
-          </a:p>
-        </p:txBody>
-      </p:sp>
-    </p:spTree>
-    <p:custDataLst>
-      <p:tags r:id="rId1"/>
-    </p:custDataLst>
-    <p:extLst>
-      <p:ext uri="{BB962C8B-B14F-4D97-AF65-F5344CB8AC3E}">
-        <p14:creationId xmlns:p14="http://schemas.microsoft.com/office/powerpoint/2010/main" val="3794211922"/>
-      </p:ext>
-    </p:extLst>
-  </p:cSld>
-  <p:clrMapOvr>
-    <a:masterClrMapping/>
-  </p:clrMapOvr>
-  <mc:AlternateContent xmlns:mc="http://schemas.openxmlformats.org/markup-compatibility/2006" xmlns:p14="http://schemas.microsoft.com/office/powerpoint/2010/main">
-    <mc:Choice Requires="p14">
-      <p:transition spd="slow" p14:dur="2000" advClick="0"/>
-    </mc:Choice>
-    <mc:Fallback xmlns="">
-      <p:transition spd="slow" advClick="0"/>
-    </mc:Fallback>
-  </mc:AlternateContent>
-  <p:timing>
-    <p:tnLst>
-      <p:par>
-        <p:cTn id="1" dur="indefinite" restart="never" nodeType="tmRoot">
-          <p:childTnLst>
-            <p:seq concurrent="1" nextAc="seek">
-              <p:cTn id="2" dur="indefinite" nodeType="mainSeq">
-                <p:childTnLst>
-                  <p:par>
-                    <p:cTn id="3" fill="hold">
-                      <p:stCondLst>
-                        <p:cond delay="indefinite"/>
-                      </p:stCondLst>
-                      <p:childTnLst>
-                        <p:par>
-                          <p:cTn id="4" fill="hold">
-                            <p:stCondLst>
-                              <p:cond delay="0"/>
-                            </p:stCondLst>
-                            <p:childTnLst>
-                              <p:par>
-                                <p:cTn id="5" presetID="6" presetClass="entr" presetSubtype="16" fill="hold" grpId="0" nodeType="clickEffect" nodePh="1">
-                                  <p:stCondLst>
-                                    <p:cond delay="0"/>
-                                  </p:stCondLst>
-                                  <p:endCondLst>
-                                    <p:cond evt="begin" delay="0">
-                                      <p:tn val="5"/>
-                                    </p:cond>
-                                  </p:endCondLst>
-                                  <p:childTnLst>
-                                    <p:set>
-                                      <p:cBhvr>
-                                        <p:cTn id="6" dur="1" fill="hold">
-                                          <p:stCondLst>
-                                            <p:cond delay="0"/>
-                                          </p:stCondLst>
-                                        </p:cTn>
-                                        <p:tgtEl>
-                                          <p:spTgt spid="3"/>
-                                        </p:tgtEl>
-                                        <p:attrNameLst>
-                                          <p:attrName>style.visibility</p:attrName>
-                                        </p:attrNameLst>
-                                      </p:cBhvr>
-                                      <p:to>
-                                        <p:strVal val="visible"/>
-                                      </p:to>
-                                    </p:set>
-                                    <p:animEffect transition="in" filter="circle(in)">
-                                      <p:cBhvr>
-                                        <p:cTn id="7" dur="2000"/>
-                                        <p:tgtEl>
-                                          <p:spTgt spid="3"/>
-                                        </p:tgtEl>
-                                      </p:cBhvr>
-                                    </p:animEffect>
-                                  </p:childTnLst>
-                                </p:cTn>
-                              </p:par>
-                            </p:childTnLst>
-                          </p:cTn>
-                        </p:par>
-                      </p:childTnLst>
-                    </p:cTn>
-                  </p:par>
-                </p:childTnLst>
-              </p:cTn>
-              <p:prevCondLst>
-                <p:cond evt="onPrev" delay="0">
-                  <p:tgtEl>
-                    <p:sldTgt/>
-                  </p:tgtEl>
-                </p:cond>
-              </p:prevCondLst>
-              <p:nextCondLst>
-                <p:cond evt="onNext" delay="0">
-                  <p:tgtEl>
-                    <p:sldTgt/>
-                  </p:tgtEl>
-                </p:cond>
-              </p:nextCondLst>
-            </p:seq>
-          </p:childTnLst>
-        </p:cTn>
-      </p:par>
-    </p:tnLst>
-    <p:bldLst>
-      <p:bldP spid="3" grpId="0"/>
-    </p:bldLst>
-  </p:timing>
-</p:sld>
-</file>
-
-<file path=ppt/slides/slide19.xml><?xml version="1.0" encoding="utf-8"?>
-<p:sld xmlns:a="http://schemas.openxmlformats.org/drawingml/2006/main" xmlns:r="http://schemas.openxmlformats.org/officeDocument/2006/relationships" xmlns:p="http://schemas.openxmlformats.org/presentationml/2006/main">
-  <p:cSld>
-    <p:spTree>
-      <p:nvGrpSpPr>
-        <p:cNvPr id="1" name=""/>
-        <p:cNvGrpSpPr/>
-        <p:nvPr/>
-      </p:nvGrpSpPr>
-      <p:grpSpPr>
-        <a:xfrm>
-          <a:off x="0" y="0"/>
-          <a:ext cx="0" cy="0"/>
-          <a:chOff x="0" y="0"/>
-          <a:chExt cx="0" cy="0"/>
-        </a:xfrm>
-      </p:grpSpPr>
-      <p:pic>
-        <p:nvPicPr>
-          <p:cNvPr id="5" name="Picture Background">
-            <a:extLst>
-              <a:ext uri="{FF2B5EF4-FFF2-40B4-BE49-F238E27FC236}">
-                <a16:creationId xmlns:a16="http://schemas.microsoft.com/office/drawing/2014/main" id="{8F32C49C-CA82-44AD-87B5-61623BBFED22}"/>
-              </a:ext>
-            </a:extLst>
-          </p:cNvPr>
-          <p:cNvPicPr>
-            <a:picLocks noChangeAspect="1"/>
-          </p:cNvPicPr>
-          <p:nvPr/>
-        </p:nvPicPr>
-        <p:blipFill>
-          <a:blip r:embed="rId5"/>
-          <a:stretch>
-            <a:fillRect/>
-          </a:stretch>
-        </p:blipFill>
-        <p:spPr>
-          <a:xfrm>
-            <a:off x="0" y="0"/>
-            <a:ext cx="12192000" cy="6858000"/>
-          </a:xfrm>
-          <a:prstGeom prst="rect">
-            <a:avLst/>
-          </a:prstGeom>
-        </p:spPr>
-      </p:pic>
-      <p:sp>
-        <p:nvSpPr>
-          <p:cNvPr id="2" name="Title">
-            <a:extLst>
-              <a:ext uri="{FF2B5EF4-FFF2-40B4-BE49-F238E27FC236}">
-                <a16:creationId xmlns:a16="http://schemas.microsoft.com/office/drawing/2014/main" id="{780F3996-F45A-4577-B2DB-342301B618F0}"/>
-              </a:ext>
-            </a:extLst>
-          </p:cNvPr>
-          <p:cNvSpPr txBox="1">
-            <a:spLocks/>
-          </p:cNvSpPr>
-          <p:nvPr/>
-        </p:nvSpPr>
-        <p:spPr>
-          <a:xfrm>
-            <a:off x="443052" y="1911926"/>
-            <a:ext cx="6979357" cy="576441"/>
-          </a:xfrm>
-          <a:prstGeom prst="rect">
-            <a:avLst/>
-          </a:prstGeom>
-        </p:spPr>
-        <p:txBody>
-          <a:bodyPr anchor="b">
-            <a:normAutofit fontScale="77500" lnSpcReduction="20000"/>
-          </a:bodyPr>
-          <a:lstStyle>
-            <a:lvl1pPr algn="l" defTabSz="914400" rtl="0" eaLnBrk="1" latinLnBrk="0" hangingPunct="1">
-              <a:lnSpc>
-                <a:spcPct val="90000"/>
-              </a:lnSpc>
-              <a:spcBef>
-                <a:spcPct val="0"/>
-              </a:spcBef>
-              <a:buNone/>
-              <a:defRPr sz="4400" kern="1200">
-                <a:solidFill>
-                  <a:schemeClr val="tx1"/>
-                </a:solidFill>
-                <a:latin typeface="+mj-lt"/>
-                <a:ea typeface="+mj-ea"/>
-                <a:cs typeface="+mj-cs"/>
-              </a:defRPr>
-            </a:lvl1pPr>
-          </a:lstStyle>
-          <a:p>
-            <a:endParaRPr lang="ru-RU" sz="5400" dirty="0">
-              <a:solidFill>
-                <a:srgbClr val="151824"/>
-              </a:solidFill>
-              <a:ea typeface="Open Sans" panose="020B0606030504020204" pitchFamily="34" charset="0"/>
-              <a:cs typeface="Open Sans" panose="020B0606030504020204" pitchFamily="34" charset="0"/>
-            </a:endParaRPr>
-          </a:p>
-        </p:txBody>
-      </p:sp>
-      <p:sp>
-        <p:nvSpPr>
-          <p:cNvPr id="3" name="Title">
-            <a:extLst>
-              <a:ext uri="{FF2B5EF4-FFF2-40B4-BE49-F238E27FC236}">
-                <a16:creationId xmlns:a16="http://schemas.microsoft.com/office/drawing/2014/main" id="{DB976287-88DA-E1BC-93BA-814DA2A4F3B0}"/>
-              </a:ext>
-            </a:extLst>
-          </p:cNvPr>
-          <p:cNvSpPr txBox="1">
-            <a:spLocks/>
-          </p:cNvSpPr>
-          <p:nvPr/>
-        </p:nvSpPr>
-        <p:spPr>
-          <a:xfrm>
-            <a:off x="114215" y="494934"/>
-            <a:ext cx="7308194" cy="5771213"/>
-          </a:xfrm>
-          <a:prstGeom prst="rect">
-            <a:avLst/>
-          </a:prstGeom>
-        </p:spPr>
-        <p:txBody>
-          <a:bodyPr anchor="b">
-            <a:normAutofit/>
-          </a:bodyPr>
-          <a:lstStyle>
-            <a:lvl1pPr algn="l" defTabSz="914400" rtl="0" eaLnBrk="1" latinLnBrk="0" hangingPunct="1">
-              <a:lnSpc>
-                <a:spcPct val="90000"/>
-              </a:lnSpc>
-              <a:spcBef>
-                <a:spcPct val="0"/>
-              </a:spcBef>
-              <a:buNone/>
-              <a:defRPr sz="4400" kern="1200">
-                <a:solidFill>
-                  <a:schemeClr val="tx1"/>
-                </a:solidFill>
-                <a:latin typeface="+mj-lt"/>
-                <a:ea typeface="+mj-ea"/>
-                <a:cs typeface="+mj-cs"/>
-              </a:defRPr>
-            </a:lvl1pPr>
-          </a:lstStyle>
-          <a:p>
-            <a:pPr fontAlgn="base"/>
-            <a:endParaRPr lang="ru-RU" sz="2400" dirty="0">
-              <a:ea typeface="Open Sans" panose="020B0606030504020204" pitchFamily="34" charset="0"/>
-              <a:cs typeface="Open Sans" panose="020B0606030504020204" pitchFamily="34" charset="0"/>
-            </a:endParaRPr>
-          </a:p>
-        </p:txBody>
-      </p:sp>
-      <p:pic>
-        <p:nvPicPr>
-          <p:cNvPr id="9" name="Picture 8"/>
-          <p:cNvPicPr>
-            <a:picLocks noChangeAspect="1"/>
-          </p:cNvPicPr>
-          <p:nvPr>
-            <p:custDataLst>
-              <p:tags r:id="rId2"/>
-            </p:custDataLst>
-          </p:nvPr>
-        </p:nvPicPr>
-        <p:blipFill>
-          <a:blip r:embed="rId6">
-            <a:extLst>
-              <a:ext uri="{28A0092B-C50C-407E-A947-70E740481C1C}">
-                <a14:useLocalDpi xmlns:a14="http://schemas.microsoft.com/office/drawing/2010/main" val="0"/>
-              </a:ext>
-            </a:extLst>
-          </a:blip>
-          <a:stretch>
-            <a:fillRect/>
-          </a:stretch>
-        </p:blipFill>
-        <p:spPr>
-          <a:xfrm>
-            <a:off x="8208338" y="494934"/>
-            <a:ext cx="3630263" cy="10313137"/>
-          </a:xfrm>
-          <a:prstGeom prst="rect">
-            <a:avLst/>
-          </a:prstGeom>
-        </p:spPr>
-      </p:pic>
-      <p:sp>
-        <p:nvSpPr>
-          <p:cNvPr id="10" name="TextBox">
-            <a:extLst>
-              <a:ext uri="{FF2B5EF4-FFF2-40B4-BE49-F238E27FC236}">
-                <a16:creationId xmlns:a16="http://schemas.microsoft.com/office/drawing/2014/main" id="{53EA61F1-8A28-3B58-A024-19E8B86CA28E}"/>
-              </a:ext>
-            </a:extLst>
-          </p:cNvPr>
-          <p:cNvSpPr txBox="1">
-            <a:spLocks/>
-          </p:cNvSpPr>
-          <p:nvPr/>
-        </p:nvSpPr>
-        <p:spPr>
-          <a:xfrm flipH="1">
-            <a:off x="5613917" y="142657"/>
-            <a:ext cx="2594421" cy="704554"/>
-          </a:xfrm>
-          <a:prstGeom prst="wedgeRoundRectCallout">
-            <a:avLst>
-              <a:gd name="adj1" fmla="val -76998"/>
-              <a:gd name="adj2" fmla="val 124593"/>
-              <a:gd name="adj3" fmla="val 16667"/>
-            </a:avLst>
-          </a:prstGeom>
-          <a:solidFill>
-            <a:schemeClr val="bg1"/>
-          </a:solidFill>
-          <a:ln w="19050">
-            <a:solidFill>
-              <a:schemeClr val="bg1"/>
-            </a:solidFill>
-          </a:ln>
-          <a:effectLst>
-            <a:outerShdw blurRad="254000" dist="127000" dir="5400000" algn="ctr" rotWithShape="0">
-              <a:srgbClr val="C0B8A3">
-                <a:alpha val="26000"/>
-              </a:srgbClr>
-            </a:outerShdw>
-          </a:effectLst>
-        </p:spPr>
-        <p:txBody>
-          <a:bodyPr lIns="216000" tIns="144000" rIns="216000" bIns="144000" anchor="ctr">
-            <a:noAutofit/>
-          </a:bodyPr>
-          <a:lstStyle>
-            <a:defPPr>
-              <a:defRPr lang="ru-RU"/>
-            </a:defPPr>
-            <a:lvl1pPr indent="0">
-              <a:lnSpc>
-                <a:spcPct val="120000"/>
-              </a:lnSpc>
-              <a:spcBef>
-                <a:spcPts val="1000"/>
-              </a:spcBef>
-              <a:buFont typeface="Arial" panose="020B0604020202020204" pitchFamily="34" charset="0"/>
-              <a:buNone/>
-              <a:defRPr sz="1200">
-                <a:solidFill>
-                  <a:schemeClr val="tx2">
-                    <a:lumMod val="75000"/>
-                  </a:schemeClr>
-                </a:solidFill>
-              </a:defRPr>
-            </a:lvl1pPr>
-            <a:lvl2pPr marL="685800" indent="-228600">
-              <a:lnSpc>
-                <a:spcPct val="90000"/>
-              </a:lnSpc>
-              <a:spcBef>
-                <a:spcPts val="500"/>
-              </a:spcBef>
-              <a:buFont typeface="Arial" panose="020B0604020202020204" pitchFamily="34" charset="0"/>
-              <a:buChar char="•"/>
-              <a:defRPr sz="2400"/>
-            </a:lvl2pPr>
-            <a:lvl3pPr marL="1143000" indent="-228600">
-              <a:lnSpc>
-                <a:spcPct val="90000"/>
-              </a:lnSpc>
-              <a:spcBef>
-                <a:spcPts val="500"/>
-              </a:spcBef>
-              <a:buFont typeface="Arial" panose="020B0604020202020204" pitchFamily="34" charset="0"/>
-              <a:buChar char="•"/>
-              <a:defRPr sz="2000"/>
-            </a:lvl3pPr>
-            <a:lvl4pPr marL="1600200" indent="-228600">
-              <a:lnSpc>
-                <a:spcPct val="90000"/>
-              </a:lnSpc>
-              <a:spcBef>
-                <a:spcPts val="500"/>
-              </a:spcBef>
-              <a:buFont typeface="Arial" panose="020B0604020202020204" pitchFamily="34" charset="0"/>
-              <a:buChar char="•"/>
-            </a:lvl4pPr>
-            <a:lvl5pPr marL="2057400" indent="-228600">
-              <a:lnSpc>
-                <a:spcPct val="90000"/>
-              </a:lnSpc>
-              <a:spcBef>
-                <a:spcPts val="500"/>
-              </a:spcBef>
-              <a:buFont typeface="Arial" panose="020B0604020202020204" pitchFamily="34" charset="0"/>
-              <a:buChar char="•"/>
-            </a:lvl5pPr>
-            <a:lvl6pPr marL="2514600" indent="-228600">
-              <a:lnSpc>
-                <a:spcPct val="90000"/>
-              </a:lnSpc>
-              <a:spcBef>
-                <a:spcPts val="500"/>
-              </a:spcBef>
-              <a:buFont typeface="Arial" panose="020B0604020202020204" pitchFamily="34" charset="0"/>
-              <a:buChar char="•"/>
-            </a:lvl6pPr>
-            <a:lvl7pPr marL="2971800" indent="-228600">
-              <a:lnSpc>
-                <a:spcPct val="90000"/>
-              </a:lnSpc>
-              <a:spcBef>
-                <a:spcPts val="500"/>
-              </a:spcBef>
-              <a:buFont typeface="Arial" panose="020B0604020202020204" pitchFamily="34" charset="0"/>
-              <a:buChar char="•"/>
-            </a:lvl7pPr>
-            <a:lvl8pPr marL="3429000" indent="-228600">
-              <a:lnSpc>
-                <a:spcPct val="90000"/>
-              </a:lnSpc>
-              <a:spcBef>
-                <a:spcPts val="500"/>
-              </a:spcBef>
-              <a:buFont typeface="Arial" panose="020B0604020202020204" pitchFamily="34" charset="0"/>
-              <a:buChar char="•"/>
-            </a:lvl8pPr>
-            <a:lvl9pPr marL="3886200" indent="-228600">
-              <a:lnSpc>
-                <a:spcPct val="90000"/>
-              </a:lnSpc>
-              <a:spcBef>
-                <a:spcPts val="500"/>
-              </a:spcBef>
-              <a:buFont typeface="Arial" panose="020B0604020202020204" pitchFamily="34" charset="0"/>
-              <a:buChar char="•"/>
-            </a:lvl9pPr>
-          </a:lstStyle>
-          <a:p>
-            <a:pPr algn="ctr"/>
-            <a:r>
-              <a:rPr lang="en-US" sz="1400" dirty="0"/>
-              <a:t> Who are the two parties?</a:t>
-            </a:r>
-            <a:endParaRPr lang="en-US" sz="1400" b="1" dirty="0">
-              <a:solidFill>
-                <a:srgbClr val="CB1259"/>
-              </a:solidFill>
-              <a:latin typeface="+mj-lt"/>
-              <a:ea typeface="Open Sans" panose="020B0606030504020204" pitchFamily="34" charset="0"/>
-              <a:cs typeface="Open Sans" panose="020B0606030504020204" pitchFamily="34" charset="0"/>
-            </a:endParaRPr>
-          </a:p>
-        </p:txBody>
-      </p:sp>
-      <p:sp>
-        <p:nvSpPr>
-          <p:cNvPr id="13" name="Rounded Rectangle 12"/>
-          <p:cNvSpPr/>
-          <p:nvPr/>
-        </p:nvSpPr>
-        <p:spPr>
-          <a:xfrm>
-            <a:off x="624823" y="1883558"/>
-            <a:ext cx="5910888" cy="3104474"/>
-          </a:xfrm>
-          <a:prstGeom prst="roundRect">
-            <a:avLst/>
-          </a:prstGeom>
-          <a:solidFill>
-            <a:schemeClr val="bg1"/>
-          </a:solidFill>
-          <a:ln w="38100">
-            <a:solidFill>
-              <a:schemeClr val="accent2">
-                <a:lumMod val="60000"/>
-                <a:lumOff val="40000"/>
-              </a:schemeClr>
-            </a:solidFill>
-          </a:ln>
-        </p:spPr>
-        <p:style>
-          <a:lnRef idx="2">
-            <a:schemeClr val="accent1">
-              <a:shade val="15000"/>
-            </a:schemeClr>
-          </a:lnRef>
-          <a:fillRef idx="1">
-            <a:schemeClr val="accent1"/>
-          </a:fillRef>
-          <a:effectRef idx="0">
-            <a:schemeClr val="accent1"/>
-          </a:effectRef>
-          <a:fontRef idx="minor">
-            <a:schemeClr val="lt1"/>
-          </a:fontRef>
-        </p:style>
-        <p:txBody>
-          <a:bodyPr rtlCol="0" anchor="ctr"/>
-          <a:lstStyle/>
-          <a:p>
-            <a:pPr fontAlgn="base"/>
-            <a:r>
-              <a:rPr lang="en-US" sz="2000" dirty="0" smtClean="0">
-                <a:solidFill>
-                  <a:schemeClr val="tx1"/>
-                </a:solidFill>
-              </a:rPr>
-              <a:t>true</a:t>
-            </a:r>
-            <a:r>
-              <a:rPr lang="en-US" sz="2000" dirty="0">
-                <a:solidFill>
-                  <a:schemeClr val="tx1"/>
-                </a:solidFill>
-              </a:rPr>
-              <a:t>, we still call it SH to distinguish the </a:t>
-            </a:r>
-            <a:r>
-              <a:rPr lang="en-US" sz="2000" dirty="0" smtClean="0">
-                <a:solidFill>
-                  <a:schemeClr val="tx1"/>
-                </a:solidFill>
-              </a:rPr>
-              <a:t>various types</a:t>
-            </a:r>
-            <a:r>
-              <a:rPr lang="en-US" sz="2000" dirty="0">
-                <a:solidFill>
-                  <a:schemeClr val="tx1"/>
-                </a:solidFill>
-              </a:rPr>
-              <a:t>. If the perpetrator is a beneficiary </a:t>
-            </a:r>
-            <a:r>
-              <a:rPr lang="en-US" sz="2000" dirty="0" smtClean="0">
-                <a:solidFill>
-                  <a:schemeClr val="tx1"/>
-                </a:solidFill>
-              </a:rPr>
-              <a:t>and the </a:t>
-            </a:r>
-            <a:r>
-              <a:rPr lang="en-US" sz="2000" dirty="0">
-                <a:solidFill>
-                  <a:schemeClr val="tx1"/>
-                </a:solidFill>
-              </a:rPr>
-              <a:t>victim is a beneficiary. This is </a:t>
-            </a:r>
-            <a:r>
-              <a:rPr lang="en-US" sz="2000" dirty="0" smtClean="0">
-                <a:solidFill>
-                  <a:schemeClr val="tx1"/>
-                </a:solidFill>
-              </a:rPr>
-              <a:t>SGBV. This </a:t>
-            </a:r>
-            <a:r>
-              <a:rPr lang="en-US" sz="2000" dirty="0">
-                <a:solidFill>
-                  <a:schemeClr val="tx1"/>
-                </a:solidFill>
-              </a:rPr>
-              <a:t>will not be our area of </a:t>
-            </a:r>
-            <a:r>
-              <a:rPr lang="en-US" sz="2000" dirty="0" smtClean="0">
-                <a:solidFill>
-                  <a:schemeClr val="tx1"/>
-                </a:solidFill>
-              </a:rPr>
-              <a:t>intervention in </a:t>
-            </a:r>
-            <a:r>
-              <a:rPr lang="en-US" sz="2000" dirty="0">
-                <a:solidFill>
-                  <a:schemeClr val="tx1"/>
-                </a:solidFill>
-              </a:rPr>
-              <a:t>this course but we put it here for you </a:t>
-            </a:r>
-            <a:r>
-              <a:rPr lang="en-US" sz="2000" dirty="0" smtClean="0">
-                <a:solidFill>
-                  <a:schemeClr val="tx1"/>
-                </a:solidFill>
-              </a:rPr>
-              <a:t>to know </a:t>
-            </a:r>
-            <a:r>
-              <a:rPr lang="en-US" sz="2000" dirty="0">
-                <a:solidFill>
-                  <a:schemeClr val="tx1"/>
-                </a:solidFill>
-              </a:rPr>
-              <a:t>all the differences. </a:t>
-            </a:r>
-            <a:endParaRPr lang="en-US" sz="2000" dirty="0">
-              <a:solidFill>
-                <a:schemeClr val="tx1"/>
-              </a:solidFill>
-            </a:endParaRPr>
-          </a:p>
-        </p:txBody>
-      </p:sp>
-    </p:spTree>
-    <p:custDataLst>
-      <p:tags r:id="rId1"/>
-    </p:custDataLst>
-    <p:extLst>
-      <p:ext uri="{BB962C8B-B14F-4D97-AF65-F5344CB8AC3E}">
-        <p14:creationId xmlns:p14="http://schemas.microsoft.com/office/powerpoint/2010/main" val="2916075162"/>
-      </p:ext>
-    </p:extLst>
-  </p:cSld>
-  <p:clrMapOvr>
-    <a:masterClrMapping/>
-  </p:clrMapOvr>
-  <mc:AlternateContent xmlns:mc="http://schemas.openxmlformats.org/markup-compatibility/2006" xmlns:p14="http://schemas.microsoft.com/office/powerpoint/2010/main">
-    <mc:Choice Requires="p14">
-      <p:transition spd="slow" p14:dur="2000" advClick="0"/>
-    </mc:Choice>
-    <mc:Fallback xmlns="">
-      <p:transition spd="slow" advClick="0"/>
-    </mc:Fallback>
-  </mc:AlternateContent>
-  <p:timing>
-    <p:tnLst>
-      <p:par>
-        <p:cTn id="1" dur="indefinite" restart="never" nodeType="tmRoot">
-          <p:childTnLst>
-            <p:seq concurrent="1" nextAc="seek">
-              <p:cTn id="2" dur="indefinite" nodeType="mainSeq">
-                <p:childTnLst>
-                  <p:par>
-                    <p:cTn id="3" fill="hold">
-                      <p:stCondLst>
-                        <p:cond delay="indefinite"/>
-                      </p:stCondLst>
-                      <p:childTnLst>
-                        <p:par>
-                          <p:cTn id="4" fill="hold">
-                            <p:stCondLst>
-                              <p:cond delay="0"/>
-                            </p:stCondLst>
-                            <p:childTnLst>
-                              <p:par>
-                                <p:cTn id="5" presetID="6" presetClass="entr" presetSubtype="16" fill="hold" grpId="0" nodeType="clickEffect" nodePh="1">
-                                  <p:stCondLst>
-                                    <p:cond delay="0"/>
-                                  </p:stCondLst>
-                                  <p:endCondLst>
-                                    <p:cond evt="begin" delay="0">
-                                      <p:tn val="5"/>
-                                    </p:cond>
-                                  </p:endCondLst>
-                                  <p:childTnLst>
-                                    <p:set>
-                                      <p:cBhvr>
-                                        <p:cTn id="6" dur="1" fill="hold">
-                                          <p:stCondLst>
-                                            <p:cond delay="0"/>
-                                          </p:stCondLst>
-                                        </p:cTn>
-                                        <p:tgtEl>
-                                          <p:spTgt spid="3"/>
-                                        </p:tgtEl>
-                                        <p:attrNameLst>
-                                          <p:attrName>style.visibility</p:attrName>
-                                        </p:attrNameLst>
-                                      </p:cBhvr>
-                                      <p:to>
-                                        <p:strVal val="visible"/>
-                                      </p:to>
-                                    </p:set>
-                                    <p:animEffect transition="in" filter="circle(in)">
-                                      <p:cBhvr>
-                                        <p:cTn id="7" dur="2000"/>
-                                        <p:tgtEl>
-                                          <p:spTgt spid="3"/>
-                                        </p:tgtEl>
-                                      </p:cBhvr>
-                                    </p:animEffect>
-                                  </p:childTnLst>
-                                </p:cTn>
-                              </p:par>
-                            </p:childTnLst>
-                          </p:cTn>
-                        </p:par>
-                      </p:childTnLst>
-                    </p:cTn>
-                  </p:par>
-                </p:childTnLst>
-              </p:cTn>
-              <p:prevCondLst>
-                <p:cond evt="onPrev" delay="0">
-                  <p:tgtEl>
-                    <p:sldTgt/>
-                  </p:tgtEl>
-                </p:cond>
-              </p:prevCondLst>
-              <p:nextCondLst>
-                <p:cond evt="onNext" delay="0">
-                  <p:tgtEl>
-                    <p:sldTgt/>
-                  </p:tgtEl>
-                </p:cond>
-              </p:nextCondLst>
-            </p:seq>
-          </p:childTnLst>
-        </p:cTn>
-      </p:par>
-    </p:tnLst>
-    <p:bldLst>
-      <p:bldP spid="3" grpId="0"/>
-    </p:bldLst>
   </p:timing>
 </p:sld>
 </file>
@@ -8699,14 +5691,68 @@
       </p:sp>
       <p:sp>
         <p:nvSpPr>
-          <p:cNvPr id="4" name="Rounded Rectangle 3"/>
+          <p:cNvPr id="3" name="Title">
+            <a:extLst>
+              <a:ext uri="{FF2B5EF4-FFF2-40B4-BE49-F238E27FC236}">
+                <a16:creationId xmlns:a16="http://schemas.microsoft.com/office/drawing/2014/main" id="{DB976287-88DA-E1BC-93BA-814DA2A4F3B0}"/>
+              </a:ext>
+            </a:extLst>
+          </p:cNvPr>
+          <p:cNvSpPr txBox="1">
+            <a:spLocks/>
+          </p:cNvSpPr>
+          <p:nvPr/>
+        </p:nvSpPr>
+        <p:spPr>
+          <a:xfrm>
+            <a:off x="392515" y="1191719"/>
+            <a:ext cx="7628931" cy="5216577"/>
+          </a:xfrm>
+          <a:prstGeom prst="rect">
+            <a:avLst/>
+          </a:prstGeom>
+        </p:spPr>
+        <p:txBody>
+          <a:bodyPr anchor="b">
+            <a:normAutofit/>
+          </a:bodyPr>
+          <a:lstStyle>
+            <a:lvl1pPr algn="l" defTabSz="914400" rtl="0" eaLnBrk="1" latinLnBrk="0" hangingPunct="1">
+              <a:lnSpc>
+                <a:spcPct val="90000"/>
+              </a:lnSpc>
+              <a:spcBef>
+                <a:spcPct val="0"/>
+              </a:spcBef>
+              <a:buNone/>
+              <a:defRPr sz="4400" kern="1200">
+                <a:solidFill>
+                  <a:schemeClr val="tx1"/>
+                </a:solidFill>
+                <a:latin typeface="+mj-lt"/>
+                <a:ea typeface="+mj-ea"/>
+                <a:cs typeface="+mj-cs"/>
+              </a:defRPr>
+            </a:lvl1pPr>
+          </a:lstStyle>
+          <a:p>
+            <a:endParaRPr lang="ru-RU" sz="2400" dirty="0">
+              <a:ea typeface="Open Sans" panose="020B0606030504020204" pitchFamily="34" charset="0"/>
+              <a:cs typeface="Open Sans" panose="020B0606030504020204" pitchFamily="34" charset="0"/>
+            </a:endParaRPr>
+          </a:p>
+        </p:txBody>
+      </p:sp>
+      <p:sp>
+        <p:nvSpPr>
+          <p:cNvPr id="7" name="Rounded Rectangle 6"/>
           <p:cNvSpPr/>
           <p:nvPr/>
         </p:nvSpPr>
         <p:spPr>
           <a:xfrm>
-            <a:off x="443052" y="944380"/>
-            <a:ext cx="7898503" cy="5366479"/>
+            <a:off x="418379" y="1453109"/>
+            <a:ext cx="6787774" cy="3753162"/>
           </a:xfrm>
           <a:prstGeom prst="roundRect">
             <a:avLst/>
@@ -8744,739 +5790,170 @@
           <a:lstStyle/>
           <a:p>
             <a:r>
-              <a:rPr lang="en-US" dirty="0">
-                <a:solidFill>
-                  <a:schemeClr val="tx1"/>
-                </a:solidFill>
-              </a:rPr>
-              <a:t>When we say sexual misconduct, it </a:t>
-            </a:r>
-            <a:r>
-              <a:rPr lang="en-US" dirty="0" smtClean="0">
-                <a:solidFill>
-                  <a:schemeClr val="tx1"/>
-                </a:solidFill>
-              </a:rPr>
-              <a:t>can have </a:t>
-            </a:r>
-            <a:r>
-              <a:rPr lang="en-US" dirty="0">
-                <a:solidFill>
-                  <a:schemeClr val="tx1"/>
-                </a:solidFill>
-              </a:rPr>
-              <a:t>many forms, these include</a:t>
-            </a:r>
-            <a:r>
-              <a:rPr lang="en-US" dirty="0" smtClean="0">
-                <a:solidFill>
-                  <a:schemeClr val="tx1"/>
-                </a:solidFill>
-              </a:rPr>
-              <a:t>:</a:t>
-            </a:r>
-            <a:endParaRPr lang="en-US" dirty="0">
+              <a:rPr lang="en-US" sz="2400" dirty="0">
+                <a:solidFill>
+                  <a:schemeClr val="tx1"/>
+                </a:solidFill>
+              </a:rPr>
+              <a:t>Define the main terms and clarify the difference </a:t>
+            </a:r>
+            <a:r>
+              <a:rPr lang="en-US" sz="2400" dirty="0" smtClean="0">
+                <a:solidFill>
+                  <a:schemeClr val="tx1"/>
+                </a:solidFill>
+              </a:rPr>
+              <a:t>between them:</a:t>
+            </a:r>
+            <a:endParaRPr lang="en-US" sz="2400" dirty="0">
               <a:solidFill>
                 <a:schemeClr val="tx1"/>
               </a:solidFill>
             </a:endParaRPr>
           </a:p>
           <a:p>
-            <a:endParaRPr lang="en-US" dirty="0">
+            <a:endParaRPr lang="en-US" sz="2400" dirty="0">
               <a:solidFill>
                 <a:schemeClr val="tx1"/>
               </a:solidFill>
             </a:endParaRPr>
           </a:p>
           <a:p>
-            <a:pPr fontAlgn="base"/>
-            <a:r>
-              <a:rPr lang="en-US" dirty="0">
-                <a:solidFill>
-                  <a:schemeClr val="tx1"/>
-                </a:solidFill>
-              </a:rPr>
-              <a:t>Verbal (with words)</a:t>
-            </a:r>
-          </a:p>
-          <a:p>
-            <a:pPr fontAlgn="base"/>
-            <a:endParaRPr lang="en-US" dirty="0">
+            <a:pPr marL="342900" indent="-342900" fontAlgn="base">
+              <a:buFont typeface="Arial" panose="020B0604020202020204" pitchFamily="34" charset="0"/>
+              <a:buChar char="•"/>
+            </a:pPr>
+            <a:r>
+              <a:rPr lang="fr-FR" sz="2400" dirty="0" err="1">
+                <a:solidFill>
+                  <a:schemeClr val="tx1"/>
+                </a:solidFill>
+              </a:rPr>
+              <a:t>Sexual</a:t>
+            </a:r>
+            <a:r>
+              <a:rPr lang="fr-FR" sz="2400" dirty="0">
+                <a:solidFill>
+                  <a:schemeClr val="tx1"/>
+                </a:solidFill>
+              </a:rPr>
+              <a:t> </a:t>
+            </a:r>
+            <a:r>
+              <a:rPr lang="fr-FR" sz="2400" dirty="0" smtClean="0">
+                <a:solidFill>
+                  <a:schemeClr val="tx1"/>
+                </a:solidFill>
+              </a:rPr>
+              <a:t>Exploitation</a:t>
+            </a:r>
+            <a:endParaRPr lang="fr-FR" sz="2400" dirty="0">
               <a:solidFill>
                 <a:schemeClr val="tx1"/>
               </a:solidFill>
             </a:endParaRPr>
           </a:p>
           <a:p>
-            <a:pPr fontAlgn="base"/>
-            <a:r>
-              <a:rPr lang="en-US" dirty="0">
-                <a:solidFill>
-                  <a:schemeClr val="tx1"/>
-                </a:solidFill>
-              </a:rPr>
-              <a:t>Non-Verbal (with looks)</a:t>
-            </a:r>
-          </a:p>
-          <a:p>
-            <a:pPr fontAlgn="base"/>
-            <a:endParaRPr lang="en-US" dirty="0">
+            <a:pPr marL="342900" indent="-342900" fontAlgn="base">
+              <a:buFont typeface="Arial" panose="020B0604020202020204" pitchFamily="34" charset="0"/>
+              <a:buChar char="•"/>
+            </a:pPr>
+            <a:r>
+              <a:rPr lang="fr-FR" sz="2400" dirty="0" err="1">
+                <a:solidFill>
+                  <a:schemeClr val="tx1"/>
+                </a:solidFill>
+              </a:rPr>
+              <a:t>Sexual</a:t>
+            </a:r>
+            <a:r>
+              <a:rPr lang="fr-FR" sz="2400" dirty="0">
+                <a:solidFill>
+                  <a:schemeClr val="tx1"/>
+                </a:solidFill>
+              </a:rPr>
+              <a:t> </a:t>
+            </a:r>
+            <a:r>
+              <a:rPr lang="fr-FR" sz="2400" dirty="0" smtClean="0">
+                <a:solidFill>
+                  <a:schemeClr val="tx1"/>
+                </a:solidFill>
+              </a:rPr>
+              <a:t>Abuse</a:t>
+            </a:r>
+            <a:endParaRPr lang="fr-FR" sz="2400" dirty="0">
               <a:solidFill>
                 <a:schemeClr val="tx1"/>
               </a:solidFill>
             </a:endParaRPr>
           </a:p>
           <a:p>
-            <a:pPr fontAlgn="base"/>
-            <a:r>
-              <a:rPr lang="en-US" dirty="0">
-                <a:solidFill>
-                  <a:schemeClr val="tx1"/>
-                </a:solidFill>
-              </a:rPr>
-              <a:t>Physical (with touches)</a:t>
-            </a:r>
-          </a:p>
-          <a:p>
-            <a:pPr fontAlgn="base"/>
-            <a:endParaRPr lang="en-US" dirty="0">
+            <a:pPr marL="342900" indent="-342900" fontAlgn="base">
+              <a:buFont typeface="Arial" panose="020B0604020202020204" pitchFamily="34" charset="0"/>
+              <a:buChar char="•"/>
+            </a:pPr>
+            <a:r>
+              <a:rPr lang="fr-FR" sz="2400" dirty="0" err="1">
+                <a:solidFill>
+                  <a:schemeClr val="tx1"/>
+                </a:solidFill>
+              </a:rPr>
+              <a:t>Sexual</a:t>
+            </a:r>
+            <a:r>
+              <a:rPr lang="fr-FR" sz="2400" dirty="0">
+                <a:solidFill>
+                  <a:schemeClr val="tx1"/>
+                </a:solidFill>
+              </a:rPr>
+              <a:t> </a:t>
+            </a:r>
+            <a:r>
+              <a:rPr lang="fr-FR" sz="2400" dirty="0" err="1" smtClean="0">
+                <a:solidFill>
+                  <a:schemeClr val="tx1"/>
+                </a:solidFill>
+              </a:rPr>
+              <a:t>Harassment</a:t>
+            </a:r>
+            <a:endParaRPr lang="fr-FR" sz="2400" dirty="0">
               <a:solidFill>
                 <a:schemeClr val="tx1"/>
               </a:solidFill>
             </a:endParaRPr>
           </a:p>
           <a:p>
-            <a:pPr fontAlgn="base"/>
-            <a:r>
-              <a:rPr lang="en-US" dirty="0">
-                <a:solidFill>
-                  <a:schemeClr val="tx1"/>
-                </a:solidFill>
-              </a:rPr>
-              <a:t>Cyber (online)</a:t>
-            </a:r>
-          </a:p>
-          <a:p>
-            <a:pPr fontAlgn="base"/>
-            <a:endParaRPr lang="en-US" dirty="0">
-              <a:solidFill>
-                <a:schemeClr val="tx1"/>
-              </a:solidFill>
-            </a:endParaRPr>
-          </a:p>
-          <a:p>
-            <a:r>
-              <a:rPr lang="en-US" dirty="0">
-                <a:solidFill>
-                  <a:schemeClr val="tx1"/>
-                </a:solidFill>
-              </a:rPr>
-              <a:t>All of these are unacceptable.</a:t>
-            </a:r>
-            <a:r>
-              <a:rPr lang="en-US" b="1" dirty="0">
+            <a:pPr marL="342900" indent="-342900" fontAlgn="base">
+              <a:buFont typeface="Arial" panose="020B0604020202020204" pitchFamily="34" charset="0"/>
+              <a:buChar char="•"/>
+            </a:pPr>
+            <a:r>
+              <a:rPr lang="fr-FR" sz="2400" dirty="0" err="1">
+                <a:solidFill>
+                  <a:schemeClr val="tx1"/>
+                </a:solidFill>
+              </a:rPr>
+              <a:t>Sexual</a:t>
+            </a:r>
+            <a:r>
+              <a:rPr lang="fr-FR" sz="2400" dirty="0">
                 <a:solidFill>
                   <a:schemeClr val="tx1"/>
                 </a:solidFill>
               </a:rPr>
               <a:t> </a:t>
             </a:r>
-            <a:endParaRPr lang="ru-RU" dirty="0">
-              <a:solidFill>
-                <a:schemeClr val="tx1"/>
-              </a:solidFill>
-              <a:ea typeface="Open Sans" panose="020B0606030504020204" pitchFamily="34" charset="0"/>
-              <a:cs typeface="Open Sans" panose="020B0606030504020204" pitchFamily="34" charset="0"/>
-            </a:endParaRPr>
-          </a:p>
-          <a:p>
-            <a:pPr algn="ctr"/>
-            <a:endParaRPr lang="en-US" b="1" dirty="0">
-              <a:solidFill>
-                <a:schemeClr val="tx1"/>
-              </a:solidFill>
-            </a:endParaRPr>
-          </a:p>
-        </p:txBody>
-      </p:sp>
-      <p:pic>
-        <p:nvPicPr>
-          <p:cNvPr id="6" name="Picture 5"/>
-          <p:cNvPicPr>
-            <a:picLocks noChangeAspect="1"/>
-          </p:cNvPicPr>
-          <p:nvPr>
-            <p:custDataLst>
-              <p:tags r:id="rId2"/>
-            </p:custDataLst>
-          </p:nvPr>
-        </p:nvPicPr>
-        <p:blipFill>
-          <a:blip r:embed="rId6">
-            <a:extLst>
-              <a:ext uri="{28A0092B-C50C-407E-A947-70E740481C1C}">
-                <a14:useLocalDpi xmlns:a14="http://schemas.microsoft.com/office/drawing/2010/main" val="0"/>
-              </a:ext>
-            </a:extLst>
-          </a:blip>
-          <a:stretch>
-            <a:fillRect/>
-          </a:stretch>
-        </p:blipFill>
-        <p:spPr>
-          <a:xfrm>
-            <a:off x="9227315" y="944380"/>
-            <a:ext cx="2704855" cy="9144376"/>
-          </a:xfrm>
-          <a:prstGeom prst="rect">
-            <a:avLst/>
-          </a:prstGeom>
-        </p:spPr>
-      </p:pic>
-    </p:spTree>
-    <p:custDataLst>
-      <p:tags r:id="rId1"/>
-    </p:custDataLst>
-    <p:extLst>
-      <p:ext uri="{BB962C8B-B14F-4D97-AF65-F5344CB8AC3E}">
-        <p14:creationId xmlns:p14="http://schemas.microsoft.com/office/powerpoint/2010/main" val="685262747"/>
-      </p:ext>
-    </p:extLst>
-  </p:cSld>
-  <p:clrMapOvr>
-    <a:masterClrMapping/>
-  </p:clrMapOvr>
-  <mc:AlternateContent xmlns:mc="http://schemas.openxmlformats.org/markup-compatibility/2006" xmlns:p14="http://schemas.microsoft.com/office/powerpoint/2010/main">
-    <mc:Choice Requires="p14">
-      <p:transition spd="slow" p14:dur="2000" advClick="0"/>
-    </mc:Choice>
-    <mc:Fallback xmlns="">
-      <p:transition spd="slow" advClick="0"/>
-    </mc:Fallback>
-  </mc:AlternateContent>
-  <p:timing>
-    <p:tnLst>
-      <p:par>
-        <p:cTn id="1" dur="indefinite" restart="never" nodeType="tmRoot"/>
-      </p:par>
-    </p:tnLst>
-  </p:timing>
-</p:sld>
-</file>
-
-<file path=ppt/slides/slide20.xml><?xml version="1.0" encoding="utf-8"?>
-<p:sld xmlns:a="http://schemas.openxmlformats.org/drawingml/2006/main" xmlns:r="http://schemas.openxmlformats.org/officeDocument/2006/relationships" xmlns:p="http://schemas.openxmlformats.org/presentationml/2006/main">
-  <p:cSld>
-    <p:spTree>
-      <p:nvGrpSpPr>
-        <p:cNvPr id="1" name=""/>
-        <p:cNvGrpSpPr/>
-        <p:nvPr/>
-      </p:nvGrpSpPr>
-      <p:grpSpPr>
-        <a:xfrm>
-          <a:off x="0" y="0"/>
-          <a:ext cx="0" cy="0"/>
-          <a:chOff x="0" y="0"/>
-          <a:chExt cx="0" cy="0"/>
-        </a:xfrm>
-      </p:grpSpPr>
-      <p:pic>
-        <p:nvPicPr>
-          <p:cNvPr id="2" name="Picture Background">
-            <a:extLst>
-              <a:ext uri="{FF2B5EF4-FFF2-40B4-BE49-F238E27FC236}">
-                <a16:creationId xmlns:a16="http://schemas.microsoft.com/office/drawing/2014/main" id="{F0AE7FE6-9C80-7DA4-C3D2-BE3B9D03D0C3}"/>
-              </a:ext>
-            </a:extLst>
-          </p:cNvPr>
-          <p:cNvPicPr>
-            <a:picLocks noChangeAspect="1"/>
-          </p:cNvPicPr>
-          <p:nvPr/>
-        </p:nvPicPr>
-        <p:blipFill>
-          <a:blip r:embed="rId5"/>
-          <a:stretch>
-            <a:fillRect/>
-          </a:stretch>
-        </p:blipFill>
-        <p:spPr>
-          <a:xfrm>
-            <a:off x="-29599" y="0"/>
-            <a:ext cx="12192000" cy="6858000"/>
-          </a:xfrm>
-          <a:prstGeom prst="rect">
-            <a:avLst/>
-          </a:prstGeom>
-        </p:spPr>
-      </p:pic>
-      <p:sp>
-        <p:nvSpPr>
-          <p:cNvPr id="10" name="Arrow: Pentagon 9">
-            <a:hlinkClick r:id="rId6" action="ppaction://program"/>
-            <a:extLst>
-              <a:ext uri="{FF2B5EF4-FFF2-40B4-BE49-F238E27FC236}">
-                <a16:creationId xmlns:a16="http://schemas.microsoft.com/office/drawing/2014/main" id="{A4E6FAF3-1F76-385A-19D9-ED972E17C510}"/>
-              </a:ext>
-            </a:extLst>
-          </p:cNvPr>
-          <p:cNvSpPr/>
-          <p:nvPr/>
-        </p:nvSpPr>
-        <p:spPr>
-          <a:xfrm>
-            <a:off x="980210" y="3096039"/>
-            <a:ext cx="5345046" cy="1185466"/>
-          </a:xfrm>
-          <a:prstGeom prst="homePlate">
-            <a:avLst>
-              <a:gd name="adj" fmla="val 76866"/>
-            </a:avLst>
-          </a:prstGeom>
-          <a:solidFill>
-            <a:schemeClr val="accent2">
-              <a:lumMod val="40000"/>
-              <a:lumOff val="60000"/>
-            </a:schemeClr>
-          </a:solidFill>
-          <a:ln>
-            <a:solidFill>
-              <a:schemeClr val="accent2">
-                <a:lumMod val="60000"/>
-                <a:lumOff val="40000"/>
-              </a:schemeClr>
-            </a:solidFill>
-          </a:ln>
-        </p:spPr>
-        <p:style>
-          <a:lnRef idx="2">
-            <a:schemeClr val="accent1">
-              <a:shade val="15000"/>
-            </a:schemeClr>
-          </a:lnRef>
-          <a:fillRef idx="1">
-            <a:schemeClr val="accent1"/>
-          </a:fillRef>
-          <a:effectRef idx="0">
-            <a:schemeClr val="accent1"/>
-          </a:effectRef>
-          <a:fontRef idx="minor">
-            <a:schemeClr val="lt1"/>
-          </a:fontRef>
-        </p:style>
-        <p:txBody>
-          <a:bodyPr rtlCol="0" anchor="ctr"/>
-          <a:lstStyle/>
-          <a:p>
-            <a:pPr algn="ctr"/>
-            <a:r>
-              <a:rPr lang="en-US" sz="4000" b="1" dirty="0">
-                <a:ln w="6600">
-                  <a:solidFill>
-                    <a:schemeClr val="accent2"/>
-                  </a:solidFill>
-                  <a:prstDash val="solid"/>
-                </a:ln>
-                <a:solidFill>
-                  <a:schemeClr val="tx1"/>
-                </a:solidFill>
-                <a:effectLst>
-                  <a:outerShdw blurRad="38100" dist="38100" dir="2700000" algn="tl">
-                    <a:srgbClr val="000000">
-                      <a:alpha val="43137"/>
-                    </a:srgbClr>
-                  </a:outerShdw>
-                </a:effectLst>
-              </a:rPr>
-              <a:t>Next Lesson</a:t>
-            </a:r>
-          </a:p>
-        </p:txBody>
-      </p:sp>
-      <p:pic>
-        <p:nvPicPr>
-          <p:cNvPr id="3" name="Picture 2"/>
-          <p:cNvPicPr>
-            <a:picLocks noChangeAspect="1"/>
-          </p:cNvPicPr>
-          <p:nvPr>
-            <p:custDataLst>
-              <p:tags r:id="rId2"/>
-            </p:custDataLst>
-          </p:nvPr>
-        </p:nvPicPr>
-        <p:blipFill>
-          <a:blip r:embed="rId7">
-            <a:extLst>
-              <a:ext uri="{28A0092B-C50C-407E-A947-70E740481C1C}">
-                <a14:useLocalDpi xmlns:a14="http://schemas.microsoft.com/office/drawing/2010/main" val="0"/>
-              </a:ext>
-            </a:extLst>
-          </a:blip>
-          <a:stretch>
-            <a:fillRect/>
-          </a:stretch>
-        </p:blipFill>
-        <p:spPr>
-          <a:xfrm>
-            <a:off x="8178002" y="655080"/>
-            <a:ext cx="3019650" cy="10208612"/>
-          </a:xfrm>
-          <a:prstGeom prst="rect">
-            <a:avLst/>
-          </a:prstGeom>
-        </p:spPr>
-      </p:pic>
-    </p:spTree>
-    <p:custDataLst>
-      <p:tags r:id="rId1"/>
-    </p:custDataLst>
-    <p:extLst>
-      <p:ext uri="{BB962C8B-B14F-4D97-AF65-F5344CB8AC3E}">
-        <p14:creationId xmlns:p14="http://schemas.microsoft.com/office/powerpoint/2010/main" val="2430232709"/>
-      </p:ext>
-    </p:extLst>
-  </p:cSld>
-  <p:clrMapOvr>
-    <a:masterClrMapping/>
-  </p:clrMapOvr>
-  <mc:AlternateContent xmlns:mc="http://schemas.openxmlformats.org/markup-compatibility/2006" xmlns:p14="http://schemas.microsoft.com/office/powerpoint/2010/main">
-    <mc:Choice Requires="p14">
-      <p:transition spd="slow" p14:dur="2000"/>
-    </mc:Choice>
-    <mc:Fallback xmlns="">
-      <p:transition spd="slow"/>
-    </mc:Fallback>
-  </mc:AlternateContent>
-  <p:timing>
-    <p:tnLst>
-      <p:par>
-        <p:cTn id="1" dur="indefinite" restart="never" nodeType="tmRoot"/>
-      </p:par>
-    </p:tnLst>
-  </p:timing>
-</p:sld>
-</file>
-
-<file path=ppt/slides/slide3.xml><?xml version="1.0" encoding="utf-8"?>
-<p:sld xmlns:a="http://schemas.openxmlformats.org/drawingml/2006/main" xmlns:r="http://schemas.openxmlformats.org/officeDocument/2006/relationships" xmlns:p="http://schemas.openxmlformats.org/presentationml/2006/main">
-  <p:cSld>
-    <p:spTree>
-      <p:nvGrpSpPr>
-        <p:cNvPr id="1" name=""/>
-        <p:cNvGrpSpPr/>
-        <p:nvPr/>
-      </p:nvGrpSpPr>
-      <p:grpSpPr>
-        <a:xfrm>
-          <a:off x="0" y="0"/>
-          <a:ext cx="0" cy="0"/>
-          <a:chOff x="0" y="0"/>
-          <a:chExt cx="0" cy="0"/>
-        </a:xfrm>
-      </p:grpSpPr>
-      <p:pic>
-        <p:nvPicPr>
-          <p:cNvPr id="5" name="Picture Background">
-            <a:extLst>
-              <a:ext uri="{FF2B5EF4-FFF2-40B4-BE49-F238E27FC236}">
-                <a16:creationId xmlns:a16="http://schemas.microsoft.com/office/drawing/2014/main" id="{8F32C49C-CA82-44AD-87B5-61623BBFED22}"/>
-              </a:ext>
-            </a:extLst>
-          </p:cNvPr>
-          <p:cNvPicPr>
-            <a:picLocks noChangeAspect="1"/>
-          </p:cNvPicPr>
-          <p:nvPr/>
-        </p:nvPicPr>
-        <p:blipFill>
-          <a:blip r:embed="rId5"/>
-          <a:stretch>
-            <a:fillRect/>
-          </a:stretch>
-        </p:blipFill>
-        <p:spPr>
-          <a:xfrm>
-            <a:off x="0" y="0"/>
-            <a:ext cx="12192000" cy="6858000"/>
-          </a:xfrm>
-          <a:prstGeom prst="rect">
-            <a:avLst/>
-          </a:prstGeom>
-        </p:spPr>
-      </p:pic>
-      <p:sp>
-        <p:nvSpPr>
-          <p:cNvPr id="2" name="Title">
-            <a:extLst>
-              <a:ext uri="{FF2B5EF4-FFF2-40B4-BE49-F238E27FC236}">
-                <a16:creationId xmlns:a16="http://schemas.microsoft.com/office/drawing/2014/main" id="{780F3996-F45A-4577-B2DB-342301B618F0}"/>
-              </a:ext>
-            </a:extLst>
-          </p:cNvPr>
-          <p:cNvSpPr txBox="1">
-            <a:spLocks/>
-          </p:cNvSpPr>
-          <p:nvPr/>
-        </p:nvSpPr>
-        <p:spPr>
-          <a:xfrm>
-            <a:off x="443052" y="1911926"/>
-            <a:ext cx="6979357" cy="576441"/>
-          </a:xfrm>
-          <a:prstGeom prst="rect">
-            <a:avLst/>
-          </a:prstGeom>
-        </p:spPr>
-        <p:txBody>
-          <a:bodyPr anchor="b">
-            <a:normAutofit fontScale="77500" lnSpcReduction="20000"/>
-          </a:bodyPr>
-          <a:lstStyle>
-            <a:lvl1pPr algn="l" defTabSz="914400" rtl="0" eaLnBrk="1" latinLnBrk="0" hangingPunct="1">
-              <a:lnSpc>
-                <a:spcPct val="90000"/>
-              </a:lnSpc>
-              <a:spcBef>
-                <a:spcPct val="0"/>
-              </a:spcBef>
-              <a:buNone/>
-              <a:defRPr sz="4400" kern="1200">
-                <a:solidFill>
-                  <a:schemeClr val="tx1"/>
-                </a:solidFill>
-                <a:latin typeface="+mj-lt"/>
-                <a:ea typeface="+mj-ea"/>
-                <a:cs typeface="+mj-cs"/>
-              </a:defRPr>
-            </a:lvl1pPr>
-          </a:lstStyle>
-          <a:p>
-            <a:endParaRPr lang="ru-RU" sz="5400" dirty="0">
-              <a:solidFill>
-                <a:srgbClr val="151824"/>
-              </a:solidFill>
-              <a:ea typeface="Open Sans" panose="020B0606030504020204" pitchFamily="34" charset="0"/>
-              <a:cs typeface="Open Sans" panose="020B0606030504020204" pitchFamily="34" charset="0"/>
-            </a:endParaRPr>
-          </a:p>
-        </p:txBody>
-      </p:sp>
-      <p:sp>
-        <p:nvSpPr>
-          <p:cNvPr id="3" name="Title">
-            <a:extLst>
-              <a:ext uri="{FF2B5EF4-FFF2-40B4-BE49-F238E27FC236}">
-                <a16:creationId xmlns:a16="http://schemas.microsoft.com/office/drawing/2014/main" id="{DB976287-88DA-E1BC-93BA-814DA2A4F3B0}"/>
-              </a:ext>
-            </a:extLst>
-          </p:cNvPr>
-          <p:cNvSpPr txBox="1">
-            <a:spLocks/>
-          </p:cNvSpPr>
-          <p:nvPr/>
-        </p:nvSpPr>
-        <p:spPr>
-          <a:xfrm>
-            <a:off x="392515" y="1191719"/>
-            <a:ext cx="7628931" cy="5216577"/>
-          </a:xfrm>
-          <a:prstGeom prst="rect">
-            <a:avLst/>
-          </a:prstGeom>
-        </p:spPr>
-        <p:txBody>
-          <a:bodyPr anchor="b">
-            <a:normAutofit/>
-          </a:bodyPr>
-          <a:lstStyle>
-            <a:lvl1pPr algn="l" defTabSz="914400" rtl="0" eaLnBrk="1" latinLnBrk="0" hangingPunct="1">
-              <a:lnSpc>
-                <a:spcPct val="90000"/>
-              </a:lnSpc>
-              <a:spcBef>
-                <a:spcPct val="0"/>
-              </a:spcBef>
-              <a:buNone/>
-              <a:defRPr sz="4400" kern="1200">
-                <a:solidFill>
-                  <a:schemeClr val="tx1"/>
-                </a:solidFill>
-                <a:latin typeface="+mj-lt"/>
-                <a:ea typeface="+mj-ea"/>
-                <a:cs typeface="+mj-cs"/>
-              </a:defRPr>
-            </a:lvl1pPr>
-          </a:lstStyle>
-          <a:p>
-            <a:endParaRPr lang="ru-RU" sz="2400" dirty="0">
-              <a:ea typeface="Open Sans" panose="020B0606030504020204" pitchFamily="34" charset="0"/>
-              <a:cs typeface="Open Sans" panose="020B0606030504020204" pitchFamily="34" charset="0"/>
-            </a:endParaRPr>
-          </a:p>
-        </p:txBody>
-      </p:sp>
-      <p:sp>
-        <p:nvSpPr>
-          <p:cNvPr id="7" name="Rounded Rectangle 6"/>
-          <p:cNvSpPr/>
-          <p:nvPr/>
-        </p:nvSpPr>
-        <p:spPr>
-          <a:xfrm>
-            <a:off x="392515" y="854439"/>
-            <a:ext cx="7377443" cy="5692514"/>
-          </a:xfrm>
-          <a:prstGeom prst="roundRect">
-            <a:avLst/>
-          </a:prstGeom>
-          <a:solidFill>
-            <a:schemeClr val="bg1"/>
-          </a:solidFill>
-          <a:ln w="38100">
-            <a:solidFill>
-              <a:schemeClr val="accent2">
-                <a:lumMod val="60000"/>
-                <a:lumOff val="40000"/>
-              </a:schemeClr>
-            </a:solidFill>
-          </a:ln>
-        </p:spPr>
-        <p:style>
-          <a:lnRef idx="2">
-            <a:schemeClr val="accent1">
-              <a:shade val="15000"/>
-            </a:schemeClr>
-          </a:lnRef>
-          <a:fillRef idx="1">
-            <a:schemeClr val="accent1"/>
-          </a:fillRef>
-          <a:effectRef idx="0">
-            <a:schemeClr val="accent1"/>
-          </a:effectRef>
-          <a:fontRef idx="minor">
-            <a:schemeClr val="lt1"/>
-          </a:fontRef>
-        </p:style>
-        <p:txBody>
-          <a:bodyPr rtlCol="0" anchor="ctr"/>
-          <a:lstStyle/>
-          <a:p>
-            <a:r>
-              <a:rPr lang="en-US" sz="2000" dirty="0">
-                <a:solidFill>
-                  <a:schemeClr val="tx1"/>
-                </a:solidFill>
-              </a:rPr>
-              <a:t>Now talking about the types </a:t>
-            </a:r>
-            <a:r>
-              <a:rPr lang="en-US" sz="2000" dirty="0" smtClean="0">
-                <a:solidFill>
-                  <a:schemeClr val="tx1"/>
-                </a:solidFill>
-              </a:rPr>
-              <a:t>of sexual </a:t>
-            </a:r>
-            <a:r>
-              <a:rPr lang="en-US" sz="2000" dirty="0">
-                <a:solidFill>
-                  <a:schemeClr val="tx1"/>
-                </a:solidFill>
-              </a:rPr>
-              <a:t>misconducts, we will </a:t>
-            </a:r>
-            <a:r>
-              <a:rPr lang="en-US" sz="2000" dirty="0" smtClean="0">
-                <a:solidFill>
-                  <a:schemeClr val="tx1"/>
-                </a:solidFill>
-              </a:rPr>
-              <a:t>talk about </a:t>
-            </a:r>
-            <a:r>
-              <a:rPr lang="en-US" sz="2000" dirty="0">
-                <a:solidFill>
-                  <a:schemeClr val="tx1"/>
-                </a:solidFill>
-              </a:rPr>
-              <a:t>4 main ones:</a:t>
-            </a:r>
-          </a:p>
-          <a:p>
-            <a:endParaRPr lang="en-US" sz="2000" dirty="0">
-              <a:solidFill>
-                <a:schemeClr val="tx1"/>
-              </a:solidFill>
-            </a:endParaRPr>
-          </a:p>
-          <a:p>
-            <a:pPr fontAlgn="base"/>
-            <a:r>
-              <a:rPr lang="fr-FR" sz="2000" dirty="0" err="1">
-                <a:solidFill>
-                  <a:schemeClr val="tx1"/>
-                </a:solidFill>
-              </a:rPr>
-              <a:t>Sexual</a:t>
-            </a:r>
-            <a:r>
-              <a:rPr lang="fr-FR" sz="2000" dirty="0">
-                <a:solidFill>
-                  <a:schemeClr val="tx1"/>
-                </a:solidFill>
-              </a:rPr>
-              <a:t> Exploitation</a:t>
-            </a:r>
-          </a:p>
-          <a:p>
-            <a:pPr fontAlgn="base"/>
-            <a:endParaRPr lang="fr-FR" sz="2000" dirty="0">
-              <a:solidFill>
-                <a:schemeClr val="tx1"/>
-              </a:solidFill>
-            </a:endParaRPr>
-          </a:p>
-          <a:p>
-            <a:pPr fontAlgn="base"/>
-            <a:r>
-              <a:rPr lang="fr-FR" sz="2000" dirty="0" err="1">
-                <a:solidFill>
-                  <a:schemeClr val="tx1"/>
-                </a:solidFill>
-              </a:rPr>
-              <a:t>Sexual</a:t>
-            </a:r>
-            <a:r>
-              <a:rPr lang="fr-FR" sz="2000" dirty="0">
-                <a:solidFill>
-                  <a:schemeClr val="tx1"/>
-                </a:solidFill>
-              </a:rPr>
-              <a:t> Abuse</a:t>
-            </a:r>
-          </a:p>
-          <a:p>
-            <a:pPr fontAlgn="base"/>
-            <a:endParaRPr lang="fr-FR" sz="2000" dirty="0">
-              <a:solidFill>
-                <a:schemeClr val="tx1"/>
-              </a:solidFill>
-            </a:endParaRPr>
-          </a:p>
-          <a:p>
-            <a:pPr fontAlgn="base"/>
-            <a:r>
-              <a:rPr lang="fr-FR" sz="2000" dirty="0" err="1">
-                <a:solidFill>
-                  <a:schemeClr val="tx1"/>
-                </a:solidFill>
-              </a:rPr>
-              <a:t>Sexual</a:t>
-            </a:r>
-            <a:r>
-              <a:rPr lang="fr-FR" sz="2000" dirty="0">
+            <a:r>
+              <a:rPr lang="fr-FR" sz="2400" dirty="0" err="1">
+                <a:solidFill>
+                  <a:schemeClr val="tx1"/>
+                </a:solidFill>
+              </a:rPr>
+              <a:t>Gender</a:t>
+            </a:r>
+            <a:r>
+              <a:rPr lang="fr-FR" sz="2400" dirty="0">
                 <a:solidFill>
                   <a:schemeClr val="tx1"/>
                 </a:solidFill>
@@ -9484,39 +5961,15 @@
               <a:t> </a:t>
             </a:r>
             <a:r>
-              <a:rPr lang="fr-FR" sz="2000" dirty="0" err="1">
-                <a:solidFill>
-                  <a:schemeClr val="tx1"/>
-                </a:solidFill>
-              </a:rPr>
-              <a:t>Harassment</a:t>
-            </a:r>
-            <a:endParaRPr lang="fr-FR" sz="2000" dirty="0">
-              <a:solidFill>
-                <a:schemeClr val="tx1"/>
-              </a:solidFill>
-            </a:endParaRPr>
-          </a:p>
-          <a:p>
-            <a:pPr fontAlgn="base"/>
-            <a:endParaRPr lang="fr-FR" sz="2000" dirty="0">
-              <a:solidFill>
-                <a:schemeClr val="tx1"/>
-              </a:solidFill>
-            </a:endParaRPr>
-          </a:p>
-          <a:p>
-            <a:pPr fontAlgn="base"/>
-            <a:r>
-              <a:rPr lang="fr-FR" sz="2000" dirty="0" err="1">
-                <a:solidFill>
-                  <a:schemeClr val="tx1"/>
-                </a:solidFill>
-              </a:rPr>
-              <a:t>Sexual</a:t>
-            </a:r>
-            <a:r>
-              <a:rPr lang="fr-FR" sz="2000" dirty="0">
+              <a:rPr lang="fr-FR" sz="2400" dirty="0" err="1">
+                <a:solidFill>
+                  <a:schemeClr val="tx1"/>
+                </a:solidFill>
+              </a:rPr>
+              <a:t>Based</a:t>
+            </a:r>
+            <a:r>
+              <a:rPr lang="fr-FR" sz="2400" dirty="0">
                 <a:solidFill>
                   <a:schemeClr val="tx1"/>
                 </a:solidFill>
@@ -9524,46 +5977,14 @@
               <a:t> </a:t>
             </a:r>
             <a:r>
-              <a:rPr lang="fr-FR" sz="2000" dirty="0" err="1">
-                <a:solidFill>
-                  <a:schemeClr val="tx1"/>
-                </a:solidFill>
-              </a:rPr>
-              <a:t>Gender</a:t>
-            </a:r>
-            <a:r>
-              <a:rPr lang="fr-FR" sz="2000" dirty="0">
-                <a:solidFill>
-                  <a:schemeClr val="tx1"/>
-                </a:solidFill>
-              </a:rPr>
-              <a:t> </a:t>
-            </a:r>
-            <a:r>
-              <a:rPr lang="fr-FR" sz="2000" dirty="0" err="1">
-                <a:solidFill>
-                  <a:schemeClr val="tx1"/>
-                </a:solidFill>
-              </a:rPr>
-              <a:t>Based</a:t>
-            </a:r>
-            <a:r>
-              <a:rPr lang="fr-FR" sz="2000" dirty="0">
-                <a:solidFill>
-                  <a:schemeClr val="tx1"/>
-                </a:solidFill>
-              </a:rPr>
-              <a:t> </a:t>
-            </a:r>
-            <a:r>
-              <a:rPr lang="fr-FR" sz="2000" dirty="0" smtClean="0">
+              <a:rPr lang="fr-FR" sz="2400" dirty="0" smtClean="0">
                 <a:solidFill>
                   <a:schemeClr val="tx1"/>
                 </a:solidFill>
               </a:rPr>
               <a:t>Violence</a:t>
             </a:r>
-            <a:endParaRPr lang="fr-FR" sz="2000" dirty="0">
+            <a:endParaRPr lang="fr-FR" sz="2400" dirty="0">
               <a:solidFill>
                 <a:schemeClr val="tx1"/>
               </a:solidFill>
@@ -9720,6 +6141,405 @@
 </p:sld>
 </file>
 
+<file path=ppt/slides/slide3.xml><?xml version="1.0" encoding="utf-8"?>
+<p:sld xmlns:a="http://schemas.openxmlformats.org/drawingml/2006/main" xmlns:r="http://schemas.openxmlformats.org/officeDocument/2006/relationships" xmlns:p="http://schemas.openxmlformats.org/presentationml/2006/main">
+  <p:cSld>
+    <p:spTree>
+      <p:nvGrpSpPr>
+        <p:cNvPr id="1" name=""/>
+        <p:cNvGrpSpPr/>
+        <p:nvPr/>
+      </p:nvGrpSpPr>
+      <p:grpSpPr>
+        <a:xfrm>
+          <a:off x="0" y="0"/>
+          <a:ext cx="0" cy="0"/>
+          <a:chOff x="0" y="0"/>
+          <a:chExt cx="0" cy="0"/>
+        </a:xfrm>
+      </p:grpSpPr>
+      <p:pic>
+        <p:nvPicPr>
+          <p:cNvPr id="5" name="Picture Background">
+            <a:extLst>
+              <a:ext uri="{FF2B5EF4-FFF2-40B4-BE49-F238E27FC236}">
+                <a16:creationId xmlns:a16="http://schemas.microsoft.com/office/drawing/2014/main" id="{8F32C49C-CA82-44AD-87B5-61623BBFED22}"/>
+              </a:ext>
+            </a:extLst>
+          </p:cNvPr>
+          <p:cNvPicPr>
+            <a:picLocks noChangeAspect="1"/>
+          </p:cNvPicPr>
+          <p:nvPr/>
+        </p:nvPicPr>
+        <p:blipFill>
+          <a:blip r:embed="rId5"/>
+          <a:stretch>
+            <a:fillRect/>
+          </a:stretch>
+        </p:blipFill>
+        <p:spPr>
+          <a:xfrm>
+            <a:off x="0" y="0"/>
+            <a:ext cx="12192000" cy="6858000"/>
+          </a:xfrm>
+          <a:prstGeom prst="rect">
+            <a:avLst/>
+          </a:prstGeom>
+        </p:spPr>
+      </p:pic>
+      <p:sp>
+        <p:nvSpPr>
+          <p:cNvPr id="2" name="Title">
+            <a:extLst>
+              <a:ext uri="{FF2B5EF4-FFF2-40B4-BE49-F238E27FC236}">
+                <a16:creationId xmlns:a16="http://schemas.microsoft.com/office/drawing/2014/main" id="{780F3996-F45A-4577-B2DB-342301B618F0}"/>
+              </a:ext>
+            </a:extLst>
+          </p:cNvPr>
+          <p:cNvSpPr txBox="1">
+            <a:spLocks/>
+          </p:cNvSpPr>
+          <p:nvPr/>
+        </p:nvSpPr>
+        <p:spPr>
+          <a:xfrm>
+            <a:off x="443052" y="1911926"/>
+            <a:ext cx="6979357" cy="576441"/>
+          </a:xfrm>
+          <a:prstGeom prst="rect">
+            <a:avLst/>
+          </a:prstGeom>
+        </p:spPr>
+        <p:txBody>
+          <a:bodyPr anchor="b">
+            <a:normAutofit fontScale="77500" lnSpcReduction="20000"/>
+          </a:bodyPr>
+          <a:lstStyle>
+            <a:lvl1pPr algn="l" defTabSz="914400" rtl="0" eaLnBrk="1" latinLnBrk="0" hangingPunct="1">
+              <a:lnSpc>
+                <a:spcPct val="90000"/>
+              </a:lnSpc>
+              <a:spcBef>
+                <a:spcPct val="0"/>
+              </a:spcBef>
+              <a:buNone/>
+              <a:defRPr sz="4400" kern="1200">
+                <a:solidFill>
+                  <a:schemeClr val="tx1"/>
+                </a:solidFill>
+                <a:latin typeface="+mj-lt"/>
+                <a:ea typeface="+mj-ea"/>
+                <a:cs typeface="+mj-cs"/>
+              </a:defRPr>
+            </a:lvl1pPr>
+          </a:lstStyle>
+          <a:p>
+            <a:endParaRPr lang="ru-RU" sz="5400" dirty="0">
+              <a:solidFill>
+                <a:srgbClr val="151824"/>
+              </a:solidFill>
+              <a:ea typeface="Open Sans" panose="020B0606030504020204" pitchFamily="34" charset="0"/>
+              <a:cs typeface="Open Sans" panose="020B0606030504020204" pitchFamily="34" charset="0"/>
+            </a:endParaRPr>
+          </a:p>
+        </p:txBody>
+      </p:sp>
+      <p:sp>
+        <p:nvSpPr>
+          <p:cNvPr id="4" name="Rounded Rectangle 3"/>
+          <p:cNvSpPr/>
+          <p:nvPr/>
+        </p:nvSpPr>
+        <p:spPr>
+          <a:xfrm>
+            <a:off x="443052" y="1117635"/>
+            <a:ext cx="7898503" cy="4398933"/>
+          </a:xfrm>
+          <a:prstGeom prst="roundRect">
+            <a:avLst/>
+          </a:prstGeom>
+          <a:solidFill>
+            <a:schemeClr val="bg1"/>
+          </a:solidFill>
+          <a:ln w="38100">
+            <a:solidFill>
+              <a:schemeClr val="accent2">
+                <a:lumMod val="60000"/>
+                <a:lumOff val="40000"/>
+              </a:schemeClr>
+            </a:solidFill>
+          </a:ln>
+        </p:spPr>
+        <p:style>
+          <a:lnRef idx="2">
+            <a:schemeClr val="accent1">
+              <a:shade val="15000"/>
+            </a:schemeClr>
+          </a:lnRef>
+          <a:fillRef idx="1">
+            <a:schemeClr val="accent1"/>
+          </a:fillRef>
+          <a:effectRef idx="0">
+            <a:schemeClr val="accent1"/>
+          </a:effectRef>
+          <a:fontRef idx="minor">
+            <a:schemeClr val="lt1"/>
+          </a:fontRef>
+        </p:style>
+        <p:txBody>
+          <a:bodyPr rtlCol="0" anchor="ctr"/>
+          <a:lstStyle/>
+          <a:p>
+            <a:r>
+              <a:rPr lang="en-US" sz="2400" dirty="0">
+                <a:solidFill>
+                  <a:schemeClr val="tx1"/>
+                </a:solidFill>
+              </a:rPr>
+              <a:t>When we say sexual misconduct, it </a:t>
+            </a:r>
+            <a:r>
+              <a:rPr lang="en-US" sz="2400" dirty="0" smtClean="0">
+                <a:solidFill>
+                  <a:schemeClr val="tx1"/>
+                </a:solidFill>
+              </a:rPr>
+              <a:t>can have </a:t>
+            </a:r>
+            <a:r>
+              <a:rPr lang="en-US" sz="2400" dirty="0">
+                <a:solidFill>
+                  <a:schemeClr val="tx1"/>
+                </a:solidFill>
+              </a:rPr>
+              <a:t>many forms, these include</a:t>
+            </a:r>
+            <a:r>
+              <a:rPr lang="en-US" sz="2400" dirty="0" smtClean="0">
+                <a:solidFill>
+                  <a:schemeClr val="tx1"/>
+                </a:solidFill>
+              </a:rPr>
+              <a:t>:</a:t>
+            </a:r>
+            <a:endParaRPr lang="en-US" sz="2400" dirty="0">
+              <a:solidFill>
+                <a:schemeClr val="tx1"/>
+              </a:solidFill>
+            </a:endParaRPr>
+          </a:p>
+          <a:p>
+            <a:endParaRPr lang="en-US" sz="2400" dirty="0">
+              <a:solidFill>
+                <a:schemeClr val="tx1"/>
+              </a:solidFill>
+            </a:endParaRPr>
+          </a:p>
+          <a:p>
+            <a:pPr marL="342900" indent="-342900" fontAlgn="base">
+              <a:buFont typeface="Wingdings" panose="05000000000000000000" pitchFamily="2" charset="2"/>
+              <a:buChar char="§"/>
+            </a:pPr>
+            <a:r>
+              <a:rPr lang="en-US" sz="2400" dirty="0">
+                <a:solidFill>
+                  <a:schemeClr val="tx1"/>
+                </a:solidFill>
+              </a:rPr>
+              <a:t>Verbal (with words</a:t>
+            </a:r>
+            <a:r>
+              <a:rPr lang="en-US" sz="2400" dirty="0" smtClean="0">
+                <a:solidFill>
+                  <a:schemeClr val="tx1"/>
+                </a:solidFill>
+              </a:rPr>
+              <a:t>)</a:t>
+            </a:r>
+            <a:endParaRPr lang="en-US" sz="2400" dirty="0">
+              <a:solidFill>
+                <a:schemeClr val="tx1"/>
+              </a:solidFill>
+            </a:endParaRPr>
+          </a:p>
+          <a:p>
+            <a:pPr marL="342900" indent="-342900" fontAlgn="base">
+              <a:buFont typeface="Wingdings" panose="05000000000000000000" pitchFamily="2" charset="2"/>
+              <a:buChar char="§"/>
+            </a:pPr>
+            <a:r>
+              <a:rPr lang="en-US" sz="2400" dirty="0">
+                <a:solidFill>
+                  <a:schemeClr val="tx1"/>
+                </a:solidFill>
+              </a:rPr>
+              <a:t>Non-Verbal (with looks</a:t>
+            </a:r>
+            <a:r>
+              <a:rPr lang="en-US" sz="2400" dirty="0" smtClean="0">
+                <a:solidFill>
+                  <a:schemeClr val="tx1"/>
+                </a:solidFill>
+              </a:rPr>
+              <a:t>)</a:t>
+            </a:r>
+            <a:endParaRPr lang="en-US" sz="2400" dirty="0">
+              <a:solidFill>
+                <a:schemeClr val="tx1"/>
+              </a:solidFill>
+            </a:endParaRPr>
+          </a:p>
+          <a:p>
+            <a:pPr marL="342900" indent="-342900" fontAlgn="base">
+              <a:buFont typeface="Wingdings" panose="05000000000000000000" pitchFamily="2" charset="2"/>
+              <a:buChar char="§"/>
+            </a:pPr>
+            <a:r>
+              <a:rPr lang="en-US" sz="2400" dirty="0">
+                <a:solidFill>
+                  <a:schemeClr val="tx1"/>
+                </a:solidFill>
+              </a:rPr>
+              <a:t>Physical (with touches</a:t>
+            </a:r>
+            <a:r>
+              <a:rPr lang="en-US" sz="2400" dirty="0" smtClean="0">
+                <a:solidFill>
+                  <a:schemeClr val="tx1"/>
+                </a:solidFill>
+              </a:rPr>
+              <a:t>)</a:t>
+            </a:r>
+            <a:endParaRPr lang="en-US" sz="2400" dirty="0">
+              <a:solidFill>
+                <a:schemeClr val="tx1"/>
+              </a:solidFill>
+            </a:endParaRPr>
+          </a:p>
+          <a:p>
+            <a:pPr marL="342900" indent="-342900" fontAlgn="base">
+              <a:buFont typeface="Wingdings" panose="05000000000000000000" pitchFamily="2" charset="2"/>
+              <a:buChar char="§"/>
+            </a:pPr>
+            <a:r>
+              <a:rPr lang="en-US" sz="2400" dirty="0">
+                <a:solidFill>
+                  <a:schemeClr val="tx1"/>
+                </a:solidFill>
+              </a:rPr>
+              <a:t>Cyber (online</a:t>
+            </a:r>
+            <a:r>
+              <a:rPr lang="en-US" sz="2400" dirty="0" smtClean="0">
+                <a:solidFill>
+                  <a:schemeClr val="tx1"/>
+                </a:solidFill>
+              </a:rPr>
+              <a:t>)</a:t>
+            </a:r>
+            <a:endParaRPr lang="en-US" sz="2400" dirty="0">
+              <a:solidFill>
+                <a:schemeClr val="tx1"/>
+              </a:solidFill>
+            </a:endParaRPr>
+          </a:p>
+          <a:p>
+            <a:pPr marL="342900" indent="-342900">
+              <a:buFont typeface="Wingdings" panose="05000000000000000000" pitchFamily="2" charset="2"/>
+              <a:buChar char="§"/>
+            </a:pPr>
+            <a:r>
+              <a:rPr lang="en-US" sz="2400" dirty="0">
+                <a:solidFill>
+                  <a:schemeClr val="tx1"/>
+                </a:solidFill>
+              </a:rPr>
+              <a:t>All of these are unacceptable.</a:t>
+            </a:r>
+            <a:r>
+              <a:rPr lang="en-US" sz="2400" b="1" dirty="0">
+                <a:solidFill>
+                  <a:schemeClr val="tx1"/>
+                </a:solidFill>
+              </a:rPr>
+              <a:t> </a:t>
+            </a:r>
+            <a:endParaRPr lang="ru-RU" sz="2400" dirty="0">
+              <a:solidFill>
+                <a:schemeClr val="tx1"/>
+              </a:solidFill>
+              <a:ea typeface="Open Sans" panose="020B0606030504020204" pitchFamily="34" charset="0"/>
+              <a:cs typeface="Open Sans" panose="020B0606030504020204" pitchFamily="34" charset="0"/>
+            </a:endParaRPr>
+          </a:p>
+        </p:txBody>
+      </p:sp>
+      <p:pic>
+        <p:nvPicPr>
+          <p:cNvPr id="6" name="Picture 5"/>
+          <p:cNvPicPr>
+            <a:picLocks noChangeAspect="1"/>
+          </p:cNvPicPr>
+          <p:nvPr>
+            <p:custDataLst>
+              <p:tags r:id="rId2"/>
+            </p:custDataLst>
+          </p:nvPr>
+        </p:nvPicPr>
+        <p:blipFill>
+          <a:blip r:embed="rId6">
+            <a:extLst>
+              <a:ext uri="{28A0092B-C50C-407E-A947-70E740481C1C}">
+                <a14:useLocalDpi xmlns:a14="http://schemas.microsoft.com/office/drawing/2010/main" val="0"/>
+              </a:ext>
+            </a:extLst>
+          </a:blip>
+          <a:stretch>
+            <a:fillRect/>
+          </a:stretch>
+        </p:blipFill>
+        <p:spPr>
+          <a:xfrm>
+            <a:off x="9227315" y="944380"/>
+            <a:ext cx="2704855" cy="9144376"/>
+          </a:xfrm>
+          <a:prstGeom prst="rect">
+            <a:avLst/>
+          </a:prstGeom>
+        </p:spPr>
+      </p:pic>
+    </p:spTree>
+    <p:custDataLst>
+      <p:tags r:id="rId1"/>
+    </p:custDataLst>
+    <p:extLst>
+      <p:ext uri="{BB962C8B-B14F-4D97-AF65-F5344CB8AC3E}">
+        <p14:creationId xmlns:p14="http://schemas.microsoft.com/office/powerpoint/2010/main" val="685262747"/>
+      </p:ext>
+    </p:extLst>
+  </p:cSld>
+  <p:clrMapOvr>
+    <a:masterClrMapping/>
+  </p:clrMapOvr>
+  <mc:AlternateContent xmlns:mc="http://schemas.openxmlformats.org/markup-compatibility/2006" xmlns:p14="http://schemas.microsoft.com/office/powerpoint/2010/main">
+    <mc:Choice Requires="p14">
+      <p:transition spd="slow" p14:dur="2000" advClick="0"/>
+    </mc:Choice>
+    <mc:Fallback xmlns="">
+      <p:transition spd="slow" advClick="0"/>
+    </mc:Fallback>
+  </mc:AlternateContent>
+  <p:timing>
+    <p:tnLst>
+      <p:par>
+        <p:cTn id="1" dur="indefinite" restart="never" nodeType="tmRoot"/>
+      </p:par>
+    </p:tnLst>
+  </p:timing>
+</p:sld>
+</file>
+
 <file path=ppt/slides/slide4.xml><?xml version="1.0" encoding="utf-8"?>
 <p:sld xmlns:a="http://schemas.openxmlformats.org/drawingml/2006/main" xmlns:r="http://schemas.openxmlformats.org/officeDocument/2006/relationships" xmlns:p="http://schemas.openxmlformats.org/presentationml/2006/main">
   <p:cSld>
@@ -10153,7 +6973,7 @@
           <a:lstStyle/>
           <a:p>
             <a:r>
-              <a:rPr lang="en-US" sz="2000" dirty="0">
+              <a:rPr lang="en-US" sz="2400" dirty="0">
                 <a:solidFill>
                   <a:schemeClr val="tx1"/>
                 </a:solidFill>
@@ -10163,41 +6983,25 @@
           </a:p>
           <a:p>
             <a:r>
-              <a:rPr lang="en-US" sz="2000" dirty="0">
-                <a:solidFill>
-                  <a:schemeClr val="tx1"/>
-                </a:solidFill>
-              </a:rPr>
-              <a:t>interchangeably sometimes, the latest policies at the humanitarian level have made the distinction between them very clear.</a:t>
-            </a:r>
-            <a:endParaRPr lang="en-US" sz="9600" dirty="0">
+              <a:rPr lang="en-US" sz="2400" dirty="0">
+                <a:solidFill>
+                  <a:schemeClr val="tx1"/>
+                </a:solidFill>
+              </a:rPr>
+              <a:t>interchangeably sometimes, the latest policies at the humanitarian level have made the distinction between them very clear</a:t>
+            </a:r>
+            <a:r>
+              <a:rPr lang="en-US" sz="2400" dirty="0" smtClean="0">
+                <a:solidFill>
+                  <a:schemeClr val="tx1"/>
+                </a:solidFill>
+              </a:rPr>
+              <a:t>.</a:t>
+            </a:r>
+            <a:endParaRPr lang="en-US" sz="2400" dirty="0">
               <a:solidFill>
                 <a:schemeClr val="tx1"/>
               </a:solidFill>
-            </a:endParaRPr>
-          </a:p>
-          <a:p>
-            <a:r>
-              <a:rPr lang="en-US" sz="1000" dirty="0">
-                <a:solidFill>
-                  <a:schemeClr val="tx1"/>
-                </a:solidFill>
-              </a:rPr>
-              <a:t/>
-            </a:r>
-            <a:br>
-              <a:rPr lang="en-US" sz="1000" dirty="0">
-                <a:solidFill>
-                  <a:schemeClr val="tx1"/>
-                </a:solidFill>
-              </a:rPr>
-            </a:br>
-            <a:endParaRPr lang="ru-RU" sz="1000" dirty="0">
-              <a:solidFill>
-                <a:schemeClr val="tx1"/>
-              </a:solidFill>
-              <a:ea typeface="Open Sans" panose="020B0606030504020204" pitchFamily="34" charset="0"/>
-              <a:cs typeface="Open Sans" panose="020B0606030504020204" pitchFamily="34" charset="0"/>
             </a:endParaRPr>
           </a:p>
         </p:txBody>
@@ -10750,7 +7554,7 @@
           <a:lstStyle/>
           <a:p>
             <a:r>
-              <a:rPr lang="en-US" sz="2000" b="1" dirty="0">
+              <a:rPr lang="en-US" sz="2400" b="1" dirty="0">
                 <a:solidFill>
                   <a:schemeClr val="tx1"/>
                 </a:solidFill>
@@ -10758,7 +7562,7 @@
               <a:t>Sexual Exploitation and Sexual Abuse (SEA) happen from </a:t>
             </a:r>
             <a:r>
-              <a:rPr lang="en-US" sz="2000" b="1" dirty="0" smtClean="0">
+              <a:rPr lang="en-US" sz="2400" b="1" dirty="0" smtClean="0">
                 <a:solidFill>
                   <a:schemeClr val="tx1"/>
                 </a:solidFill>
@@ -10766,7 +7570,7 @@
               <a:t>aid </a:t>
             </a:r>
             <a:r>
-              <a:rPr lang="en-US" sz="2000" b="1" dirty="0">
+              <a:rPr lang="en-US" sz="2400" b="1" dirty="0">
                 <a:solidFill>
                   <a:schemeClr val="tx1"/>
                 </a:solidFill>
@@ -10774,7 +7578,7 @@
               <a:t>worker to beneficiary. </a:t>
             </a:r>
             <a:r>
-              <a:rPr lang="en-US" sz="2000" dirty="0">
+              <a:rPr lang="en-US" sz="2400" dirty="0">
                 <a:solidFill>
                   <a:schemeClr val="tx1"/>
                 </a:solidFill>
@@ -10782,7 +7586,7 @@
               <a:t>The only </a:t>
             </a:r>
             <a:r>
-              <a:rPr lang="en-US" sz="2000" dirty="0" smtClean="0">
+              <a:rPr lang="en-US" sz="2400" dirty="0" smtClean="0">
                 <a:solidFill>
                   <a:schemeClr val="tx1"/>
                 </a:solidFill>
@@ -10790,7 +7594,7 @@
               <a:t>difference Between </a:t>
             </a:r>
             <a:r>
-              <a:rPr lang="en-US" sz="2000" dirty="0">
+              <a:rPr lang="en-US" sz="2400" dirty="0">
                 <a:solidFill>
                   <a:schemeClr val="tx1"/>
                 </a:solidFill>
@@ -10798,7 +7602,7 @@
               <a:t>SE and SA, is that SE includes something </a:t>
             </a:r>
             <a:r>
-              <a:rPr lang="en-US" sz="2000" dirty="0" smtClean="0">
+              <a:rPr lang="en-US" sz="2400" dirty="0" smtClean="0">
                 <a:solidFill>
                   <a:schemeClr val="tx1"/>
                 </a:solidFill>
@@ -10806,18 +7610,13 @@
               <a:t>in </a:t>
             </a:r>
             <a:r>
-              <a:rPr lang="en-US" sz="2000" dirty="0">
+              <a:rPr lang="en-US" sz="2400" dirty="0">
                 <a:solidFill>
                   <a:schemeClr val="tx1"/>
                 </a:solidFill>
               </a:rPr>
               <a:t>return to the beneficiary.</a:t>
             </a:r>
-            <a:endParaRPr lang="en-US" sz="2000" dirty="0">
-              <a:solidFill>
-                <a:schemeClr val="tx1"/>
-              </a:solidFill>
-            </a:endParaRPr>
           </a:p>
         </p:txBody>
       </p:sp>
@@ -11307,8 +8106,8 @@
         </p:nvSpPr>
         <p:spPr>
           <a:xfrm>
-            <a:off x="830986" y="1911926"/>
-            <a:ext cx="6810569" cy="2977078"/>
+            <a:off x="349683" y="1662377"/>
+            <a:ext cx="7698417" cy="3135155"/>
           </a:xfrm>
           <a:prstGeom prst="roundRect">
             <a:avLst/>
@@ -11346,7 +8145,7 @@
           <a:lstStyle/>
           <a:p>
             <a:r>
-              <a:rPr lang="en-US" sz="2000" dirty="0">
+              <a:rPr lang="en-US" sz="2400" dirty="0">
                 <a:solidFill>
                   <a:schemeClr val="tx1"/>
                 </a:solidFill>
@@ -11356,7 +8155,7 @@
           </a:p>
           <a:p>
             <a:r>
-              <a:rPr lang="en-US" sz="2000" dirty="0" smtClean="0">
+              <a:rPr lang="en-US" sz="2400" dirty="0" smtClean="0">
                 <a:solidFill>
                   <a:schemeClr val="tx1"/>
                 </a:solidFill>
@@ -11364,7 +8163,7 @@
               <a:t>abuse </a:t>
             </a:r>
             <a:r>
-              <a:rPr lang="en-US" sz="2000" dirty="0">
+              <a:rPr lang="en-US" sz="2400" dirty="0">
                 <a:solidFill>
                   <a:schemeClr val="tx1"/>
                 </a:solidFill>
@@ -11374,7 +8173,7 @@
           </a:p>
           <a:p>
             <a:r>
-              <a:rPr lang="en-US" sz="2000" dirty="0" smtClean="0">
+              <a:rPr lang="en-US" sz="2400" dirty="0" smtClean="0">
                 <a:solidFill>
                   <a:schemeClr val="tx1"/>
                 </a:solidFill>
@@ -11382,7 +8181,7 @@
               <a:t>power</a:t>
             </a:r>
             <a:r>
-              <a:rPr lang="en-US" sz="2000" dirty="0">
+              <a:rPr lang="en-US" sz="2400" dirty="0">
                 <a:solidFill>
                   <a:schemeClr val="tx1"/>
                 </a:solidFill>
@@ -11392,7 +8191,7 @@
           </a:p>
           <a:p>
             <a:r>
-              <a:rPr lang="en-US" sz="2000" dirty="0" smtClean="0">
+              <a:rPr lang="en-US" sz="2400" dirty="0" smtClean="0">
                 <a:solidFill>
                   <a:schemeClr val="tx1"/>
                 </a:solidFill>
@@ -11400,7 +8199,7 @@
               <a:t>but </a:t>
             </a:r>
             <a:r>
-              <a:rPr lang="en-US" sz="2000" dirty="0">
+              <a:rPr lang="en-US" sz="2400" dirty="0">
                 <a:solidFill>
                   <a:schemeClr val="tx1"/>
                 </a:solidFill>
@@ -11410,7 +8209,7 @@
           </a:p>
           <a:p>
             <a:r>
-              <a:rPr lang="en-US" sz="2000" dirty="0" smtClean="0">
+              <a:rPr lang="en-US" sz="2400" dirty="0" smtClean="0">
                 <a:solidFill>
                   <a:schemeClr val="tx1"/>
                 </a:solidFill>
@@ -11418,7 +8217,7 @@
               <a:t>or </a:t>
             </a:r>
             <a:r>
-              <a:rPr lang="en-US" sz="2000" dirty="0">
+              <a:rPr lang="en-US" sz="2400" dirty="0">
                 <a:solidFill>
                   <a:schemeClr val="tx1"/>
                 </a:solidFill>
@@ -11953,7 +8752,7 @@
           <a:lstStyle/>
           <a:p>
             <a:r>
-              <a:rPr lang="en-US" sz="2000" dirty="0" smtClean="0">
+              <a:rPr lang="en-US" sz="2400" dirty="0" smtClean="0">
                 <a:solidFill>
                   <a:schemeClr val="tx1"/>
                 </a:solidFill>
@@ -11961,7 +8760,7 @@
               <a:t>Sexual </a:t>
             </a:r>
             <a:r>
-              <a:rPr lang="en-US" sz="2000" dirty="0">
+              <a:rPr lang="en-US" sz="2400" dirty="0">
                 <a:solidFill>
                   <a:schemeClr val="tx1"/>
                 </a:solidFill>
@@ -11969,7 +8768,7 @@
               <a:t>Abuse: Any actual or threatened physical </a:t>
             </a:r>
             <a:r>
-              <a:rPr lang="en-US" sz="2000" dirty="0" smtClean="0">
+              <a:rPr lang="en-US" sz="2400" dirty="0" smtClean="0">
                 <a:solidFill>
                   <a:schemeClr val="tx1"/>
                 </a:solidFill>
@@ -11977,7 +8776,7 @@
               <a:t>intrusion of </a:t>
             </a:r>
             <a:r>
-              <a:rPr lang="en-US" sz="2000" dirty="0">
+              <a:rPr lang="en-US" sz="2400" dirty="0">
                 <a:solidFill>
                   <a:schemeClr val="tx1"/>
                 </a:solidFill>
@@ -11985,7 +8784,7 @@
               <a:t>a sexual nature, whether by force or under unequal </a:t>
             </a:r>
             <a:r>
-              <a:rPr lang="en-US" sz="2000" dirty="0" smtClean="0">
+              <a:rPr lang="en-US" sz="2400" dirty="0" smtClean="0">
                 <a:solidFill>
                   <a:schemeClr val="tx1"/>
                 </a:solidFill>
@@ -11993,7 +8792,7 @@
               <a:t>or coercive </a:t>
             </a:r>
             <a:r>
-              <a:rPr lang="en-US" sz="2000" dirty="0">
+              <a:rPr lang="en-US" sz="2400" dirty="0">
                 <a:solidFill>
                   <a:schemeClr val="tx1"/>
                 </a:solidFill>
@@ -12528,7 +9327,7 @@
           <a:lstStyle/>
           <a:p>
             <a:r>
-              <a:rPr lang="en-US" sz="2000" dirty="0">
+              <a:rPr lang="en-US" sz="2400" dirty="0">
                 <a:solidFill>
                   <a:schemeClr val="tx1"/>
                 </a:solidFill>
@@ -12536,7 +9335,7 @@
               <a:t>So, in both SE and SA, sexual misconduct can </a:t>
             </a:r>
             <a:r>
-              <a:rPr lang="en-US" sz="2000" dirty="0" smtClean="0">
+              <a:rPr lang="en-US" sz="2400" dirty="0" smtClean="0">
                 <a:solidFill>
                   <a:schemeClr val="tx1"/>
                 </a:solidFill>
@@ -12544,7 +9343,7 @@
               <a:t>be verbal</a:t>
             </a:r>
             <a:r>
-              <a:rPr lang="en-US" sz="2000" dirty="0">
+              <a:rPr lang="en-US" sz="2400" dirty="0">
                 <a:solidFill>
                   <a:schemeClr val="tx1"/>
                 </a:solidFill>
@@ -12552,7 +9351,7 @@
               <a:t>, non-verbal, physical, or cyber. </a:t>
             </a:r>
             <a:r>
-              <a:rPr lang="en-US" sz="2000" dirty="0" smtClean="0">
+              <a:rPr lang="en-US" sz="2400" dirty="0" smtClean="0">
                 <a:solidFill>
                   <a:schemeClr val="tx1"/>
                 </a:solidFill>
@@ -12560,7 +9359,7 @@
               <a:t>Both </a:t>
             </a:r>
             <a:r>
-              <a:rPr lang="en-US" sz="2000" dirty="0">
+              <a:rPr lang="en-US" sz="2400" dirty="0">
                 <a:solidFill>
                   <a:schemeClr val="tx1"/>
                 </a:solidFill>
@@ -12568,7 +9367,7 @@
               <a:t>can be a look, a </a:t>
             </a:r>
             <a:r>
-              <a:rPr lang="en-US" sz="2000" dirty="0" smtClean="0">
+              <a:rPr lang="en-US" sz="2400" dirty="0" smtClean="0">
                 <a:solidFill>
                   <a:schemeClr val="tx1"/>
                 </a:solidFill>
@@ -12576,7 +9375,7 @@
               <a:t>text message</a:t>
             </a:r>
             <a:r>
-              <a:rPr lang="en-US" sz="2000" dirty="0">
+              <a:rPr lang="en-US" sz="2400" dirty="0">
                 <a:solidFill>
                   <a:schemeClr val="tx1"/>
                 </a:solidFill>
@@ -12584,7 +9383,7 @@
               <a:t>, a touch, a kiss, or </a:t>
             </a:r>
             <a:r>
-              <a:rPr lang="en-US" sz="2000" dirty="0" smtClean="0">
+              <a:rPr lang="en-US" sz="2400" dirty="0" smtClean="0">
                 <a:solidFill>
                   <a:schemeClr val="tx1"/>
                 </a:solidFill>
@@ -12592,7 +9391,7 @@
               <a:t>a sexual </a:t>
             </a:r>
             <a:r>
-              <a:rPr lang="en-US" sz="2000" dirty="0">
+              <a:rPr lang="en-US" sz="2400" dirty="0">
                 <a:solidFill>
                   <a:schemeClr val="tx1"/>
                 </a:solidFill>
@@ -12736,10 +9535,10 @@
       </p:grpSpPr>
       <p:pic>
         <p:nvPicPr>
-          <p:cNvPr id="2" name="Picture Background">
+          <p:cNvPr id="5" name="Picture Background">
             <a:extLst>
               <a:ext uri="{FF2B5EF4-FFF2-40B4-BE49-F238E27FC236}">
-                <a16:creationId xmlns:a16="http://schemas.microsoft.com/office/drawing/2014/main" id="{F0AE7FE6-9C80-7DA4-C3D2-BE3B9D03D0C3}"/>
+                <a16:creationId xmlns:a16="http://schemas.microsoft.com/office/drawing/2014/main" id="{8F32C49C-CA82-44AD-87B5-61623BBFED22}"/>
               </a:ext>
             </a:extLst>
           </p:cNvPr>
@@ -12756,7 +9555,7 @@
         </p:blipFill>
         <p:spPr>
           <a:xfrm>
-            <a:off x="-29599" y="0"/>
+            <a:off x="0" y="0"/>
             <a:ext cx="12192000" cy="6858000"/>
           </a:xfrm>
           <a:prstGeom prst="rect">
@@ -12766,7 +9565,153 @@
       </p:pic>
       <p:sp>
         <p:nvSpPr>
-          <p:cNvPr id="3" name="TextBox">
+          <p:cNvPr id="2" name="Title">
+            <a:extLst>
+              <a:ext uri="{FF2B5EF4-FFF2-40B4-BE49-F238E27FC236}">
+                <a16:creationId xmlns:a16="http://schemas.microsoft.com/office/drawing/2014/main" id="{780F3996-F45A-4577-B2DB-342301B618F0}"/>
+              </a:ext>
+            </a:extLst>
+          </p:cNvPr>
+          <p:cNvSpPr txBox="1">
+            <a:spLocks/>
+          </p:cNvSpPr>
+          <p:nvPr/>
+        </p:nvSpPr>
+        <p:spPr>
+          <a:xfrm>
+            <a:off x="443052" y="1911926"/>
+            <a:ext cx="6979357" cy="576441"/>
+          </a:xfrm>
+          <a:prstGeom prst="rect">
+            <a:avLst/>
+          </a:prstGeom>
+        </p:spPr>
+        <p:txBody>
+          <a:bodyPr anchor="b">
+            <a:normAutofit fontScale="77500" lnSpcReduction="20000"/>
+          </a:bodyPr>
+          <a:lstStyle>
+            <a:lvl1pPr algn="l" defTabSz="914400" rtl="0" eaLnBrk="1" latinLnBrk="0" hangingPunct="1">
+              <a:lnSpc>
+                <a:spcPct val="90000"/>
+              </a:lnSpc>
+              <a:spcBef>
+                <a:spcPct val="0"/>
+              </a:spcBef>
+              <a:buNone/>
+              <a:defRPr sz="4400" kern="1200">
+                <a:solidFill>
+                  <a:schemeClr val="tx1"/>
+                </a:solidFill>
+                <a:latin typeface="+mj-lt"/>
+                <a:ea typeface="+mj-ea"/>
+                <a:cs typeface="+mj-cs"/>
+              </a:defRPr>
+            </a:lvl1pPr>
+          </a:lstStyle>
+          <a:p>
+            <a:endParaRPr lang="ru-RU" sz="5400" dirty="0">
+              <a:solidFill>
+                <a:srgbClr val="151824"/>
+              </a:solidFill>
+              <a:ea typeface="Open Sans" panose="020B0606030504020204" pitchFamily="34" charset="0"/>
+              <a:cs typeface="Open Sans" panose="020B0606030504020204" pitchFamily="34" charset="0"/>
+            </a:endParaRPr>
+          </a:p>
+        </p:txBody>
+      </p:sp>
+      <p:sp>
+        <p:nvSpPr>
+          <p:cNvPr id="3" name="Title">
+            <a:extLst>
+              <a:ext uri="{FF2B5EF4-FFF2-40B4-BE49-F238E27FC236}">
+                <a16:creationId xmlns:a16="http://schemas.microsoft.com/office/drawing/2014/main" id="{DB976287-88DA-E1BC-93BA-814DA2A4F3B0}"/>
+              </a:ext>
+            </a:extLst>
+          </p:cNvPr>
+          <p:cNvSpPr txBox="1">
+            <a:spLocks/>
+          </p:cNvSpPr>
+          <p:nvPr/>
+        </p:nvSpPr>
+        <p:spPr>
+          <a:xfrm>
+            <a:off x="114215" y="494934"/>
+            <a:ext cx="7308194" cy="5771213"/>
+          </a:xfrm>
+          <a:prstGeom prst="rect">
+            <a:avLst/>
+          </a:prstGeom>
+        </p:spPr>
+        <p:txBody>
+          <a:bodyPr anchor="b">
+            <a:normAutofit/>
+          </a:bodyPr>
+          <a:lstStyle>
+            <a:lvl1pPr algn="l" defTabSz="914400" rtl="0" eaLnBrk="1" latinLnBrk="0" hangingPunct="1">
+              <a:lnSpc>
+                <a:spcPct val="90000"/>
+              </a:lnSpc>
+              <a:spcBef>
+                <a:spcPct val="0"/>
+              </a:spcBef>
+              <a:buNone/>
+              <a:defRPr sz="4400" kern="1200">
+                <a:solidFill>
+                  <a:schemeClr val="tx1"/>
+                </a:solidFill>
+                <a:latin typeface="+mj-lt"/>
+                <a:ea typeface="+mj-ea"/>
+                <a:cs typeface="+mj-cs"/>
+              </a:defRPr>
+            </a:lvl1pPr>
+          </a:lstStyle>
+          <a:p>
+            <a:pPr fontAlgn="base"/>
+            <a:endParaRPr lang="ru-RU" sz="2400" dirty="0">
+              <a:ea typeface="Open Sans" panose="020B0606030504020204" pitchFamily="34" charset="0"/>
+              <a:cs typeface="Open Sans" panose="020B0606030504020204" pitchFamily="34" charset="0"/>
+            </a:endParaRPr>
+          </a:p>
+        </p:txBody>
+      </p:sp>
+      <p:pic>
+        <p:nvPicPr>
+          <p:cNvPr id="4" name="Picture 3"/>
+          <p:cNvPicPr>
+            <a:picLocks noChangeAspect="1"/>
+          </p:cNvPicPr>
+          <p:nvPr>
+            <p:custDataLst>
+              <p:tags r:id="rId2"/>
+            </p:custDataLst>
+          </p:nvPr>
+        </p:nvPicPr>
+        <p:blipFill>
+          <a:blip r:embed="rId6">
+            <a:extLst>
+              <a:ext uri="{28A0092B-C50C-407E-A947-70E740481C1C}">
+                <a14:useLocalDpi xmlns:a14="http://schemas.microsoft.com/office/drawing/2010/main" val="0"/>
+              </a:ext>
+            </a:extLst>
+          </a:blip>
+          <a:stretch>
+            <a:fillRect/>
+          </a:stretch>
+        </p:blipFill>
+        <p:spPr>
+          <a:xfrm>
+            <a:off x="8391799" y="494934"/>
+            <a:ext cx="3610267" cy="10256332"/>
+          </a:xfrm>
+          <a:prstGeom prst="rect">
+            <a:avLst/>
+          </a:prstGeom>
+        </p:spPr>
+      </p:pic>
+      <p:sp>
+        <p:nvSpPr>
+          <p:cNvPr id="7" name="TextBox">
             <a:extLst>
               <a:ext uri="{FF2B5EF4-FFF2-40B4-BE49-F238E27FC236}">
                 <a16:creationId xmlns:a16="http://schemas.microsoft.com/office/drawing/2014/main" id="{53EA61F1-8A28-3B58-A024-19E8B86CA28E}"/>
@@ -12780,13 +9725,13 @@
         </p:nvSpPr>
         <p:spPr>
           <a:xfrm flipH="1">
-            <a:off x="6194633" y="509666"/>
-            <a:ext cx="2594421" cy="987561"/>
+            <a:off x="6096000" y="197746"/>
+            <a:ext cx="2594421" cy="704554"/>
           </a:xfrm>
           <a:prstGeom prst="wedgeRoundRectCallout">
             <a:avLst>
-              <a:gd name="adj1" fmla="val -55770"/>
-              <a:gd name="adj2" fmla="val 77398"/>
+              <a:gd name="adj1" fmla="val -76998"/>
+              <a:gd name="adj2" fmla="val 124593"/>
               <a:gd name="adj3" fmla="val 16667"/>
             </a:avLst>
           </a:prstGeom>
@@ -12915,22 +9860,12 @@
             </a:lvl9pPr>
           </a:lstStyle>
           <a:p>
-            <a:pPr algn="ctr">
-              <a:lnSpc>
-                <a:spcPct val="114000"/>
-              </a:lnSpc>
-            </a:pPr>
-            <a:r>
-              <a:rPr lang="en-US" sz="1800" b="0" i="0" u="none" strike="noStrike" dirty="0">
-                <a:solidFill>
-                  <a:srgbClr val="CB1259"/>
-                </a:solidFill>
-                <a:effectLst/>
-                <a:latin typeface="+mj-lt"/>
-              </a:rPr>
-              <a:t>Ready to do that through examples?</a:t>
-            </a:r>
-            <a:endParaRPr lang="en-US" sz="1600" b="1" dirty="0">
+            <a:pPr algn="ctr"/>
+            <a:r>
+              <a:rPr lang="en-US" sz="1400" dirty="0"/>
+              <a:t> Who are the two parties?</a:t>
+            </a:r>
+            <a:endParaRPr lang="en-US" sz="1400" b="1" dirty="0">
               <a:solidFill>
                 <a:srgbClr val="CB1259"/>
               </a:solidFill>
@@ -12943,82 +9878,22 @@
       </p:sp>
       <p:sp>
         <p:nvSpPr>
-          <p:cNvPr id="7" name="TextBox 6">
-            <a:extLst>
-              <a:ext uri="{FF2B5EF4-FFF2-40B4-BE49-F238E27FC236}">
-                <a16:creationId xmlns:a16="http://schemas.microsoft.com/office/drawing/2014/main" id="{29D9D3F0-2609-B148-9E43-BEC78E9E3298}"/>
-              </a:ext>
-            </a:extLst>
-          </p:cNvPr>
-          <p:cNvSpPr txBox="1"/>
+          <p:cNvPr id="8" name="Rounded Rectangle 7"/>
+          <p:cNvSpPr/>
           <p:nvPr/>
         </p:nvSpPr>
         <p:spPr>
           <a:xfrm>
-            <a:off x="792518" y="1971497"/>
-            <a:ext cx="5943600" cy="1107996"/>
+            <a:off x="380819" y="2162824"/>
+            <a:ext cx="7155805" cy="3055632"/>
           </a:xfrm>
-          <a:prstGeom prst="rect">
+          <a:prstGeom prst="roundRect">
             <a:avLst/>
           </a:prstGeom>
-          <a:noFill/>
-        </p:spPr>
-        <p:txBody>
-          <a:bodyPr wrap="square" rtlCol="0">
-            <a:spAutoFit/>
-          </a:bodyPr>
-          <a:lstStyle/>
-          <a:p>
-            <a:r>
-              <a:rPr lang="en-US" sz="6600" b="1" dirty="0">
-                <a:ln w="6600">
-                  <a:solidFill>
-                    <a:schemeClr val="accent2"/>
-                  </a:solidFill>
-                  <a:prstDash val="solid"/>
-                </a:ln>
-                <a:effectLst>
-                  <a:outerShdw dist="38100" dir="2700000" algn="tl" rotWithShape="0">
-                    <a:schemeClr val="accent2"/>
-                  </a:outerShdw>
-                </a:effectLst>
-                <a:latin typeface="+mj-lt"/>
-              </a:rPr>
-              <a:t>Mix &amp; Match</a:t>
-            </a:r>
-          </a:p>
-        </p:txBody>
-      </p:sp>
-      <p:sp>
-        <p:nvSpPr>
-          <p:cNvPr id="10" name="Arrow: Pentagon 9">
-            <a:hlinkClick r:id="" action="ppaction://hlinkshowjump?jump=nextslide"/>
-            <a:extLst>
-              <a:ext uri="{FF2B5EF4-FFF2-40B4-BE49-F238E27FC236}">
-                <a16:creationId xmlns:a16="http://schemas.microsoft.com/office/drawing/2014/main" id="{A4E6FAF3-1F76-385A-19D9-ED972E17C510}"/>
-              </a:ext>
-            </a:extLst>
-          </p:cNvPr>
-          <p:cNvSpPr/>
-          <p:nvPr/>
-        </p:nvSpPr>
-        <p:spPr>
-          <a:xfrm>
-            <a:off x="792518" y="3462774"/>
-            <a:ext cx="4652318" cy="1185466"/>
-          </a:xfrm>
-          <a:prstGeom prst="homePlate">
-            <a:avLst>
-              <a:gd name="adj" fmla="val 76866"/>
-            </a:avLst>
-          </a:prstGeom>
           <a:solidFill>
-            <a:schemeClr val="accent2">
-              <a:lumMod val="40000"/>
-              <a:lumOff val="60000"/>
-            </a:schemeClr>
+            <a:schemeClr val="bg1"/>
           </a:solidFill>
-          <a:ln>
+          <a:ln w="38100">
             <a:solidFill>
               <a:schemeClr val="accent2">
                 <a:lumMod val="60000"/>
@@ -13047,72 +9922,79 @@
           <a:bodyPr rtlCol="0" anchor="ctr"/>
           <a:lstStyle/>
           <a:p>
-            <a:pPr algn="ctr"/>
-            <a:r>
-              <a:rPr lang="en-US" sz="4000" b="1" dirty="0">
-                <a:ln w="6600">
-                  <a:solidFill>
-                    <a:schemeClr val="accent2"/>
-                  </a:solidFill>
-                  <a:prstDash val="solid"/>
-                </a:ln>
-                <a:solidFill>
-                  <a:schemeClr val="tx1"/>
-                </a:solidFill>
-                <a:effectLst>
-                  <a:outerShdw blurRad="38100" dist="38100" dir="2700000" algn="tl">
-                    <a:srgbClr val="000000">
-                      <a:alpha val="43137"/>
-                    </a:srgbClr>
-                  </a:outerShdw>
-                </a:effectLst>
-              </a:rPr>
-              <a:t>Start Game</a:t>
+            <a:pPr fontAlgn="base"/>
+            <a:r>
+              <a:rPr lang="en-US" sz="2400" dirty="0">
+                <a:solidFill>
+                  <a:schemeClr val="tx1"/>
+                </a:solidFill>
+              </a:rPr>
+              <a:t>If the perpetrator is an aid worker and the victim is a </a:t>
+            </a:r>
+          </a:p>
+          <a:p>
+            <a:pPr fontAlgn="base"/>
+            <a:r>
+              <a:rPr lang="en-US" sz="2400" dirty="0" smtClean="0">
+                <a:solidFill>
+                  <a:schemeClr val="tx1"/>
+                </a:solidFill>
+              </a:rPr>
+              <a:t>beneficiary</a:t>
+            </a:r>
+            <a:r>
+              <a:rPr lang="en-US" sz="2400" dirty="0">
+                <a:solidFill>
+                  <a:schemeClr val="tx1"/>
+                </a:solidFill>
+              </a:rPr>
+              <a:t>. This is either SE or SA. To decide, you ask </a:t>
+            </a:r>
+          </a:p>
+          <a:p>
+            <a:pPr fontAlgn="base"/>
+            <a:r>
+              <a:rPr lang="en-US" sz="2400" dirty="0" smtClean="0">
+                <a:solidFill>
+                  <a:schemeClr val="tx1"/>
+                </a:solidFill>
+              </a:rPr>
+              <a:t>yourself </a:t>
+            </a:r>
+            <a:r>
+              <a:rPr lang="en-US" sz="2400" dirty="0">
+                <a:solidFill>
+                  <a:schemeClr val="tx1"/>
+                </a:solidFill>
+              </a:rPr>
+              <a:t>another question: is there anything in return? If </a:t>
+            </a:r>
+            <a:r>
+              <a:rPr lang="en-US" sz="2400" dirty="0" smtClean="0">
+                <a:solidFill>
+                  <a:schemeClr val="tx1"/>
+                </a:solidFill>
+              </a:rPr>
+              <a:t>yes</a:t>
+            </a:r>
+            <a:r>
+              <a:rPr lang="en-US" sz="2400" dirty="0">
+                <a:solidFill>
+                  <a:schemeClr val="tx1"/>
+                </a:solidFill>
+              </a:rPr>
+              <a:t>, it’s SE, if not it’s SA.</a:t>
             </a:r>
           </a:p>
         </p:txBody>
       </p:sp>
-      <p:pic>
-        <p:nvPicPr>
-          <p:cNvPr id="4" name="Picture 3"/>
-          <p:cNvPicPr>
-            <a:picLocks noChangeAspect="1"/>
-          </p:cNvPicPr>
-          <p:nvPr>
-            <p:custDataLst>
-              <p:tags r:id="rId2"/>
-            </p:custDataLst>
-          </p:nvPr>
-        </p:nvPicPr>
-        <p:blipFill>
-          <a:blip r:embed="rId6">
-            <a:extLst>
-              <a:ext uri="{28A0092B-C50C-407E-A947-70E740481C1C}">
-                <a14:useLocalDpi xmlns:a14="http://schemas.microsoft.com/office/drawing/2010/main" val="0"/>
-              </a:ext>
-            </a:extLst>
-          </a:blip>
-          <a:stretch>
-            <a:fillRect/>
-          </a:stretch>
-        </p:blipFill>
-        <p:spPr>
-          <a:xfrm>
-            <a:off x="9060156" y="559112"/>
-            <a:ext cx="1717774" cy="5807323"/>
-          </a:xfrm>
-          <a:prstGeom prst="rect">
-            <a:avLst/>
-          </a:prstGeom>
-        </p:spPr>
-      </p:pic>
     </p:spTree>
     <p:custDataLst>
       <p:tags r:id="rId1"/>
     </p:custDataLst>
     <p:extLst>
       <p:ext uri="{BB962C8B-B14F-4D97-AF65-F5344CB8AC3E}">
-        <p14:creationId xmlns:p14="http://schemas.microsoft.com/office/powerpoint/2010/main" val="2420483781"/>
+        <p14:creationId xmlns:p14="http://schemas.microsoft.com/office/powerpoint/2010/main" val="2308862045"/>
       </p:ext>
     </p:extLst>
   </p:cSld>
@@ -13130,9 +10012,93 @@
   <p:timing>
     <p:tnLst>
       <p:par>
-        <p:cTn id="1" dur="indefinite" restart="never" nodeType="tmRoot"/>
+        <p:cTn id="1" dur="indefinite" restart="never" nodeType="tmRoot">
+          <p:childTnLst>
+            <p:seq concurrent="1" nextAc="seek">
+              <p:cTn id="2" dur="indefinite" nodeType="mainSeq">
+                <p:childTnLst>
+                  <p:par>
+                    <p:cTn id="3" fill="hold">
+                      <p:stCondLst>
+                        <p:cond delay="indefinite"/>
+                      </p:stCondLst>
+                      <p:childTnLst>
+                        <p:par>
+                          <p:cTn id="4" fill="hold">
+                            <p:stCondLst>
+                              <p:cond delay="0"/>
+                            </p:stCondLst>
+                            <p:childTnLst>
+                              <p:par>
+                                <p:cTn id="5" presetID="6" presetClass="entr" presetSubtype="16" fill="hold" grpId="0" nodeType="clickEffect" nodePh="1">
+                                  <p:stCondLst>
+                                    <p:cond delay="0"/>
+                                  </p:stCondLst>
+                                  <p:endCondLst>
+                                    <p:cond evt="begin" delay="0">
+                                      <p:tn val="5"/>
+                                    </p:cond>
+                                  </p:endCondLst>
+                                  <p:childTnLst>
+                                    <p:set>
+                                      <p:cBhvr>
+                                        <p:cTn id="6" dur="1" fill="hold">
+                                          <p:stCondLst>
+                                            <p:cond delay="0"/>
+                                          </p:stCondLst>
+                                        </p:cTn>
+                                        <p:tgtEl>
+                                          <p:spTgt spid="3"/>
+                                        </p:tgtEl>
+                                        <p:attrNameLst>
+                                          <p:attrName>style.visibility</p:attrName>
+                                        </p:attrNameLst>
+                                      </p:cBhvr>
+                                      <p:to>
+                                        <p:strVal val="visible"/>
+                                      </p:to>
+                                    </p:set>
+                                    <p:animEffect transition="in" filter="circle(in)">
+                                      <p:cBhvr>
+                                        <p:cTn id="7" dur="2000"/>
+                                        <p:tgtEl>
+                                          <p:spTgt spid="3"/>
+                                        </p:tgtEl>
+                                      </p:cBhvr>
+                                    </p:animEffect>
+                                  </p:childTnLst>
+                                </p:cTn>
+                              </p:par>
+                            </p:childTnLst>
+                          </p:cTn>
+                        </p:par>
+                      </p:childTnLst>
+                    </p:cTn>
+                  </p:par>
+                </p:childTnLst>
+              </p:cTn>
+              <p:prevCondLst>
+                <p:cond evt="onPrev" delay="0">
+                  <p:tgtEl>
+                    <p:sldTgt/>
+                  </p:tgtEl>
+                </p:cond>
+              </p:prevCondLst>
+              <p:nextCondLst>
+                <p:cond evt="onNext" delay="0">
+                  <p:tgtEl>
+                    <p:sldTgt/>
+                  </p:tgtEl>
+                </p:cond>
+              </p:nextCondLst>
+            </p:seq>
+          </p:childTnLst>
+        </p:cTn>
       </p:par>
     </p:tnLst>
+    <p:bldLst>
+      <p:bldP spid="3" grpId="0"/>
+    </p:bldLst>
   </p:timing>
 </p:sld>
 </file>
@@ -13156,7 +10122,6 @@
   <p:tag name="ISPRING_WEBLINKS_TARGET" val="_self"/>
   <p:tag name="ISPRING_WEBLINKS_TARGETMJT" val="_self"/>
   <p:tag name="ISPRING_UUID" val="{F313902F-63A6-4F56-8386-EA33D58D04E9}"/>
-  <p:tag name="ISPRING_SCORM_PASSING_SCORE" val="80.000000"/>
   <p:tag name="ISPRING_ULTRA_SCORM_COURCE_TITLE" val="definition"/>
   <p:tag name="ISPRING_PRESENTATION_TITLE" val="definition"/>
   <p:tag name="ISPRING_RESOURCE_FOLDER" val="C:\Users\hp\Desktop\Projects\Nabad\Nabad\psea\en\lessons\definition\"/>
@@ -13164,6 +10129,8 @@
   <p:tag name="ISPRING_SCREEN_RECS_UPDATED" val="C:\Users\hp\Desktop\Projects\Nabad\Nabad\psea\en\lessons\definition\"/>
   <p:tag name="ISPRING_OUTPUT_FOLDER" val="[[&quot;\uFFFD\uFFFDzV{57C549E0-46E2-4BE2-A8C6-FFFABDEA4AE1}&quot;,&quot;C:\\Users\\hp\\Desktop\\Projects\\Nabad\\Nabad\\psea\\en\\lessons&quot;],[&quot;N\uFFFD\u0018\u0012{FE710B7D-E998-49F5-8687-981FF794AE92}&quot;,&quot;C:\\Users\\pc\\Desktop\\Nabad\\safeguarding\\en\\lessons&quot;]]"/>
   <p:tag name="ISPRING-SUITE_ISPRING_PLAYERS_CUSTOMIZATION_2" val="{&quot;universal&quot;:{&quot;skinSettings&quot;:{&quot;borderRadius&quot;:10,&quot;colors&quot;:{&quot;asideBackground&quot;:{&quot;color&quot;:&quot;#EA7540&quot;,&quot;opacity&quot;:1,&quot;type&quot;:&quot;SOLID&quot;},&quot;asideElementBackgroundActive&quot;:{&quot;color&quot;:&quot;#414141&quot;,&quot;opacity&quot;:1,&quot;type&quot;:&quot;SOLID&quot;},&quot;asideElementBackgroundHover&quot;:{&quot;color&quot;:&quot;#FDAA84&quot;,&quot;opacity&quot;:1,&quot;type&quot;:&quot;SOLID&quot;},&quot;asideElementText&quot;:{&quot;color&quot;:&quot;#261813&quot;,&quot;opacity&quot;:1,&quot;type&quot;:&quot;SOLID&quot;},&quot;asideElementTextActive&quot;:{&quot;color&quot;:&quot;#FFFFFF&quot;,&quot;opacity&quot;:1,&quot;type&quot;:&quot;SOLID&quot;},&quot;asideElementTextHover&quot;:{&quot;color&quot;:&quot;#261813&quot;,&quot;opacity&quot;:1,&quot;type&quot;:&quot;SOLID&quot;},&quot;asideLogoBackground&quot;:{&quot;color&quot;:&quot;#EFF1F2&quot;,&quot;opacity&quot;:1,&quot;type&quot;:&quot;SOLID&quot;},&quot;pageBackground&quot;:{&quot;color&quot;:&quot;#F4E9E5&quot;,&quot;opacity&quot;:1,&quot;type&quot;:&quot;SOLID&quot;},&quot;playerBackground&quot;:{&quot;color&quot;:&quot;#FFFFFF&quot;,&quot;opacity&quot;:1,&quot;type&quot;:&quot;SOLID&quot;},&quot;playerText&quot;:{&quot;color&quot;:&quot;#616870&quot;,&quot;opacity&quot;:1,&quot;type&quot;:&quot;SOLID&quot;},&quot;primaryButtonBackground&quot;:{&quot;color&quot;:&quot;#374B5B&quot;,&quot;opacity&quot;:1,&quot;type&quot;:&quot;SOLID&quot;},&quot;primaryButtonBackgroundHover&quot;:{&quot;color&quot;:&quot;#EA7540&quot;,&quot;opacity&quot;:1,&quot;type&quot;:&quot;SOLID&quot;},&quot;primaryButtonBorder&quot;:{&quot;color&quot;:&quot;#374B5B&quot;,&quot;opacity&quot;:1,&quot;type&quot;:&quot;SOLID&quot;},&quot;primaryButtonBorderHover&quot;:{&quot;color&quot;:&quot;#EA7540&quot;,&quot;opacity&quot;:1,&quot;type&quot;:&quot;SOLID&quot;},&quot;primaryButtonText&quot;:{&quot;color&quot;:&quot;#FFFFFF&quot;,&quot;opacity&quot;:1,&quot;type&quot;:&quot;SOLID&quot;},&quot;primaryButtonTextHover&quot;:{&quot;color&quot;:&quot;#FFFFFF&quot;,&quot;opacity&quot;:1,&quot;type&quot;:&quot;SOLID&quot;},&quot;secondaryButtonBackground&quot;:{&quot;color&quot;:&quot;#F1F2F4&quot;,&quot;opacity&quot;:1,&quot;type&quot;:&quot;SOLID&quot;},&quot;secondaryButtonBackgroundHover&quot;:{&quot;color&quot;:&quot;#E5E5E5&quot;,&quot;opacity&quot;:1,&quot;type&quot;:&quot;SOLID&quot;},&quot;secondaryButtonBorder&quot;:{&quot;color&quot;:&quot;#F1F2F4&quot;,&quot;opacity&quot;:1,&quot;type&quot;:&quot;SOLID&quot;},&quot;secondaryButtonBorderHover&quot;:{&quot;color&quot;:&quot;#E5E5E5&quot;,&quot;opacity&quot;:1,&quot;type&quot;:&quot;SOLID&quot;},&quot;secondaryButtonText&quot;:{&quot;color&quot;:&quot;#616870&quot;,&quot;opacity&quot;:1,&quot;type&quot;:&quot;SOLID&quot;},&quot;secondaryButtonTextHover&quot;:{&quot;color&quot;:&quot;#616870&quot;,&quot;opacity&quot;:1,&quot;type&quot;:&quot;SOLID&quot;}},&quot;controlPanel&quot;:{&quot;navigationMode&quot;:&quot;bySlides&quot;,&quot;progressBar&quot;:{&quot;enabled&quot;:true,&quot;mode&quot;:&quot;presentationTimeline&quot;,&quot;showLabels&quot;:true,&quot;visible&quot;:false},&quot;showCCButton&quot;:false,&quot;showNextButton&quot;:true,&quot;showOutline&quot;:false,&quot;showPlayPause&quot;:false,&quot;showPlaybackRateButton&quot;:false,&quot;showPrevButton&quot;:true,&quot;showRewind&quot;:false,&quot;showSlideNumbers&quot;:false,&quot;showSlideOnlyButton&quot;:true,&quot;showSubtitlesButton&quot;:false,&quot;showTimer&quot;:false,&quot;showVolumeControl&quot;:false,&quot;visible&quot;:true},&quot;fontFamily&quot;:&quot;Arial&quot;,&quot;miniskinCustomizationEnabled&quot;:false,&quot;outlinePanel&quot;:{&quot;highlightViewedEntries&quot;:false,&quot;multilevel&quot;:true,&quot;numberEntries&quot;:true,&quot;search&quot;:true,&quot;thumbnails&quot;:true},&quot;sidePanel&quot;:{&quot;showAtLeft&quot;:false,&quot;showLogo&quot;:false,&quot;showNotes&quot;:false,&quot;showOutline&quot;:false,&quot;showPresenterInfo&quot;:false,&quot;showPresenterVideo&quot;:false,&quot;visible&quot;:false},&quot;titlePanel&quot;:{&quot;buttons&quot;:[&quot;attachments&quot;,&quot;markerTools&quot;,&quot;presenterInfo&quot;],&quot;buttonsAtLeft&quot;:true,&quot;courseTitleVisible&quot;:true,&quot;showLogo&quot;:false,&quot;visible&quot;:false},&quot;version&quot;:&quot;1.2&quot;},&quot;skinMessages&quot;:{&quot;PB_ACCESSIBLE_ARIA_LABEL_BACK_TO_BEGIN&quot;:&quot;Go to the beginning of the slide&quot;,&quot;PB_ACCESSIBLE_ARIA_LABEL_BOTTOM_PANEL&quot;:&quot;Bottom Bar&quot;,&quot;PB_ACCESSIBLE_ARIA_LABEL_NAVIGATION_BUTTONS&quot;:&quot;Navigation buttons&quot;,&quot;PB_ACCESSIBLE_ARIA_LABEL_SETTINGS&quot;:&quot;Accessibility Settings&quot;,&quot;PB_ACCESSIBLE_ARIA_LABEL_SLIDE&quot;:&quot;Slide&quot;,&quot;PB_ACCESSIBLE_ARIA_LABEL_TOP_PANEL&quot;:&quot;Top Bar&quot;,&quot;PB_ACCESSIBLE_AUDIO_NARRATION_LABEL&quot;:&quot;Audio narration&quot;,&quot;PB_ACCESSIBLE_AUDIO_SUBTITLES_LABEL&quot;:&quot;Closed Captions&quot;,&quot;PB_ACCESSIBLE_NAVIGATION_NEXT_BUTTON&quot;:&quot;Next&quot;,&quot;PB_ACCESSIBLE_NAVIGATION_PREV_BUTTON&quot;:&quot;Previous&quot;,&quot;PB_ACCESSIBLE_SKIN_ENABLE_ACCESSIBILITY_MODE&quot;:&quot;Turn on accessibility mode&quot;,&quot;PB_ACCESSIBLE_SKIN_ENABLE_NORMAL_MODE&quot;:&quot;Turn off accessibility mode&quot;,&quot;PB_ACCESSIBLE_SKIN_PRESENTER_PHOTO&quot;:&quot;Presenter photo&quot;,&quot;PB_ACCESSIBLE_SLIDE_N_OF_COUNT&quot;:&quot;Slide %SLIDE_NUMBER% of %TOTAL_SLIDES%&quot;,&quot;PB_ACCESSIBLE_VIDEO_NARRATION_LABEL&quot;:&quot;Video narration&quot;,&quot;PB_ACCESSIBLE_WATERMARK_SKIN_CREATED_WITH&quot;:&quot;Created with iSpring evaluation version&quot;,&quot;PB_ATTACHMENT_DOCUMENT_SUBTITLE&quot;:&quot;Document&quot;,&quot;PB_ATTACHMENT_FILE_SUBTITLE&quot;:&quot;File&quot;,&quot;PB_ATTACHMENT_IMAGE_SUBTITLE&quot;:&quot;Picture&quot;,&quot;PB_ATTACHMENT_LINK_SUBTITLE&quot;:&quot;Link&quot;,&quot;PB_ATTACHMENT_VIDEO_SUBTITLE&quot;:&quot;Video&quot;,&quot;PB_BACK_TO_APP_BUTTON_LABEL&quot;:&quot;Go back&quot;,&quot;PB_CONTROL_PANEL_CLOSED_CAPTIONS&quot;:&quot;Notes&quot;,&quot;PB_CONTROL_PANEL_EXIT_FULL_SCREEN&quot;:&quot;Exit full screen&quot;,&quot;PB_CONTROL_PANEL_FULL_SCREEN&quot;:&quot;Full screen&quot;,&quot;PB_CONTROL_PANEL_NEXT&quot;:&quot;Next&quot;,&quot;PB_CONTROL_PANEL_OUTLINE&quot;:&quot;Outline&quot;,&quot;PB_CONTROL_PANEL_PREV&quot;:&quot;&quot;,&quot;PB_CONTROL_PANEL_REPLAY&quot;:&quot;Replay&quot;,&quot;PB_CONTROL_PANEL_SLIDE_COUNTER&quot;:&quot;%SLIDE_NUMBER% of %TOTAL_SLIDES%&quot;,&quot;PB_CONTROL_PANEL_SUBTITLES&quot;:&quot;Closed Captions&quot;,&quot;PB_CONTROL_PANEL_VOLUME_CONTROL&quot;:&quot;Volume&quot;,&quot;PB_CURRENT_SLIDE_IS_NOT_COMPLETED&quot;:&quot;Complete the slide to go to the next one.&quot;,&quot;PB_DOMAIN_RESTRICTION&quot;:&quot;Sorry, the content author has prohibited sharing the presentation on this domain.&quot;,&quot;PB_DRAWING_TOOLS_END_DRAWING&quot;:&quot;Finish drawing&quot;,&quot;PB_DRAWING_TOOLS_ERASER&quot;:&quot;Eraser&quot;,&quot;PB_DRAWING_TOOLS_ERASE_ALL&quot;:&quot;Erase all&quot;,&quot;PB_DRAWING_TOOLS_HIGHLIGHTER&quot;:&quot;Highlighter&quot;,&quot;PB_DRAWING_TOOLS_PEN&quot;:&quot;Pen&quot;,&quot;PB_ENTER_PASSWORD&quot;:&quot;Enter the password to view this presentation.&quot;,&quot;PB_INCORRECT_PASSWORD&quot;:&quot;Incorrect password.&quot;,&quot;PB_INTERACTION_SLIDE_WINDOW_TEXT&quot;:&quot;To advance to the next slide, complete this interaction.&quot;,&quot;PB_MESSAGE_BOX_NO&quot;:&quot;No&quot;,&quot;PB_MESSAGE_BOX_OK&quot;:&quot;OK&quot;,&quot;PB_MESSAGE_BOX_YES&quot;:&quot;Yes&quot;,&quot;PB_NAVIGATION_IS_RESTRICTED&quot;:&quot;You can only view slides in order.&quot;,&quot;PB_NAVIGATION_IS_SEQUENTIAL&quot;:&quot;You can only view slides in order.&quot;,&quot;PB_PLAYBACK_RATE_MENU_CAPTION&quot;:&quot;Speed&quot;,&quot;PB_PRECEDING_QUIZ_FAILED_WINDOW_TEXT&quot;:&quot;You haven't passed the quiz on slide %SLIDE_INDEX% and can't advance to the next slide.&quot;,&quot;PB_PRECEDING_QUIZ_NOT_COMPLETED_WINDOW_TEXT&quot;:&quot;To advance to this slide, complete the quiz on slide %SLIDE_INDEX%.&quot;,&quot;PB_PRECEDING_QUIZ_NOT_PASSED_WINDOW_TEXT&quot;:&quot;To advance to this slide, you need to pass the quiz on slide %SLIDE_INDEX%.&quot;,&quot;PB_PRECEDING_SCENARIO_FAILED_WINDOW_TEXT&quot;:&quot;You haven't passed the role-play on slide %SLIDE_INDEX% and can't advance to the next slide.&quot;,&quot;PB_PRECEDING_SCENARIO_NOT_COMPLETED_WINDOW_TEXT&quot;:&quot;To advance to this slide, complete the role-play on slide %SLIDE_INDEX%.&quot;,&quot;PB_PRECEDING_SCENARIO_NOT_PASSED_WINDOW_TEXT&quot;:&quot;To advance to this slide, you need to pass the role-play on slide %SLIDE_INDEX%.&quot;,&quot;PB_PRESENTER_COLLAPSE_BIO&quot;:&quot;Show less&quot;,&quot;PB_PRESENTER_EMAIL&quot;:&quot;Email&quot;,&quot;PB_PRESENTER_EXPAND_BIO&quot;:&quot;Show more&quot;,&quot;PB_PRESENTER_NO_INFO&quot;:&quot;No presenter info.&quot;,&quot;PB_PRESENTER_WEBSITE&quot;:&quot;Website&quot;,&quot;PB_QUIZ_SLIDE_WINDOW_TEXT&quot;:&quot;To advance to the next slide, complete this quiz.&quot;,&quot;PB_RATE_MENU_CAPTION&quot;:&quot;Speed&quot;,&quot;PB_RATE_MENU_DEFAULT_RATE&quot;:&quot;Normal&quot;,&quot;PB_RESUME_PRESENTATION_WINDOW_TEXT&quot;:&quot;Do you want to resume where you left off?&quot;,&quot;PB_SCENARIO_SLIDE_WINDOW_TEXT&quot;:&quot;To advance to the next slide, complete this role-play.&quot;,&quot;PB_SEARCH_CANCEL&quot;:&quot;Cancel&quot;,&quot;PB_SEARCH_NO_RESULTS_LABEL&quot;:&quot;No matches found.&quot;,&quot;PB_SEARCH_PANEL_DEFAULT_TEXT&quot;:&quot;Search…&quot;,&quot;PB_SEARCH_RESULTS_LABEL&quot;:&quot;Search results&quot;,&quot;PB_SEARCH_RESULT_IN_NOTES&quot;:&quot;in notes&quot;,&quot;PB_SEARCH_RESULT_IN_TEXT_LABEL&quot;:&quot;in slide&quot;,&quot;PB_SUBTITLES_MENU_CAPTION&quot;:&quot;Subtitles&quot;,&quot;PB_SUBTITLES_OFF&quot;:&quot;Off&quot;,&quot;PB_TAB_NOTES_LABEL&quot;:&quot;Notes&quot;,&quot;PB_TAB_OUTLINE_LABEL&quot;:&quot;Slides&quot;,&quot;PB_TIME_RESTRICTION&quot;:&quot;Sorry, the content author has prohibited viewing the presentation at this time.&quot;,&quot;PB_TITLE_PANEL_ATTACHMENTS&quot;:&quot;Resources&quot;,&quot;PB_TITLE_PANEL_MARKER_TOOLS&quot;:&quot;Drawing&quot;,&quot;PB_TITLE_PANEL_NOTES&quot;:&quot;Notes&quot;,&quot;PB_TITLE_PANEL_OUTLINE&quot;:&quot;Outline&quot;,&quot;PB_TITLE_PANEL_PRESENTER_INFO&quot;:&quot;Presenter Info&quot;,&quot;PB_TREE_CONTROL_LOADING&quot;:&quot;Loading…&quot;,&quot;PB_VIDEO_WINDOW_NO_VIDEO_LABEL&quot;:&quot;No video&quot;},&quot;playbackAndNavigationSettings&quot;:{&quot;autoStart&quot;:true,&quot;saveAnimationStates&quot;:true,&quot;loopPresentation&quot;:false,&quot;autoPlayAnimations&quot;:false,&quot;autoPlayAnimationsTime&quot;:1,&quot;navigationType&quot;:&quot;LIMITED&quot;,&quot;resumeMode&quot;:&quot;PROMPT&quot;,&quot;enableKeyboardNavigation&quot;:true},&quot;keyboardSettings&quot;:&quot;&quot;,&quot;skinVersion&quot;:3,&quot;skinCompatibleVersion&quot;:0,&quot;publishSettings&quot;:{&quot;backgroundColor&quot;:&quot;#F4E9E5&quot;,&quot;playerDimensions&quot;:{&quot;height&quot;:92,&quot;width&quot;:16},&quot;playerModule&quot;:&quot;UniversalHtml&quot;,&quot;presentationContent&quot;:{&quot;metadata&quot;:{&quot;references&quot;:false,&quot;texts&quot;:[&quot;DT_HYPERLINK_TOOLTIP&quot;]},&quot;resources&quot;:{&quot;attachments&quot;:false,&quot;fonts&quot;:[{&quot;charsets&quot;:{&quot;dynamicFormatted&quot;:[&quot;DCT_INTERACTIVITY_TEXT&quot;,&quot;DCT_INTERACTIVITY_SEMIBOLD_TEXT&quot;],&quot;dynamicPlain&quot;:[&quot;DCT_HYPERLINK_TOOLTIP&quot;],&quot;static&quot;:[&quot;Next&quot;,&quot;Full screen&quot;,&quot;Exit full screen&quot;,&quot;Yes&quot;,&quot;No&quot;,&quot;OK&quot;,&quot;Do you want to resume where you left off?&quot;,&quot;Complete the slide to go to the next one.&quot;,&quot;You can only view slides in order.&quot;,&quot;To advance to the next slide, complete this quiz.&quot;,&quot;To advance to this slide, you need to pass the quiz on slide %SLIDE_INDEX%.&quot;,&quot;To advance to this slide, complete the quiz on slide %SLIDE_INDEX%.&quot;,&quot;You haven't passed the quiz on slide %SLIDE_INDEX% and can't advance to the next slide.&quot;,&quot;To advance to the next slide, complete this interaction.&quot;,&quot;To advance to the next slide, complete this role-play.&quot;,&quot;To advance to this slide, you need to pass the role-play on slide %SLIDE_INDEX%.&quot;,&quot;To advance to this slide, complete the role-play on slide %SLIDE_INDEX%.&quot;,&quot;You haven't passed the role-play on slide %SLIDE_INDEX% and can't advance to the next slide.&quot;,&quot;Enter the password to view this presentation.&quot;,&quot;Incorrect password.&quot;,&quot;Sorry, the content author has prohibited sharing the presentation on this domain.&quot;,&quot;Sorry, the content author has prohibited viewing the presentation at this time.&quot;,&quot;Go back&quot;]},&quot;embedName&quot;:&quot;PFn&quot;,&quot;fontFamily&quot;:&quot;Arial&quot;,&quot;isBold&quot;:false,&quot;isItalic&quot;:false,&quot;isSemibold&quot;:false,&quot;substituteFontFamily&quot;:&quot;Arial&quot;},{&quot;charsets&quot;:{&quot;dynamicFormatted&quot;:[&quot;DCT_INTERACTIVITY_TEXT&quot;,&quot;DCT_INTERACTIVITY_SEMIBOLD_TEXT&quot;],&quot;dynamicPlain&quot;:[&quot;DCT_HYPERLINK_TOOLTIP&quot;],&quot;static&quot;:[&quot;Next&quot;,&quot;Full screen&quot;,&quot;Exit full screen&quot;,&quot;Yes&quot;,&quot;No&quot;,&quot;OK&quot;,&quot;Do you want to resume where you left off?&quot;,&quot;Complete the slide to go to the next one.&quot;,&quot;You can only view slides in order.&quot;,&quot;To advance to the next slide, complete this quiz.&quot;,&quot;To advance to this slide, you need to pass the quiz on slide %SLIDE_INDEX%.&quot;,&quot;To advance to this slide, complete the quiz on slide %SLIDE_INDEX%.&quot;,&quot;You haven't passed the quiz on slide %SLIDE_INDEX% and can't advance to the next slide.&quot;,&quot;To advance to the next slide, complete this interaction.&quot;,&quot;To advance to the next slide, complete this role-play.&quot;,&quot;To advance to this slide, you need to pass the role-play on slide %SLIDE_INDEX%.&quot;,&quot;To advance to this slide, complete the role-play on slide %SLIDE_INDEX%.&quot;,&quot;You haven't passed the role-play on slide %SLIDE_INDEX% and can't advance to the next slide.&quot;,&quot;Enter the password to view this presentation.&quot;,&quot;Incorrect password.&quot;,&quot;Sorry, the content author has prohibited sharing the presentation on this domain.&quot;,&quot;Sorry, the content author has prohibited viewing the presentation at this time.&quot;,&quot;Go back&quot;]},&quot;embedName&quot;:&quot;PFnb&quot;,&quot;fontFamily&quot;:&quot;Arial&quot;,&quot;isBold&quot;:true,&quot;isItalic&quot;:false,&quot;isSemibold&quot;:false,&quot;substituteFontFamily&quot;:&quot;Arial&quot;},{&quot;charsets&quot;:{&quot;dynamicFormatted&quot;:[&quot;DCT_INTERACTIVITY_TEXT&quot;,&quot;DCT_INTERACTIVITY_SEMIBOLD_TEXT&quot;],&quot;dynamicPlain&quot;:[&quot;DCT_HYPERLINK_TOOLTIP&quot;],&quot;static&quot;:[&quot;Next&quot;,&quot;Full screen&quot;,&quot;Exit full screen&quot;,&quot;Yes&quot;,&quot;No&quot;,&quot;OK&quot;,&quot;Do you want to resume where you left off?&quot;,&quot;Complete the slide to go to the next one.&quot;,&quot;You can only view slides in order.&quot;,&quot;To advance to the next slide, complete this quiz.&quot;,&quot;To advance to this slide, you need to pass the quiz on slide %SLIDE_INDEX%.&quot;,&quot;To advance to this slide, complete the quiz on slide %SLIDE_INDEX%.&quot;,&quot;You haven't passed the quiz on slide %SLIDE_INDEX% and can't advance to the next slide.&quot;,&quot;To advance to the next slide, complete this interaction.&quot;,&quot;To advance to the next slide, complete this role-play.&quot;,&quot;To advance to this slide, you need to pass the role-play on slide %SLIDE_INDEX%.&quot;,&quot;To advance to this slide, complete the role-play on slide %SLIDE_INDEX%.&quot;,&quot;You haven't passed the role-play on slide %SLIDE_INDEX% and can't advance to the next slide.&quot;,&quot;Enter the password to view this presentation.&quot;,&quot;Incorrect password.&quot;,&quot;Sorry, the content author has prohibited sharing the presentation on this domain.&quot;,&quot;Sorry, the content author has prohibited viewing the presentation at this time.&quot;,&quot;Go back&quot;]},&quot;embedName&quot;:&quot;PFni&quot;,&quot;fontFamily&quot;:&quot;Arial&quot;,&quot;isBold&quot;:false,&quot;isItalic&quot;:true,&quot;isSemibold&quot;:false,&quot;substituteFontFamily&quot;:&quot;Arial&quot;},{&quot;charsets&quot;:{&quot;dynamicFormatted&quot;:[&quot;DCT_INTERACTIVITY_TEXT&quot;,&quot;DCT_INTERACTIVITY_SEMIBOLD_TEXT&quot;],&quot;dynamicPlain&quot;:[&quot;DCT_HYPERLINK_TOOLTIP&quot;],&quot;static&quot;:[&quot;Next&quot;,&quot;Full screen&quot;,&quot;Exit full screen&quot;,&quot;Yes&quot;,&quot;No&quot;,&quot;OK&quot;,&quot;Do you want to resume where you left off?&quot;,&quot;Complete the slide to go to the next one.&quot;,&quot;You can only view slides in order.&quot;,&quot;To advance to the next slide, complete this quiz.&quot;,&quot;To advance to this slide, you need to pass the quiz on slide %SLIDE_INDEX%.&quot;,&quot;To advance to this slide, complete the quiz on slide %SLIDE_INDEX%.&quot;,&quot;You haven't passed the quiz on slide %SLIDE_INDEX% and can't advance to the next slide.&quot;,&quot;To advance to the next slide, complete this interaction.&quot;,&quot;To advance to the next slide, complete this role-play.&quot;,&quot;To advance to this slide, you need to pass the role-play on slide %SLIDE_INDEX%.&quot;,&quot;To advance to this slide, complete the role-play on slide %SLIDE_INDEX%.&quot;,&quot;You haven't passed the role-play on slide %SLIDE_INDEX% and can't advance to the next slide.&quot;,&quot;Enter the password to view this presentation.&quot;,&quot;Incorrect password.&quot;,&quot;Sorry, the content author has prohibited sharing the presentation on this domain.&quot;,&quot;Sorry, the content author has prohibited viewing the presentation at this time.&quot;,&quot;Go back&quot;]},&quot;embedName&quot;:&quot;PFnbi&quot;,&quot;fontFamily&quot;:&quot;Arial&quot;,&quot;isBold&quot;:true,&quot;isItalic&quot;:true,&quot;isSemibold&quot;:false,&quot;substituteFontFamily&quot;:&quot;Arial&quot;},{&quot;charsets&quot;:{&quot;dynamicFormatted&quot;:[&quot;DCT_INTERACTIVITY_TEXT&quot;,&quot;DCT_INTERACTIVITY_SEMIBOLD_TEXT&quot;],&quot;dynamicPlain&quot;:[&quot;DCT_HYPERLINK_TOOLTIP&quot;],&quot;static&quot;:[&quot;Next&quot;,&quot;Full screen&quot;,&quot;Exit full screen&quot;,&quot;Yes&quot;,&quot;No&quot;,&quot;OK&quot;,&quot;Do you want to resume where you left off?&quot;,&quot;Complete the slide to go to the next one.&quot;,&quot;You can only view slides in order.&quot;,&quot;To advance to the next slide, complete this quiz.&quot;,&quot;To advance to this slide, you need to pass the quiz on slide %SLIDE_INDEX%.&quot;,&quot;To advance to this slide, complete the quiz on slide %SLIDE_INDEX%.&quot;,&quot;You haven't passed the quiz on slide %SLIDE_INDEX% and can't advance to the next slide.&quot;,&quot;To advance to the next slide, complete this interaction.&quot;,&quot;To advance to the next slide, complete this role-play.&quot;,&quot;To advance to this slide, you need to pass the role-play on slide %SLIDE_INDEX%.&quot;,&quot;To advance to this slide, complete the role-play on slide %SLIDE_INDEX%.&quot;,&quot;You haven't passed the role-play on slide %SLIDE_INDEX% and can't advance to the next slide.&quot;,&quot;Enter the password to view this presentation.&quot;,&quot;Incorrect password.&quot;,&quot;Sorry, the content author has prohibited sharing the presentation on this domain.&quot;,&quot;Sorry, the content author has prohibited viewing the presentation at this time.&quot;,&quot;Go back&quot;]},&quot;embedName&quot;:&quot;PFnsb&quot;,&quot;fontFamily&quot;:&quot;Arial&quot;,&quot;isBold&quot;:false,&quot;isItalic&quot;:false,&quot;isSemibold&quot;:true,&quot;substituteFontFamily&quot;:&quot;Arial&quot;},{&quot;charsets&quot;:{&quot;dynamicFormatted&quot;:[&quot;DCT_INTERACTIVITY_TEXT&quot;,&quot;DCT_INTERACTIVITY_SEMIBOLD_TEXT&quot;],&quot;dynamicPlain&quot;:[&quot;DCT_HYPERLINK_TOOLTIP&quot;],&quot;static&quot;:[&quot;Next&quot;,&quot;Full screen&quot;,&quot;Exit full screen&quot;,&quot;Yes&quot;,&quot;No&quot;,&quot;OK&quot;,&quot;Do you want to resume where you left off?&quot;,&quot;Complete the slide to go to the next one.&quot;,&quot;You can only view slides in order.&quot;,&quot;To advance to the next slide, complete this quiz.&quot;,&quot;To advance to this slide, you need to pass the quiz on slide %SLIDE_INDEX%.&quot;,&quot;To advance to this slide, complete the quiz on slide %SLIDE_INDEX%.&quot;,&quot;You haven't passed the quiz on slide %SLIDE_INDEX% and can't advance to the next slide.&quot;,&quot;To advance to the next slide, complete this interaction.&quot;,&quot;To advance to the next slide, complete this role-play.&quot;,&quot;To advance to this slide, you need to pass the role-play on slide %SLIDE_INDEX%.&quot;,&quot;To advance to this slide, complete the role-play on slide %SLIDE_INDEX%.&quot;,&quot;You haven't passed the role-play on slide %SLIDE_INDEX% and can't advance to the next slide.&quot;,&quot;Enter the password to view this presentation.&quot;,&quot;Incorrect password.&quot;,&quot;Sorry, the content author has prohibited sharing the presentation on this domain.&quot;,&quot;Sorry, the content author has prohibited viewing the presentation at this time.&quot;,&quot;Go back&quot;]},&quot;embedName&quot;:&quot;PFnsbi&quot;,&quot;fontFamily&quot;:&quot;Arial&quot;,&quot;isBold&quot;:false,&quot;isItalic&quot;:true,&quot;isSemibold&quot;:true,&quot;substituteFontFamily&quot;:&quot;Arial&quot;}],&quot;interactivity&quot;:{&quot;fullSupport&quot;:true}}}},&quot;ceipData&quot;:{&quot;enableMiniSkinCustomization&quot;:false,&quot;playerLayout&quot;:&quot;custom&quot;,&quot;playerLayoutFooter&quot;:&quot;fullscreen,goToPrev,goToNext&quot;,&quot;playerLayoutHeader&quot;:&quot;&quot;,&quot;playerLayoutHeaderButtonsPosition&quot;:&quot;&quot;,&quot;playerLayoutOutline&quot;:&quot;&quot;,&quot;playerLayoutProgress&quot;:&quot;&quot;,&quot;playerLayoutProgressMode&quot;:&quot;&quot;,&quot;playerLayoutSidebar&quot;:&quot;&quot;,&quot;playerLayoutSidebarPosition&quot;:&quot;&quot;,&quot;playerMessages&quot;:&quot;builtin.en&quot;,&quot;playerNavigationAutoStart&quot;:true,&quot;playerNavigationEnableKeyboardNavigation&quot;:true,&quot;playerNavigationMode&quot;:&quot;bySlides&quot;,&quot;playerNavigationOnRestart&quot;:&quot;prompt&quot;,&quot;playerNavigationSaveAnimationStates&quot;:true,&quot;playerNavigationType&quot;:&quot;restricted&quot;,&quot;playerTheme&quot;:&quot;custom&quot;,&quot;playerThemeBorderRadius&quot;:10,&quot;playerThemeColorScheme&quot;:&quot;builtin.lightOrange&quot;,&quot;playerThemeFont&quot;:&quot;Arial&quot;}},&quot;none&quot;:{&quot;skinSettings&quot;:{&quot;borderRadius&quot;:10,&quot;colors&quot;:{&quot;asideBackground&quot;:{&quot;color&quot;:&quot;#FFFFFF&quot;,&quot;opacity&quot;:1,&quot;type&quot;:&quot;SOLID&quot;},&quot;pageBackground&quot;:{&quot;color&quot;:&quot;#DCDEE0&quot;,&quot;opacity&quot;:1,&quot;type&quot;:&quot;SOLID&quot;},&quot;playerText&quot;:{&quot;color&quot;:&quot;#34383D&quot;,&quot;opacity&quot;:1,&quot;type&quot;:&quot;SOLID&quot;},&quot;primaryButtonBackground&quot;:{&quot;color&quot;:&quot;#5F8BD9&quot;,&quot;opacity&quot;:1,&quot;type&quot;:&quot;SOLID&quot;},&quot;primaryButtonBackgroundHover&quot;:{&quot;color&quot;:&quot;#5077BB&quot;,&quot;opacity&quot;:1,&quot;type&quot;:&quot;SOLID&quot;},&quot;primaryButtonBorder&quot;:{&quot;color&quot;:&quot;#5F8BD9&quot;,&quot;opacity&quot;:1,&quot;type&quot;:&quot;SOLID&quot;},&quot;primaryButtonBorderHover&quot;:{&quot;color&quot;:&quot;#5077BB&quot;,&quot;opacity&quot;:1,&quot;type&quot;:&quot;SOLID&quot;},&quot;primaryButtonText&quot;:{&quot;color&quot;:&quot;#FFFFFF&quot;,&quot;opacity&quot;:1,&quot;type&quot;:&quot;SOLID&quot;},&quot;primaryButtonTextHover&quot;:{&quot;color&quot;:&quot;#FFFFFF&quot;,&quot;opacity&quot;:1,&quot;type&quot;:&quot;SOLID&quot;}},&quot;enablePlaybackRateControl&quot;:true,&quot;fontFamily&quot;:&quot;Arial&quot;,&quot;version&quot;:&quot;1.0&quot;},&quot;skinMessages&quot;:{&quot;PB_ACCESSIBLE_ARIA_LABEL_BACK_TO_BEGIN&quot;:&quot;Go to the beginning of the slide&quot;,&quot;PB_ACCESSIBLE_ARIA_LABEL_BOTTOM_PANEL&quot;:&quot;Bottom Bar&quot;,&quot;PB_ACCESSIBLE_ARIA_LABEL_NAVIGATION_BUTTONS&quot;:&quot;Navigation buttons&quot;,&quot;PB_ACCESSIBLE_ARIA_LABEL_SETTINGS&quot;:&quot;Accessibility Settings&quot;,&quot;PB_ACCESSIBLE_ARIA_LABEL_SLIDE&quot;:&quot;Slide&quot;,&quot;PB_ACCESSIBLE_ARIA_LABEL_TOP_PANEL&quot;:&quot;Top Bar&quot;,&quot;PB_ACCESSIBLE_AUDIO_NARRATION_LABEL&quot;:&quot;Audio narration&quot;,&quot;PB_ACCESSIBLE_NAVIGATION_NEXT_BUTTON&quot;:&quot;Next&quot;,&quot;PB_ACCESSIBLE_NAVIGATION_PREV_BUTTON&quot;:&quot;Previous&quot;,&quot;PB_ACCESSIBLE_PLAYER_SCENARIO_NOT_SUPPORTED&quot;:&quot;The role-play is not supported in the accessibility mode&quot;,&quot;PB_ACCESSIBLE_SKIN_ENABLE_ACCESSIBILITY_MODE&quot;:&quot;Turn on accessibility mode&quot;,&quot;PB_ACCESSIBLE_SKIN_ENABLE_NORMAL_MODE&quot;:&quot;Turn off accessibility mode&quot;,&quot;PB_ACCESSIBLE_VIDEO_NARRATION_LABEL&quot;:&quot;Video narration&quot;,&quot;PB_ACCESSIBLE_WATERMARK_SKIN_CREATED_WITH&quot;:&quot;Created with iSpring evaluation version&quot;,&quot;PB_BACK_TO_APP_BUTTON_LABEL&quot;:&quot;Go back&quot;,&quot;PB_CONTROL_PANEL_NEXT&quot;:&quot;Next&quot;,&quot;PB_CONTROL_PANEL_PREV&quot;:&quot;&quot;,&quot;PB_CURRENT_SLIDE_IS_NOT_COMPLETED&quot;:&quot;Complete the slide to go to the next one.&quot;,&quot;PB_DOMAIN_RESTRICTION&quot;:&quot;Sorry, the content author has prohibited sharing the presentation on this domain.&quot;,&quot;PB_ENTER_PASSWORD&quot;:&quot;Enter the password to view this presentation.&quot;,&quot;PB_INCORRECT_PASSWORD&quot;:&quot;Incorrect password.&quot;,&quot;PB_INTERACTION_SLIDE_WINDOW_TEXT&quot;:&quot;To advance to the next slide, complete this interaction.&quot;,&quot;PB_MESSAGE_BOX_NO&quot;:&quot;No&quot;,&quot;PB_MESSAGE_BOX_OK&quot;:&quot;OK&quot;,&quot;PB_MESSAGE_BOX_YES&quot;:&quot;Yes&quot;,&quot;PB_NAVIGATION_IS_RESTRICTED&quot;:&quot;You can only view slides in order.&quot;,&quot;PB_NAVIGATION_IS_SEQUENTIAL&quot;:&quot;You can only view slides in order.&quot;,&quot;PB_PLAYBACK_RATE_MENU_CAPTION&quot;:&quot;Speed&quot;,&quot;PB_PRECEDING_QUIZ_FAILED_WINDOW_TEXT&quot;:&quot;You haven't passed the quiz on slide %SLIDE_INDEX% and can't advance to the next slide.&quot;,&quot;PB_PRECEDING_QUIZ_NOT_COMPLETED_WINDOW_TEXT&quot;:&quot;To advance to this slide, complete the quiz on slide %SLIDE_INDEX%.&quot;,&quot;PB_PRECEDING_QUIZ_NOT_PASSED_WINDOW_TEXT&quot;:&quot;To advance to this slide, you need to pass the quiz on slide %SLIDE_INDEX%.&quot;,&quot;PB_PRECEDING_SCENARIO_FAILED_WINDOW_TEXT&quot;:&quot;You haven't passed the role-play on slide %SLIDE_INDEX% and can't advance to the next slide.&quot;,&quot;PB_PRECEDING_SCENARIO_NOT_COMPLETED_WINDOW_TEXT&quot;:&quot;To advance to this slide, complete the role-play on slide %SLIDE_INDEX%.&quot;,&quot;PB_PRECEDING_SCENARIO_NOT_PASSED_WINDOW_TEXT&quot;:&quot;To advance to this slide, you need to pass the role-play on slide %SLIDE_INDEX%.&quot;,&quot;PB_QUIZ_SLIDE_WINDOW_TEXT&quot;:&quot;To advance to the next slide, complete this quiz.&quot;,&quot;PB_RESTRICTION_MESSAGE_BOX_TITLE&quot;:&quot;Navigation is limited&quot;,&quot;PB_RESUME_PRESENTATION_WINDOW_TEXT&quot;:&quot;Do you want to resume where you left off?&quot;,&quot;PB_RESUME_PRESENTATION_WINDOW_TITLE&quot;:&quot;Resume Presentation&quot;,&quot;PB_SCENARIO_SLIDE_WINDOW_TEXT&quot;:&quot;To advance to the next slide, complete this role-play.&quot;,&quot;PB_SUBTITLES_MENU_CAPTION&quot;:&quot;Subtitles&quot;,&quot;PB_SUBTITLES_OFF&quot;:&quot;Off&quot;,&quot;PB_TIME_RESTRICTION&quot;:&quot;Sorry, the content author has prohibited viewing the presentation at this time.&quot;},&quot;playbackAndNavigationSettings&quot;:{&quot;autoStart&quot;:true,&quot;saveAnimationStates&quot;:true,&quot;loopPresentation&quot;:false,&quot;autoPlayAnimations&quot;:false,&quot;autoPlayAnimationsTime&quot;:1,&quot;navigationType&quot;:&quot;FREE&quot;,&quot;resumeMode&quot;:&quot;PROMPT&quot;,&quot;enableKeyboardNavigation&quot;:true},&quot;keyboardSettings&quot;:&quot;&quot;,&quot;skinVersion&quot;:2,&quot;skinCompatibleVersion&quot;:0,&quot;publishSettings&quot;:{&quot;backgroundColor&quot;:&quot;#DCDEE0&quot;,&quot;playerDimensions&quot;:{&quot;height&quot;:0,&quot;width&quot;:0},&quot;playerModule&quot;:&quot;NoneHtml&quot;,&quot;presentationContent&quot;:{&quot;resources&quot;:{&quot;attachments&quot;:false,&quot;fonts&quot;:[{&quot;charsets&quot;:{&quot;dynamicFormatted&quot;:[&quot;DCT_INTERACTIVITY_TEXT&quot;,&quot;DCT_INTERACTIVITY_SEMIBOLD_TEXT&quot;],&quot;dynamicPlain&quot;:[&quot;DCT_HYPERLINK_TOOLTIP&quot;],&quot;static&quot;:[&quot;Next&quot;,&quot;0123456789.,x&quot;,&quot;Speed&quot;,&quot;Yes&quot;,&quot;No&quot;,&quot;OK&quot;,&quot;Do you want to resume where you left off?&quot;,&quot;Complete the slide to go to the next one.&quot;,&quot;You can only view slides in order.&quot;,&quot;To advance to the next slide, complete this quiz.&quot;,&quot;To advance to this slide, you need to pass the quiz on slide %SLIDE_INDEX%.&quot;,&quot;To advance to this slide, complete the quiz on slide %SLIDE_INDEX%.&quot;,&quot;You haven't passed the quiz on slide %SLIDE_INDEX% and can't advance to the next slide.&quot;,&quot;To advance to the next slide, complete this interaction.&quot;,&quot;To advance to the next slide, complete this role-play.&quot;,&quot;To advance to this slide, you need to pass the role-play on slide %SLIDE_INDEX%.&quot;,&quot;To advance to this slide, complete the role-play on slide %SLIDE_INDEX%.&quot;,&quot;You haven't passed the role-play on slide %SLIDE_INDEX% and can't advance to the next slide.&quot;,&quot;Enter the password to view this presentation.&quot;,&quot;Incorrect password.&quot;,&quot;Sorry, the content author has prohibited sharing the presentation on this domain.&quot;,&quot;Sorry, the content author has prohibited viewing the presentation at this time.&quot;,&quot;Go back&quot;]},&quot;embedName&quot;:&quot;nPFn&quot;,&quot;fontFamily&quot;:&quot;Arial&quot;,&quot;isBold&quot;:false,&quot;isItalic&quot;:false,&quot;isSemibold&quot;:false,&quot;substituteFontFamily&quot;:&quot;Arial&quot;},{&quot;charsets&quot;:{&quot;dynamicFormatted&quot;:[&quot;DCT_INTERACTIVITY_TEXT&quot;,&quot;DCT_INTERACTIVITY_SEMIBOLD_TEXT&quot;],&quot;dynamicPlain&quot;:[&quot;DCT_HYPERLINK_TOOLTIP&quot;],&quot;static&quot;:[&quot;Next&quot;,&quot;0123456789.,x&quot;,&quot;Speed&quot;,&quot;Yes&quot;,&quot;No&quot;,&quot;OK&quot;,&quot;Do you want to resume where you left off?&quot;,&quot;Complete the slide to go to the next one.&quot;,&quot;You can only view slides in order.&quot;,&quot;To advance to the next slide, complete this quiz.&quot;,&quot;To advance to this slide, you need to pass the quiz on slide %SLIDE_INDEX%.&quot;,&quot;To advance to this slide, complete the quiz on slide %SLIDE_INDEX%.&quot;,&quot;You haven't passed the quiz on slide %SLIDE_INDEX% and can't advance to the next slide.&quot;,&quot;To advance to the next slide, complete this interaction.&quot;,&quot;To advance to the next slide, complete this role-play.&quot;,&quot;To advance to this slide, you need to pass the role-play on slide %SLIDE_INDEX%.&quot;,&quot;To advance to this slide, complete the role-play on slide %SLIDE_INDEX%.&quot;,&quot;You haven't passed the role-play on slide %SLIDE_INDEX% and can't advance to the next slide.&quot;,&quot;Enter the password to view this presentation.&quot;,&quot;Incorrect password.&quot;,&quot;Sorry, the content author has prohibited sharing the presentation on this domain.&quot;,&quot;Sorry, the content author has prohibited viewing the presentation at this time.&quot;,&quot;Go back&quot;]},&quot;embedName&quot;:&quot;nPFnb&quot;,&quot;fontFamily&quot;:&quot;Arial&quot;,&quot;isBold&quot;:true,&quot;isItalic&quot;:false,&quot;isSemibold&quot;:false,&quot;substituteFontFamily&quot;:&quot;Arial&quot;},{&quot;charsets&quot;:{&quot;dynamicFormatted&quot;:[&quot;DCT_INTERACTIVITY_TEXT&quot;,&quot;DCT_INTERACTIVITY_SEMIBOLD_TEXT&quot;],&quot;dynamicPlain&quot;:[&quot;DCT_HYPERLINK_TOOLTIP&quot;],&quot;static&quot;:[&quot;Next&quot;,&quot;0123456789.,x&quot;,&quot;Speed&quot;,&quot;Yes&quot;,&quot;No&quot;,&quot;OK&quot;,&quot;Do you want to resume where you left off?&quot;,&quot;Complete the slide to go to the next one.&quot;,&quot;You can only view slides in order.&quot;,&quot;To advance to the next slide, complete this quiz.&quot;,&quot;To advance to this slide, you need to pass the quiz on slide %SLIDE_INDEX%.&quot;,&quot;To advance to this slide, complete the quiz on slide %SLIDE_INDEX%.&quot;,&quot;You haven't passed the quiz on slide %SLIDE_INDEX% and can't advance to the next slide.&quot;,&quot;To advance to the next slide, complete this interaction.&quot;,&quot;To advance to the next slide, complete this role-play.&quot;,&quot;To advance to this slide, you need to pass the role-play on slide %SLIDE_INDEX%.&quot;,&quot;To advance to this slide, complete the role-play on slide %SLIDE_INDEX%.&quot;,&quot;You haven't passed the role-play on slide %SLIDE_INDEX% and can't advance to the next slide.&quot;,&quot;Enter the password to view this presentation.&quot;,&quot;Incorrect password.&quot;,&quot;Sorry, the content author has prohibited sharing the presentation on this domain.&quot;,&quot;Sorry, the content author has prohibited viewing the presentation at this time.&quot;,&quot;Go back&quot;]},&quot;embedName&quot;:&quot;nPFni&quot;,&quot;fontFamily&quot;:&quot;Arial&quot;,&quot;isBold&quot;:false,&quot;isItalic&quot;:true,&quot;isSemibold&quot;:false,&quot;substituteFontFamily&quot;:&quot;Arial&quot;},{&quot;charsets&quot;:{&quot;dynamicFormatted&quot;:[&quot;DCT_INTERACTIVITY_TEXT&quot;,&quot;DCT_INTERACTIVITY_SEMIBOLD_TEXT&quot;],&quot;dynamicPlain&quot;:[&quot;DCT_HYPERLINK_TOOLTIP&quot;],&quot;static&quot;:[&quot;Next&quot;,&quot;0123456789.,x&quot;,&quot;Speed&quot;,&quot;Yes&quot;,&quot;No&quot;,&quot;OK&quot;,&quot;Do you want to resume where you left off?&quot;,&quot;Complete the slide to go to the next one.&quot;,&quot;You can only view slides in order.&quot;,&quot;To advance to the next slide, complete this quiz.&quot;,&quot;To advance to this slide, you need to pass the quiz on slide %SLIDE_INDEX%.&quot;,&quot;To advance to this slide, complete the quiz on slide %SLIDE_INDEX%.&quot;,&quot;You haven't passed the quiz on slide %SLIDE_INDEX% and can't advance to the next slide.&quot;,&quot;To advance to the next slide, complete this interaction.&quot;,&quot;To advance to the next slide, complete this role-play.&quot;,&quot;To advance to this slide, you need to pass the role-play on slide %SLIDE_INDEX%.&quot;,&quot;To advance to this slide, complete the role-play on slide %SLIDE_INDEX%.&quot;,&quot;You haven't passed the role-play on slide %SLIDE_INDEX% and can't advance to the next slide.&quot;,&quot;Enter the password to view this presentation.&quot;,&quot;Incorrect password.&quot;,&quot;Sorry, the content author has prohibited sharing the presentation on this domain.&quot;,&quot;Sorry, the content author has prohibited viewing the presentation at this time.&quot;,&quot;Go back&quot;]},&quot;embedName&quot;:&quot;nPFnbi&quot;,&quot;fontFamily&quot;:&quot;Arial&quot;,&quot;isBold&quot;:true,&quot;isItalic&quot;:true,&quot;isSemibold&quot;:false,&quot;substituteFontFamily&quot;:&quot;Arial&quot;},{&quot;charsets&quot;:{&quot;dynamicFormatted&quot;:[&quot;DCT_INTERACTIVITY_TEXT&quot;,&quot;DCT_INTERACTIVITY_SEMIBOLD_TEXT&quot;],&quot;dynamicPlain&quot;:[&quot;DCT_HYPERLINK_TOOLTIP&quot;],&quot;static&quot;:[&quot;Next&quot;,&quot;0123456789.,x&quot;,&quot;Speed&quot;,&quot;Yes&quot;,&quot;No&quot;,&quot;OK&quot;,&quot;Do you want to resume where you left off?&quot;,&quot;Complete the slide to go to the next one.&quot;,&quot;You can only view slides in order.&quot;,&quot;To advance to the next slide, complete this quiz.&quot;,&quot;To advance to this slide, you need to pass the quiz on slide %SLIDE_INDEX%.&quot;,&quot;To advance to this slide, complete the quiz on slide %SLIDE_INDEX%.&quot;,&quot;You haven't passed the quiz on slide %SLIDE_INDEX% and can't advance to the next slide.&quot;,&quot;To advance to the next slide, complete this interaction.&quot;,&quot;To advance to the next slide, complete this role-play.&quot;,&quot;To advance to this slide, you need to pass the role-play on slide %SLIDE_INDEX%.&quot;,&quot;To advance to this slide, complete the role-play on slide %SLIDE_INDEX%.&quot;,&quot;You haven't passed the role-play on slide %SLIDE_INDEX% and can't advance to the next slide.&quot;,&quot;Enter the password to view this presentation.&quot;,&quot;Incorrect password.&quot;,&quot;Sorry, the content author has prohibited sharing the presentation on this domain.&quot;,&quot;Sorry, the content author has prohibited viewing the presentation at this time.&quot;,&quot;Go back&quot;]},&quot;embedName&quot;:&quot;nPFnsb&quot;,&quot;fontFamily&quot;:&quot;Arial&quot;,&quot;isBold&quot;:false,&quot;isItalic&quot;:false,&quot;isSemibold&quot;:true,&quot;substituteFontFamily&quot;:&quot;Arial&quot;},{&quot;charsets&quot;:{&quot;dynamicFormatted&quot;:[&quot;DCT_INTERACTIVITY_TEXT&quot;,&quot;DCT_INTERACTIVITY_SEMIBOLD_TEXT&quot;],&quot;dynamicPlain&quot;:[&quot;DCT_HYPERLINK_TOOLTIP&quot;],&quot;static&quot;:[&quot;Next&quot;,&quot;0123456789.,x&quot;,&quot;Speed&quot;,&quot;Yes&quot;,&quot;No&quot;,&quot;OK&quot;,&quot;Do you want to resume where you left off?&quot;,&quot;Complete the slide to go to the next one.&quot;,&quot;You can only view slides in order.&quot;,&quot;To advance to the next slide, complete this quiz.&quot;,&quot;To advance to this slide, you need to pass the quiz on slide %SLIDE_INDEX%.&quot;,&quot;To advance to this slide, complete the quiz on slide %SLIDE_INDEX%.&quot;,&quot;You haven't passed the quiz on slide %SLIDE_INDEX% and can't advance to the next slide.&quot;,&quot;To advance to the next slide, complete this interaction.&quot;,&quot;To advance to the next slide, complete this role-play.&quot;,&quot;To advance to this slide, you need to pass the role-play on slide %SLIDE_INDEX%.&quot;,&quot;To advance to this slide, complete the role-play on slide %SLIDE_INDEX%.&quot;,&quot;You haven't passed the role-play on slide %SLIDE_INDEX% and can't advance to the next slide.&quot;,&quot;Enter the password to view this presentation.&quot;,&quot;Incorrect password.&quot;,&quot;Sorry, the content author has prohibited sharing the presentation on this domain.&quot;,&quot;Sorry, the content author has prohibited viewing the presentation at this time.&quot;,&quot;Go back&quot;]},&quot;embedName&quot;:&quot;nPFnsbi&quot;,&quot;fontFamily&quot;:&quot;Arial&quot;,&quot;isBold&quot;:false,&quot;isItalic&quot;:true,&quot;isSemibold&quot;:true,&quot;substituteFontFamily&quot;:&quot;Arial&quot;}],&quot;interactivity&quot;:{&quot;fullSupport&quot;:true}}}},&quot;ceipData&quot;:{&quot;playerMessages&quot;:&quot;builtin.en&quot;,&quot;playerNavigationAcceleration&quot;:true,&quot;playerNavigationAutoStart&quot;:true,&quot;playerNavigationEnableKeyboardNavigation&quot;:true,&quot;playerNavigationOnRestart&quot;:&quot;prompt&quot;,&quot;playerNavigationSaveAnimationStates&quot;:true,&quot;playerNavigationType&quot;:&quot;free&quot;,&quot;playerTheme&quot;:&quot;builtin.lightBlue&quot;,&quot;playerThemeBorderRadius&quot;:10,&quot;playerThemeColorScheme&quot;:&quot;builtin.lightBlue&quot;,&quot;playerThemeFont&quot;:&quot;Arial&quot;}}}"/>
+  <p:tag name="ISPRING_SCORM_RATE_QUIZZES" val="0"/>
+  <p:tag name="ISPRING_SCORM_PASSING_SCORE" val="0.000000"/>
   <p:tag name="ISPRING_SCORM_ENDPOINT" val="&lt;endpoint&gt;&lt;enable&gt;0&lt;/enable&gt;&lt;lrs&gt;https://&lt;/lrs&gt;&lt;auth&gt;0&lt;/auth&gt;&lt;login&gt;&lt;/login&gt;&lt;password&gt;&lt;/password&gt;&lt;key&gt;&lt;/key&gt;&lt;name&gt;&lt;/name&gt;&lt;email&gt;&lt;/email&gt;&lt;/endpoint&gt;&#10;"/>
 </p:tagLst>
 </file>
@@ -13176,8 +10143,8 @@
   <p:tag name="ISPRING_PLAYER_LAYOUT_TYPE" val="Full"/>
   <p:tag name="ISPRING_SLIDE_ID_2" val="{63B4AA51-2E8C-4BA8-B5A8-C7E7941CC9B4}"/>
   <p:tag name="GENSWF_ADVANCE_TIME" val="0.000"/>
+  <p:tag name="GENSWF_SLIDE_UID" val="{F8CA7E5C-B0DA-492C-838D-A9C512510393}:359"/>
   <p:tag name="ISPRING_SLIDE_BRANCHING_PROPERTIES" val="&lt;BranchingProperties&gt;&lt;nextAction&gt;&lt;action&gt;2&lt;/action&gt;&lt;slide&gt;347&lt;/slide&gt;&lt;/nextAction&gt;&lt;prevAction&gt;&lt;action&gt;0&lt;/action&gt;&lt;/prevAction&gt;&lt;lock&gt;0&lt;/lock&gt;&lt;/BranchingProperties&gt;&#10;"/>
-  <p:tag name="GENSWF_SLIDE_UID" val="{F8CA7E5C-B0DA-492C-838D-A9C512510393}:359"/>
 </p:tagLst>
 </file>
 
@@ -13214,8 +10181,8 @@
   <p:tag name="ISPRING_PLAYER_LAYOUT_TYPE" val="Full"/>
   <p:tag name="ISPRING_SLIDE_ID_2" val="{63B4AA51-2E8C-4BA8-B5A8-C7E7941CC9B4}"/>
   <p:tag name="GENSWF_ADVANCE_TIME" val="0.000"/>
+  <p:tag name="GENSWF_SLIDE_UID" val="{26108F15-541C-4C90-AEDA-FC8535F45505}:360"/>
   <p:tag name="ISPRING_SLIDE_BRANCHING_PROPERTIES" val="&lt;BranchingProperties&gt;&lt;nextAction&gt;&lt;action&gt;2&lt;/action&gt;&lt;slide&gt;347&lt;/slide&gt;&lt;/nextAction&gt;&lt;prevAction&gt;&lt;action&gt;0&lt;/action&gt;&lt;/prevAction&gt;&lt;lock&gt;0&lt;/lock&gt;&lt;/BranchingProperties&gt;&#10;"/>
-  <p:tag name="GENSWF_SLIDE_UID" val="{26108F15-541C-4C90-AEDA-FC8535F45505}:360"/>
 </p:tagLst>
 </file>
 
@@ -13233,8 +10200,8 @@
   <p:tag name="ISPRING_PLAYER_LAYOUT_TYPE" val="Full"/>
   <p:tag name="ISPRING_SLIDE_ID_2" val="{63B4AA51-2E8C-4BA8-B5A8-C7E7941CC9B4}"/>
   <p:tag name="GENSWF_ADVANCE_TIME" val="0.000"/>
+  <p:tag name="GENSWF_SLIDE_UID" val="{5F3DC5C0-862E-4261-82B8-4D15C817B12D}:361"/>
   <p:tag name="ISPRING_SLIDE_BRANCHING_PROPERTIES" val="&lt;BranchingProperties&gt;&lt;nextAction&gt;&lt;action&gt;2&lt;/action&gt;&lt;slide&gt;347&lt;/slide&gt;&lt;/nextAction&gt;&lt;prevAction&gt;&lt;action&gt;0&lt;/action&gt;&lt;/prevAction&gt;&lt;lock&gt;0&lt;/lock&gt;&lt;/BranchingProperties&gt;&#10;"/>
-  <p:tag name="GENSWF_SLIDE_UID" val="{5F3DC5C0-862E-4261-82B8-4D15C817B12D}:361"/>
 </p:tagLst>
 </file>
 
@@ -13246,18 +10213,20 @@
 
 <file path=ppt/tags/tag18.xml><?xml version="1.0" encoding="utf-8"?>
 <p:tagLst xmlns:a="http://schemas.openxmlformats.org/drawingml/2006/main" xmlns:r="http://schemas.openxmlformats.org/officeDocument/2006/relationships" xmlns:p="http://schemas.openxmlformats.org/presentationml/2006/main">
+  <p:tag name="ISPRING_CUSTOM_TIMING_USED" val="1"/>
   <p:tag name="ISPRING_SLIDE_INDENT_LEVEL" val="0"/>
-  <p:tag name="ISPRING_CUSTOM_TIMING_USED" val="1"/>
-  <p:tag name="ISPRING_SLIDE_ID_2" val="{42707736-AD57-4B34-8145-5B9D71B23F3E}"/>
+  <p:tag name="ISPRING_PRESENTER_ID" val="None"/>
+  <p:tag name="ISPRING_PLAYER_LAYOUT_TYPE" val="Full"/>
+  <p:tag name="ISPRING_SLIDE_ID_2" val="{63B4AA51-2E8C-4BA8-B5A8-C7E7941CC9B4}"/>
   <p:tag name="GENSWF_ADVANCE_TIME" val="0.000"/>
-  <p:tag name="GENSWF_SLIDE_UID" val="{139238CA-6D90-459F-8920-54BE7B87F385}:349"/>
-  <p:tag name="ISPRING_SLIDE_BRANCHING_PROPERTIES" val="&lt;BranchingProperties&gt;&lt;nextAction&gt;&lt;action&gt;0&lt;/action&gt;&lt;/nextAction&gt;&lt;prevAction&gt;&lt;action&gt;0&lt;/action&gt;&lt;/prevAction&gt;&lt;lock&gt;1&lt;/lock&gt;&lt;/BranchingProperties&gt;&#10;"/>
+  <p:tag name="GENSWF_SLIDE_UID" val="{5A55B365-F450-4560-8C30-5C91414AAA68}:357"/>
+  <p:tag name="ISPRING_SLIDE_BRANCHING_PROPERTIES" val="&lt;BranchingProperties&gt;&lt;nextAction&gt;&lt;action&gt;2&lt;/action&gt;&lt;slide&gt;347&lt;/slide&gt;&lt;/nextAction&gt;&lt;prevAction&gt;&lt;action&gt;0&lt;/action&gt;&lt;/prevAction&gt;&lt;lock&gt;0&lt;/lock&gt;&lt;/BranchingProperties&gt;&#10;"/>
 </p:tagLst>
 </file>
 
 <file path=ppt/tags/tag19.xml><?xml version="1.0" encoding="utf-8"?>
 <p:tagLst xmlns:a="http://schemas.openxmlformats.org/drawingml/2006/main" xmlns:r="http://schemas.openxmlformats.org/officeDocument/2006/relationships" xmlns:p="http://schemas.openxmlformats.org/presentationml/2006/main">
-  <p:tag name="ISPRING_CONTENTLIB_ASSET_META" val="{&quot;ai&quot;:&quot;unUEDybwzAn-tkVlXV9xww&quot;,&quot;gi&quot;:&quot;Ej1iyx-fZSq7S1bR4yCd0w&quot;,&quot;ti&quot;:&quot;characters&quot;,&quot;vs&quot;:{&quot;f&quot;:[4008,708],&quot;i&quot;:{&quot;d&quot;:&quot;unUEDybwzAn-tkVlXV9xww&quot;,&quot;p&quot;:true}},&quot;at&quot;:&quot;DEFAULT&quot;}"/>
+  <p:tag name="ISPRING_CONTENTLIB_ASSET_META" val="{&quot;ai&quot;:&quot;bOqdzof9iFE3yKOR5rv_dg&quot;,&quot;gi&quot;:&quot;KAZSStQ4xhDZa_Y2nmHCNA&quot;,&quot;ti&quot;:&quot;characters&quot;,&quot;vs&quot;:{&quot;f&quot;:[3603,708],&quot;i&quot;:{&quot;d&quot;:&quot;bOqdzof9iFE3yKOR5rv_dg&quot;,&quot;p&quot;:true}},&quot;at&quot;:&quot;DEFAULT&quot;}"/>
 </p:tagLst>
 </file>
 
@@ -13276,21 +10245,24 @@
 
 <file path=ppt/tags/tag20.xml><?xml version="1.0" encoding="utf-8"?>
 <p:tagLst xmlns:a="http://schemas.openxmlformats.org/drawingml/2006/main" xmlns:r="http://schemas.openxmlformats.org/officeDocument/2006/relationships" xmlns:p="http://schemas.openxmlformats.org/presentationml/2006/main">
+  <p:tag name="ISPRING_CUSTOM_TIMING_USED" val="1"/>
   <p:tag name="ISPRING_SLIDE_INDENT_LEVEL" val="0"/>
-  <p:tag name="ISPRING_CUSTOM_TIMING_USED" val="1"/>
-  <p:tag name="ISPRING_SLIDE_ID_2" val="{42707736-AD57-4B34-8145-5B9D71B23F3E}"/>
+  <p:tag name="ISPRING_PRESENTER_ID" val="None"/>
+  <p:tag name="ISPRING_PLAYER_LAYOUT_TYPE" val="Full"/>
+  <p:tag name="ISPRING_SLIDE_ID_2" val="{63B4AA51-2E8C-4BA8-B5A8-C7E7941CC9B4}"/>
   <p:tag name="GENSWF_ADVANCE_TIME" val="0.000"/>
-  <p:tag name="ISPRING_SLIDE_QUIZ_PROPERTIES" val="&lt;QuizProperties&gt;&lt;passAction&gt;&lt;action&gt;3&lt;/action&gt;&lt;/passAction&gt;&lt;failAction&gt;&lt;action&gt;3&lt;/action&gt;&lt;/failAction&gt;&lt;viewSlidesPolicy&gt;0&lt;/viewSlidesPolicy&gt;&lt;allowInterrupt&gt;1&lt;/allowInterrupt&gt;&lt;restartFailedQuiz&gt;0&lt;/restartFailedQuiz&gt;&lt;/QuizProperties&gt;&#10;"/>
-  <p:tag name="ISPRING_QUIZ_SHAPES_ADDED" val="1"/>
-  <p:tag name="ISPRING_RESOURCE_QUIZ" val="quiz1.quiz"/>
-  <p:tag name="GENSWF_SLIDE_UID" val="{99948010-F83B-4BBF-96E5-26576C385100}:350"/>
-  <p:tag name="ISPRING_QUIZ_FULL_PATH" val="C:\Users\hp\Desktop\Projects\Nabad\Nabad\psea\en\lessons\definition\quiz\quiz1.quiz"/>
-  <p:tag name="ISPRING_QUIZ_RELATIVE_PATH" val="definition\quiz\quiz1.quiz"/>
-  <p:tag name="ISPRING_SLIDE_BRANCHING_PROPERTIES" val="&lt;BranchingProperties&gt;&lt;nextAction&gt;&lt;action&gt;0&lt;/action&gt;&lt;/nextAction&gt;&lt;prevAction&gt;&lt;action&gt;0&lt;/action&gt;&lt;/prevAction&gt;&lt;lock&gt;0&lt;/lock&gt;&lt;/BranchingProperties&gt;&#10;"/>
+  <p:tag name="GENSWF_SLIDE_UID" val="{3485B16E-1F68-4995-A5A3-706AF322AD9C}:364"/>
+  <p:tag name="ISPRING_SLIDE_BRANCHING_PROPERTIES" val="&lt;BranchingProperties&gt;&lt;nextAction&gt;&lt;action&gt;2&lt;/action&gt;&lt;slide&gt;347&lt;/slide&gt;&lt;/nextAction&gt;&lt;prevAction&gt;&lt;action&gt;0&lt;/action&gt;&lt;/prevAction&gt;&lt;lock&gt;0&lt;/lock&gt;&lt;/BranchingProperties&gt;&#10;"/>
 </p:tagLst>
 </file>
 
 <file path=ppt/tags/tag21.xml><?xml version="1.0" encoding="utf-8"?>
+<p:tagLst xmlns:a="http://schemas.openxmlformats.org/drawingml/2006/main" xmlns:r="http://schemas.openxmlformats.org/officeDocument/2006/relationships" xmlns:p="http://schemas.openxmlformats.org/presentationml/2006/main">
+  <p:tag name="ISPRING_CONTENTLIB_ASSET_META" val="{&quot;ai&quot;:&quot;bOqdzof9iFE3yKOR5rv_dg&quot;,&quot;gi&quot;:&quot;KAZSStQ4xhDZa_Y2nmHCNA&quot;,&quot;ti&quot;:&quot;characters&quot;,&quot;vs&quot;:{&quot;f&quot;:[3603,708],&quot;i&quot;:{&quot;d&quot;:&quot;bOqdzof9iFE3yKOR5rv_dg&quot;,&quot;p&quot;:true}},&quot;at&quot;:&quot;DEFAULT&quot;}"/>
+</p:tagLst>
+</file>
+
+<file path=ppt/tags/tag22.xml><?xml version="1.0" encoding="utf-8"?>
 <p:tagLst xmlns:a="http://schemas.openxmlformats.org/drawingml/2006/main" xmlns:r="http://schemas.openxmlformats.org/officeDocument/2006/relationships" xmlns:p="http://schemas.openxmlformats.org/presentationml/2006/main">
   <p:tag name="ISPRING_CUSTOM_TIMING_USED" val="1"/>
   <p:tag name="ISPRING_SLIDE_INDENT_LEVEL" val="0"/>
@@ -13298,18 +10270,18 @@
   <p:tag name="ISPRING_PLAYER_LAYOUT_TYPE" val="Full"/>
   <p:tag name="ISPRING_SLIDE_ID_2" val="{63B4AA51-2E8C-4BA8-B5A8-C7E7941CC9B4}"/>
   <p:tag name="GENSWF_ADVANCE_TIME" val="0.000"/>
-  <p:tag name="GENSWF_SLIDE_UID" val="{D0107F5F-A6EB-4BCB-B5B7-4EB7782E069B}:356"/>
+  <p:tag name="GENSWF_SLIDE_UID" val="{5077FDBF-45C3-4FE9-A1B3-31D78E7BB861}:365"/>
   <p:tag name="ISPRING_SLIDE_BRANCHING_PROPERTIES" val="&lt;BranchingProperties&gt;&lt;nextAction&gt;&lt;action&gt;2&lt;/action&gt;&lt;slide&gt;347&lt;/slide&gt;&lt;/nextAction&gt;&lt;prevAction&gt;&lt;action&gt;0&lt;/action&gt;&lt;/prevAction&gt;&lt;lock&gt;0&lt;/lock&gt;&lt;/BranchingProperties&gt;&#10;"/>
 </p:tagLst>
 </file>
 
-<file path=ppt/tags/tag22.xml><?xml version="1.0" encoding="utf-8"?>
+<file path=ppt/tags/tag23.xml><?xml version="1.0" encoding="utf-8"?>
 <p:tagLst xmlns:a="http://schemas.openxmlformats.org/drawingml/2006/main" xmlns:r="http://schemas.openxmlformats.org/officeDocument/2006/relationships" xmlns:p="http://schemas.openxmlformats.org/presentationml/2006/main">
   <p:tag name="ISPRING_CONTENTLIB_ASSET_META" val="{&quot;ai&quot;:&quot;bOqdzof9iFE3yKOR5rv_dg&quot;,&quot;gi&quot;:&quot;KAZSStQ4xhDZa_Y2nmHCNA&quot;,&quot;ti&quot;:&quot;characters&quot;,&quot;vs&quot;:{&quot;f&quot;:[3603,708],&quot;i&quot;:{&quot;d&quot;:&quot;bOqdzof9iFE3yKOR5rv_dg&quot;,&quot;p&quot;:true}},&quot;at&quot;:&quot;DEFAULT&quot;}"/>
 </p:tagLst>
 </file>
 
-<file path=ppt/tags/tag23.xml><?xml version="1.0" encoding="utf-8"?>
+<file path=ppt/tags/tag24.xml><?xml version="1.0" encoding="utf-8"?>
 <p:tagLst xmlns:a="http://schemas.openxmlformats.org/drawingml/2006/main" xmlns:r="http://schemas.openxmlformats.org/officeDocument/2006/relationships" xmlns:p="http://schemas.openxmlformats.org/presentationml/2006/main">
   <p:tag name="ISPRING_CUSTOM_TIMING_USED" val="1"/>
   <p:tag name="ISPRING_SLIDE_INDENT_LEVEL" val="0"/>
@@ -13317,18 +10289,18 @@
   <p:tag name="ISPRING_PLAYER_LAYOUT_TYPE" val="Full"/>
   <p:tag name="ISPRING_SLIDE_ID_2" val="{63B4AA51-2E8C-4BA8-B5A8-C7E7941CC9B4}"/>
   <p:tag name="GENSWF_ADVANCE_TIME" val="0.000"/>
+  <p:tag name="GENSWF_SLIDE_UID" val="{386989B1-45D4-4A8A-87D8-E92DBDB42B00}:366"/>
   <p:tag name="ISPRING_SLIDE_BRANCHING_PROPERTIES" val="&lt;BranchingProperties&gt;&lt;nextAction&gt;&lt;action&gt;2&lt;/action&gt;&lt;slide&gt;347&lt;/slide&gt;&lt;/nextAction&gt;&lt;prevAction&gt;&lt;action&gt;0&lt;/action&gt;&lt;/prevAction&gt;&lt;lock&gt;0&lt;/lock&gt;&lt;/BranchingProperties&gt;&#10;"/>
-  <p:tag name="GENSWF_SLIDE_UID" val="{B091D18F-8EA4-4211-9951-DC6C54FCA248}:362"/>
 </p:tagLst>
 </file>
 
-<file path=ppt/tags/tag24.xml><?xml version="1.0" encoding="utf-8"?>
+<file path=ppt/tags/tag25.xml><?xml version="1.0" encoding="utf-8"?>
 <p:tagLst xmlns:a="http://schemas.openxmlformats.org/drawingml/2006/main" xmlns:r="http://schemas.openxmlformats.org/officeDocument/2006/relationships" xmlns:p="http://schemas.openxmlformats.org/presentationml/2006/main">
   <p:tag name="ISPRING_CONTENTLIB_ASSET_META" val="{&quot;ai&quot;:&quot;bOqdzof9iFE3yKOR5rv_dg&quot;,&quot;gi&quot;:&quot;KAZSStQ4xhDZa_Y2nmHCNA&quot;,&quot;ti&quot;:&quot;characters&quot;,&quot;vs&quot;:{&quot;f&quot;:[3603,708],&quot;i&quot;:{&quot;d&quot;:&quot;bOqdzof9iFE3yKOR5rv_dg&quot;,&quot;p&quot;:true}},&quot;at&quot;:&quot;DEFAULT&quot;}"/>
 </p:tagLst>
 </file>
 
-<file path=ppt/tags/tag25.xml><?xml version="1.0" encoding="utf-8"?>
+<file path=ppt/tags/tag26.xml><?xml version="1.0" encoding="utf-8"?>
 <p:tagLst xmlns:a="http://schemas.openxmlformats.org/drawingml/2006/main" xmlns:r="http://schemas.openxmlformats.org/officeDocument/2006/relationships" xmlns:p="http://schemas.openxmlformats.org/presentationml/2006/main">
   <p:tag name="ISPRING_CUSTOM_TIMING_USED" val="1"/>
   <p:tag name="ISPRING_SLIDE_INDENT_LEVEL" val="0"/>
@@ -13336,18 +10308,18 @@
   <p:tag name="ISPRING_PLAYER_LAYOUT_TYPE" val="Full"/>
   <p:tag name="ISPRING_SLIDE_ID_2" val="{63B4AA51-2E8C-4BA8-B5A8-C7E7941CC9B4}"/>
   <p:tag name="GENSWF_ADVANCE_TIME" val="0.000"/>
-  <p:tag name="ISPRING_SLIDE_BRANCHING_PROPERTIES" val="&lt;BranchingProperties&gt;&lt;nextAction&gt;&lt;action&gt;2&lt;/action&gt;&lt;slide&gt;347&lt;/slide&gt;&lt;/nextAction&gt;&lt;prevAction&gt;&lt;action&gt;0&lt;/action&gt;&lt;/prevAction&gt;&lt;lock&gt;0&lt;/lock&gt;&lt;/BranchingProperties&gt;&#10;"/>
-  <p:tag name="GENSWF_SLIDE_UID" val="{BABCCB12-3FE0-4989-A5BF-7267595B4858}:363"/>
+  <p:tag name="GENSWF_SLIDE_UID" val="{2A9FBFCF-A8C4-4914-AEDD-9E36155DAA3F}:368"/>
+  <p:tag name="ISPRING_SLIDE_BRANCHING_PROPERTIES" val="&lt;BranchingProperties&gt;&lt;nextAction&gt;&lt;action&gt;0&lt;/action&gt;&lt;/nextAction&gt;&lt;prevAction&gt;&lt;action&gt;0&lt;/action&gt;&lt;/prevAction&gt;&lt;lock&gt;1&lt;/lock&gt;&lt;/BranchingProperties&gt;&#10;"/>
 </p:tagLst>
 </file>
 
-<file path=ppt/tags/tag26.xml><?xml version="1.0" encoding="utf-8"?>
+<file path=ppt/tags/tag27.xml><?xml version="1.0" encoding="utf-8"?>
 <p:tagLst xmlns:a="http://schemas.openxmlformats.org/drawingml/2006/main" xmlns:r="http://schemas.openxmlformats.org/officeDocument/2006/relationships" xmlns:p="http://schemas.openxmlformats.org/presentationml/2006/main">
   <p:tag name="ISPRING_CONTENTLIB_ASSET_META" val="{&quot;ai&quot;:&quot;bOqdzof9iFE3yKOR5rv_dg&quot;,&quot;gi&quot;:&quot;KAZSStQ4xhDZa_Y2nmHCNA&quot;,&quot;ti&quot;:&quot;characters&quot;,&quot;vs&quot;:{&quot;f&quot;:[3603,708],&quot;i&quot;:{&quot;d&quot;:&quot;bOqdzof9iFE3yKOR5rv_dg&quot;,&quot;p&quot;:true}},&quot;at&quot;:&quot;DEFAULT&quot;}"/>
 </p:tagLst>
 </file>
 
-<file path=ppt/tags/tag27.xml><?xml version="1.0" encoding="utf-8"?>
+<file path=ppt/tags/tag28.xml><?xml version="1.0" encoding="utf-8"?>
 <p:tagLst xmlns:a="http://schemas.openxmlformats.org/drawingml/2006/main" xmlns:r="http://schemas.openxmlformats.org/officeDocument/2006/relationships" xmlns:p="http://schemas.openxmlformats.org/presentationml/2006/main">
   <p:tag name="ISPRING_CUSTOM_TIMING_USED" val="1"/>
   <p:tag name="ISPRING_SLIDE_INDENT_LEVEL" val="0"/>
@@ -13355,27 +10327,19 @@
   <p:tag name="ISPRING_PLAYER_LAYOUT_TYPE" val="Full"/>
   <p:tag name="ISPRING_SLIDE_ID_2" val="{63B4AA51-2E8C-4BA8-B5A8-C7E7941CC9B4}"/>
   <p:tag name="GENSWF_ADVANCE_TIME" val="0.000"/>
-  <p:tag name="GENSWF_SLIDE_UID" val="{5A55B365-F450-4560-8C30-5C91414AAA68}:357"/>
+  <p:tag name="ISPRING_SLIDE_QUIZ_PROPERTIES" val="&lt;QuizProperties&gt;&lt;passAction&gt;&lt;action&gt;3&lt;/action&gt;&lt;/passAction&gt;&lt;failAction&gt;&lt;action&gt;3&lt;/action&gt;&lt;/failAction&gt;&lt;viewSlidesPolicy&gt;0&lt;/viewSlidesPolicy&gt;&lt;allowInterrupt&gt;1&lt;/allowInterrupt&gt;&lt;restartFailedQuiz&gt;0&lt;/restartFailedQuiz&gt;&lt;/QuizProperties&gt;&#10;"/>
+  <p:tag name="ISPRING_QUIZ_SHAPES_ADDED" val="1"/>
+  <p:tag name="ISPRING_RESOURCE_QUIZ" val="quiz1.quiz"/>
+  <p:tag name="ISPRING_QUIZ_FULL_PATH" val="C:\Users\hp\Desktop\Projects\Nabad\Nabad\psea\en\lessons\definition\quiz\quiz1.quiz"/>
+  <p:tag name="ISPRING_QUIZ_RELATIVE_PATH" val="definition\quiz\quiz1.quiz"/>
+  <p:tag name="GENSWF_SLIDE_UID" val="{31CEBD8D-759D-4DA8-9894-BC5052579BFA}:367"/>
   <p:tag name="ISPRING_SLIDE_BRANCHING_PROPERTIES" val="&lt;BranchingProperties&gt;&lt;nextAction&gt;&lt;action&gt;2&lt;/action&gt;&lt;slide&gt;347&lt;/slide&gt;&lt;/nextAction&gt;&lt;prevAction&gt;&lt;action&gt;0&lt;/action&gt;&lt;/prevAction&gt;&lt;lock&gt;0&lt;/lock&gt;&lt;/BranchingProperties&gt;&#10;"/>
-</p:tagLst>
-</file>
-
-<file path=ppt/tags/tag28.xml><?xml version="1.0" encoding="utf-8"?>
-<p:tagLst xmlns:a="http://schemas.openxmlformats.org/drawingml/2006/main" xmlns:r="http://schemas.openxmlformats.org/officeDocument/2006/relationships" xmlns:p="http://schemas.openxmlformats.org/presentationml/2006/main">
-  <p:tag name="ISPRING_CONTENTLIB_ASSET_META" val="{&quot;ai&quot;:&quot;bOqdzof9iFE3yKOR5rv_dg&quot;,&quot;gi&quot;:&quot;KAZSStQ4xhDZa_Y2nmHCNA&quot;,&quot;ti&quot;:&quot;characters&quot;,&quot;vs&quot;:{&quot;f&quot;:[3603,708],&quot;i&quot;:{&quot;d&quot;:&quot;bOqdzof9iFE3yKOR5rv_dg&quot;,&quot;p&quot;:true}},&quot;at&quot;:&quot;DEFAULT&quot;}"/>
 </p:tagLst>
 </file>
 
 <file path=ppt/tags/tag29.xml><?xml version="1.0" encoding="utf-8"?>
 <p:tagLst xmlns:a="http://schemas.openxmlformats.org/drawingml/2006/main" xmlns:r="http://schemas.openxmlformats.org/officeDocument/2006/relationships" xmlns:p="http://schemas.openxmlformats.org/presentationml/2006/main">
-  <p:tag name="ISPRING_CUSTOM_TIMING_USED" val="1"/>
-  <p:tag name="ISPRING_SLIDE_INDENT_LEVEL" val="0"/>
-  <p:tag name="ISPRING_PRESENTER_ID" val="None"/>
-  <p:tag name="ISPRING_PLAYER_LAYOUT_TYPE" val="Full"/>
-  <p:tag name="ISPRING_SLIDE_ID_2" val="{63B4AA51-2E8C-4BA8-B5A8-C7E7941CC9B4}"/>
-  <p:tag name="GENSWF_ADVANCE_TIME" val="0.000"/>
-  <p:tag name="ISPRING_SLIDE_BRANCHING_PROPERTIES" val="&lt;BranchingProperties&gt;&lt;nextAction&gt;&lt;action&gt;2&lt;/action&gt;&lt;slide&gt;347&lt;/slide&gt;&lt;/nextAction&gt;&lt;prevAction&gt;&lt;action&gt;0&lt;/action&gt;&lt;/prevAction&gt;&lt;lock&gt;0&lt;/lock&gt;&lt;/BranchingProperties&gt;&#10;"/>
-  <p:tag name="GENSWF_SLIDE_UID" val="{3485B16E-1F68-4995-A5A3-706AF322AD9C}:364"/>
+  <p:tag name="ISPRING_CONTENTLIB_ASSET_META" val="{&quot;ai&quot;:&quot;bOqdzof9iFE3yKOR5rv_dg&quot;,&quot;gi&quot;:&quot;KAZSStQ4xhDZa_Y2nmHCNA&quot;,&quot;ti&quot;:&quot;characters&quot;,&quot;vs&quot;:{&quot;f&quot;:[3603,708],&quot;i&quot;:{&quot;d&quot;:&quot;bOqdzof9iFE3yKOR5rv_dg&quot;,&quot;p&quot;:true}},&quot;at&quot;:&quot;DEFAULT&quot;}"/>
 </p:tagLst>
 </file>
 
@@ -13387,88 +10351,6 @@
 
 <file path=ppt/tags/tag30.xml><?xml version="1.0" encoding="utf-8"?>
 <p:tagLst xmlns:a="http://schemas.openxmlformats.org/drawingml/2006/main" xmlns:r="http://schemas.openxmlformats.org/officeDocument/2006/relationships" xmlns:p="http://schemas.openxmlformats.org/presentationml/2006/main">
-  <p:tag name="ISPRING_CONTENTLIB_ASSET_META" val="{&quot;ai&quot;:&quot;bOqdzof9iFE3yKOR5rv_dg&quot;,&quot;gi&quot;:&quot;KAZSStQ4xhDZa_Y2nmHCNA&quot;,&quot;ti&quot;:&quot;characters&quot;,&quot;vs&quot;:{&quot;f&quot;:[3603,708],&quot;i&quot;:{&quot;d&quot;:&quot;bOqdzof9iFE3yKOR5rv_dg&quot;,&quot;p&quot;:true}},&quot;at&quot;:&quot;DEFAULT&quot;}"/>
-</p:tagLst>
-</file>
-
-<file path=ppt/tags/tag31.xml><?xml version="1.0" encoding="utf-8"?>
-<p:tagLst xmlns:a="http://schemas.openxmlformats.org/drawingml/2006/main" xmlns:r="http://schemas.openxmlformats.org/officeDocument/2006/relationships" xmlns:p="http://schemas.openxmlformats.org/presentationml/2006/main">
-  <p:tag name="ISPRING_CUSTOM_TIMING_USED" val="1"/>
-  <p:tag name="ISPRING_SLIDE_INDENT_LEVEL" val="0"/>
-  <p:tag name="ISPRING_PRESENTER_ID" val="None"/>
-  <p:tag name="ISPRING_PLAYER_LAYOUT_TYPE" val="Full"/>
-  <p:tag name="ISPRING_SLIDE_ID_2" val="{63B4AA51-2E8C-4BA8-B5A8-C7E7941CC9B4}"/>
-  <p:tag name="GENSWF_ADVANCE_TIME" val="0.000"/>
-  <p:tag name="ISPRING_SLIDE_BRANCHING_PROPERTIES" val="&lt;BranchingProperties&gt;&lt;nextAction&gt;&lt;action&gt;2&lt;/action&gt;&lt;slide&gt;347&lt;/slide&gt;&lt;/nextAction&gt;&lt;prevAction&gt;&lt;action&gt;0&lt;/action&gt;&lt;/prevAction&gt;&lt;lock&gt;0&lt;/lock&gt;&lt;/BranchingProperties&gt;&#10;"/>
-  <p:tag name="GENSWF_SLIDE_UID" val="{5077FDBF-45C3-4FE9-A1B3-31D78E7BB861}:365"/>
-</p:tagLst>
-</file>
-
-<file path=ppt/tags/tag32.xml><?xml version="1.0" encoding="utf-8"?>
-<p:tagLst xmlns:a="http://schemas.openxmlformats.org/drawingml/2006/main" xmlns:r="http://schemas.openxmlformats.org/officeDocument/2006/relationships" xmlns:p="http://schemas.openxmlformats.org/presentationml/2006/main">
-  <p:tag name="ISPRING_CONTENTLIB_ASSET_META" val="{&quot;ai&quot;:&quot;bOqdzof9iFE3yKOR5rv_dg&quot;,&quot;gi&quot;:&quot;KAZSStQ4xhDZa_Y2nmHCNA&quot;,&quot;ti&quot;:&quot;characters&quot;,&quot;vs&quot;:{&quot;f&quot;:[3603,708],&quot;i&quot;:{&quot;d&quot;:&quot;bOqdzof9iFE3yKOR5rv_dg&quot;,&quot;p&quot;:true}},&quot;at&quot;:&quot;DEFAULT&quot;}"/>
-</p:tagLst>
-</file>
-
-<file path=ppt/tags/tag33.xml><?xml version="1.0" encoding="utf-8"?>
-<p:tagLst xmlns:a="http://schemas.openxmlformats.org/drawingml/2006/main" xmlns:r="http://schemas.openxmlformats.org/officeDocument/2006/relationships" xmlns:p="http://schemas.openxmlformats.org/presentationml/2006/main">
-  <p:tag name="ISPRING_CUSTOM_TIMING_USED" val="1"/>
-  <p:tag name="ISPRING_SLIDE_INDENT_LEVEL" val="0"/>
-  <p:tag name="ISPRING_PRESENTER_ID" val="None"/>
-  <p:tag name="ISPRING_PLAYER_LAYOUT_TYPE" val="Full"/>
-  <p:tag name="ISPRING_SLIDE_ID_2" val="{63B4AA51-2E8C-4BA8-B5A8-C7E7941CC9B4}"/>
-  <p:tag name="GENSWF_ADVANCE_TIME" val="0.000"/>
-  <p:tag name="GENSWF_SLIDE_UID" val="{14612C23-F77F-489E-B5B3-70601A853313}:358"/>
-  <p:tag name="ISPRING_SLIDE_BRANCHING_PROPERTIES" val="&lt;BranchingProperties&gt;&lt;nextAction&gt;&lt;action&gt;2&lt;/action&gt;&lt;slide&gt;347&lt;/slide&gt;&lt;/nextAction&gt;&lt;prevAction&gt;&lt;action&gt;0&lt;/action&gt;&lt;/prevAction&gt;&lt;lock&gt;0&lt;/lock&gt;&lt;/BranchingProperties&gt;&#10;"/>
-</p:tagLst>
-</file>
-
-<file path=ppt/tags/tag34.xml><?xml version="1.0" encoding="utf-8"?>
-<p:tagLst xmlns:a="http://schemas.openxmlformats.org/drawingml/2006/main" xmlns:r="http://schemas.openxmlformats.org/officeDocument/2006/relationships" xmlns:p="http://schemas.openxmlformats.org/presentationml/2006/main">
-  <p:tag name="ISPRING_CONTENTLIB_ASSET_META" val="{&quot;ai&quot;:&quot;bOqdzof9iFE3yKOR5rv_dg&quot;,&quot;gi&quot;:&quot;KAZSStQ4xhDZa_Y2nmHCNA&quot;,&quot;ti&quot;:&quot;characters&quot;,&quot;vs&quot;:{&quot;f&quot;:[3603,708],&quot;i&quot;:{&quot;d&quot;:&quot;bOqdzof9iFE3yKOR5rv_dg&quot;,&quot;p&quot;:true}},&quot;at&quot;:&quot;DEFAULT&quot;}"/>
-</p:tagLst>
-</file>
-
-<file path=ppt/tags/tag35.xml><?xml version="1.0" encoding="utf-8"?>
-<p:tagLst xmlns:a="http://schemas.openxmlformats.org/drawingml/2006/main" xmlns:r="http://schemas.openxmlformats.org/officeDocument/2006/relationships" xmlns:p="http://schemas.openxmlformats.org/presentationml/2006/main">
-  <p:tag name="ISPRING_CUSTOM_TIMING_USED" val="1"/>
-  <p:tag name="ISPRING_SLIDE_INDENT_LEVEL" val="0"/>
-  <p:tag name="ISPRING_PRESENTER_ID" val="None"/>
-  <p:tag name="ISPRING_PLAYER_LAYOUT_TYPE" val="Full"/>
-  <p:tag name="ISPRING_SLIDE_ID_2" val="{63B4AA51-2E8C-4BA8-B5A8-C7E7941CC9B4}"/>
-  <p:tag name="GENSWF_ADVANCE_TIME" val="0.000"/>
-  <p:tag name="ISPRING_SLIDE_BRANCHING_PROPERTIES" val="&lt;BranchingProperties&gt;&lt;nextAction&gt;&lt;action&gt;2&lt;/action&gt;&lt;slide&gt;347&lt;/slide&gt;&lt;/nextAction&gt;&lt;prevAction&gt;&lt;action&gt;0&lt;/action&gt;&lt;/prevAction&gt;&lt;lock&gt;0&lt;/lock&gt;&lt;/BranchingProperties&gt;&#10;"/>
-  <p:tag name="GENSWF_SLIDE_UID" val="{7214BFC9-73BC-46E6-9032-B3D1DC32AEF1}:367"/>
-</p:tagLst>
-</file>
-
-<file path=ppt/tags/tag36.xml><?xml version="1.0" encoding="utf-8"?>
-<p:tagLst xmlns:a="http://schemas.openxmlformats.org/drawingml/2006/main" xmlns:r="http://schemas.openxmlformats.org/officeDocument/2006/relationships" xmlns:p="http://schemas.openxmlformats.org/presentationml/2006/main">
-  <p:tag name="ISPRING_CONTENTLIB_ASSET_META" val="{&quot;ai&quot;:&quot;bOqdzof9iFE3yKOR5rv_dg&quot;,&quot;gi&quot;:&quot;KAZSStQ4xhDZa_Y2nmHCNA&quot;,&quot;ti&quot;:&quot;characters&quot;,&quot;vs&quot;:{&quot;f&quot;:[3603,708],&quot;i&quot;:{&quot;d&quot;:&quot;bOqdzof9iFE3yKOR5rv_dg&quot;,&quot;p&quot;:true}},&quot;at&quot;:&quot;DEFAULT&quot;}"/>
-</p:tagLst>
-</file>
-
-<file path=ppt/tags/tag37.xml><?xml version="1.0" encoding="utf-8"?>
-<p:tagLst xmlns:a="http://schemas.openxmlformats.org/drawingml/2006/main" xmlns:r="http://schemas.openxmlformats.org/officeDocument/2006/relationships" xmlns:p="http://schemas.openxmlformats.org/presentationml/2006/main">
-  <p:tag name="ISPRING_CUSTOM_TIMING_USED" val="1"/>
-  <p:tag name="ISPRING_SLIDE_INDENT_LEVEL" val="0"/>
-  <p:tag name="ISPRING_PRESENTER_ID" val="None"/>
-  <p:tag name="ISPRING_PLAYER_LAYOUT_TYPE" val="Full"/>
-  <p:tag name="ISPRING_SLIDE_ID_2" val="{63B4AA51-2E8C-4BA8-B5A8-C7E7941CC9B4}"/>
-  <p:tag name="GENSWF_ADVANCE_TIME" val="0.000"/>
-  <p:tag name="ISPRING_SLIDE_BRANCHING_PROPERTIES" val="&lt;BranchingProperties&gt;&lt;nextAction&gt;&lt;action&gt;2&lt;/action&gt;&lt;slide&gt;347&lt;/slide&gt;&lt;/nextAction&gt;&lt;prevAction&gt;&lt;action&gt;0&lt;/action&gt;&lt;/prevAction&gt;&lt;lock&gt;0&lt;/lock&gt;&lt;/BranchingProperties&gt;&#10;"/>
-  <p:tag name="GENSWF_SLIDE_UID" val="{386989B1-45D4-4A8A-87D8-E92DBDB42B00}:366"/>
-</p:tagLst>
-</file>
-
-<file path=ppt/tags/tag38.xml><?xml version="1.0" encoding="utf-8"?>
-<p:tagLst xmlns:a="http://schemas.openxmlformats.org/drawingml/2006/main" xmlns:r="http://schemas.openxmlformats.org/officeDocument/2006/relationships" xmlns:p="http://schemas.openxmlformats.org/presentationml/2006/main">
-  <p:tag name="ISPRING_CONTENTLIB_ASSET_META" val="{&quot;ai&quot;:&quot;bOqdzof9iFE3yKOR5rv_dg&quot;,&quot;gi&quot;:&quot;KAZSStQ4xhDZa_Y2nmHCNA&quot;,&quot;ti&quot;:&quot;characters&quot;,&quot;vs&quot;:{&quot;f&quot;:[3603,708],&quot;i&quot;:{&quot;d&quot;:&quot;bOqdzof9iFE3yKOR5rv_dg&quot;,&quot;p&quot;:true}},&quot;at&quot;:&quot;DEFAULT&quot;}"/>
-</p:tagLst>
-</file>
-
-<file path=ppt/tags/tag39.xml><?xml version="1.0" encoding="utf-8"?>
-<p:tagLst xmlns:a="http://schemas.openxmlformats.org/drawingml/2006/main" xmlns:r="http://schemas.openxmlformats.org/officeDocument/2006/relationships" xmlns:p="http://schemas.openxmlformats.org/presentationml/2006/main">
   <p:tag name="ISPRING_SLIDE_INDENT_LEVEL" val="0"/>
   <p:tag name="ISPRING_CUSTOM_TIMING_USED" val="1"/>
   <p:tag name="ISPRING_SLIDE_ID_2" val="{42707736-AD57-4B34-8145-5B9D71B23F3E}"/>
@@ -13478,7 +10360,32 @@
 </p:tagLst>
 </file>
 
+<file path=ppt/tags/tag31.xml><?xml version="1.0" encoding="utf-8"?>
+<p:tagLst xmlns:a="http://schemas.openxmlformats.org/drawingml/2006/main" xmlns:r="http://schemas.openxmlformats.org/officeDocument/2006/relationships" xmlns:p="http://schemas.openxmlformats.org/presentationml/2006/main">
+  <p:tag name="ISPRING_CONTENTLIB_ASSET_META" val="{&quot;ai&quot;:&quot;unUEDybwzAn-tkVlXV9xww&quot;,&quot;gi&quot;:&quot;Ej1iyx-fZSq7S1bR4yCd0w&quot;,&quot;ti&quot;:&quot;characters&quot;,&quot;vs&quot;:{&quot;f&quot;:[4008,708],&quot;i&quot;:{&quot;d&quot;:&quot;unUEDybwzAn-tkVlXV9xww&quot;,&quot;p&quot;:true}},&quot;at&quot;:&quot;DEFAULT&quot;}"/>
+</p:tagLst>
+</file>
+
 <file path=ppt/tags/tag4.xml><?xml version="1.0" encoding="utf-8"?>
+<p:tagLst xmlns:a="http://schemas.openxmlformats.org/drawingml/2006/main" xmlns:r="http://schemas.openxmlformats.org/officeDocument/2006/relationships" xmlns:p="http://schemas.openxmlformats.org/presentationml/2006/main">
+  <p:tag name="ISPRING_CUSTOM_TIMING_USED" val="1"/>
+  <p:tag name="ISPRING_SLIDE_INDENT_LEVEL" val="0"/>
+  <p:tag name="ISPRING_PRESENTER_ID" val="None"/>
+  <p:tag name="ISPRING_PLAYER_LAYOUT_TYPE" val="Full"/>
+  <p:tag name="ISPRING_SLIDE_ID_2" val="{63B4AA51-2E8C-4BA8-B5A8-C7E7941CC9B4}"/>
+  <p:tag name="GENSWF_ADVANCE_TIME" val="0.000"/>
+  <p:tag name="GENSWF_SLIDE_UID" val="{47D4A6CE-0640-4505-8D43-744F27124B47}:353"/>
+  <p:tag name="ISPRING_SLIDE_BRANCHING_PROPERTIES" val="&lt;BranchingProperties&gt;&lt;nextAction&gt;&lt;action&gt;2&lt;/action&gt;&lt;slide&gt;347&lt;/slide&gt;&lt;/nextAction&gt;&lt;prevAction&gt;&lt;action&gt;0&lt;/action&gt;&lt;/prevAction&gt;&lt;lock&gt;0&lt;/lock&gt;&lt;/BranchingProperties&gt;&#10;"/>
+</p:tagLst>
+</file>
+
+<file path=ppt/tags/tag5.xml><?xml version="1.0" encoding="utf-8"?>
+<p:tagLst xmlns:a="http://schemas.openxmlformats.org/drawingml/2006/main" xmlns:r="http://schemas.openxmlformats.org/officeDocument/2006/relationships" xmlns:p="http://schemas.openxmlformats.org/presentationml/2006/main">
+  <p:tag name="ISPRING_CONTENTLIB_ASSET_META" val="{&quot;ai&quot;:&quot;bOqdzof9iFE3yKOR5rv_dg&quot;,&quot;gi&quot;:&quot;KAZSStQ4xhDZa_Y2nmHCNA&quot;,&quot;ti&quot;:&quot;characters&quot;,&quot;vs&quot;:{&quot;f&quot;:[3603,708],&quot;i&quot;:{&quot;d&quot;:&quot;bOqdzof9iFE3yKOR5rv_dg&quot;,&quot;p&quot;:true}},&quot;at&quot;:&quot;DEFAULT&quot;}"/>
+</p:tagLst>
+</file>
+
+<file path=ppt/tags/tag6.xml><?xml version="1.0" encoding="utf-8"?>
 <p:tagLst xmlns:a="http://schemas.openxmlformats.org/drawingml/2006/main" xmlns:r="http://schemas.openxmlformats.org/officeDocument/2006/relationships" xmlns:p="http://schemas.openxmlformats.org/presentationml/2006/main">
   <p:tag name="ISPRING_CUSTOM_TIMING_USED" val="1"/>
   <p:tag name="ISPRING_SLIDE_INDENT_LEVEL" val="0"/>
@@ -13491,34 +10398,9 @@
 </p:tagLst>
 </file>
 
-<file path=ppt/tags/tag40.xml><?xml version="1.0" encoding="utf-8"?>
+<file path=ppt/tags/tag7.xml><?xml version="1.0" encoding="utf-8"?>
 <p:tagLst xmlns:a="http://schemas.openxmlformats.org/drawingml/2006/main" xmlns:r="http://schemas.openxmlformats.org/officeDocument/2006/relationships" xmlns:p="http://schemas.openxmlformats.org/presentationml/2006/main">
   <p:tag name="ISPRING_CONTENTLIB_ASSET_META" val="{&quot;ai&quot;:&quot;unUEDybwzAn-tkVlXV9xww&quot;,&quot;gi&quot;:&quot;Ej1iyx-fZSq7S1bR4yCd0w&quot;,&quot;ti&quot;:&quot;characters&quot;,&quot;vs&quot;:{&quot;f&quot;:[4008,708],&quot;i&quot;:{&quot;d&quot;:&quot;unUEDybwzAn-tkVlXV9xww&quot;,&quot;p&quot;:true}},&quot;at&quot;:&quot;DEFAULT&quot;}"/>
-</p:tagLst>
-</file>
-
-<file path=ppt/tags/tag5.xml><?xml version="1.0" encoding="utf-8"?>
-<p:tagLst xmlns:a="http://schemas.openxmlformats.org/drawingml/2006/main" xmlns:r="http://schemas.openxmlformats.org/officeDocument/2006/relationships" xmlns:p="http://schemas.openxmlformats.org/presentationml/2006/main">
-  <p:tag name="ISPRING_CONTENTLIB_ASSET_META" val="{&quot;ai&quot;:&quot;unUEDybwzAn-tkVlXV9xww&quot;,&quot;gi&quot;:&quot;Ej1iyx-fZSq7S1bR4yCd0w&quot;,&quot;ti&quot;:&quot;characters&quot;,&quot;vs&quot;:{&quot;f&quot;:[4008,708],&quot;i&quot;:{&quot;d&quot;:&quot;unUEDybwzAn-tkVlXV9xww&quot;,&quot;p&quot;:true}},&quot;at&quot;:&quot;DEFAULT&quot;}"/>
-</p:tagLst>
-</file>
-
-<file path=ppt/tags/tag6.xml><?xml version="1.0" encoding="utf-8"?>
-<p:tagLst xmlns:a="http://schemas.openxmlformats.org/drawingml/2006/main" xmlns:r="http://schemas.openxmlformats.org/officeDocument/2006/relationships" xmlns:p="http://schemas.openxmlformats.org/presentationml/2006/main">
-  <p:tag name="ISPRING_CUSTOM_TIMING_USED" val="1"/>
-  <p:tag name="ISPRING_SLIDE_INDENT_LEVEL" val="0"/>
-  <p:tag name="ISPRING_PRESENTER_ID" val="None"/>
-  <p:tag name="ISPRING_PLAYER_LAYOUT_TYPE" val="Full"/>
-  <p:tag name="ISPRING_SLIDE_ID_2" val="{63B4AA51-2E8C-4BA8-B5A8-C7E7941CC9B4}"/>
-  <p:tag name="GENSWF_ADVANCE_TIME" val="0.000"/>
-  <p:tag name="GENSWF_SLIDE_UID" val="{47D4A6CE-0640-4505-8D43-744F27124B47}:353"/>
-  <p:tag name="ISPRING_SLIDE_BRANCHING_PROPERTIES" val="&lt;BranchingProperties&gt;&lt;nextAction&gt;&lt;action&gt;2&lt;/action&gt;&lt;slide&gt;347&lt;/slide&gt;&lt;/nextAction&gt;&lt;prevAction&gt;&lt;action&gt;0&lt;/action&gt;&lt;/prevAction&gt;&lt;lock&gt;0&lt;/lock&gt;&lt;/BranchingProperties&gt;&#10;"/>
-</p:tagLst>
-</file>
-
-<file path=ppt/tags/tag7.xml><?xml version="1.0" encoding="utf-8"?>
-<p:tagLst xmlns:a="http://schemas.openxmlformats.org/drawingml/2006/main" xmlns:r="http://schemas.openxmlformats.org/officeDocument/2006/relationships" xmlns:p="http://schemas.openxmlformats.org/presentationml/2006/main">
-  <p:tag name="ISPRING_CONTENTLIB_ASSET_META" val="{&quot;ai&quot;:&quot;bOqdzof9iFE3yKOR5rv_dg&quot;,&quot;gi&quot;:&quot;KAZSStQ4xhDZa_Y2nmHCNA&quot;,&quot;ti&quot;:&quot;characters&quot;,&quot;vs&quot;:{&quot;f&quot;:[3603,708],&quot;i&quot;:{&quot;d&quot;:&quot;bOqdzof9iFE3yKOR5rv_dg&quot;,&quot;p&quot;:true}},&quot;at&quot;:&quot;DEFAULT&quot;}"/>
 </p:tagLst>
 </file>
 
